--- a/Präsentation.pptx
+++ b/Präsentation.pptx
@@ -5,7 +5,7 @@
     <p:sldMasterId id="2147483648" r:id="rId1"/>
   </p:sldMasterIdLst>
   <p:notesMasterIdLst>
-    <p:notesMasterId r:id="rId11"/>
+    <p:notesMasterId r:id="rId15"/>
   </p:notesMasterIdLst>
   <p:sldIdLst>
     <p:sldId id="260" r:id="rId2"/>
@@ -17,6 +17,10 @@
     <p:sldId id="262" r:id="rId8"/>
     <p:sldId id="256" r:id="rId9"/>
     <p:sldId id="258" r:id="rId10"/>
+    <p:sldId id="267" r:id="rId11"/>
+    <p:sldId id="268" r:id="rId12"/>
+    <p:sldId id="269" r:id="rId13"/>
+    <p:sldId id="270" r:id="rId14"/>
   </p:sldIdLst>
   <p:sldSz cx="9144000" cy="6858000" type="screen4x3"/>
   <p:notesSz cx="6692900" cy="10072688"/>
@@ -290,7 +294,7 @@
               <a:pPr>
                 <a:defRPr/>
               </a:pPr>
-              <a:t>02.02.2021</a:t>
+              <a:t>02.02.21</a:t>
             </a:fld>
             <a:endParaRPr lang="de-DE"/>
           </a:p>
@@ -3503,6 +3507,827 @@
     <p:extLst>
       <p:ext uri="{BB962C8B-B14F-4D97-AF65-F5344CB8AC3E}">
         <p14:creationId xmlns:p14="http://schemas.microsoft.com/office/powerpoint/2010/main" val="507509078"/>
+      </p:ext>
+    </p:extLst>
+  </p:cSld>
+  <p:clrMapOvr>
+    <a:masterClrMapping/>
+  </p:clrMapOvr>
+</p:sld>
+</file>
+
+<file path=ppt/slides/slide10.xml><?xml version="1.0" encoding="utf-8"?>
+<p:sld xmlns:a="http://schemas.openxmlformats.org/drawingml/2006/main" xmlns:r="http://schemas.openxmlformats.org/officeDocument/2006/relationships" xmlns:p="http://schemas.openxmlformats.org/presentationml/2006/main">
+  <p:cSld>
+    <p:spTree>
+      <p:nvGrpSpPr>
+        <p:cNvPr id="1" name=""/>
+        <p:cNvGrpSpPr/>
+        <p:nvPr/>
+      </p:nvGrpSpPr>
+      <p:grpSpPr>
+        <a:xfrm>
+          <a:off x="0" y="0"/>
+          <a:ext cx="0" cy="0"/>
+          <a:chOff x="0" y="0"/>
+          <a:chExt cx="0" cy="0"/>
+        </a:xfrm>
+      </p:grpSpPr>
+      <p:sp>
+        <p:nvSpPr>
+          <p:cNvPr id="2" name="Titel 1">
+            <a:extLst>
+              <a:ext uri="{FF2B5EF4-FFF2-40B4-BE49-F238E27FC236}">
+                <a16:creationId xmlns:a16="http://schemas.microsoft.com/office/drawing/2014/main" id="{1F0B2DD4-3EBE-4F2F-AA5C-CA3D33F8AC9C}"/>
+              </a:ext>
+            </a:extLst>
+          </p:cNvPr>
+          <p:cNvSpPr>
+            <a:spLocks noGrp="1"/>
+          </p:cNvSpPr>
+          <p:nvPr>
+            <p:ph type="title"/>
+          </p:nvPr>
+        </p:nvSpPr>
+        <p:spPr>
+          <a:xfrm>
+            <a:off x="275526" y="416664"/>
+            <a:ext cx="5934075" cy="926481"/>
+          </a:xfrm>
+        </p:spPr>
+        <p:txBody>
+          <a:bodyPr/>
+          <a:lstStyle/>
+          <a:p>
+            <a:r>
+              <a:rPr lang="de-DE" dirty="0"/>
+              <a:t>Elementsteine - Design</a:t>
+            </a:r>
+          </a:p>
+        </p:txBody>
+      </p:sp>
+      <p:sp>
+        <p:nvSpPr>
+          <p:cNvPr id="3" name="Inhaltsplatzhalter 2">
+            <a:extLst>
+              <a:ext uri="{FF2B5EF4-FFF2-40B4-BE49-F238E27FC236}">
+                <a16:creationId xmlns:a16="http://schemas.microsoft.com/office/drawing/2014/main" id="{EE03C0FD-EEB0-4FC7-9103-5B1DEF20402F}"/>
+              </a:ext>
+            </a:extLst>
+          </p:cNvPr>
+          <p:cNvSpPr>
+            <a:spLocks noGrp="1"/>
+          </p:cNvSpPr>
+          <p:nvPr>
+            <p:ph idx="1"/>
+          </p:nvPr>
+        </p:nvSpPr>
+        <p:spPr>
+          <a:xfrm>
+            <a:off x="256071" y="1343146"/>
+            <a:ext cx="8003692" cy="4939758"/>
+          </a:xfrm>
+        </p:spPr>
+        <p:txBody>
+          <a:bodyPr/>
+          <a:lstStyle/>
+          <a:p>
+            <a:r>
+              <a:rPr lang="de-DE" dirty="0"/>
+              <a:t>Unterschiedliche Designs für unterschiedliche Programmierelementtypen</a:t>
+            </a:r>
+          </a:p>
+          <a:p>
+            <a:r>
+              <a:rPr lang="de-DE" dirty="0"/>
+              <a:t>Idee: Spieler soll an der Form des Steins erkennen, um welchen Typen es sich handelt (wenn möglich)</a:t>
+            </a:r>
+          </a:p>
+          <a:p>
+            <a:endParaRPr lang="de-DE" dirty="0"/>
+          </a:p>
+          <a:p>
+            <a:endParaRPr lang="de-DE" dirty="0"/>
+          </a:p>
+          <a:p>
+            <a:endParaRPr lang="de-DE" dirty="0"/>
+          </a:p>
+          <a:p>
+            <a:endParaRPr lang="de-DE" dirty="0"/>
+          </a:p>
+          <a:p>
+            <a:endParaRPr lang="de-DE" dirty="0"/>
+          </a:p>
+          <a:p>
+            <a:endParaRPr lang="de-DE" dirty="0"/>
+          </a:p>
+          <a:p>
+            <a:r>
+              <a:rPr lang="de-DE" dirty="0"/>
+              <a:t>Zudem 3D-Schrift auf den Steinen, um </a:t>
+            </a:r>
+            <a:r>
+              <a:rPr lang="de-DE" dirty="0" err="1"/>
+              <a:t>Programmierelementyp</a:t>
+            </a:r>
+            <a:r>
+              <a:rPr lang="de-DE" dirty="0"/>
+              <a:t> zu verdeutlichen</a:t>
+            </a:r>
+          </a:p>
+          <a:p>
+            <a:endParaRPr lang="de-DE" dirty="0"/>
+          </a:p>
+          <a:p>
+            <a:endParaRPr lang="de-DE" dirty="0"/>
+          </a:p>
+          <a:p>
+            <a:endParaRPr lang="de-DE" dirty="0"/>
+          </a:p>
+          <a:p>
+            <a:endParaRPr lang="de-DE" dirty="0"/>
+          </a:p>
+          <a:p>
+            <a:endParaRPr lang="de-DE" dirty="0"/>
+          </a:p>
+        </p:txBody>
+      </p:sp>
+      <p:pic>
+        <p:nvPicPr>
+          <p:cNvPr id="5" name="Grafik 4">
+            <a:extLst>
+              <a:ext uri="{FF2B5EF4-FFF2-40B4-BE49-F238E27FC236}">
+                <a16:creationId xmlns:a16="http://schemas.microsoft.com/office/drawing/2014/main" id="{BDFA8C0A-B84B-BF46-AC8B-3E84954DB652}"/>
+              </a:ext>
+            </a:extLst>
+          </p:cNvPr>
+          <p:cNvPicPr>
+            <a:picLocks noChangeAspect="1"/>
+          </p:cNvPicPr>
+          <p:nvPr/>
+        </p:nvPicPr>
+        <p:blipFill>
+          <a:blip r:embed="rId2">
+            <a:extLst>
+              <a:ext uri="{28A0092B-C50C-407E-A947-70E740481C1C}">
+                <a14:useLocalDpi xmlns:a14="http://schemas.microsoft.com/office/drawing/2010/main" val="0"/>
+              </a:ext>
+            </a:extLst>
+          </a:blip>
+          <a:stretch>
+            <a:fillRect/>
+          </a:stretch>
+        </p:blipFill>
+        <p:spPr>
+          <a:xfrm>
+            <a:off x="3572536" y="2052865"/>
+            <a:ext cx="2354036" cy="2150379"/>
+          </a:xfrm>
+          <a:prstGeom prst="rect">
+            <a:avLst/>
+          </a:prstGeom>
+        </p:spPr>
+      </p:pic>
+      <p:pic>
+        <p:nvPicPr>
+          <p:cNvPr id="7" name="Grafik 6">
+            <a:extLst>
+              <a:ext uri="{FF2B5EF4-FFF2-40B4-BE49-F238E27FC236}">
+                <a16:creationId xmlns:a16="http://schemas.microsoft.com/office/drawing/2014/main" id="{A7874900-1D54-464B-B3EF-15DB6F09519B}"/>
+              </a:ext>
+            </a:extLst>
+          </p:cNvPr>
+          <p:cNvPicPr>
+            <a:picLocks noChangeAspect="1"/>
+          </p:cNvPicPr>
+          <p:nvPr/>
+        </p:nvPicPr>
+        <p:blipFill>
+          <a:blip r:embed="rId3">
+            <a:extLst>
+              <a:ext uri="{28A0092B-C50C-407E-A947-70E740481C1C}">
+                <a14:useLocalDpi xmlns:a14="http://schemas.microsoft.com/office/drawing/2010/main" val="0"/>
+              </a:ext>
+            </a:extLst>
+          </a:blip>
+          <a:stretch>
+            <a:fillRect/>
+          </a:stretch>
+        </p:blipFill>
+        <p:spPr>
+          <a:xfrm>
+            <a:off x="3572536" y="4782335"/>
+            <a:ext cx="2354036" cy="1622625"/>
+          </a:xfrm>
+          <a:prstGeom prst="rect">
+            <a:avLst/>
+          </a:prstGeom>
+        </p:spPr>
+      </p:pic>
+    </p:spTree>
+    <p:extLst>
+      <p:ext uri="{BB962C8B-B14F-4D97-AF65-F5344CB8AC3E}">
+        <p14:creationId xmlns:p14="http://schemas.microsoft.com/office/powerpoint/2010/main" val="1322882623"/>
+      </p:ext>
+    </p:extLst>
+  </p:cSld>
+  <p:clrMapOvr>
+    <a:masterClrMapping/>
+  </p:clrMapOvr>
+</p:sld>
+</file>
+
+<file path=ppt/slides/slide11.xml><?xml version="1.0" encoding="utf-8"?>
+<p:sld xmlns:a="http://schemas.openxmlformats.org/drawingml/2006/main" xmlns:r="http://schemas.openxmlformats.org/officeDocument/2006/relationships" xmlns:p="http://schemas.openxmlformats.org/presentationml/2006/main">
+  <p:cSld>
+    <p:spTree>
+      <p:nvGrpSpPr>
+        <p:cNvPr id="1" name=""/>
+        <p:cNvGrpSpPr/>
+        <p:nvPr/>
+      </p:nvGrpSpPr>
+      <p:grpSpPr>
+        <a:xfrm>
+          <a:off x="0" y="0"/>
+          <a:ext cx="0" cy="0"/>
+          <a:chOff x="0" y="0"/>
+          <a:chExt cx="0" cy="0"/>
+        </a:xfrm>
+      </p:grpSpPr>
+      <p:sp>
+        <p:nvSpPr>
+          <p:cNvPr id="2" name="Titel 1">
+            <a:extLst>
+              <a:ext uri="{FF2B5EF4-FFF2-40B4-BE49-F238E27FC236}">
+                <a16:creationId xmlns:a16="http://schemas.microsoft.com/office/drawing/2014/main" id="{AB42AAF8-A349-A049-87E2-ACB78B1697E2}"/>
+              </a:ext>
+            </a:extLst>
+          </p:cNvPr>
+          <p:cNvSpPr>
+            <a:spLocks noGrp="1"/>
+          </p:cNvSpPr>
+          <p:nvPr>
+            <p:ph type="title"/>
+          </p:nvPr>
+        </p:nvSpPr>
+        <p:spPr>
+          <a:xfrm>
+            <a:off x="275526" y="416664"/>
+            <a:ext cx="5934075" cy="748107"/>
+          </a:xfrm>
+        </p:spPr>
+        <p:txBody>
+          <a:bodyPr/>
+          <a:lstStyle/>
+          <a:p>
+            <a:r>
+              <a:rPr lang="de-DE" dirty="0"/>
+              <a:t>Elementsteine – Design </a:t>
+            </a:r>
+          </a:p>
+        </p:txBody>
+      </p:sp>
+      <p:sp>
+        <p:nvSpPr>
+          <p:cNvPr id="3" name="Inhaltsplatzhalter 2">
+            <a:extLst>
+              <a:ext uri="{FF2B5EF4-FFF2-40B4-BE49-F238E27FC236}">
+                <a16:creationId xmlns:a16="http://schemas.microsoft.com/office/drawing/2014/main" id="{4400DFE7-3A95-6F46-86FB-7A1E67BD7DCD}"/>
+              </a:ext>
+            </a:extLst>
+          </p:cNvPr>
+          <p:cNvSpPr>
+            <a:spLocks noGrp="1"/>
+          </p:cNvSpPr>
+          <p:nvPr>
+            <p:ph idx="1"/>
+          </p:nvPr>
+        </p:nvSpPr>
+        <p:spPr>
+          <a:xfrm>
+            <a:off x="256071" y="1284514"/>
+            <a:ext cx="8003692" cy="4998389"/>
+          </a:xfrm>
+        </p:spPr>
+        <p:txBody>
+          <a:bodyPr/>
+          <a:lstStyle/>
+          <a:p>
+            <a:r>
+              <a:rPr lang="de-DE" dirty="0"/>
+              <a:t>Programmierelementtypen, die zusammengehören, sollen auch als zusammengehörig dargestellt werden </a:t>
+            </a:r>
+          </a:p>
+          <a:p>
+            <a:r>
+              <a:rPr lang="de-DE" dirty="0"/>
+              <a:t>Beispiel: Ein </a:t>
+            </a:r>
+            <a:r>
+              <a:rPr lang="de-DE" dirty="0" err="1"/>
+              <a:t>Interval</a:t>
+            </a:r>
+            <a:r>
+              <a:rPr lang="de-DE" dirty="0"/>
+              <a:t> benötigt zwei </a:t>
+            </a:r>
+            <a:r>
+              <a:rPr lang="de-DE" dirty="0" err="1"/>
+              <a:t>Number</a:t>
+            </a:r>
+            <a:r>
+              <a:rPr lang="de-DE" dirty="0"/>
+              <a:t>-Werte, die den Start- und Endwert des Intervalls festlegen</a:t>
+            </a:r>
+          </a:p>
+          <a:p>
+            <a:pPr lvl="1"/>
+            <a:r>
+              <a:rPr lang="de-DE" dirty="0"/>
+              <a:t>Deshalb sind die Steine so konzipiert, dass die beiden </a:t>
+            </a:r>
+            <a:r>
+              <a:rPr lang="de-DE" dirty="0" err="1"/>
+              <a:t>Number</a:t>
+            </a:r>
+            <a:r>
+              <a:rPr lang="de-DE" dirty="0"/>
+              <a:t>-Steine pfeiltechnisch in den </a:t>
+            </a:r>
+            <a:r>
+              <a:rPr lang="de-DE" dirty="0" err="1"/>
+              <a:t>Interval</a:t>
+            </a:r>
+            <a:r>
+              <a:rPr lang="de-DE" dirty="0"/>
+              <a:t>-Stein hineinpassen (wie bei einem Puzzle)</a:t>
+            </a:r>
+          </a:p>
+          <a:p>
+            <a:pPr lvl="1"/>
+            <a:endParaRPr lang="de-DE" dirty="0"/>
+          </a:p>
+          <a:p>
+            <a:pPr lvl="1"/>
+            <a:endParaRPr lang="de-DE" dirty="0"/>
+          </a:p>
+          <a:p>
+            <a:pPr lvl="1"/>
+            <a:endParaRPr lang="de-DE" dirty="0"/>
+          </a:p>
+          <a:p>
+            <a:pPr lvl="1"/>
+            <a:endParaRPr lang="de-DE" dirty="0"/>
+          </a:p>
+          <a:p>
+            <a:pPr lvl="1"/>
+            <a:endParaRPr lang="de-DE" dirty="0"/>
+          </a:p>
+          <a:p>
+            <a:pPr lvl="1"/>
+            <a:r>
+              <a:rPr lang="de-DE" dirty="0"/>
+              <a:t>Um das darstellen zu können, wurden die Steine einzeln modelliert und zusätzlich eine „zusammengeschweißte“ Variante designt</a:t>
+            </a:r>
+          </a:p>
+          <a:p>
+            <a:pPr lvl="1"/>
+            <a:r>
+              <a:rPr lang="de-DE" dirty="0"/>
+              <a:t>Somit kann, nachdem die beiden </a:t>
+            </a:r>
+            <a:r>
+              <a:rPr lang="de-DE" dirty="0" err="1"/>
+              <a:t>Number</a:t>
+            </a:r>
+            <a:r>
+              <a:rPr lang="de-DE" dirty="0"/>
+              <a:t>-Steine und der </a:t>
+            </a:r>
+            <a:r>
+              <a:rPr lang="de-DE" dirty="0" err="1"/>
+              <a:t>Interval</a:t>
+            </a:r>
+            <a:r>
+              <a:rPr lang="de-DE" dirty="0"/>
+              <a:t>-Stein an das Gameboard geworfen wurde, der generierte zusammengesetzte Stein erscheinen und der Spieler erkennt die Zugehörigkeit</a:t>
+            </a:r>
+          </a:p>
+          <a:p>
+            <a:pPr lvl="1"/>
+            <a:endParaRPr lang="de-DE" dirty="0"/>
+          </a:p>
+        </p:txBody>
+      </p:sp>
+      <p:pic>
+        <p:nvPicPr>
+          <p:cNvPr id="5" name="Grafik 4">
+            <a:extLst>
+              <a:ext uri="{FF2B5EF4-FFF2-40B4-BE49-F238E27FC236}">
+                <a16:creationId xmlns:a16="http://schemas.microsoft.com/office/drawing/2014/main" id="{0D9AD7CE-59DC-A148-9644-44B0E2B78A3D}"/>
+              </a:ext>
+            </a:extLst>
+          </p:cNvPr>
+          <p:cNvPicPr>
+            <a:picLocks noChangeAspect="1"/>
+          </p:cNvPicPr>
+          <p:nvPr/>
+        </p:nvPicPr>
+        <p:blipFill>
+          <a:blip r:embed="rId2">
+            <a:extLst>
+              <a:ext uri="{28A0092B-C50C-407E-A947-70E740481C1C}">
+                <a14:useLocalDpi xmlns:a14="http://schemas.microsoft.com/office/drawing/2010/main" val="0"/>
+              </a:ext>
+            </a:extLst>
+          </a:blip>
+          <a:stretch>
+            <a:fillRect/>
+          </a:stretch>
+        </p:blipFill>
+        <p:spPr>
+          <a:xfrm>
+            <a:off x="2066906" y="3080657"/>
+            <a:ext cx="3479800" cy="1676400"/>
+          </a:xfrm>
+          <a:prstGeom prst="rect">
+            <a:avLst/>
+          </a:prstGeom>
+        </p:spPr>
+      </p:pic>
+    </p:spTree>
+    <p:extLst>
+      <p:ext uri="{BB962C8B-B14F-4D97-AF65-F5344CB8AC3E}">
+        <p14:creationId xmlns:p14="http://schemas.microsoft.com/office/powerpoint/2010/main" val="4236203891"/>
+      </p:ext>
+    </p:extLst>
+  </p:cSld>
+  <p:clrMapOvr>
+    <a:masterClrMapping/>
+  </p:clrMapOvr>
+</p:sld>
+</file>
+
+<file path=ppt/slides/slide12.xml><?xml version="1.0" encoding="utf-8"?>
+<p:sld xmlns:a="http://schemas.openxmlformats.org/drawingml/2006/main" xmlns:r="http://schemas.openxmlformats.org/officeDocument/2006/relationships" xmlns:p="http://schemas.openxmlformats.org/presentationml/2006/main">
+  <p:cSld>
+    <p:spTree>
+      <p:nvGrpSpPr>
+        <p:cNvPr id="1" name=""/>
+        <p:cNvGrpSpPr/>
+        <p:nvPr/>
+      </p:nvGrpSpPr>
+      <p:grpSpPr>
+        <a:xfrm>
+          <a:off x="0" y="0"/>
+          <a:ext cx="0" cy="0"/>
+          <a:chOff x="0" y="0"/>
+          <a:chExt cx="0" cy="0"/>
+        </a:xfrm>
+      </p:grpSpPr>
+      <p:sp>
+        <p:nvSpPr>
+          <p:cNvPr id="2" name="Titel 1">
+            <a:extLst>
+              <a:ext uri="{FF2B5EF4-FFF2-40B4-BE49-F238E27FC236}">
+                <a16:creationId xmlns:a16="http://schemas.microsoft.com/office/drawing/2014/main" id="{931D80BB-2559-904D-9EAE-B0925C84F7BB}"/>
+              </a:ext>
+            </a:extLst>
+          </p:cNvPr>
+          <p:cNvSpPr>
+            <a:spLocks noGrp="1"/>
+          </p:cNvSpPr>
+          <p:nvPr>
+            <p:ph type="title"/>
+          </p:nvPr>
+        </p:nvSpPr>
+        <p:spPr>
+          <a:xfrm>
+            <a:off x="275526" y="416664"/>
+            <a:ext cx="5934075" cy="856965"/>
+          </a:xfrm>
+        </p:spPr>
+        <p:txBody>
+          <a:bodyPr/>
+          <a:lstStyle/>
+          <a:p>
+            <a:r>
+              <a:rPr lang="de-DE" dirty="0"/>
+              <a:t>Elementsteine - Design</a:t>
+            </a:r>
+          </a:p>
+        </p:txBody>
+      </p:sp>
+      <p:sp>
+        <p:nvSpPr>
+          <p:cNvPr id="3" name="Inhaltsplatzhalter 2">
+            <a:extLst>
+              <a:ext uri="{FF2B5EF4-FFF2-40B4-BE49-F238E27FC236}">
+                <a16:creationId xmlns:a16="http://schemas.microsoft.com/office/drawing/2014/main" id="{AC0F7864-43AB-F84D-B346-7ADAF4D531F5}"/>
+              </a:ext>
+            </a:extLst>
+          </p:cNvPr>
+          <p:cNvSpPr>
+            <a:spLocks noGrp="1"/>
+          </p:cNvSpPr>
+          <p:nvPr>
+            <p:ph idx="1"/>
+          </p:nvPr>
+        </p:nvSpPr>
+        <p:spPr>
+          <a:xfrm>
+            <a:off x="256071" y="1121230"/>
+            <a:ext cx="8003692" cy="5161674"/>
+          </a:xfrm>
+        </p:spPr>
+        <p:txBody>
+          <a:bodyPr/>
+          <a:lstStyle/>
+          <a:p>
+            <a:r>
+              <a:rPr lang="de-DE" dirty="0"/>
+              <a:t>Gleiches gilt für den Variablen-Stein: Dieser hat zwar nur eine Einkerbung, da der Funktion nur eine Variable zugeordnet wird, diese kann aber ein </a:t>
+            </a:r>
+            <a:r>
+              <a:rPr lang="de-DE" dirty="0" err="1"/>
+              <a:t>Bool</a:t>
+            </a:r>
+            <a:r>
+              <a:rPr lang="de-DE" dirty="0"/>
+              <a:t>-, </a:t>
+            </a:r>
+            <a:r>
+              <a:rPr lang="de-DE" dirty="0" err="1"/>
+              <a:t>Number</a:t>
+            </a:r>
+            <a:r>
+              <a:rPr lang="de-DE" dirty="0"/>
+              <a:t>- oder </a:t>
+            </a:r>
+            <a:r>
+              <a:rPr lang="de-DE" dirty="0" err="1"/>
+              <a:t>Textwert</a:t>
+            </a:r>
+            <a:r>
+              <a:rPr lang="de-DE" dirty="0"/>
+              <a:t> sein </a:t>
+            </a:r>
+          </a:p>
+          <a:p>
+            <a:r>
+              <a:rPr lang="de-DE" dirty="0"/>
+              <a:t>Deshalb wurden hier </a:t>
+            </a:r>
+            <a:r>
+              <a:rPr lang="de-DE" dirty="0" err="1"/>
+              <a:t>Bool</a:t>
+            </a:r>
+            <a:r>
+              <a:rPr lang="de-DE" dirty="0"/>
+              <a:t>-, </a:t>
+            </a:r>
+            <a:r>
+              <a:rPr lang="de-DE" dirty="0" err="1"/>
+              <a:t>Number</a:t>
+            </a:r>
+            <a:r>
+              <a:rPr lang="de-DE" dirty="0"/>
+              <a:t>- und Text-Stein in der gleichen Form und im gleichen Design erstellt</a:t>
+            </a:r>
+          </a:p>
+          <a:p>
+            <a:r>
+              <a:rPr lang="de-DE" dirty="0"/>
+              <a:t>Zudem sind auch hier alle Steine einzeln </a:t>
+            </a:r>
+            <a:r>
+              <a:rPr lang="de-DE" dirty="0" err="1"/>
+              <a:t>modeliert</a:t>
+            </a:r>
+            <a:r>
+              <a:rPr lang="de-DE" dirty="0"/>
+              <a:t> und zusätzlich die zusammengefügten Varianten designt</a:t>
+            </a:r>
+          </a:p>
+          <a:p>
+            <a:endParaRPr lang="de-DE" dirty="0"/>
+          </a:p>
+        </p:txBody>
+      </p:sp>
+      <p:pic>
+        <p:nvPicPr>
+          <p:cNvPr id="7" name="Grafik 6">
+            <a:extLst>
+              <a:ext uri="{FF2B5EF4-FFF2-40B4-BE49-F238E27FC236}">
+                <a16:creationId xmlns:a16="http://schemas.microsoft.com/office/drawing/2014/main" id="{107D37F8-E1C2-E041-9687-DE2ADAB4CA19}"/>
+              </a:ext>
+            </a:extLst>
+          </p:cNvPr>
+          <p:cNvPicPr>
+            <a:picLocks noChangeAspect="1"/>
+          </p:cNvPicPr>
+          <p:nvPr/>
+        </p:nvPicPr>
+        <p:blipFill>
+          <a:blip r:embed="rId2">
+            <a:extLst>
+              <a:ext uri="{28A0092B-C50C-407E-A947-70E740481C1C}">
+                <a14:useLocalDpi xmlns:a14="http://schemas.microsoft.com/office/drawing/2010/main" val="0"/>
+              </a:ext>
+            </a:extLst>
+          </a:blip>
+          <a:stretch>
+            <a:fillRect/>
+          </a:stretch>
+        </p:blipFill>
+        <p:spPr>
+          <a:xfrm>
+            <a:off x="4195768" y="4724400"/>
+            <a:ext cx="2152418" cy="1358900"/>
+          </a:xfrm>
+          <a:prstGeom prst="rect">
+            <a:avLst/>
+          </a:prstGeom>
+        </p:spPr>
+      </p:pic>
+      <p:pic>
+        <p:nvPicPr>
+          <p:cNvPr id="9" name="Grafik 8">
+            <a:extLst>
+              <a:ext uri="{FF2B5EF4-FFF2-40B4-BE49-F238E27FC236}">
+                <a16:creationId xmlns:a16="http://schemas.microsoft.com/office/drawing/2014/main" id="{03022465-48CC-514D-BD0C-2B053771B084}"/>
+              </a:ext>
+            </a:extLst>
+          </p:cNvPr>
+          <p:cNvPicPr>
+            <a:picLocks noChangeAspect="1"/>
+          </p:cNvPicPr>
+          <p:nvPr/>
+        </p:nvPicPr>
+        <p:blipFill>
+          <a:blip r:embed="rId3">
+            <a:extLst>
+              <a:ext uri="{28A0092B-C50C-407E-A947-70E740481C1C}">
+                <a14:useLocalDpi xmlns:a14="http://schemas.microsoft.com/office/drawing/2010/main" val="0"/>
+              </a:ext>
+            </a:extLst>
+          </a:blip>
+          <a:stretch>
+            <a:fillRect/>
+          </a:stretch>
+        </p:blipFill>
+        <p:spPr>
+          <a:xfrm>
+            <a:off x="6484718" y="3064502"/>
+            <a:ext cx="1971221" cy="2060551"/>
+          </a:xfrm>
+          <a:prstGeom prst="rect">
+            <a:avLst/>
+          </a:prstGeom>
+        </p:spPr>
+      </p:pic>
+      <p:pic>
+        <p:nvPicPr>
+          <p:cNvPr id="11" name="Grafik 10">
+            <a:extLst>
+              <a:ext uri="{FF2B5EF4-FFF2-40B4-BE49-F238E27FC236}">
+                <a16:creationId xmlns:a16="http://schemas.microsoft.com/office/drawing/2014/main" id="{7270CE0E-B0DF-3443-89FF-C092C2B9FD6B}"/>
+              </a:ext>
+            </a:extLst>
+          </p:cNvPr>
+          <p:cNvPicPr>
+            <a:picLocks noChangeAspect="1"/>
+          </p:cNvPicPr>
+          <p:nvPr/>
+        </p:nvPicPr>
+        <p:blipFill>
+          <a:blip r:embed="rId4">
+            <a:extLst>
+              <a:ext uri="{28A0092B-C50C-407E-A947-70E740481C1C}">
+                <a14:useLocalDpi xmlns:a14="http://schemas.microsoft.com/office/drawing/2010/main" val="0"/>
+              </a:ext>
+            </a:extLst>
+          </a:blip>
+          <a:stretch>
+            <a:fillRect/>
+          </a:stretch>
+        </p:blipFill>
+        <p:spPr>
+          <a:xfrm>
+            <a:off x="539088" y="3410691"/>
+            <a:ext cx="3373664" cy="1636652"/>
+          </a:xfrm>
+          <a:prstGeom prst="rect">
+            <a:avLst/>
+          </a:prstGeom>
+        </p:spPr>
+      </p:pic>
+    </p:spTree>
+    <p:extLst>
+      <p:ext uri="{BB962C8B-B14F-4D97-AF65-F5344CB8AC3E}">
+        <p14:creationId xmlns:p14="http://schemas.microsoft.com/office/powerpoint/2010/main" val="3553921036"/>
+      </p:ext>
+    </p:extLst>
+  </p:cSld>
+  <p:clrMapOvr>
+    <a:masterClrMapping/>
+  </p:clrMapOvr>
+</p:sld>
+</file>
+
+<file path=ppt/slides/slide13.xml><?xml version="1.0" encoding="utf-8"?>
+<p:sld xmlns:a="http://schemas.openxmlformats.org/drawingml/2006/main" xmlns:r="http://schemas.openxmlformats.org/officeDocument/2006/relationships" xmlns:p="http://schemas.openxmlformats.org/presentationml/2006/main">
+  <p:cSld>
+    <p:spTree>
+      <p:nvGrpSpPr>
+        <p:cNvPr id="1" name=""/>
+        <p:cNvGrpSpPr/>
+        <p:nvPr/>
+      </p:nvGrpSpPr>
+      <p:grpSpPr>
+        <a:xfrm>
+          <a:off x="0" y="0"/>
+          <a:ext cx="0" cy="0"/>
+          <a:chOff x="0" y="0"/>
+          <a:chExt cx="0" cy="0"/>
+        </a:xfrm>
+      </p:grpSpPr>
+      <p:sp>
+        <p:nvSpPr>
+          <p:cNvPr id="2" name="Titel 1">
+            <a:extLst>
+              <a:ext uri="{FF2B5EF4-FFF2-40B4-BE49-F238E27FC236}">
+                <a16:creationId xmlns:a16="http://schemas.microsoft.com/office/drawing/2014/main" id="{4E548F17-2606-E344-AA8B-DE2D08199913}"/>
+              </a:ext>
+            </a:extLst>
+          </p:cNvPr>
+          <p:cNvSpPr>
+            <a:spLocks noGrp="1"/>
+          </p:cNvSpPr>
+          <p:nvPr>
+            <p:ph type="title"/>
+          </p:nvPr>
+        </p:nvSpPr>
+        <p:spPr>
+          <a:xfrm>
+            <a:off x="275526" y="416664"/>
+            <a:ext cx="5934075" cy="813422"/>
+          </a:xfrm>
+        </p:spPr>
+        <p:txBody>
+          <a:bodyPr/>
+          <a:lstStyle/>
+          <a:p>
+            <a:r>
+              <a:rPr lang="de-DE" dirty="0"/>
+              <a:t>Einrichtung – Design </a:t>
+            </a:r>
+          </a:p>
+        </p:txBody>
+      </p:sp>
+      <p:sp>
+        <p:nvSpPr>
+          <p:cNvPr id="3" name="Inhaltsplatzhalter 2">
+            <a:extLst>
+              <a:ext uri="{FF2B5EF4-FFF2-40B4-BE49-F238E27FC236}">
+                <a16:creationId xmlns:a16="http://schemas.microsoft.com/office/drawing/2014/main" id="{EDC6B6E7-C52C-CD41-861A-28809C43414B}"/>
+              </a:ext>
+            </a:extLst>
+          </p:cNvPr>
+          <p:cNvSpPr>
+            <a:spLocks noGrp="1"/>
+          </p:cNvSpPr>
+          <p:nvPr>
+            <p:ph idx="1"/>
+          </p:nvPr>
+        </p:nvSpPr>
+        <p:spPr>
+          <a:xfrm>
+            <a:off x="256071" y="1153886"/>
+            <a:ext cx="8003692" cy="5129017"/>
+          </a:xfrm>
+        </p:spPr>
+        <p:txBody>
+          <a:bodyPr/>
+          <a:lstStyle/>
+          <a:p>
+            <a:r>
+              <a:rPr lang="de-DE" dirty="0"/>
+              <a:t>Bei der Einrichtung wurde wie bei der Umgebung auf einen futuristischen Stil geachtet</a:t>
+            </a:r>
+          </a:p>
+          <a:p>
+            <a:r>
+              <a:rPr lang="de-DE" dirty="0"/>
+              <a:t>Ein Tisch, der mit vielen Ecken und Kanten modelliert ist, und mit dem Material Glas versehen ist, </a:t>
+            </a:r>
+          </a:p>
+        </p:txBody>
+      </p:sp>
+    </p:spTree>
+    <p:extLst>
+      <p:ext uri="{BB962C8B-B14F-4D97-AF65-F5344CB8AC3E}">
+        <p14:creationId xmlns:p14="http://schemas.microsoft.com/office/powerpoint/2010/main" val="4280997102"/>
       </p:ext>
     </p:extLst>
   </p:cSld>

--- a/Präsentation.pptx
+++ b/Präsentation.pptx
@@ -294,7 +294,7 @@
               <a:pPr>
                 <a:defRPr/>
               </a:pPr>
-              <a:t>02.02.21</a:t>
+              <a:t>02.02.2021</a:t>
             </a:fld>
             <a:endParaRPr lang="de-DE"/>
           </a:p>
@@ -2809,15 +2809,42 @@
               <a:defRPr/>
             </a:pPr>
             <a:r>
-              <a:rPr lang="de-DE" sz="900" dirty="0">
+              <a:rPr lang="en-US" sz="900" dirty="0" err="1">
                 <a:solidFill>
                   <a:srgbClr val="F8F8F8"/>
                 </a:solidFill>
                 <a:latin typeface="Tahoma" pitchFamily="34" charset="0"/>
                 <a:cs typeface="Tahoma" pitchFamily="34" charset="0"/>
               </a:rPr>
-              <a:t>Dennis Stangl</a:t>
-            </a:r>
+              <a:t>Projektgruppe</a:t>
+            </a:r>
+            <a:r>
+              <a:rPr lang="en-US" sz="900" dirty="0">
+                <a:solidFill>
+                  <a:srgbClr val="F8F8F8"/>
+                </a:solidFill>
+                <a:latin typeface="Tahoma" pitchFamily="34" charset="0"/>
+                <a:cs typeface="Tahoma" pitchFamily="34" charset="0"/>
+              </a:rPr>
+              <a:t> </a:t>
+            </a:r>
+            <a:r>
+              <a:rPr lang="en-US" sz="900" dirty="0" err="1">
+                <a:solidFill>
+                  <a:srgbClr val="F8F8F8"/>
+                </a:solidFill>
+                <a:latin typeface="Tahoma" pitchFamily="34" charset="0"/>
+                <a:cs typeface="Tahoma" pitchFamily="34" charset="0"/>
+              </a:rPr>
+              <a:t>EscapeTheVR</a:t>
+            </a:r>
+            <a:endParaRPr lang="en-US" sz="900" dirty="0">
+              <a:solidFill>
+                <a:srgbClr val="F8F8F8"/>
+              </a:solidFill>
+              <a:latin typeface="Tahoma" pitchFamily="34" charset="0"/>
+              <a:cs typeface="Tahoma" pitchFamily="34" charset="0"/>
+            </a:endParaRPr>
           </a:p>
           <a:p>
             <a:pPr fontAlgn="auto">
@@ -2837,7 +2864,7 @@
                 <a:latin typeface="Tahoma" pitchFamily="34" charset="0"/>
                 <a:cs typeface="Tahoma" pitchFamily="34" charset="0"/>
               </a:rPr>
-              <a:t>Datum </a:t>
+              <a:t>09.02.2021</a:t>
             </a:r>
             <a:endParaRPr lang="de-DE" sz="900" dirty="0">
               <a:solidFill>
@@ -2888,6 +2915,16 @@
               <a:defRPr/>
             </a:pPr>
             <a:r>
+              <a:rPr lang="de-DE" sz="900" dirty="0" err="1">
+                <a:solidFill>
+                  <a:srgbClr val="F8F8F8"/>
+                </a:solidFill>
+                <a:latin typeface="Tahoma" pitchFamily="34" charset="0"/>
+                <a:cs typeface="Tahoma" pitchFamily="34" charset="0"/>
+              </a:rPr>
+              <a:t>EscapeTheVR</a:t>
+            </a:r>
+            <a:r>
               <a:rPr lang="de-DE" sz="900" dirty="0">
                 <a:solidFill>
                   <a:srgbClr val="F8F8F8"/>
@@ -2895,28 +2932,7 @@
                 <a:latin typeface="Tahoma" pitchFamily="34" charset="0"/>
                 <a:cs typeface="Tahoma" pitchFamily="34" charset="0"/>
               </a:rPr>
-              <a:t>Titel der Präsentation</a:t>
-            </a:r>
-          </a:p>
-          <a:p>
-            <a:pPr fontAlgn="auto">
-              <a:spcBef>
-                <a:spcPts val="0"/>
-              </a:spcBef>
-              <a:spcAft>
-                <a:spcPts val="0"/>
-              </a:spcAft>
-              <a:defRPr/>
-            </a:pPr>
-            <a:r>
-              <a:rPr lang="de-DE" sz="900" dirty="0">
-                <a:solidFill>
-                  <a:srgbClr val="F8F8F8"/>
-                </a:solidFill>
-                <a:latin typeface="Tahoma" pitchFamily="34" charset="0"/>
-                <a:cs typeface="Tahoma" pitchFamily="34" charset="0"/>
-              </a:rPr>
-              <a:t>evtl. zweizeilig</a:t>
+              <a:t> – AR/VR WS2020/21</a:t>
             </a:r>
           </a:p>
         </p:txBody>
@@ -3445,28 +3461,43 @@
             <p:ph type="title"/>
           </p:nvPr>
         </p:nvSpPr>
-        <p:spPr/>
+        <p:spPr>
+          <a:xfrm>
+            <a:off x="275525" y="447027"/>
+            <a:ext cx="8003694" cy="1362075"/>
+          </a:xfrm>
+        </p:spPr>
         <p:txBody>
           <a:bodyPr/>
           <a:lstStyle/>
           <a:p>
             <a:r>
-              <a:rPr lang="de-DE" dirty="0"/>
+              <a:rPr lang="de-DE" dirty="0">
+                <a:latin typeface="+mj-lt"/>
+              </a:rPr>
               <a:t>Escape </a:t>
             </a:r>
             <a:r>
-              <a:rPr lang="de-DE" dirty="0" err="1"/>
+              <a:rPr lang="de-DE" dirty="0" err="1">
+                <a:latin typeface="+mj-lt"/>
+              </a:rPr>
               <a:t>the</a:t>
             </a:r>
             <a:r>
-              <a:rPr lang="de-DE" dirty="0"/>
+              <a:rPr lang="de-DE" dirty="0">
+                <a:latin typeface="+mj-lt"/>
+              </a:rPr>
               <a:t> </a:t>
             </a:r>
             <a:r>
-              <a:rPr lang="de-DE" dirty="0" err="1"/>
+              <a:rPr lang="de-DE" dirty="0" err="1">
+                <a:latin typeface="+mj-lt"/>
+              </a:rPr>
               <a:t>vr</a:t>
             </a:r>
-            <a:endParaRPr lang="de-DE" dirty="0"/>
+            <a:endParaRPr lang="de-DE" dirty="0">
+              <a:latin typeface="+mj-lt"/>
+            </a:endParaRPr>
           </a:p>
         </p:txBody>
       </p:sp>
@@ -3488,8 +3519,8 @@
         </p:nvSpPr>
         <p:spPr>
           <a:xfrm>
-            <a:off x="275526" y="3000372"/>
-            <a:ext cx="8003694" cy="2714628"/>
+            <a:off x="275525" y="1128064"/>
+            <a:ext cx="8003694" cy="509180"/>
           </a:xfrm>
         </p:spPr>
         <p:txBody>
@@ -3497,12 +3528,44 @@
           <a:lstStyle/>
           <a:p>
             <a:r>
-              <a:rPr lang="de-DE" dirty="0"/>
+              <a:rPr lang="de-DE" dirty="0">
+                <a:latin typeface="+mj-lt"/>
+              </a:rPr>
               <a:t>AR/VR WS2020/21</a:t>
             </a:r>
           </a:p>
         </p:txBody>
       </p:sp>
+      <p:pic>
+        <p:nvPicPr>
+          <p:cNvPr id="5" name="Grafik 4">
+            <a:extLst>
+              <a:ext uri="{FF2B5EF4-FFF2-40B4-BE49-F238E27FC236}">
+                <a16:creationId xmlns:a16="http://schemas.microsoft.com/office/drawing/2014/main" id="{CCD951E0-CFAE-46D5-B3E1-F70ACC81BB99}"/>
+              </a:ext>
+            </a:extLst>
+          </p:cNvPr>
+          <p:cNvPicPr>
+            <a:picLocks noChangeAspect="1"/>
+          </p:cNvPicPr>
+          <p:nvPr/>
+        </p:nvPicPr>
+        <p:blipFill>
+          <a:blip r:embed="rId2"/>
+          <a:stretch>
+            <a:fillRect/>
+          </a:stretch>
+        </p:blipFill>
+        <p:spPr>
+          <a:xfrm>
+            <a:off x="461458" y="1809102"/>
+            <a:ext cx="8221084" cy="4517966"/>
+          </a:xfrm>
+          <a:prstGeom prst="rect">
+            <a:avLst/>
+          </a:prstGeom>
+        </p:spPr>
+      </p:pic>
     </p:spTree>
     <p:extLst>
       <p:ext uri="{BB962C8B-B14F-4D97-AF65-F5344CB8AC3E}">
@@ -4553,7 +4616,7 @@
         <p:spPr bwMode="auto">
           <a:xfrm>
             <a:off x="275635" y="1172816"/>
-            <a:ext cx="8600008" cy="4914965"/>
+            <a:ext cx="4004727" cy="4914965"/>
           </a:xfrm>
           <a:prstGeom prst="rect">
             <a:avLst/>
@@ -4802,6 +4865,240 @@
             </a:r>
           </a:p>
           <a:p>
+            <a:endParaRPr lang="de-DE" sz="2400" dirty="0">
+              <a:latin typeface="+mn-lt"/>
+            </a:endParaRPr>
+          </a:p>
+        </p:txBody>
+      </p:sp>
+      <p:sp>
+        <p:nvSpPr>
+          <p:cNvPr id="6" name="Untertitel 2">
+            <a:extLst>
+              <a:ext uri="{FF2B5EF4-FFF2-40B4-BE49-F238E27FC236}">
+                <a16:creationId xmlns:a16="http://schemas.microsoft.com/office/drawing/2014/main" id="{12CB36D0-C2DD-4C6C-BCC1-CB0D4F8816EE}"/>
+              </a:ext>
+            </a:extLst>
+          </p:cNvPr>
+          <p:cNvSpPr txBox="1">
+            <a:spLocks/>
+          </p:cNvSpPr>
+          <p:nvPr/>
+        </p:nvSpPr>
+        <p:spPr bwMode="auto">
+          <a:xfrm>
+            <a:off x="4439388" y="1172816"/>
+            <a:ext cx="4428977" cy="4914965"/>
+          </a:xfrm>
+          <a:prstGeom prst="rect">
+            <a:avLst/>
+          </a:prstGeom>
+          <a:noFill/>
+          <a:ln w="9525">
+            <a:noFill/>
+            <a:miter lim="800000"/>
+            <a:headEnd/>
+            <a:tailEnd/>
+          </a:ln>
+        </p:spPr>
+        <p:txBody>
+          <a:bodyPr vert="horz" wrap="square" lIns="91440" tIns="45720" rIns="91440" bIns="45720" numCol="1" anchor="ctr" anchorCtr="0" compatLnSpc="1">
+            <a:prstTxWarp prst="textNoShape">
+              <a:avLst/>
+            </a:prstTxWarp>
+          </a:bodyPr>
+          <a:lstStyle>
+            <a:lvl1pPr marL="177800" indent="-177800" algn="l" rtl="0" eaLnBrk="1" fontAlgn="base" hangingPunct="1">
+              <a:spcBef>
+                <a:spcPct val="20000"/>
+              </a:spcBef>
+              <a:spcAft>
+                <a:spcPct val="0"/>
+              </a:spcAft>
+              <a:buClr>
+                <a:schemeClr val="accent2"/>
+              </a:buClr>
+              <a:buFont typeface="Arial" charset="0"/>
+              <a:buChar char="•"/>
+              <a:defRPr lang="de-DE" kern="1200" dirty="0">
+                <a:solidFill>
+                  <a:schemeClr val="tx1"/>
+                </a:solidFill>
+                <a:latin typeface="Tahoma" pitchFamily="34" charset="0"/>
+                <a:ea typeface="+mn-ea"/>
+                <a:cs typeface="Tahoma" pitchFamily="34" charset="0"/>
+              </a:defRPr>
+            </a:lvl1pPr>
+            <a:lvl2pPr marL="361950" indent="-184150" algn="l" rtl="0" eaLnBrk="1" fontAlgn="base" hangingPunct="1">
+              <a:spcBef>
+                <a:spcPct val="20000"/>
+              </a:spcBef>
+              <a:spcAft>
+                <a:spcPct val="0"/>
+              </a:spcAft>
+              <a:buClr>
+                <a:schemeClr val="accent2"/>
+              </a:buClr>
+              <a:buFont typeface="Arial" charset="0"/>
+              <a:buChar char="•"/>
+              <a:defRPr lang="de-DE" kern="1200" dirty="0">
+                <a:solidFill>
+                  <a:schemeClr val="tx1"/>
+                </a:solidFill>
+                <a:latin typeface="Tahoma" pitchFamily="34" charset="0"/>
+                <a:ea typeface="+mn-ea"/>
+                <a:cs typeface="Tahoma" pitchFamily="34" charset="0"/>
+              </a:defRPr>
+            </a:lvl2pPr>
+            <a:lvl3pPr marL="539750" indent="-177800" algn="l" rtl="0" eaLnBrk="1" fontAlgn="base" hangingPunct="1">
+              <a:spcBef>
+                <a:spcPct val="20000"/>
+              </a:spcBef>
+              <a:spcAft>
+                <a:spcPct val="0"/>
+              </a:spcAft>
+              <a:buClr>
+                <a:schemeClr val="accent2"/>
+              </a:buClr>
+              <a:buFont typeface="Arial" charset="0"/>
+              <a:buChar char="•"/>
+              <a:defRPr lang="de-DE" kern="1200" dirty="0">
+                <a:solidFill>
+                  <a:schemeClr val="tx1"/>
+                </a:solidFill>
+                <a:latin typeface="Tahoma" pitchFamily="34" charset="0"/>
+                <a:ea typeface="+mn-ea"/>
+                <a:cs typeface="Tahoma" pitchFamily="34" charset="0"/>
+              </a:defRPr>
+            </a:lvl3pPr>
+            <a:lvl4pPr marL="717550" indent="-177800" algn="l" rtl="0" eaLnBrk="1" fontAlgn="base" hangingPunct="1">
+              <a:spcBef>
+                <a:spcPct val="20000"/>
+              </a:spcBef>
+              <a:spcAft>
+                <a:spcPct val="0"/>
+              </a:spcAft>
+              <a:buClr>
+                <a:schemeClr val="accent2"/>
+              </a:buClr>
+              <a:buFont typeface="Arial" charset="0"/>
+              <a:buChar char="•"/>
+              <a:defRPr lang="de-DE" kern="1200" dirty="0">
+                <a:solidFill>
+                  <a:schemeClr val="tx1"/>
+                </a:solidFill>
+                <a:latin typeface="Tahoma" pitchFamily="34" charset="0"/>
+                <a:ea typeface="+mn-ea"/>
+                <a:cs typeface="Tahoma" pitchFamily="34" charset="0"/>
+              </a:defRPr>
+            </a:lvl4pPr>
+            <a:lvl5pPr marL="895350" indent="-177800" algn="l" rtl="0" eaLnBrk="1" fontAlgn="base" hangingPunct="1">
+              <a:spcBef>
+                <a:spcPct val="20000"/>
+              </a:spcBef>
+              <a:spcAft>
+                <a:spcPct val="0"/>
+              </a:spcAft>
+              <a:buClr>
+                <a:schemeClr val="accent2"/>
+              </a:buClr>
+              <a:buFont typeface="Arial" charset="0"/>
+              <a:buChar char="•"/>
+              <a:defRPr lang="de-DE" kern="1200" dirty="0">
+                <a:solidFill>
+                  <a:schemeClr val="tx1"/>
+                </a:solidFill>
+                <a:latin typeface="Tahoma" pitchFamily="34" charset="0"/>
+                <a:ea typeface="+mn-ea"/>
+                <a:cs typeface="Tahoma" pitchFamily="34" charset="0"/>
+              </a:defRPr>
+            </a:lvl5pPr>
+            <a:lvl6pPr marL="1352550" indent="-177800" algn="l" rtl="0" eaLnBrk="1" fontAlgn="base" hangingPunct="1">
+              <a:spcBef>
+                <a:spcPct val="20000"/>
+              </a:spcBef>
+              <a:spcAft>
+                <a:spcPct val="0"/>
+              </a:spcAft>
+              <a:buClr>
+                <a:schemeClr val="accent2"/>
+              </a:buClr>
+              <a:buFont typeface="Arial" charset="0"/>
+              <a:buChar char="•"/>
+              <a:defRPr lang="de-DE" kern="1200" dirty="0">
+                <a:solidFill>
+                  <a:schemeClr val="tx1"/>
+                </a:solidFill>
+                <a:latin typeface="Tahoma" pitchFamily="34" charset="0"/>
+                <a:ea typeface="+mn-ea"/>
+                <a:cs typeface="Tahoma" pitchFamily="34" charset="0"/>
+              </a:defRPr>
+            </a:lvl6pPr>
+            <a:lvl7pPr marL="1809750" indent="-177800" algn="l" rtl="0" eaLnBrk="1" fontAlgn="base" hangingPunct="1">
+              <a:spcBef>
+                <a:spcPct val="20000"/>
+              </a:spcBef>
+              <a:spcAft>
+                <a:spcPct val="0"/>
+              </a:spcAft>
+              <a:buClr>
+                <a:schemeClr val="accent2"/>
+              </a:buClr>
+              <a:buFont typeface="Arial" charset="0"/>
+              <a:buChar char="•"/>
+              <a:defRPr lang="de-DE" kern="1200" dirty="0">
+                <a:solidFill>
+                  <a:schemeClr val="tx1"/>
+                </a:solidFill>
+                <a:latin typeface="Tahoma" pitchFamily="34" charset="0"/>
+                <a:ea typeface="+mn-ea"/>
+                <a:cs typeface="Tahoma" pitchFamily="34" charset="0"/>
+              </a:defRPr>
+            </a:lvl7pPr>
+            <a:lvl8pPr marL="2266950" indent="-177800" algn="l" rtl="0" eaLnBrk="1" fontAlgn="base" hangingPunct="1">
+              <a:spcBef>
+                <a:spcPct val="20000"/>
+              </a:spcBef>
+              <a:spcAft>
+                <a:spcPct val="0"/>
+              </a:spcAft>
+              <a:buClr>
+                <a:schemeClr val="accent2"/>
+              </a:buClr>
+              <a:buFont typeface="Arial" charset="0"/>
+              <a:buChar char="•"/>
+              <a:defRPr lang="de-DE" kern="1200" dirty="0">
+                <a:solidFill>
+                  <a:schemeClr val="tx1"/>
+                </a:solidFill>
+                <a:latin typeface="Tahoma" pitchFamily="34" charset="0"/>
+                <a:ea typeface="+mn-ea"/>
+                <a:cs typeface="Tahoma" pitchFamily="34" charset="0"/>
+              </a:defRPr>
+            </a:lvl8pPr>
+            <a:lvl9pPr marL="2724150" indent="-177800" algn="l" rtl="0" eaLnBrk="1" fontAlgn="base" hangingPunct="1">
+              <a:spcBef>
+                <a:spcPct val="20000"/>
+              </a:spcBef>
+              <a:spcAft>
+                <a:spcPct val="0"/>
+              </a:spcAft>
+              <a:buClr>
+                <a:schemeClr val="accent2"/>
+              </a:buClr>
+              <a:buFont typeface="Arial" charset="0"/>
+              <a:buChar char="•"/>
+              <a:defRPr lang="de-DE" kern="1200" dirty="0">
+                <a:solidFill>
+                  <a:schemeClr val="tx1"/>
+                </a:solidFill>
+                <a:latin typeface="Tahoma" pitchFamily="34" charset="0"/>
+                <a:ea typeface="+mn-ea"/>
+                <a:cs typeface="Tahoma" pitchFamily="34" charset="0"/>
+              </a:defRPr>
+            </a:lvl9pPr>
+          </a:lstStyle>
+          <a:p>
             <a:pPr hangingPunct="0"/>
             <a:r>
               <a:rPr lang="de-DE" sz="2400" b="0" i="0" u="none" strike="noStrike" kern="1200" cap="none" dirty="0">
@@ -4855,7 +5152,7 @@
                 <a:ea typeface="Microsoft YaHei" pitchFamily="2"/>
                 <a:cs typeface="Arial" pitchFamily="2"/>
               </a:rPr>
-              <a:t>Bald in der Grundschule ??</a:t>
+              <a:t>Bald in der Grundschule?</a:t>
             </a:r>
           </a:p>
           <a:p>
@@ -4921,8 +5218,8 @@
         </p:blipFill>
         <p:spPr>
           <a:xfrm>
-            <a:off x="246490" y="320478"/>
-            <a:ext cx="6054840" cy="5400000"/>
+            <a:off x="202123" y="198782"/>
+            <a:ext cx="5830929" cy="4696748"/>
           </a:xfrm>
           <a:prstGeom prst="rect">
             <a:avLst/>
@@ -4935,71 +5232,351 @@
       </p:pic>
       <p:sp>
         <p:nvSpPr>
-          <p:cNvPr id="5" name="Textfeld 4">
+          <p:cNvPr id="7" name="Untertitel 2">
             <a:extLst>
               <a:ext uri="{FF2B5EF4-FFF2-40B4-BE49-F238E27FC236}">
-                <a16:creationId xmlns:a16="http://schemas.microsoft.com/office/drawing/2014/main" id="{30FEE2CA-58B4-4B19-9836-9759132AFE12}"/>
+                <a16:creationId xmlns:a16="http://schemas.microsoft.com/office/drawing/2014/main" id="{A39602CE-4725-4DB8-8CF6-A9ED90D68AB5}"/>
               </a:ext>
             </a:extLst>
           </p:cNvPr>
-          <p:cNvSpPr txBox="1"/>
+          <p:cNvSpPr txBox="1">
+            <a:spLocks/>
+          </p:cNvSpPr>
           <p:nvPr/>
         </p:nvSpPr>
-        <p:spPr>
+        <p:spPr bwMode="auto">
           <a:xfrm>
-            <a:off x="6440557" y="1500809"/>
-            <a:ext cx="2534478" cy="2200602"/>
+            <a:off x="202123" y="4901008"/>
+            <a:ext cx="5108713" cy="1844218"/>
           </a:xfrm>
           <a:prstGeom prst="rect">
             <a:avLst/>
           </a:prstGeom>
           <a:noFill/>
+          <a:ln w="9525">
+            <a:noFill/>
+            <a:miter lim="800000"/>
+            <a:headEnd/>
+            <a:tailEnd/>
+          </a:ln>
         </p:spPr>
         <p:txBody>
-          <a:bodyPr wrap="square" rtlCol="0">
-            <a:spAutoFit/>
+          <a:bodyPr vert="horz" wrap="square" lIns="91440" tIns="45720" rIns="91440" bIns="45720" numCol="1" anchor="ctr" anchorCtr="0" compatLnSpc="1">
+            <a:prstTxWarp prst="textNoShape">
+              <a:avLst/>
+            </a:prstTxWarp>
           </a:bodyPr>
-          <a:lstStyle/>
-          <a:p>
-            <a:pPr lvl="0" rtl="0">
-              <a:buSzPct val="45000"/>
-            </a:pPr>
-            <a:r>
-              <a:rPr lang="de-DE" sz="1800" dirty="0"/>
+          <a:lstStyle>
+            <a:lvl1pPr marL="177800" indent="-177800" algn="l" rtl="0" eaLnBrk="1" fontAlgn="base" hangingPunct="1">
+              <a:spcBef>
+                <a:spcPct val="20000"/>
+              </a:spcBef>
+              <a:spcAft>
+                <a:spcPct val="0"/>
+              </a:spcAft>
+              <a:buClr>
+                <a:schemeClr val="accent2"/>
+              </a:buClr>
+              <a:buFont typeface="Arial" charset="0"/>
+              <a:buChar char="•"/>
+              <a:defRPr lang="de-DE" kern="1200" dirty="0">
+                <a:solidFill>
+                  <a:schemeClr val="tx1"/>
+                </a:solidFill>
+                <a:latin typeface="Tahoma" pitchFamily="34" charset="0"/>
+                <a:ea typeface="+mn-ea"/>
+                <a:cs typeface="Tahoma" pitchFamily="34" charset="0"/>
+              </a:defRPr>
+            </a:lvl1pPr>
+            <a:lvl2pPr marL="361950" indent="-184150" algn="l" rtl="0" eaLnBrk="1" fontAlgn="base" hangingPunct="1">
+              <a:spcBef>
+                <a:spcPct val="20000"/>
+              </a:spcBef>
+              <a:spcAft>
+                <a:spcPct val="0"/>
+              </a:spcAft>
+              <a:buClr>
+                <a:schemeClr val="accent2"/>
+              </a:buClr>
+              <a:buFont typeface="Arial" charset="0"/>
+              <a:buChar char="•"/>
+              <a:defRPr lang="de-DE" kern="1200" dirty="0">
+                <a:solidFill>
+                  <a:schemeClr val="tx1"/>
+                </a:solidFill>
+                <a:latin typeface="Tahoma" pitchFamily="34" charset="0"/>
+                <a:ea typeface="+mn-ea"/>
+                <a:cs typeface="Tahoma" pitchFamily="34" charset="0"/>
+              </a:defRPr>
+            </a:lvl2pPr>
+            <a:lvl3pPr marL="539750" indent="-177800" algn="l" rtl="0" eaLnBrk="1" fontAlgn="base" hangingPunct="1">
+              <a:spcBef>
+                <a:spcPct val="20000"/>
+              </a:spcBef>
+              <a:spcAft>
+                <a:spcPct val="0"/>
+              </a:spcAft>
+              <a:buClr>
+                <a:schemeClr val="accent2"/>
+              </a:buClr>
+              <a:buFont typeface="Arial" charset="0"/>
+              <a:buChar char="•"/>
+              <a:defRPr lang="de-DE" kern="1200" dirty="0">
+                <a:solidFill>
+                  <a:schemeClr val="tx1"/>
+                </a:solidFill>
+                <a:latin typeface="Tahoma" pitchFamily="34" charset="0"/>
+                <a:ea typeface="+mn-ea"/>
+                <a:cs typeface="Tahoma" pitchFamily="34" charset="0"/>
+              </a:defRPr>
+            </a:lvl3pPr>
+            <a:lvl4pPr marL="717550" indent="-177800" algn="l" rtl="0" eaLnBrk="1" fontAlgn="base" hangingPunct="1">
+              <a:spcBef>
+                <a:spcPct val="20000"/>
+              </a:spcBef>
+              <a:spcAft>
+                <a:spcPct val="0"/>
+              </a:spcAft>
+              <a:buClr>
+                <a:schemeClr val="accent2"/>
+              </a:buClr>
+              <a:buFont typeface="Arial" charset="0"/>
+              <a:buChar char="•"/>
+              <a:defRPr lang="de-DE" kern="1200" dirty="0">
+                <a:solidFill>
+                  <a:schemeClr val="tx1"/>
+                </a:solidFill>
+                <a:latin typeface="Tahoma" pitchFamily="34" charset="0"/>
+                <a:ea typeface="+mn-ea"/>
+                <a:cs typeface="Tahoma" pitchFamily="34" charset="0"/>
+              </a:defRPr>
+            </a:lvl4pPr>
+            <a:lvl5pPr marL="895350" indent="-177800" algn="l" rtl="0" eaLnBrk="1" fontAlgn="base" hangingPunct="1">
+              <a:spcBef>
+                <a:spcPct val="20000"/>
+              </a:spcBef>
+              <a:spcAft>
+                <a:spcPct val="0"/>
+              </a:spcAft>
+              <a:buClr>
+                <a:schemeClr val="accent2"/>
+              </a:buClr>
+              <a:buFont typeface="Arial" charset="0"/>
+              <a:buChar char="•"/>
+              <a:defRPr lang="de-DE" kern="1200" dirty="0">
+                <a:solidFill>
+                  <a:schemeClr val="tx1"/>
+                </a:solidFill>
+                <a:latin typeface="Tahoma" pitchFamily="34" charset="0"/>
+                <a:ea typeface="+mn-ea"/>
+                <a:cs typeface="Tahoma" pitchFamily="34" charset="0"/>
+              </a:defRPr>
+            </a:lvl5pPr>
+            <a:lvl6pPr marL="1352550" indent="-177800" algn="l" rtl="0" eaLnBrk="1" fontAlgn="base" hangingPunct="1">
+              <a:spcBef>
+                <a:spcPct val="20000"/>
+              </a:spcBef>
+              <a:spcAft>
+                <a:spcPct val="0"/>
+              </a:spcAft>
+              <a:buClr>
+                <a:schemeClr val="accent2"/>
+              </a:buClr>
+              <a:buFont typeface="Arial" charset="0"/>
+              <a:buChar char="•"/>
+              <a:defRPr lang="de-DE" kern="1200" dirty="0">
+                <a:solidFill>
+                  <a:schemeClr val="tx1"/>
+                </a:solidFill>
+                <a:latin typeface="Tahoma" pitchFamily="34" charset="0"/>
+                <a:ea typeface="+mn-ea"/>
+                <a:cs typeface="Tahoma" pitchFamily="34" charset="0"/>
+              </a:defRPr>
+            </a:lvl6pPr>
+            <a:lvl7pPr marL="1809750" indent="-177800" algn="l" rtl="0" eaLnBrk="1" fontAlgn="base" hangingPunct="1">
+              <a:spcBef>
+                <a:spcPct val="20000"/>
+              </a:spcBef>
+              <a:spcAft>
+                <a:spcPct val="0"/>
+              </a:spcAft>
+              <a:buClr>
+                <a:schemeClr val="accent2"/>
+              </a:buClr>
+              <a:buFont typeface="Arial" charset="0"/>
+              <a:buChar char="•"/>
+              <a:defRPr lang="de-DE" kern="1200" dirty="0">
+                <a:solidFill>
+                  <a:schemeClr val="tx1"/>
+                </a:solidFill>
+                <a:latin typeface="Tahoma" pitchFamily="34" charset="0"/>
+                <a:ea typeface="+mn-ea"/>
+                <a:cs typeface="Tahoma" pitchFamily="34" charset="0"/>
+              </a:defRPr>
+            </a:lvl7pPr>
+            <a:lvl8pPr marL="2266950" indent="-177800" algn="l" rtl="0" eaLnBrk="1" fontAlgn="base" hangingPunct="1">
+              <a:spcBef>
+                <a:spcPct val="20000"/>
+              </a:spcBef>
+              <a:spcAft>
+                <a:spcPct val="0"/>
+              </a:spcAft>
+              <a:buClr>
+                <a:schemeClr val="accent2"/>
+              </a:buClr>
+              <a:buFont typeface="Arial" charset="0"/>
+              <a:buChar char="•"/>
+              <a:defRPr lang="de-DE" kern="1200" dirty="0">
+                <a:solidFill>
+                  <a:schemeClr val="tx1"/>
+                </a:solidFill>
+                <a:latin typeface="Tahoma" pitchFamily="34" charset="0"/>
+                <a:ea typeface="+mn-ea"/>
+                <a:cs typeface="Tahoma" pitchFamily="34" charset="0"/>
+              </a:defRPr>
+            </a:lvl8pPr>
+            <a:lvl9pPr marL="2724150" indent="-177800" algn="l" rtl="0" eaLnBrk="1" fontAlgn="base" hangingPunct="1">
+              <a:spcBef>
+                <a:spcPct val="20000"/>
+              </a:spcBef>
+              <a:spcAft>
+                <a:spcPct val="0"/>
+              </a:spcAft>
+              <a:buClr>
+                <a:schemeClr val="accent2"/>
+              </a:buClr>
+              <a:buFont typeface="Arial" charset="0"/>
+              <a:buChar char="•"/>
+              <a:defRPr lang="de-DE" kern="1200" dirty="0">
+                <a:solidFill>
+                  <a:schemeClr val="tx1"/>
+                </a:solidFill>
+                <a:latin typeface="Tahoma" pitchFamily="34" charset="0"/>
+                <a:ea typeface="+mn-ea"/>
+                <a:cs typeface="Tahoma" pitchFamily="34" charset="0"/>
+              </a:defRPr>
+            </a:lvl9pPr>
+          </a:lstStyle>
+          <a:p>
+            <a:pPr hangingPunct="0"/>
+            <a:endParaRPr lang="de-DE" sz="2400" b="0" i="0" u="none" strike="noStrike" kern="1200" cap="none" dirty="0">
+              <a:ln>
+                <a:noFill/>
+              </a:ln>
+              <a:highlight>
+                <a:scrgbClr r="0" g="0" b="0">
+                  <a:alpha val="0"/>
+                </a:scrgbClr>
+              </a:highlight>
+              <a:latin typeface="+mn-lt"/>
+              <a:ea typeface="Microsoft YaHei" pitchFamily="2"/>
+              <a:cs typeface="Arial" pitchFamily="2"/>
+            </a:endParaRPr>
+          </a:p>
+          <a:p>
+            <a:pPr hangingPunct="0"/>
+            <a:r>
+              <a:rPr lang="de-DE" sz="2000" b="0" i="0" u="none" strike="noStrike" kern="1200" cap="none" dirty="0">
+                <a:ln>
+                  <a:noFill/>
+                </a:ln>
+                <a:highlight>
+                  <a:scrgbClr r="0" g="0" b="0">
+                    <a:alpha val="0"/>
+                  </a:scrgbClr>
+                </a:highlight>
+                <a:latin typeface="+mn-lt"/>
+                <a:ea typeface="Microsoft YaHei" pitchFamily="2"/>
+                <a:cs typeface="Arial" pitchFamily="2"/>
+              </a:rPr>
               <a:t>Programmieren für Kinder ab 8 J.</a:t>
             </a:r>
           </a:p>
           <a:p>
-            <a:pPr lvl="0" rtl="0">
-              <a:buSzPct val="45000"/>
-            </a:pPr>
-            <a:r>
-              <a:rPr lang="de-DE" sz="1800" dirty="0"/>
+            <a:pPr hangingPunct="0"/>
+            <a:r>
+              <a:rPr lang="de-DE" sz="2000" b="0" i="0" u="none" strike="noStrike" kern="1200" cap="none" dirty="0">
+                <a:ln>
+                  <a:noFill/>
+                </a:ln>
+                <a:highlight>
+                  <a:scrgbClr r="0" g="0" b="0">
+                    <a:alpha val="0"/>
+                  </a:scrgbClr>
+                </a:highlight>
+                <a:latin typeface="+mn-lt"/>
+                <a:ea typeface="Microsoft YaHei" pitchFamily="2"/>
+                <a:cs typeface="Arial" pitchFamily="2"/>
+              </a:rPr>
               <a:t>Beliebte Kindersendung</a:t>
             </a:r>
           </a:p>
           <a:p>
-            <a:pPr lvl="0" rtl="0">
-              <a:buSzPct val="45000"/>
-            </a:pPr>
-            <a:r>
-              <a:rPr lang="de-DE" sz="1800" dirty="0"/>
+            <a:pPr hangingPunct="0"/>
+            <a:r>
+              <a:rPr lang="de-DE" sz="2000" b="0" i="0" u="none" strike="noStrike" kern="1200" cap="none" dirty="0">
+                <a:ln>
+                  <a:noFill/>
+                </a:ln>
+                <a:highlight>
+                  <a:scrgbClr r="0" g="0" b="0">
+                    <a:alpha val="0"/>
+                  </a:scrgbClr>
+                </a:highlight>
+                <a:latin typeface="+mn-lt"/>
+                <a:ea typeface="Microsoft YaHei" pitchFamily="2"/>
+                <a:cs typeface="Arial" pitchFamily="2"/>
+              </a:rPr>
               <a:t>Öffentlich Rechtliches Fernsehen</a:t>
             </a:r>
           </a:p>
           <a:p>
-            <a:pPr lvl="0" rtl="0">
-              <a:buSzPct val="45000"/>
-              <a:buFont typeface="StarSymbol"/>
-              <a:buChar char="●"/>
-            </a:pPr>
-            <a:r>
-              <a:rPr lang="de-DE" sz="1100" dirty="0"/>
-              <a:t>https://programmieren.wdrmaus.de/</a:t>
-            </a:r>
-          </a:p>
-          <a:p>
-            <a:endParaRPr lang="de-DE" dirty="0"/>
+            <a:pPr hangingPunct="0"/>
+            <a:r>
+              <a:rPr lang="de-DE" sz="1600" dirty="0">
+                <a:highlight>
+                  <a:scrgbClr r="0" g="0" b="0">
+                    <a:alpha val="0"/>
+                  </a:scrgbClr>
+                </a:highlight>
+                <a:latin typeface="+mn-lt"/>
+                <a:ea typeface="Microsoft YaHei" pitchFamily="2"/>
+                <a:cs typeface="Arial" pitchFamily="2"/>
+                <a:hlinkClick r:id="rId3"/>
+              </a:rPr>
+              <a:t>https://programmieren.wdr.maus.de</a:t>
+            </a:r>
+            <a:endParaRPr lang="de-DE" sz="1600" dirty="0">
+              <a:highlight>
+                <a:scrgbClr r="0" g="0" b="0">
+                  <a:alpha val="0"/>
+                </a:scrgbClr>
+              </a:highlight>
+              <a:latin typeface="+mn-lt"/>
+              <a:ea typeface="Microsoft YaHei" pitchFamily="2"/>
+              <a:cs typeface="Arial" pitchFamily="2"/>
+            </a:endParaRPr>
+          </a:p>
+          <a:p>
+            <a:pPr hangingPunct="0"/>
+            <a:endParaRPr lang="de-DE" sz="2400" b="0" i="0" u="none" strike="noStrike" kern="1200" cap="none" dirty="0">
+              <a:ln>
+                <a:noFill/>
+              </a:ln>
+              <a:highlight>
+                <a:scrgbClr r="0" g="0" b="0">
+                  <a:alpha val="0"/>
+                </a:scrgbClr>
+              </a:highlight>
+              <a:latin typeface="+mn-lt"/>
+              <a:ea typeface="Microsoft YaHei" pitchFamily="2"/>
+              <a:cs typeface="Arial" pitchFamily="2"/>
+            </a:endParaRPr>
+          </a:p>
+          <a:p>
+            <a:endParaRPr lang="de-DE" sz="2400" dirty="0">
+              <a:latin typeface="+mn-lt"/>
+            </a:endParaRPr>
           </a:p>
         </p:txBody>
       </p:sp>
@@ -6082,15 +6659,21 @@
               <a:buChar char="●"/>
             </a:pPr>
             <a:r>
-              <a:rPr lang="de-DE" sz="3200" dirty="0"/>
+              <a:rPr lang="de-DE" sz="3200" dirty="0">
+                <a:latin typeface="+mn-lt"/>
+              </a:rPr>
               <a:t>Levelbasierter VR-</a:t>
             </a:r>
             <a:r>
-              <a:rPr lang="de-DE" sz="3200" dirty="0" err="1"/>
+              <a:rPr lang="de-DE" sz="3200" dirty="0" err="1">
+                <a:latin typeface="+mn-lt"/>
+              </a:rPr>
               <a:t>Escaperoom</a:t>
             </a:r>
             <a:r>
-              <a:rPr lang="de-DE" sz="3200" dirty="0"/>
+              <a:rPr lang="de-DE" sz="3200" dirty="0">
+                <a:latin typeface="+mn-lt"/>
+              </a:rPr>
               <a:t> mit Programmierrätseln</a:t>
             </a:r>
           </a:p>
@@ -6101,7 +6684,9 @@
               <a:buChar char="●"/>
             </a:pPr>
             <a:r>
-              <a:rPr lang="de-DE" sz="3200" dirty="0"/>
+              <a:rPr lang="de-DE" sz="3200" dirty="0">
+                <a:latin typeface="+mn-lt"/>
+              </a:rPr>
               <a:t>Umgebung: Digitaler Hörsaal der Zukunft</a:t>
             </a:r>
           </a:p>
@@ -6112,7 +6697,9 @@
               <a:buChar char="●"/>
             </a:pPr>
             <a:r>
-              <a:rPr lang="de-DE" sz="3200" dirty="0"/>
+              <a:rPr lang="de-DE" sz="3200" dirty="0">
+                <a:latin typeface="+mn-lt"/>
+              </a:rPr>
               <a:t>Rätsel lösen durch Programmierblöcke</a:t>
             </a:r>
           </a:p>
@@ -6123,7 +6710,9 @@
               <a:buChar char="●"/>
             </a:pPr>
             <a:r>
-              <a:rPr lang="de-DE" sz="3200" dirty="0"/>
+              <a:rPr lang="de-DE" sz="3200" dirty="0">
+                <a:latin typeface="+mn-lt"/>
+              </a:rPr>
               <a:t>Fokus auch auf dem Lerneffekt</a:t>
             </a:r>
           </a:p>
@@ -6134,7 +6723,9 @@
               <a:buChar char="●"/>
             </a:pPr>
             <a:r>
-              <a:rPr lang="de-DE" sz="3200" dirty="0"/>
+              <a:rPr lang="de-DE" sz="3200" dirty="0">
+                <a:latin typeface="+mn-lt"/>
+              </a:rPr>
               <a:t>OTH-AW Branding</a:t>
             </a:r>
           </a:p>
@@ -6585,7 +7176,9 @@
               <a:buChar char="●"/>
             </a:pPr>
             <a:r>
-              <a:rPr lang="de-DE" sz="3200" dirty="0"/>
+              <a:rPr lang="de-DE" sz="3600" dirty="0">
+                <a:latin typeface="+mn-lt"/>
+              </a:rPr>
               <a:t>Entwicklung für VR-System ohne eigene Testmöglichkeit</a:t>
             </a:r>
           </a:p>
@@ -6595,7 +7188,7 @@
               <a:buFont typeface="StarSymbol"/>
               <a:buChar char="●"/>
             </a:pPr>
-            <a:endParaRPr lang="de-DE" sz="3200" dirty="0"/>
+            <a:endParaRPr lang="de-DE" sz="3600" dirty="0"/>
           </a:p>
         </p:txBody>
       </p:sp>

--- a/Präsentation.pptx
+++ b/Präsentation.pptx
@@ -14,13 +14,13 @@
     <p:sldId id="265" r:id="rId5"/>
     <p:sldId id="266" r:id="rId6"/>
     <p:sldId id="261" r:id="rId7"/>
-    <p:sldId id="262" r:id="rId8"/>
-    <p:sldId id="256" r:id="rId9"/>
-    <p:sldId id="258" r:id="rId10"/>
-    <p:sldId id="267" r:id="rId11"/>
-    <p:sldId id="268" r:id="rId12"/>
-    <p:sldId id="269" r:id="rId13"/>
-    <p:sldId id="270" r:id="rId14"/>
+    <p:sldId id="256" r:id="rId8"/>
+    <p:sldId id="258" r:id="rId9"/>
+    <p:sldId id="267" r:id="rId10"/>
+    <p:sldId id="268" r:id="rId11"/>
+    <p:sldId id="269" r:id="rId12"/>
+    <p:sldId id="270" r:id="rId13"/>
+    <p:sldId id="262" r:id="rId14"/>
   </p:sldIdLst>
   <p:sldSz cx="9144000" cy="6858000" type="screen4x3"/>
   <p:notesSz cx="6692900" cy="10072688"/>
@@ -693,7 +693,7 @@
               <a:pPr>
                 <a:defRPr/>
               </a:pPr>
-              <a:t>8</a:t>
+              <a:t>7</a:t>
             </a:fld>
             <a:endParaRPr lang="de-DE"/>
           </a:p>
@@ -783,7 +783,7 @@
               <a:pPr>
                 <a:defRPr/>
               </a:pPr>
-              <a:t>9</a:t>
+              <a:t>8</a:t>
             </a:fld>
             <a:endParaRPr lang="de-DE"/>
           </a:p>
@@ -793,6 +793,105 @@
     <p:extLst>
       <p:ext uri="{BB962C8B-B14F-4D97-AF65-F5344CB8AC3E}">
         <p14:creationId xmlns:p14="http://schemas.microsoft.com/office/powerpoint/2010/main" val="56513785"/>
+      </p:ext>
+    </p:extLst>
+  </p:cSld>
+  <p:clrMapOvr>
+    <a:masterClrMapping/>
+  </p:clrMapOvr>
+</p:notes>
+</file>
+
+<file path=ppt/notesSlides/notesSlide3.xml><?xml version="1.0" encoding="utf-8"?>
+<p:notes xmlns:a="http://schemas.openxmlformats.org/drawingml/2006/main" xmlns:r="http://schemas.openxmlformats.org/officeDocument/2006/relationships" xmlns:p="http://schemas.openxmlformats.org/presentationml/2006/main">
+  <p:cSld>
+    <p:spTree>
+      <p:nvGrpSpPr>
+        <p:cNvPr id="1" name=""/>
+        <p:cNvGrpSpPr/>
+        <p:nvPr/>
+      </p:nvGrpSpPr>
+      <p:grpSpPr>
+        <a:xfrm>
+          <a:off x="0" y="0"/>
+          <a:ext cx="0" cy="0"/>
+          <a:chOff x="0" y="0"/>
+          <a:chExt cx="0" cy="0"/>
+        </a:xfrm>
+      </p:grpSpPr>
+      <p:sp>
+        <p:nvSpPr>
+          <p:cNvPr id="2" name="Folienbildplatzhalter 1"/>
+          <p:cNvSpPr>
+            <a:spLocks noGrp="1" noRot="1" noChangeAspect="1"/>
+          </p:cNvSpPr>
+          <p:nvPr>
+            <p:ph type="sldImg"/>
+          </p:nvPr>
+        </p:nvSpPr>
+        <p:spPr/>
+      </p:sp>
+      <p:sp>
+        <p:nvSpPr>
+          <p:cNvPr id="3" name="Notizenplatzhalter 2"/>
+          <p:cNvSpPr>
+            <a:spLocks noGrp="1"/>
+          </p:cNvSpPr>
+          <p:nvPr>
+            <p:ph type="body" idx="1"/>
+          </p:nvPr>
+        </p:nvSpPr>
+        <p:spPr/>
+        <p:txBody>
+          <a:bodyPr/>
+          <a:lstStyle/>
+          <a:p>
+            <a:r>
+              <a:rPr lang="de-DE" dirty="0"/>
+              <a:t>Andere Möglichkeit: 1:1 richtige Programmiersprache nachbilden</a:t>
+            </a:r>
+          </a:p>
+          <a:p>
+            <a:r>
+              <a:rPr lang="de-DE" dirty="0"/>
+              <a:t>→ Hier geht es nur um die allgemeinen Programmierfähigkeiten</a:t>
+            </a:r>
+          </a:p>
+        </p:txBody>
+      </p:sp>
+      <p:sp>
+        <p:nvSpPr>
+          <p:cNvPr id="4" name="Foliennummernplatzhalter 3"/>
+          <p:cNvSpPr>
+            <a:spLocks noGrp="1"/>
+          </p:cNvSpPr>
+          <p:nvPr>
+            <p:ph type="sldNum" sz="quarter" idx="5"/>
+          </p:nvPr>
+        </p:nvSpPr>
+        <p:spPr/>
+        <p:txBody>
+          <a:bodyPr/>
+          <a:lstStyle/>
+          <a:p>
+            <a:pPr>
+              <a:defRPr/>
+            </a:pPr>
+            <a:fld id="{79F0DC6F-D6AA-4F6E-BBDA-A921EDEA4337}" type="slidenum">
+              <a:rPr lang="de-DE" smtClean="0"/>
+              <a:pPr>
+                <a:defRPr/>
+              </a:pPr>
+              <a:t>13</a:t>
+            </a:fld>
+            <a:endParaRPr lang="de-DE"/>
+          </a:p>
+        </p:txBody>
+      </p:sp>
+    </p:spTree>
+    <p:extLst>
+      <p:ext uri="{BB962C8B-B14F-4D97-AF65-F5344CB8AC3E}">
+        <p14:creationId xmlns:p14="http://schemas.microsoft.com/office/powerpoint/2010/main" val="3864234916"/>
       </p:ext>
     </p:extLst>
   </p:cSld>
@@ -3538,10 +3637,10 @@
       </p:sp>
       <p:pic>
         <p:nvPicPr>
-          <p:cNvPr id="5" name="Grafik 4">
+          <p:cNvPr id="6" name="Grafik 5">
             <a:extLst>
               <a:ext uri="{FF2B5EF4-FFF2-40B4-BE49-F238E27FC236}">
-                <a16:creationId xmlns:a16="http://schemas.microsoft.com/office/drawing/2014/main" id="{CCD951E0-CFAE-46D5-B3E1-F70ACC81BB99}"/>
+                <a16:creationId xmlns:a16="http://schemas.microsoft.com/office/drawing/2014/main" id="{7B073BF9-1539-49C0-935D-3CD673B08D80}"/>
               </a:ext>
             </a:extLst>
           </p:cNvPr>
@@ -3550,16 +3649,15 @@
           </p:cNvPicPr>
           <p:nvPr/>
         </p:nvPicPr>
-        <p:blipFill>
+        <p:blipFill rotWithShape="1">
           <a:blip r:embed="rId2"/>
-          <a:stretch>
-            <a:fillRect/>
-          </a:stretch>
+          <a:srcRect l="15652"/>
+          <a:stretch/>
         </p:blipFill>
         <p:spPr>
           <a:xfrm>
-            <a:off x="461458" y="1809102"/>
-            <a:ext cx="8221084" cy="4517966"/>
+            <a:off x="275525" y="1508915"/>
+            <a:ext cx="8592950" cy="4839225"/>
           </a:xfrm>
           <a:prstGeom prst="rect">
             <a:avLst/>
@@ -3580,227 +3678,6 @@
 </file>
 
 <file path=ppt/slides/slide10.xml><?xml version="1.0" encoding="utf-8"?>
-<p:sld xmlns:a="http://schemas.openxmlformats.org/drawingml/2006/main" xmlns:r="http://schemas.openxmlformats.org/officeDocument/2006/relationships" xmlns:p="http://schemas.openxmlformats.org/presentationml/2006/main">
-  <p:cSld>
-    <p:spTree>
-      <p:nvGrpSpPr>
-        <p:cNvPr id="1" name=""/>
-        <p:cNvGrpSpPr/>
-        <p:nvPr/>
-      </p:nvGrpSpPr>
-      <p:grpSpPr>
-        <a:xfrm>
-          <a:off x="0" y="0"/>
-          <a:ext cx="0" cy="0"/>
-          <a:chOff x="0" y="0"/>
-          <a:chExt cx="0" cy="0"/>
-        </a:xfrm>
-      </p:grpSpPr>
-      <p:sp>
-        <p:nvSpPr>
-          <p:cNvPr id="2" name="Titel 1">
-            <a:extLst>
-              <a:ext uri="{FF2B5EF4-FFF2-40B4-BE49-F238E27FC236}">
-                <a16:creationId xmlns:a16="http://schemas.microsoft.com/office/drawing/2014/main" id="{1F0B2DD4-3EBE-4F2F-AA5C-CA3D33F8AC9C}"/>
-              </a:ext>
-            </a:extLst>
-          </p:cNvPr>
-          <p:cNvSpPr>
-            <a:spLocks noGrp="1"/>
-          </p:cNvSpPr>
-          <p:nvPr>
-            <p:ph type="title"/>
-          </p:nvPr>
-        </p:nvSpPr>
-        <p:spPr>
-          <a:xfrm>
-            <a:off x="275526" y="416664"/>
-            <a:ext cx="5934075" cy="926481"/>
-          </a:xfrm>
-        </p:spPr>
-        <p:txBody>
-          <a:bodyPr/>
-          <a:lstStyle/>
-          <a:p>
-            <a:r>
-              <a:rPr lang="de-DE" dirty="0"/>
-              <a:t>Elementsteine - Design</a:t>
-            </a:r>
-          </a:p>
-        </p:txBody>
-      </p:sp>
-      <p:sp>
-        <p:nvSpPr>
-          <p:cNvPr id="3" name="Inhaltsplatzhalter 2">
-            <a:extLst>
-              <a:ext uri="{FF2B5EF4-FFF2-40B4-BE49-F238E27FC236}">
-                <a16:creationId xmlns:a16="http://schemas.microsoft.com/office/drawing/2014/main" id="{EE03C0FD-EEB0-4FC7-9103-5B1DEF20402F}"/>
-              </a:ext>
-            </a:extLst>
-          </p:cNvPr>
-          <p:cNvSpPr>
-            <a:spLocks noGrp="1"/>
-          </p:cNvSpPr>
-          <p:nvPr>
-            <p:ph idx="1"/>
-          </p:nvPr>
-        </p:nvSpPr>
-        <p:spPr>
-          <a:xfrm>
-            <a:off x="256071" y="1343146"/>
-            <a:ext cx="8003692" cy="4939758"/>
-          </a:xfrm>
-        </p:spPr>
-        <p:txBody>
-          <a:bodyPr/>
-          <a:lstStyle/>
-          <a:p>
-            <a:r>
-              <a:rPr lang="de-DE" dirty="0"/>
-              <a:t>Unterschiedliche Designs für unterschiedliche Programmierelementtypen</a:t>
-            </a:r>
-          </a:p>
-          <a:p>
-            <a:r>
-              <a:rPr lang="de-DE" dirty="0"/>
-              <a:t>Idee: Spieler soll an der Form des Steins erkennen, um welchen Typen es sich handelt (wenn möglich)</a:t>
-            </a:r>
-          </a:p>
-          <a:p>
-            <a:endParaRPr lang="de-DE" dirty="0"/>
-          </a:p>
-          <a:p>
-            <a:endParaRPr lang="de-DE" dirty="0"/>
-          </a:p>
-          <a:p>
-            <a:endParaRPr lang="de-DE" dirty="0"/>
-          </a:p>
-          <a:p>
-            <a:endParaRPr lang="de-DE" dirty="0"/>
-          </a:p>
-          <a:p>
-            <a:endParaRPr lang="de-DE" dirty="0"/>
-          </a:p>
-          <a:p>
-            <a:endParaRPr lang="de-DE" dirty="0"/>
-          </a:p>
-          <a:p>
-            <a:r>
-              <a:rPr lang="de-DE" dirty="0"/>
-              <a:t>Zudem 3D-Schrift auf den Steinen, um </a:t>
-            </a:r>
-            <a:r>
-              <a:rPr lang="de-DE" dirty="0" err="1"/>
-              <a:t>Programmierelementyp</a:t>
-            </a:r>
-            <a:r>
-              <a:rPr lang="de-DE" dirty="0"/>
-              <a:t> zu verdeutlichen</a:t>
-            </a:r>
-          </a:p>
-          <a:p>
-            <a:endParaRPr lang="de-DE" dirty="0"/>
-          </a:p>
-          <a:p>
-            <a:endParaRPr lang="de-DE" dirty="0"/>
-          </a:p>
-          <a:p>
-            <a:endParaRPr lang="de-DE" dirty="0"/>
-          </a:p>
-          <a:p>
-            <a:endParaRPr lang="de-DE" dirty="0"/>
-          </a:p>
-          <a:p>
-            <a:endParaRPr lang="de-DE" dirty="0"/>
-          </a:p>
-        </p:txBody>
-      </p:sp>
-      <p:pic>
-        <p:nvPicPr>
-          <p:cNvPr id="5" name="Grafik 4">
-            <a:extLst>
-              <a:ext uri="{FF2B5EF4-FFF2-40B4-BE49-F238E27FC236}">
-                <a16:creationId xmlns:a16="http://schemas.microsoft.com/office/drawing/2014/main" id="{BDFA8C0A-B84B-BF46-AC8B-3E84954DB652}"/>
-              </a:ext>
-            </a:extLst>
-          </p:cNvPr>
-          <p:cNvPicPr>
-            <a:picLocks noChangeAspect="1"/>
-          </p:cNvPicPr>
-          <p:nvPr/>
-        </p:nvPicPr>
-        <p:blipFill>
-          <a:blip r:embed="rId2">
-            <a:extLst>
-              <a:ext uri="{28A0092B-C50C-407E-A947-70E740481C1C}">
-                <a14:useLocalDpi xmlns:a14="http://schemas.microsoft.com/office/drawing/2010/main" val="0"/>
-              </a:ext>
-            </a:extLst>
-          </a:blip>
-          <a:stretch>
-            <a:fillRect/>
-          </a:stretch>
-        </p:blipFill>
-        <p:spPr>
-          <a:xfrm>
-            <a:off x="3572536" y="2052865"/>
-            <a:ext cx="2354036" cy="2150379"/>
-          </a:xfrm>
-          <a:prstGeom prst="rect">
-            <a:avLst/>
-          </a:prstGeom>
-        </p:spPr>
-      </p:pic>
-      <p:pic>
-        <p:nvPicPr>
-          <p:cNvPr id="7" name="Grafik 6">
-            <a:extLst>
-              <a:ext uri="{FF2B5EF4-FFF2-40B4-BE49-F238E27FC236}">
-                <a16:creationId xmlns:a16="http://schemas.microsoft.com/office/drawing/2014/main" id="{A7874900-1D54-464B-B3EF-15DB6F09519B}"/>
-              </a:ext>
-            </a:extLst>
-          </p:cNvPr>
-          <p:cNvPicPr>
-            <a:picLocks noChangeAspect="1"/>
-          </p:cNvPicPr>
-          <p:nvPr/>
-        </p:nvPicPr>
-        <p:blipFill>
-          <a:blip r:embed="rId3">
-            <a:extLst>
-              <a:ext uri="{28A0092B-C50C-407E-A947-70E740481C1C}">
-                <a14:useLocalDpi xmlns:a14="http://schemas.microsoft.com/office/drawing/2010/main" val="0"/>
-              </a:ext>
-            </a:extLst>
-          </a:blip>
-          <a:stretch>
-            <a:fillRect/>
-          </a:stretch>
-        </p:blipFill>
-        <p:spPr>
-          <a:xfrm>
-            <a:off x="3572536" y="4782335"/>
-            <a:ext cx="2354036" cy="1622625"/>
-          </a:xfrm>
-          <a:prstGeom prst="rect">
-            <a:avLst/>
-          </a:prstGeom>
-        </p:spPr>
-      </p:pic>
-    </p:spTree>
-    <p:extLst>
-      <p:ext uri="{BB962C8B-B14F-4D97-AF65-F5344CB8AC3E}">
-        <p14:creationId xmlns:p14="http://schemas.microsoft.com/office/powerpoint/2010/main" val="1322882623"/>
-      </p:ext>
-    </p:extLst>
-  </p:cSld>
-  <p:clrMapOvr>
-    <a:masterClrMapping/>
-  </p:clrMapOvr>
-</p:sld>
-</file>
-
-<file path=ppt/slides/slide11.xml><?xml version="1.0" encoding="utf-8"?>
 <p:sld xmlns:a="http://schemas.openxmlformats.org/drawingml/2006/main" xmlns:r="http://schemas.openxmlformats.org/officeDocument/2006/relationships" xmlns:p="http://schemas.openxmlformats.org/presentationml/2006/main">
   <p:cSld>
     <p:spTree>
@@ -4031,7 +3908,7 @@
 </p:sld>
 </file>
 
-<file path=ppt/slides/slide12.xml><?xml version="1.0" encoding="utf-8"?>
+<file path=ppt/slides/slide11.xml><?xml version="1.0" encoding="utf-8"?>
 <p:sld xmlns:a="http://schemas.openxmlformats.org/drawingml/2006/main" xmlns:r="http://schemas.openxmlformats.org/officeDocument/2006/relationships" xmlns:p="http://schemas.openxmlformats.org/presentationml/2006/main">
   <p:cSld>
     <p:spTree>
@@ -4298,7 +4175,7 @@
 </p:sld>
 </file>
 
-<file path=ppt/slides/slide13.xml><?xml version="1.0" encoding="utf-8"?>
+<file path=ppt/slides/slide12.xml><?xml version="1.0" encoding="utf-8"?>
 <p:sld xmlns:a="http://schemas.openxmlformats.org/drawingml/2006/main" xmlns:r="http://schemas.openxmlformats.org/officeDocument/2006/relationships" xmlns:p="http://schemas.openxmlformats.org/presentationml/2006/main">
   <p:cSld>
     <p:spTree>
@@ -4391,6 +4268,518 @@
     <p:extLst>
       <p:ext uri="{BB962C8B-B14F-4D97-AF65-F5344CB8AC3E}">
         <p14:creationId xmlns:p14="http://schemas.microsoft.com/office/powerpoint/2010/main" val="4280997102"/>
+      </p:ext>
+    </p:extLst>
+  </p:cSld>
+  <p:clrMapOvr>
+    <a:masterClrMapping/>
+  </p:clrMapOvr>
+</p:sld>
+</file>
+
+<file path=ppt/slides/slide13.xml><?xml version="1.0" encoding="utf-8"?>
+<p:sld xmlns:a="http://schemas.openxmlformats.org/drawingml/2006/main" xmlns:r="http://schemas.openxmlformats.org/officeDocument/2006/relationships" xmlns:p="http://schemas.openxmlformats.org/presentationml/2006/main">
+  <p:cSld>
+    <p:spTree>
+      <p:nvGrpSpPr>
+        <p:cNvPr id="1" name=""/>
+        <p:cNvGrpSpPr/>
+        <p:nvPr/>
+      </p:nvGrpSpPr>
+      <p:grpSpPr>
+        <a:xfrm>
+          <a:off x="0" y="0"/>
+          <a:ext cx="0" cy="0"/>
+          <a:chOff x="0" y="0"/>
+          <a:chExt cx="0" cy="0"/>
+        </a:xfrm>
+      </p:grpSpPr>
+      <p:sp>
+        <p:nvSpPr>
+          <p:cNvPr id="3" name="Titel 1">
+            <a:extLst>
+              <a:ext uri="{FF2B5EF4-FFF2-40B4-BE49-F238E27FC236}">
+                <a16:creationId xmlns:a16="http://schemas.microsoft.com/office/drawing/2014/main" id="{8112CC3A-BC0A-4AA1-8B1F-89506EA8C18C}"/>
+              </a:ext>
+            </a:extLst>
+          </p:cNvPr>
+          <p:cNvSpPr txBox="1">
+            <a:spLocks/>
+          </p:cNvSpPr>
+          <p:nvPr/>
+        </p:nvSpPr>
+        <p:spPr bwMode="auto">
+          <a:xfrm>
+            <a:off x="295278" y="464619"/>
+            <a:ext cx="9071640" cy="946440"/>
+          </a:xfrm>
+          <a:prstGeom prst="rect">
+            <a:avLst/>
+          </a:prstGeom>
+          <a:noFill/>
+          <a:ln w="9525">
+            <a:noFill/>
+            <a:miter lim="800000"/>
+            <a:headEnd/>
+            <a:tailEnd/>
+          </a:ln>
+        </p:spPr>
+        <p:txBody>
+          <a:bodyPr vert="horz" wrap="square" lIns="91440" tIns="45720" rIns="91440" bIns="45720" numCol="1" anchor="t" anchorCtr="0" compatLnSpc="1">
+            <a:prstTxWarp prst="textNoShape">
+              <a:avLst/>
+            </a:prstTxWarp>
+          </a:bodyPr>
+          <a:lstStyle>
+            <a:lvl1pPr algn="l" rtl="0" eaLnBrk="1" fontAlgn="base" hangingPunct="1">
+              <a:spcBef>
+                <a:spcPct val="0"/>
+              </a:spcBef>
+              <a:spcAft>
+                <a:spcPct val="0"/>
+              </a:spcAft>
+              <a:defRPr sz="2000">
+                <a:solidFill>
+                  <a:schemeClr val="tx2"/>
+                </a:solidFill>
+                <a:latin typeface="Tahoma" pitchFamily="34" charset="0"/>
+                <a:cs typeface="Tahoma" pitchFamily="34" charset="0"/>
+              </a:defRPr>
+            </a:lvl1pPr>
+            <a:lvl2pPr algn="l" rtl="0" eaLnBrk="1" fontAlgn="base" hangingPunct="1">
+              <a:spcBef>
+                <a:spcPct val="0"/>
+              </a:spcBef>
+              <a:spcAft>
+                <a:spcPct val="0"/>
+              </a:spcAft>
+              <a:defRPr sz="2000">
+                <a:solidFill>
+                  <a:schemeClr val="tx2"/>
+                </a:solidFill>
+                <a:latin typeface="Tahoma" pitchFamily="34" charset="0"/>
+                <a:cs typeface="Tahoma" pitchFamily="34" charset="0"/>
+              </a:defRPr>
+            </a:lvl2pPr>
+            <a:lvl3pPr algn="l" rtl="0" eaLnBrk="1" fontAlgn="base" hangingPunct="1">
+              <a:spcBef>
+                <a:spcPct val="0"/>
+              </a:spcBef>
+              <a:spcAft>
+                <a:spcPct val="0"/>
+              </a:spcAft>
+              <a:defRPr sz="2000">
+                <a:solidFill>
+                  <a:schemeClr val="tx2"/>
+                </a:solidFill>
+                <a:latin typeface="Tahoma" pitchFamily="34" charset="0"/>
+                <a:cs typeface="Tahoma" pitchFamily="34" charset="0"/>
+              </a:defRPr>
+            </a:lvl3pPr>
+            <a:lvl4pPr algn="l" rtl="0" eaLnBrk="1" fontAlgn="base" hangingPunct="1">
+              <a:spcBef>
+                <a:spcPct val="0"/>
+              </a:spcBef>
+              <a:spcAft>
+                <a:spcPct val="0"/>
+              </a:spcAft>
+              <a:defRPr sz="2000">
+                <a:solidFill>
+                  <a:schemeClr val="tx2"/>
+                </a:solidFill>
+                <a:latin typeface="Tahoma" pitchFamily="34" charset="0"/>
+                <a:cs typeface="Tahoma" pitchFamily="34" charset="0"/>
+              </a:defRPr>
+            </a:lvl4pPr>
+            <a:lvl5pPr algn="l" rtl="0" eaLnBrk="1" fontAlgn="base" hangingPunct="1">
+              <a:spcBef>
+                <a:spcPct val="0"/>
+              </a:spcBef>
+              <a:spcAft>
+                <a:spcPct val="0"/>
+              </a:spcAft>
+              <a:defRPr sz="2000">
+                <a:solidFill>
+                  <a:schemeClr val="tx2"/>
+                </a:solidFill>
+                <a:latin typeface="Tahoma" pitchFamily="34" charset="0"/>
+                <a:cs typeface="Tahoma" pitchFamily="34" charset="0"/>
+              </a:defRPr>
+            </a:lvl5pPr>
+            <a:lvl6pPr marL="457200" algn="ctr" rtl="0" eaLnBrk="1" fontAlgn="base" hangingPunct="1">
+              <a:spcBef>
+                <a:spcPct val="0"/>
+              </a:spcBef>
+              <a:spcAft>
+                <a:spcPct val="0"/>
+              </a:spcAft>
+              <a:defRPr sz="2000" b="1">
+                <a:solidFill>
+                  <a:schemeClr val="tx2"/>
+                </a:solidFill>
+                <a:latin typeface="Tahoma" pitchFamily="34" charset="0"/>
+                <a:cs typeface="Tahoma" pitchFamily="34" charset="0"/>
+              </a:defRPr>
+            </a:lvl6pPr>
+            <a:lvl7pPr marL="914400" algn="ctr" rtl="0" eaLnBrk="1" fontAlgn="base" hangingPunct="1">
+              <a:spcBef>
+                <a:spcPct val="0"/>
+              </a:spcBef>
+              <a:spcAft>
+                <a:spcPct val="0"/>
+              </a:spcAft>
+              <a:defRPr sz="2000" b="1">
+                <a:solidFill>
+                  <a:schemeClr val="tx2"/>
+                </a:solidFill>
+                <a:latin typeface="Tahoma" pitchFamily="34" charset="0"/>
+                <a:cs typeface="Tahoma" pitchFamily="34" charset="0"/>
+              </a:defRPr>
+            </a:lvl7pPr>
+            <a:lvl8pPr marL="1371600" algn="ctr" rtl="0" eaLnBrk="1" fontAlgn="base" hangingPunct="1">
+              <a:spcBef>
+                <a:spcPct val="0"/>
+              </a:spcBef>
+              <a:spcAft>
+                <a:spcPct val="0"/>
+              </a:spcAft>
+              <a:defRPr sz="2000" b="1">
+                <a:solidFill>
+                  <a:schemeClr val="tx2"/>
+                </a:solidFill>
+                <a:latin typeface="Tahoma" pitchFamily="34" charset="0"/>
+                <a:cs typeface="Tahoma" pitchFamily="34" charset="0"/>
+              </a:defRPr>
+            </a:lvl8pPr>
+            <a:lvl9pPr marL="1828800" algn="ctr" rtl="0" eaLnBrk="1" fontAlgn="base" hangingPunct="1">
+              <a:spcBef>
+                <a:spcPct val="0"/>
+              </a:spcBef>
+              <a:spcAft>
+                <a:spcPct val="0"/>
+              </a:spcAft>
+              <a:defRPr sz="2000" b="1">
+                <a:solidFill>
+                  <a:schemeClr val="tx2"/>
+                </a:solidFill>
+                <a:latin typeface="Tahoma" pitchFamily="34" charset="0"/>
+                <a:cs typeface="Tahoma" pitchFamily="34" charset="0"/>
+              </a:defRPr>
+            </a:lvl9pPr>
+          </a:lstStyle>
+          <a:p>
+            <a:r>
+              <a:rPr lang="de-DE" sz="3200" kern="0" dirty="0"/>
+              <a:t>Aufgetretene Probleme</a:t>
+            </a:r>
+          </a:p>
+        </p:txBody>
+      </p:sp>
+      <p:sp>
+        <p:nvSpPr>
+          <p:cNvPr id="5" name="Untertitel 2">
+            <a:extLst>
+              <a:ext uri="{FF2B5EF4-FFF2-40B4-BE49-F238E27FC236}">
+                <a16:creationId xmlns:a16="http://schemas.microsoft.com/office/drawing/2014/main" id="{57CC02C3-FC0D-49A2-BDC2-4F2E339E2375}"/>
+              </a:ext>
+            </a:extLst>
+          </p:cNvPr>
+          <p:cNvSpPr txBox="1">
+            <a:spLocks/>
+          </p:cNvSpPr>
+          <p:nvPr/>
+        </p:nvSpPr>
+        <p:spPr bwMode="auto">
+          <a:xfrm>
+            <a:off x="295278" y="1411058"/>
+            <a:ext cx="8553444" cy="4781019"/>
+          </a:xfrm>
+          <a:prstGeom prst="rect">
+            <a:avLst/>
+          </a:prstGeom>
+          <a:noFill/>
+          <a:ln w="9525">
+            <a:noFill/>
+            <a:miter lim="800000"/>
+            <a:headEnd/>
+            <a:tailEnd/>
+          </a:ln>
+        </p:spPr>
+        <p:txBody>
+          <a:bodyPr vert="horz" wrap="square" lIns="91440" tIns="45720" rIns="91440" bIns="45720" numCol="1" anchor="ctr" anchorCtr="0" compatLnSpc="1">
+            <a:prstTxWarp prst="textNoShape">
+              <a:avLst/>
+            </a:prstTxWarp>
+          </a:bodyPr>
+          <a:lstStyle>
+            <a:lvl1pPr marL="177800" indent="-177800" algn="l" rtl="0" eaLnBrk="1" fontAlgn="base" hangingPunct="1">
+              <a:spcBef>
+                <a:spcPct val="20000"/>
+              </a:spcBef>
+              <a:spcAft>
+                <a:spcPct val="0"/>
+              </a:spcAft>
+              <a:buClr>
+                <a:schemeClr val="accent2"/>
+              </a:buClr>
+              <a:buFont typeface="Arial" charset="0"/>
+              <a:buChar char="•"/>
+              <a:defRPr lang="de-DE" kern="1200" dirty="0">
+                <a:solidFill>
+                  <a:schemeClr val="tx1"/>
+                </a:solidFill>
+                <a:latin typeface="Tahoma" pitchFamily="34" charset="0"/>
+                <a:ea typeface="+mn-ea"/>
+                <a:cs typeface="Tahoma" pitchFamily="34" charset="0"/>
+              </a:defRPr>
+            </a:lvl1pPr>
+            <a:lvl2pPr marL="361950" indent="-184150" algn="l" rtl="0" eaLnBrk="1" fontAlgn="base" hangingPunct="1">
+              <a:spcBef>
+                <a:spcPct val="20000"/>
+              </a:spcBef>
+              <a:spcAft>
+                <a:spcPct val="0"/>
+              </a:spcAft>
+              <a:buClr>
+                <a:schemeClr val="accent2"/>
+              </a:buClr>
+              <a:buFont typeface="Arial" charset="0"/>
+              <a:buChar char="•"/>
+              <a:defRPr lang="de-DE" kern="1200" dirty="0">
+                <a:solidFill>
+                  <a:schemeClr val="tx1"/>
+                </a:solidFill>
+                <a:latin typeface="Tahoma" pitchFamily="34" charset="0"/>
+                <a:ea typeface="+mn-ea"/>
+                <a:cs typeface="Tahoma" pitchFamily="34" charset="0"/>
+              </a:defRPr>
+            </a:lvl2pPr>
+            <a:lvl3pPr marL="539750" indent="-177800" algn="l" rtl="0" eaLnBrk="1" fontAlgn="base" hangingPunct="1">
+              <a:spcBef>
+                <a:spcPct val="20000"/>
+              </a:spcBef>
+              <a:spcAft>
+                <a:spcPct val="0"/>
+              </a:spcAft>
+              <a:buClr>
+                <a:schemeClr val="accent2"/>
+              </a:buClr>
+              <a:buFont typeface="Arial" charset="0"/>
+              <a:buChar char="•"/>
+              <a:defRPr lang="de-DE" kern="1200" dirty="0">
+                <a:solidFill>
+                  <a:schemeClr val="tx1"/>
+                </a:solidFill>
+                <a:latin typeface="Tahoma" pitchFamily="34" charset="0"/>
+                <a:ea typeface="+mn-ea"/>
+                <a:cs typeface="Tahoma" pitchFamily="34" charset="0"/>
+              </a:defRPr>
+            </a:lvl3pPr>
+            <a:lvl4pPr marL="717550" indent="-177800" algn="l" rtl="0" eaLnBrk="1" fontAlgn="base" hangingPunct="1">
+              <a:spcBef>
+                <a:spcPct val="20000"/>
+              </a:spcBef>
+              <a:spcAft>
+                <a:spcPct val="0"/>
+              </a:spcAft>
+              <a:buClr>
+                <a:schemeClr val="accent2"/>
+              </a:buClr>
+              <a:buFont typeface="Arial" charset="0"/>
+              <a:buChar char="•"/>
+              <a:defRPr lang="de-DE" kern="1200" dirty="0">
+                <a:solidFill>
+                  <a:schemeClr val="tx1"/>
+                </a:solidFill>
+                <a:latin typeface="Tahoma" pitchFamily="34" charset="0"/>
+                <a:ea typeface="+mn-ea"/>
+                <a:cs typeface="Tahoma" pitchFamily="34" charset="0"/>
+              </a:defRPr>
+            </a:lvl4pPr>
+            <a:lvl5pPr marL="895350" indent="-177800" algn="l" rtl="0" eaLnBrk="1" fontAlgn="base" hangingPunct="1">
+              <a:spcBef>
+                <a:spcPct val="20000"/>
+              </a:spcBef>
+              <a:spcAft>
+                <a:spcPct val="0"/>
+              </a:spcAft>
+              <a:buClr>
+                <a:schemeClr val="accent2"/>
+              </a:buClr>
+              <a:buFont typeface="Arial" charset="0"/>
+              <a:buChar char="•"/>
+              <a:defRPr lang="de-DE" kern="1200" dirty="0">
+                <a:solidFill>
+                  <a:schemeClr val="tx1"/>
+                </a:solidFill>
+                <a:latin typeface="Tahoma" pitchFamily="34" charset="0"/>
+                <a:ea typeface="+mn-ea"/>
+                <a:cs typeface="Tahoma" pitchFamily="34" charset="0"/>
+              </a:defRPr>
+            </a:lvl5pPr>
+            <a:lvl6pPr marL="1352550" indent="-177800" algn="l" rtl="0" eaLnBrk="1" fontAlgn="base" hangingPunct="1">
+              <a:spcBef>
+                <a:spcPct val="20000"/>
+              </a:spcBef>
+              <a:spcAft>
+                <a:spcPct val="0"/>
+              </a:spcAft>
+              <a:buClr>
+                <a:schemeClr val="accent2"/>
+              </a:buClr>
+              <a:buFont typeface="Arial" charset="0"/>
+              <a:buChar char="•"/>
+              <a:defRPr lang="de-DE" kern="1200" dirty="0">
+                <a:solidFill>
+                  <a:schemeClr val="tx1"/>
+                </a:solidFill>
+                <a:latin typeface="Tahoma" pitchFamily="34" charset="0"/>
+                <a:ea typeface="+mn-ea"/>
+                <a:cs typeface="Tahoma" pitchFamily="34" charset="0"/>
+              </a:defRPr>
+            </a:lvl6pPr>
+            <a:lvl7pPr marL="1809750" indent="-177800" algn="l" rtl="0" eaLnBrk="1" fontAlgn="base" hangingPunct="1">
+              <a:spcBef>
+                <a:spcPct val="20000"/>
+              </a:spcBef>
+              <a:spcAft>
+                <a:spcPct val="0"/>
+              </a:spcAft>
+              <a:buClr>
+                <a:schemeClr val="accent2"/>
+              </a:buClr>
+              <a:buFont typeface="Arial" charset="0"/>
+              <a:buChar char="•"/>
+              <a:defRPr lang="de-DE" kern="1200" dirty="0">
+                <a:solidFill>
+                  <a:schemeClr val="tx1"/>
+                </a:solidFill>
+                <a:latin typeface="Tahoma" pitchFamily="34" charset="0"/>
+                <a:ea typeface="+mn-ea"/>
+                <a:cs typeface="Tahoma" pitchFamily="34" charset="0"/>
+              </a:defRPr>
+            </a:lvl7pPr>
+            <a:lvl8pPr marL="2266950" indent="-177800" algn="l" rtl="0" eaLnBrk="1" fontAlgn="base" hangingPunct="1">
+              <a:spcBef>
+                <a:spcPct val="20000"/>
+              </a:spcBef>
+              <a:spcAft>
+                <a:spcPct val="0"/>
+              </a:spcAft>
+              <a:buClr>
+                <a:schemeClr val="accent2"/>
+              </a:buClr>
+              <a:buFont typeface="Arial" charset="0"/>
+              <a:buChar char="•"/>
+              <a:defRPr lang="de-DE" kern="1200" dirty="0">
+                <a:solidFill>
+                  <a:schemeClr val="tx1"/>
+                </a:solidFill>
+                <a:latin typeface="Tahoma" pitchFamily="34" charset="0"/>
+                <a:ea typeface="+mn-ea"/>
+                <a:cs typeface="Tahoma" pitchFamily="34" charset="0"/>
+              </a:defRPr>
+            </a:lvl8pPr>
+            <a:lvl9pPr marL="2724150" indent="-177800" algn="l" rtl="0" eaLnBrk="1" fontAlgn="base" hangingPunct="1">
+              <a:spcBef>
+                <a:spcPct val="20000"/>
+              </a:spcBef>
+              <a:spcAft>
+                <a:spcPct val="0"/>
+              </a:spcAft>
+              <a:buClr>
+                <a:schemeClr val="accent2"/>
+              </a:buClr>
+              <a:buFont typeface="Arial" charset="0"/>
+              <a:buChar char="•"/>
+              <a:defRPr lang="de-DE" kern="1200" dirty="0">
+                <a:solidFill>
+                  <a:schemeClr val="tx1"/>
+                </a:solidFill>
+                <a:latin typeface="Tahoma" pitchFamily="34" charset="0"/>
+                <a:ea typeface="+mn-ea"/>
+                <a:cs typeface="Tahoma" pitchFamily="34" charset="0"/>
+              </a:defRPr>
+            </a:lvl9pPr>
+          </a:lstStyle>
+          <a:p>
+            <a:pPr hangingPunct="0"/>
+            <a:r>
+              <a:rPr lang="de-DE" sz="3200" b="0" i="0" u="none" strike="noStrike" kern="1200" cap="none" dirty="0">
+                <a:ln>
+                  <a:noFill/>
+                </a:ln>
+                <a:highlight>
+                  <a:scrgbClr r="0" g="0" b="0">
+                    <a:alpha val="0"/>
+                  </a:scrgbClr>
+                </a:highlight>
+                <a:latin typeface="+mn-lt"/>
+                <a:ea typeface="Microsoft YaHei" pitchFamily="2"/>
+                <a:cs typeface="Arial" pitchFamily="2"/>
+              </a:rPr>
+              <a:t>Entwicklung für VR-System ohne eigene Testmöglichkeit</a:t>
+            </a:r>
+          </a:p>
+          <a:p>
+            <a:pPr hangingPunct="0"/>
+            <a:r>
+              <a:rPr lang="de-DE" sz="3200" b="0" i="0" u="none" strike="noStrike" kern="1200" cap="none" dirty="0">
+                <a:ln>
+                  <a:noFill/>
+                </a:ln>
+                <a:highlight>
+                  <a:scrgbClr r="0" g="0" b="0">
+                    <a:alpha val="0"/>
+                  </a:scrgbClr>
+                </a:highlight>
+                <a:latin typeface="+mn-lt"/>
+                <a:ea typeface="Microsoft YaHei" pitchFamily="2"/>
+                <a:cs typeface="Arial" pitchFamily="2"/>
+              </a:rPr>
+              <a:t>Limitierung auf eine korrekte Lösung</a:t>
+            </a:r>
+          </a:p>
+          <a:p>
+            <a:pPr hangingPunct="0"/>
+            <a:r>
+              <a:rPr lang="de-DE" sz="3200" dirty="0">
+                <a:highlight>
+                  <a:scrgbClr r="0" g="0" b="0">
+                    <a:alpha val="0"/>
+                  </a:scrgbClr>
+                </a:highlight>
+                <a:latin typeface="+mn-lt"/>
+                <a:ea typeface="Microsoft YaHei" pitchFamily="2"/>
+                <a:cs typeface="Arial" pitchFamily="2"/>
+              </a:rPr>
+              <a:t>Unerwartetes Verhalten durch Unity Eventsystem</a:t>
+            </a:r>
+            <a:endParaRPr lang="de-DE" sz="3200" b="0" i="0" u="none" strike="noStrike" kern="1200" cap="none" dirty="0">
+              <a:ln>
+                <a:noFill/>
+              </a:ln>
+              <a:highlight>
+                <a:scrgbClr r="0" g="0" b="0">
+                  <a:alpha val="0"/>
+                </a:scrgbClr>
+              </a:highlight>
+              <a:latin typeface="+mn-lt"/>
+              <a:ea typeface="Microsoft YaHei" pitchFamily="2"/>
+              <a:cs typeface="Arial" pitchFamily="2"/>
+            </a:endParaRPr>
+          </a:p>
+          <a:p>
+            <a:endParaRPr lang="de-DE" sz="3200" dirty="0">
+              <a:latin typeface="+mn-lt"/>
+            </a:endParaRPr>
+          </a:p>
+        </p:txBody>
+      </p:sp>
+    </p:spTree>
+    <p:extLst>
+      <p:ext uri="{BB962C8B-B14F-4D97-AF65-F5344CB8AC3E}">
+        <p14:creationId xmlns:p14="http://schemas.microsoft.com/office/powerpoint/2010/main" val="934555700"/>
       </p:ext>
     </p:extLst>
   </p:cSld>
@@ -6763,467 +7152,6 @@
       </p:grpSpPr>
       <p:sp>
         <p:nvSpPr>
-          <p:cNvPr id="3" name="Titel 1">
-            <a:extLst>
-              <a:ext uri="{FF2B5EF4-FFF2-40B4-BE49-F238E27FC236}">
-                <a16:creationId xmlns:a16="http://schemas.microsoft.com/office/drawing/2014/main" id="{8112CC3A-BC0A-4AA1-8B1F-89506EA8C18C}"/>
-              </a:ext>
-            </a:extLst>
-          </p:cNvPr>
-          <p:cNvSpPr txBox="1">
-            <a:spLocks/>
-          </p:cNvSpPr>
-          <p:nvPr/>
-        </p:nvSpPr>
-        <p:spPr bwMode="auto">
-          <a:xfrm>
-            <a:off x="295278" y="464619"/>
-            <a:ext cx="9071640" cy="946440"/>
-          </a:xfrm>
-          <a:prstGeom prst="rect">
-            <a:avLst/>
-          </a:prstGeom>
-          <a:noFill/>
-          <a:ln w="9525">
-            <a:noFill/>
-            <a:miter lim="800000"/>
-            <a:headEnd/>
-            <a:tailEnd/>
-          </a:ln>
-        </p:spPr>
-        <p:txBody>
-          <a:bodyPr vert="horz" wrap="square" lIns="91440" tIns="45720" rIns="91440" bIns="45720" numCol="1" anchor="t" anchorCtr="0" compatLnSpc="1">
-            <a:prstTxWarp prst="textNoShape">
-              <a:avLst/>
-            </a:prstTxWarp>
-          </a:bodyPr>
-          <a:lstStyle>
-            <a:lvl1pPr algn="l" rtl="0" eaLnBrk="1" fontAlgn="base" hangingPunct="1">
-              <a:spcBef>
-                <a:spcPct val="0"/>
-              </a:spcBef>
-              <a:spcAft>
-                <a:spcPct val="0"/>
-              </a:spcAft>
-              <a:defRPr sz="2000">
-                <a:solidFill>
-                  <a:schemeClr val="tx2"/>
-                </a:solidFill>
-                <a:latin typeface="Tahoma" pitchFamily="34" charset="0"/>
-                <a:cs typeface="Tahoma" pitchFamily="34" charset="0"/>
-              </a:defRPr>
-            </a:lvl1pPr>
-            <a:lvl2pPr algn="l" rtl="0" eaLnBrk="1" fontAlgn="base" hangingPunct="1">
-              <a:spcBef>
-                <a:spcPct val="0"/>
-              </a:spcBef>
-              <a:spcAft>
-                <a:spcPct val="0"/>
-              </a:spcAft>
-              <a:defRPr sz="2000">
-                <a:solidFill>
-                  <a:schemeClr val="tx2"/>
-                </a:solidFill>
-                <a:latin typeface="Tahoma" pitchFamily="34" charset="0"/>
-                <a:cs typeface="Tahoma" pitchFamily="34" charset="0"/>
-              </a:defRPr>
-            </a:lvl2pPr>
-            <a:lvl3pPr algn="l" rtl="0" eaLnBrk="1" fontAlgn="base" hangingPunct="1">
-              <a:spcBef>
-                <a:spcPct val="0"/>
-              </a:spcBef>
-              <a:spcAft>
-                <a:spcPct val="0"/>
-              </a:spcAft>
-              <a:defRPr sz="2000">
-                <a:solidFill>
-                  <a:schemeClr val="tx2"/>
-                </a:solidFill>
-                <a:latin typeface="Tahoma" pitchFamily="34" charset="0"/>
-                <a:cs typeface="Tahoma" pitchFamily="34" charset="0"/>
-              </a:defRPr>
-            </a:lvl3pPr>
-            <a:lvl4pPr algn="l" rtl="0" eaLnBrk="1" fontAlgn="base" hangingPunct="1">
-              <a:spcBef>
-                <a:spcPct val="0"/>
-              </a:spcBef>
-              <a:spcAft>
-                <a:spcPct val="0"/>
-              </a:spcAft>
-              <a:defRPr sz="2000">
-                <a:solidFill>
-                  <a:schemeClr val="tx2"/>
-                </a:solidFill>
-                <a:latin typeface="Tahoma" pitchFamily="34" charset="0"/>
-                <a:cs typeface="Tahoma" pitchFamily="34" charset="0"/>
-              </a:defRPr>
-            </a:lvl4pPr>
-            <a:lvl5pPr algn="l" rtl="0" eaLnBrk="1" fontAlgn="base" hangingPunct="1">
-              <a:spcBef>
-                <a:spcPct val="0"/>
-              </a:spcBef>
-              <a:spcAft>
-                <a:spcPct val="0"/>
-              </a:spcAft>
-              <a:defRPr sz="2000">
-                <a:solidFill>
-                  <a:schemeClr val="tx2"/>
-                </a:solidFill>
-                <a:latin typeface="Tahoma" pitchFamily="34" charset="0"/>
-                <a:cs typeface="Tahoma" pitchFamily="34" charset="0"/>
-              </a:defRPr>
-            </a:lvl5pPr>
-            <a:lvl6pPr marL="457200" algn="ctr" rtl="0" eaLnBrk="1" fontAlgn="base" hangingPunct="1">
-              <a:spcBef>
-                <a:spcPct val="0"/>
-              </a:spcBef>
-              <a:spcAft>
-                <a:spcPct val="0"/>
-              </a:spcAft>
-              <a:defRPr sz="2000" b="1">
-                <a:solidFill>
-                  <a:schemeClr val="tx2"/>
-                </a:solidFill>
-                <a:latin typeface="Tahoma" pitchFamily="34" charset="0"/>
-                <a:cs typeface="Tahoma" pitchFamily="34" charset="0"/>
-              </a:defRPr>
-            </a:lvl6pPr>
-            <a:lvl7pPr marL="914400" algn="ctr" rtl="0" eaLnBrk="1" fontAlgn="base" hangingPunct="1">
-              <a:spcBef>
-                <a:spcPct val="0"/>
-              </a:spcBef>
-              <a:spcAft>
-                <a:spcPct val="0"/>
-              </a:spcAft>
-              <a:defRPr sz="2000" b="1">
-                <a:solidFill>
-                  <a:schemeClr val="tx2"/>
-                </a:solidFill>
-                <a:latin typeface="Tahoma" pitchFamily="34" charset="0"/>
-                <a:cs typeface="Tahoma" pitchFamily="34" charset="0"/>
-              </a:defRPr>
-            </a:lvl7pPr>
-            <a:lvl8pPr marL="1371600" algn="ctr" rtl="0" eaLnBrk="1" fontAlgn="base" hangingPunct="1">
-              <a:spcBef>
-                <a:spcPct val="0"/>
-              </a:spcBef>
-              <a:spcAft>
-                <a:spcPct val="0"/>
-              </a:spcAft>
-              <a:defRPr sz="2000" b="1">
-                <a:solidFill>
-                  <a:schemeClr val="tx2"/>
-                </a:solidFill>
-                <a:latin typeface="Tahoma" pitchFamily="34" charset="0"/>
-                <a:cs typeface="Tahoma" pitchFamily="34" charset="0"/>
-              </a:defRPr>
-            </a:lvl8pPr>
-            <a:lvl9pPr marL="1828800" algn="ctr" rtl="0" eaLnBrk="1" fontAlgn="base" hangingPunct="1">
-              <a:spcBef>
-                <a:spcPct val="0"/>
-              </a:spcBef>
-              <a:spcAft>
-                <a:spcPct val="0"/>
-              </a:spcAft>
-              <a:defRPr sz="2000" b="1">
-                <a:solidFill>
-                  <a:schemeClr val="tx2"/>
-                </a:solidFill>
-                <a:latin typeface="Tahoma" pitchFamily="34" charset="0"/>
-                <a:cs typeface="Tahoma" pitchFamily="34" charset="0"/>
-              </a:defRPr>
-            </a:lvl9pPr>
-          </a:lstStyle>
-          <a:p>
-            <a:r>
-              <a:rPr lang="de-DE" sz="3200" kern="0" dirty="0"/>
-              <a:t>Aufgetretene Probleme</a:t>
-            </a:r>
-          </a:p>
-        </p:txBody>
-      </p:sp>
-      <p:sp>
-        <p:nvSpPr>
-          <p:cNvPr id="4" name="Textplatzhalter 2">
-            <a:extLst>
-              <a:ext uri="{FF2B5EF4-FFF2-40B4-BE49-F238E27FC236}">
-                <a16:creationId xmlns:a16="http://schemas.microsoft.com/office/drawing/2014/main" id="{CEEF5827-D8BE-4423-918E-39318274022A}"/>
-              </a:ext>
-            </a:extLst>
-          </p:cNvPr>
-          <p:cNvSpPr txBox="1">
-            <a:spLocks/>
-          </p:cNvSpPr>
-          <p:nvPr/>
-        </p:nvSpPr>
-        <p:spPr bwMode="auto">
-          <a:xfrm>
-            <a:off x="295278" y="1654591"/>
-            <a:ext cx="9071640" cy="3288239"/>
-          </a:xfrm>
-          <a:prstGeom prst="rect">
-            <a:avLst/>
-          </a:prstGeom>
-          <a:noFill/>
-          <a:ln w="9525">
-            <a:noFill/>
-            <a:miter lim="800000"/>
-            <a:headEnd/>
-            <a:tailEnd/>
-          </a:ln>
-        </p:spPr>
-        <p:txBody>
-          <a:bodyPr vert="horz" wrap="square" lIns="91440" tIns="45720" rIns="91440" bIns="45720" numCol="1" anchor="t" anchorCtr="0" compatLnSpc="1">
-            <a:prstTxWarp prst="textNoShape">
-              <a:avLst/>
-            </a:prstTxWarp>
-          </a:bodyPr>
-          <a:lstStyle>
-            <a:lvl1pPr marL="177800" indent="-177800" algn="l" rtl="0" eaLnBrk="1" fontAlgn="base" hangingPunct="1">
-              <a:spcBef>
-                <a:spcPct val="20000"/>
-              </a:spcBef>
-              <a:spcAft>
-                <a:spcPct val="0"/>
-              </a:spcAft>
-              <a:buClr>
-                <a:schemeClr val="accent2"/>
-              </a:buClr>
-              <a:buFont typeface="Arial" charset="0"/>
-              <a:buChar char="•"/>
-              <a:defRPr lang="de-DE" kern="1200" dirty="0">
-                <a:solidFill>
-                  <a:schemeClr val="tx1"/>
-                </a:solidFill>
-                <a:latin typeface="Tahoma" pitchFamily="34" charset="0"/>
-                <a:ea typeface="+mn-ea"/>
-                <a:cs typeface="Tahoma" pitchFamily="34" charset="0"/>
-              </a:defRPr>
-            </a:lvl1pPr>
-            <a:lvl2pPr marL="361950" indent="-184150" algn="l" rtl="0" eaLnBrk="1" fontAlgn="base" hangingPunct="1">
-              <a:spcBef>
-                <a:spcPct val="20000"/>
-              </a:spcBef>
-              <a:spcAft>
-                <a:spcPct val="0"/>
-              </a:spcAft>
-              <a:buClr>
-                <a:schemeClr val="accent2"/>
-              </a:buClr>
-              <a:buFont typeface="Arial" charset="0"/>
-              <a:buChar char="•"/>
-              <a:defRPr lang="de-DE" kern="1200" dirty="0">
-                <a:solidFill>
-                  <a:schemeClr val="tx1"/>
-                </a:solidFill>
-                <a:latin typeface="Tahoma" pitchFamily="34" charset="0"/>
-                <a:ea typeface="+mn-ea"/>
-                <a:cs typeface="Tahoma" pitchFamily="34" charset="0"/>
-              </a:defRPr>
-            </a:lvl2pPr>
-            <a:lvl3pPr marL="539750" indent="-177800" algn="l" rtl="0" eaLnBrk="1" fontAlgn="base" hangingPunct="1">
-              <a:spcBef>
-                <a:spcPct val="20000"/>
-              </a:spcBef>
-              <a:spcAft>
-                <a:spcPct val="0"/>
-              </a:spcAft>
-              <a:buClr>
-                <a:schemeClr val="accent2"/>
-              </a:buClr>
-              <a:buFont typeface="Arial" charset="0"/>
-              <a:buChar char="•"/>
-              <a:defRPr lang="de-DE" kern="1200" dirty="0">
-                <a:solidFill>
-                  <a:schemeClr val="tx1"/>
-                </a:solidFill>
-                <a:latin typeface="Tahoma" pitchFamily="34" charset="0"/>
-                <a:ea typeface="+mn-ea"/>
-                <a:cs typeface="Tahoma" pitchFamily="34" charset="0"/>
-              </a:defRPr>
-            </a:lvl3pPr>
-            <a:lvl4pPr marL="717550" indent="-177800" algn="l" rtl="0" eaLnBrk="1" fontAlgn="base" hangingPunct="1">
-              <a:spcBef>
-                <a:spcPct val="20000"/>
-              </a:spcBef>
-              <a:spcAft>
-                <a:spcPct val="0"/>
-              </a:spcAft>
-              <a:buClr>
-                <a:schemeClr val="accent2"/>
-              </a:buClr>
-              <a:buFont typeface="Arial" charset="0"/>
-              <a:buChar char="•"/>
-              <a:defRPr lang="de-DE" kern="1200" dirty="0">
-                <a:solidFill>
-                  <a:schemeClr val="tx1"/>
-                </a:solidFill>
-                <a:latin typeface="Tahoma" pitchFamily="34" charset="0"/>
-                <a:ea typeface="+mn-ea"/>
-                <a:cs typeface="Tahoma" pitchFamily="34" charset="0"/>
-              </a:defRPr>
-            </a:lvl4pPr>
-            <a:lvl5pPr marL="895350" indent="-177800" algn="l" rtl="0" eaLnBrk="1" fontAlgn="base" hangingPunct="1">
-              <a:spcBef>
-                <a:spcPct val="20000"/>
-              </a:spcBef>
-              <a:spcAft>
-                <a:spcPct val="0"/>
-              </a:spcAft>
-              <a:buClr>
-                <a:schemeClr val="accent2"/>
-              </a:buClr>
-              <a:buFont typeface="Arial" charset="0"/>
-              <a:buChar char="•"/>
-              <a:defRPr lang="de-DE" kern="1200" dirty="0">
-                <a:solidFill>
-                  <a:schemeClr val="tx1"/>
-                </a:solidFill>
-                <a:latin typeface="Tahoma" pitchFamily="34" charset="0"/>
-                <a:ea typeface="+mn-ea"/>
-                <a:cs typeface="Tahoma" pitchFamily="34" charset="0"/>
-              </a:defRPr>
-            </a:lvl5pPr>
-            <a:lvl6pPr marL="1352550" indent="-177800" algn="l" rtl="0" eaLnBrk="1" fontAlgn="base" hangingPunct="1">
-              <a:spcBef>
-                <a:spcPct val="20000"/>
-              </a:spcBef>
-              <a:spcAft>
-                <a:spcPct val="0"/>
-              </a:spcAft>
-              <a:buClr>
-                <a:schemeClr val="accent2"/>
-              </a:buClr>
-              <a:buFont typeface="Arial" charset="0"/>
-              <a:buChar char="•"/>
-              <a:defRPr lang="de-DE" kern="1200" dirty="0">
-                <a:solidFill>
-                  <a:schemeClr val="tx1"/>
-                </a:solidFill>
-                <a:latin typeface="Tahoma" pitchFamily="34" charset="0"/>
-                <a:ea typeface="+mn-ea"/>
-                <a:cs typeface="Tahoma" pitchFamily="34" charset="0"/>
-              </a:defRPr>
-            </a:lvl6pPr>
-            <a:lvl7pPr marL="1809750" indent="-177800" algn="l" rtl="0" eaLnBrk="1" fontAlgn="base" hangingPunct="1">
-              <a:spcBef>
-                <a:spcPct val="20000"/>
-              </a:spcBef>
-              <a:spcAft>
-                <a:spcPct val="0"/>
-              </a:spcAft>
-              <a:buClr>
-                <a:schemeClr val="accent2"/>
-              </a:buClr>
-              <a:buFont typeface="Arial" charset="0"/>
-              <a:buChar char="•"/>
-              <a:defRPr lang="de-DE" kern="1200" dirty="0">
-                <a:solidFill>
-                  <a:schemeClr val="tx1"/>
-                </a:solidFill>
-                <a:latin typeface="Tahoma" pitchFamily="34" charset="0"/>
-                <a:ea typeface="+mn-ea"/>
-                <a:cs typeface="Tahoma" pitchFamily="34" charset="0"/>
-              </a:defRPr>
-            </a:lvl7pPr>
-            <a:lvl8pPr marL="2266950" indent="-177800" algn="l" rtl="0" eaLnBrk="1" fontAlgn="base" hangingPunct="1">
-              <a:spcBef>
-                <a:spcPct val="20000"/>
-              </a:spcBef>
-              <a:spcAft>
-                <a:spcPct val="0"/>
-              </a:spcAft>
-              <a:buClr>
-                <a:schemeClr val="accent2"/>
-              </a:buClr>
-              <a:buFont typeface="Arial" charset="0"/>
-              <a:buChar char="•"/>
-              <a:defRPr lang="de-DE" kern="1200" dirty="0">
-                <a:solidFill>
-                  <a:schemeClr val="tx1"/>
-                </a:solidFill>
-                <a:latin typeface="Tahoma" pitchFamily="34" charset="0"/>
-                <a:ea typeface="+mn-ea"/>
-                <a:cs typeface="Tahoma" pitchFamily="34" charset="0"/>
-              </a:defRPr>
-            </a:lvl8pPr>
-            <a:lvl9pPr marL="2724150" indent="-177800" algn="l" rtl="0" eaLnBrk="1" fontAlgn="base" hangingPunct="1">
-              <a:spcBef>
-                <a:spcPct val="20000"/>
-              </a:spcBef>
-              <a:spcAft>
-                <a:spcPct val="0"/>
-              </a:spcAft>
-              <a:buClr>
-                <a:schemeClr val="accent2"/>
-              </a:buClr>
-              <a:buFont typeface="Arial" charset="0"/>
-              <a:buChar char="•"/>
-              <a:defRPr lang="de-DE" kern="1200" dirty="0">
-                <a:solidFill>
-                  <a:schemeClr val="tx1"/>
-                </a:solidFill>
-                <a:latin typeface="Tahoma" pitchFamily="34" charset="0"/>
-                <a:ea typeface="+mn-ea"/>
-                <a:cs typeface="Tahoma" pitchFamily="34" charset="0"/>
-              </a:defRPr>
-            </a:lvl9pPr>
-          </a:lstStyle>
-          <a:p>
-            <a:pPr>
-              <a:buSzPct val="45000"/>
-              <a:buFont typeface="StarSymbol"/>
-              <a:buChar char="●"/>
-            </a:pPr>
-            <a:r>
-              <a:rPr lang="de-DE" sz="3600" dirty="0">
-                <a:latin typeface="+mn-lt"/>
-              </a:rPr>
-              <a:t>Entwicklung für VR-System ohne eigene Testmöglichkeit</a:t>
-            </a:r>
-          </a:p>
-          <a:p>
-            <a:pPr>
-              <a:buSzPct val="45000"/>
-              <a:buFont typeface="StarSymbol"/>
-              <a:buChar char="●"/>
-            </a:pPr>
-            <a:endParaRPr lang="de-DE" sz="3600" dirty="0"/>
-          </a:p>
-        </p:txBody>
-      </p:sp>
-    </p:spTree>
-    <p:extLst>
-      <p:ext uri="{BB962C8B-B14F-4D97-AF65-F5344CB8AC3E}">
-        <p14:creationId xmlns:p14="http://schemas.microsoft.com/office/powerpoint/2010/main" val="934555700"/>
-      </p:ext>
-    </p:extLst>
-  </p:cSld>
-  <p:clrMapOvr>
-    <a:masterClrMapping/>
-  </p:clrMapOvr>
-</p:sld>
-</file>
-
-<file path=ppt/slides/slide8.xml><?xml version="1.0" encoding="utf-8"?>
-<p:sld xmlns:a="http://schemas.openxmlformats.org/drawingml/2006/main" xmlns:r="http://schemas.openxmlformats.org/officeDocument/2006/relationships" xmlns:p="http://schemas.openxmlformats.org/presentationml/2006/main">
-  <p:cSld>
-    <p:spTree>
-      <p:nvGrpSpPr>
-        <p:cNvPr id="1" name=""/>
-        <p:cNvGrpSpPr/>
-        <p:nvPr/>
-      </p:nvGrpSpPr>
-      <p:grpSpPr>
-        <a:xfrm>
-          <a:off x="0" y="0"/>
-          <a:ext cx="0" cy="0"/>
-          <a:chOff x="0" y="0"/>
-          <a:chExt cx="0" cy="0"/>
-        </a:xfrm>
-      </p:grpSpPr>
-      <p:sp>
-        <p:nvSpPr>
           <p:cNvPr id="2" name="Titel 1">
             <a:extLst>
               <a:ext uri="{FF2B5EF4-FFF2-40B4-BE49-F238E27FC236}">
@@ -7466,7 +7394,7 @@
 </p:sld>
 </file>
 
-<file path=ppt/slides/slide9.xml><?xml version="1.0" encoding="utf-8"?>
+<file path=ppt/slides/slide8.xml><?xml version="1.0" encoding="utf-8"?>
 <p:sld xmlns:a="http://schemas.openxmlformats.org/drawingml/2006/main" xmlns:r="http://schemas.openxmlformats.org/officeDocument/2006/relationships" xmlns:p="http://schemas.openxmlformats.org/presentationml/2006/main">
   <p:cSld>
     <p:spTree>
@@ -7979,6 +7907,227 @@
     <p:extLst>
       <p:ext uri="{BB962C8B-B14F-4D97-AF65-F5344CB8AC3E}">
         <p14:creationId xmlns:p14="http://schemas.microsoft.com/office/powerpoint/2010/main" val="2430456683"/>
+      </p:ext>
+    </p:extLst>
+  </p:cSld>
+  <p:clrMapOvr>
+    <a:masterClrMapping/>
+  </p:clrMapOvr>
+</p:sld>
+</file>
+
+<file path=ppt/slides/slide9.xml><?xml version="1.0" encoding="utf-8"?>
+<p:sld xmlns:a="http://schemas.openxmlformats.org/drawingml/2006/main" xmlns:r="http://schemas.openxmlformats.org/officeDocument/2006/relationships" xmlns:p="http://schemas.openxmlformats.org/presentationml/2006/main">
+  <p:cSld>
+    <p:spTree>
+      <p:nvGrpSpPr>
+        <p:cNvPr id="1" name=""/>
+        <p:cNvGrpSpPr/>
+        <p:nvPr/>
+      </p:nvGrpSpPr>
+      <p:grpSpPr>
+        <a:xfrm>
+          <a:off x="0" y="0"/>
+          <a:ext cx="0" cy="0"/>
+          <a:chOff x="0" y="0"/>
+          <a:chExt cx="0" cy="0"/>
+        </a:xfrm>
+      </p:grpSpPr>
+      <p:sp>
+        <p:nvSpPr>
+          <p:cNvPr id="2" name="Titel 1">
+            <a:extLst>
+              <a:ext uri="{FF2B5EF4-FFF2-40B4-BE49-F238E27FC236}">
+                <a16:creationId xmlns:a16="http://schemas.microsoft.com/office/drawing/2014/main" id="{1F0B2DD4-3EBE-4F2F-AA5C-CA3D33F8AC9C}"/>
+              </a:ext>
+            </a:extLst>
+          </p:cNvPr>
+          <p:cNvSpPr>
+            <a:spLocks noGrp="1"/>
+          </p:cNvSpPr>
+          <p:nvPr>
+            <p:ph type="title"/>
+          </p:nvPr>
+        </p:nvSpPr>
+        <p:spPr>
+          <a:xfrm>
+            <a:off x="275526" y="416664"/>
+            <a:ext cx="5934075" cy="926481"/>
+          </a:xfrm>
+        </p:spPr>
+        <p:txBody>
+          <a:bodyPr/>
+          <a:lstStyle/>
+          <a:p>
+            <a:r>
+              <a:rPr lang="de-DE" dirty="0"/>
+              <a:t>Elementsteine - Design</a:t>
+            </a:r>
+          </a:p>
+        </p:txBody>
+      </p:sp>
+      <p:sp>
+        <p:nvSpPr>
+          <p:cNvPr id="3" name="Inhaltsplatzhalter 2">
+            <a:extLst>
+              <a:ext uri="{FF2B5EF4-FFF2-40B4-BE49-F238E27FC236}">
+                <a16:creationId xmlns:a16="http://schemas.microsoft.com/office/drawing/2014/main" id="{EE03C0FD-EEB0-4FC7-9103-5B1DEF20402F}"/>
+              </a:ext>
+            </a:extLst>
+          </p:cNvPr>
+          <p:cNvSpPr>
+            <a:spLocks noGrp="1"/>
+          </p:cNvSpPr>
+          <p:nvPr>
+            <p:ph idx="1"/>
+          </p:nvPr>
+        </p:nvSpPr>
+        <p:spPr>
+          <a:xfrm>
+            <a:off x="256071" y="1343146"/>
+            <a:ext cx="8003692" cy="4939758"/>
+          </a:xfrm>
+        </p:spPr>
+        <p:txBody>
+          <a:bodyPr/>
+          <a:lstStyle/>
+          <a:p>
+            <a:r>
+              <a:rPr lang="de-DE" dirty="0"/>
+              <a:t>Unterschiedliche Designs für unterschiedliche Programmierelementtypen</a:t>
+            </a:r>
+          </a:p>
+          <a:p>
+            <a:r>
+              <a:rPr lang="de-DE" dirty="0"/>
+              <a:t>Idee: Spieler soll an der Form des Steins erkennen, um welchen Typen es sich handelt (wenn möglich)</a:t>
+            </a:r>
+          </a:p>
+          <a:p>
+            <a:endParaRPr lang="de-DE" dirty="0"/>
+          </a:p>
+          <a:p>
+            <a:endParaRPr lang="de-DE" dirty="0"/>
+          </a:p>
+          <a:p>
+            <a:endParaRPr lang="de-DE" dirty="0"/>
+          </a:p>
+          <a:p>
+            <a:endParaRPr lang="de-DE" dirty="0"/>
+          </a:p>
+          <a:p>
+            <a:endParaRPr lang="de-DE" dirty="0"/>
+          </a:p>
+          <a:p>
+            <a:endParaRPr lang="de-DE" dirty="0"/>
+          </a:p>
+          <a:p>
+            <a:r>
+              <a:rPr lang="de-DE" dirty="0"/>
+              <a:t>Zudem 3D-Schrift auf den Steinen, um </a:t>
+            </a:r>
+            <a:r>
+              <a:rPr lang="de-DE" dirty="0" err="1"/>
+              <a:t>Programmierelementyp</a:t>
+            </a:r>
+            <a:r>
+              <a:rPr lang="de-DE" dirty="0"/>
+              <a:t> zu verdeutlichen</a:t>
+            </a:r>
+          </a:p>
+          <a:p>
+            <a:endParaRPr lang="de-DE" dirty="0"/>
+          </a:p>
+          <a:p>
+            <a:endParaRPr lang="de-DE" dirty="0"/>
+          </a:p>
+          <a:p>
+            <a:endParaRPr lang="de-DE" dirty="0"/>
+          </a:p>
+          <a:p>
+            <a:endParaRPr lang="de-DE" dirty="0"/>
+          </a:p>
+          <a:p>
+            <a:endParaRPr lang="de-DE" dirty="0"/>
+          </a:p>
+        </p:txBody>
+      </p:sp>
+      <p:pic>
+        <p:nvPicPr>
+          <p:cNvPr id="5" name="Grafik 4">
+            <a:extLst>
+              <a:ext uri="{FF2B5EF4-FFF2-40B4-BE49-F238E27FC236}">
+                <a16:creationId xmlns:a16="http://schemas.microsoft.com/office/drawing/2014/main" id="{BDFA8C0A-B84B-BF46-AC8B-3E84954DB652}"/>
+              </a:ext>
+            </a:extLst>
+          </p:cNvPr>
+          <p:cNvPicPr>
+            <a:picLocks noChangeAspect="1"/>
+          </p:cNvPicPr>
+          <p:nvPr/>
+        </p:nvPicPr>
+        <p:blipFill>
+          <a:blip r:embed="rId2">
+            <a:extLst>
+              <a:ext uri="{28A0092B-C50C-407E-A947-70E740481C1C}">
+                <a14:useLocalDpi xmlns:a14="http://schemas.microsoft.com/office/drawing/2010/main" val="0"/>
+              </a:ext>
+            </a:extLst>
+          </a:blip>
+          <a:stretch>
+            <a:fillRect/>
+          </a:stretch>
+        </p:blipFill>
+        <p:spPr>
+          <a:xfrm>
+            <a:off x="3572536" y="2052865"/>
+            <a:ext cx="2354036" cy="2150379"/>
+          </a:xfrm>
+          <a:prstGeom prst="rect">
+            <a:avLst/>
+          </a:prstGeom>
+        </p:spPr>
+      </p:pic>
+      <p:pic>
+        <p:nvPicPr>
+          <p:cNvPr id="7" name="Grafik 6">
+            <a:extLst>
+              <a:ext uri="{FF2B5EF4-FFF2-40B4-BE49-F238E27FC236}">
+                <a16:creationId xmlns:a16="http://schemas.microsoft.com/office/drawing/2014/main" id="{A7874900-1D54-464B-B3EF-15DB6F09519B}"/>
+              </a:ext>
+            </a:extLst>
+          </p:cNvPr>
+          <p:cNvPicPr>
+            <a:picLocks noChangeAspect="1"/>
+          </p:cNvPicPr>
+          <p:nvPr/>
+        </p:nvPicPr>
+        <p:blipFill>
+          <a:blip r:embed="rId3">
+            <a:extLst>
+              <a:ext uri="{28A0092B-C50C-407E-A947-70E740481C1C}">
+                <a14:useLocalDpi xmlns:a14="http://schemas.microsoft.com/office/drawing/2010/main" val="0"/>
+              </a:ext>
+            </a:extLst>
+          </a:blip>
+          <a:stretch>
+            <a:fillRect/>
+          </a:stretch>
+        </p:blipFill>
+        <p:spPr>
+          <a:xfrm>
+            <a:off x="3572536" y="4782335"/>
+            <a:ext cx="2354036" cy="1622625"/>
+          </a:xfrm>
+          <a:prstGeom prst="rect">
+            <a:avLst/>
+          </a:prstGeom>
+        </p:spPr>
+      </p:pic>
+    </p:spTree>
+    <p:extLst>
+      <p:ext uri="{BB962C8B-B14F-4D97-AF65-F5344CB8AC3E}">
+        <p14:creationId xmlns:p14="http://schemas.microsoft.com/office/powerpoint/2010/main" val="1322882623"/>
       </p:ext>
     </p:extLst>
   </p:cSld>

--- a/Präsentation.pptx
+++ b/Präsentation.pptx
@@ -5,7 +5,7 @@
     <p:sldMasterId id="2147483648" r:id="rId1"/>
   </p:sldMasterIdLst>
   <p:notesMasterIdLst>
-    <p:notesMasterId r:id="rId15"/>
+    <p:notesMasterId r:id="rId21"/>
   </p:notesMasterIdLst>
   <p:sldIdLst>
     <p:sldId id="260" r:id="rId2"/>
@@ -14,13 +14,19 @@
     <p:sldId id="265" r:id="rId5"/>
     <p:sldId id="266" r:id="rId6"/>
     <p:sldId id="261" r:id="rId7"/>
-    <p:sldId id="256" r:id="rId8"/>
-    <p:sldId id="258" r:id="rId9"/>
-    <p:sldId id="267" r:id="rId10"/>
-    <p:sldId id="268" r:id="rId11"/>
-    <p:sldId id="269" r:id="rId12"/>
-    <p:sldId id="270" r:id="rId13"/>
-    <p:sldId id="262" r:id="rId14"/>
+    <p:sldId id="271" r:id="rId8"/>
+    <p:sldId id="272" r:id="rId9"/>
+    <p:sldId id="273" r:id="rId10"/>
+    <p:sldId id="274" r:id="rId11"/>
+    <p:sldId id="275" r:id="rId12"/>
+    <p:sldId id="267" r:id="rId13"/>
+    <p:sldId id="268" r:id="rId14"/>
+    <p:sldId id="269" r:id="rId15"/>
+    <p:sldId id="270" r:id="rId16"/>
+    <p:sldId id="256" r:id="rId17"/>
+    <p:sldId id="258" r:id="rId18"/>
+    <p:sldId id="276" r:id="rId19"/>
+    <p:sldId id="262" r:id="rId20"/>
   </p:sldIdLst>
   <p:sldSz cx="9144000" cy="6858000" type="screen4x3"/>
   <p:notesSz cx="6692900" cy="10072688"/>
@@ -185,6 +191,3014 @@
     </p:ext>
   </p:extLst>
 </p:presentation>
+</file>
+
+<file path=ppt/diagrams/colors1.xml><?xml version="1.0" encoding="utf-8"?>
+<dgm:colorsDef xmlns:dgm="http://schemas.openxmlformats.org/drawingml/2006/diagram" xmlns:a="http://schemas.openxmlformats.org/drawingml/2006/main" uniqueId="urn:microsoft.com/office/officeart/2005/8/colors/accent2_2">
+  <dgm:title val=""/>
+  <dgm:desc val=""/>
+  <dgm:catLst>
+    <dgm:cat type="accent2" pri="11200"/>
+  </dgm:catLst>
+  <dgm:styleLbl name="node0">
+    <dgm:fillClrLst meth="repeat">
+      <a:schemeClr val="accent2"/>
+    </dgm:fillClrLst>
+    <dgm:linClrLst meth="repeat">
+      <a:schemeClr val="lt1"/>
+    </dgm:linClrLst>
+    <dgm:effectClrLst/>
+    <dgm:txLinClrLst/>
+    <dgm:txFillClrLst/>
+    <dgm:txEffectClrLst/>
+  </dgm:styleLbl>
+  <dgm:styleLbl name="node1">
+    <dgm:fillClrLst meth="repeat">
+      <a:schemeClr val="accent2"/>
+    </dgm:fillClrLst>
+    <dgm:linClrLst meth="repeat">
+      <a:schemeClr val="lt1"/>
+    </dgm:linClrLst>
+    <dgm:effectClrLst/>
+    <dgm:txLinClrLst/>
+    <dgm:txFillClrLst/>
+    <dgm:txEffectClrLst/>
+  </dgm:styleLbl>
+  <dgm:styleLbl name="alignNode1">
+    <dgm:fillClrLst meth="repeat">
+      <a:schemeClr val="accent2"/>
+    </dgm:fillClrLst>
+    <dgm:linClrLst meth="repeat">
+      <a:schemeClr val="accent2"/>
+    </dgm:linClrLst>
+    <dgm:effectClrLst/>
+    <dgm:txLinClrLst/>
+    <dgm:txFillClrLst/>
+    <dgm:txEffectClrLst/>
+  </dgm:styleLbl>
+  <dgm:styleLbl name="lnNode1">
+    <dgm:fillClrLst meth="repeat">
+      <a:schemeClr val="accent2"/>
+    </dgm:fillClrLst>
+    <dgm:linClrLst meth="repeat">
+      <a:schemeClr val="lt1"/>
+    </dgm:linClrLst>
+    <dgm:effectClrLst/>
+    <dgm:txLinClrLst/>
+    <dgm:txFillClrLst/>
+    <dgm:txEffectClrLst/>
+  </dgm:styleLbl>
+  <dgm:styleLbl name="vennNode1">
+    <dgm:fillClrLst meth="repeat">
+      <a:schemeClr val="accent2">
+        <a:alpha val="50000"/>
+      </a:schemeClr>
+    </dgm:fillClrLst>
+    <dgm:linClrLst meth="repeat">
+      <a:schemeClr val="lt1"/>
+    </dgm:linClrLst>
+    <dgm:effectClrLst/>
+    <dgm:txLinClrLst/>
+    <dgm:txFillClrLst/>
+    <dgm:txEffectClrLst/>
+  </dgm:styleLbl>
+  <dgm:styleLbl name="node2">
+    <dgm:fillClrLst meth="repeat">
+      <a:schemeClr val="accent2"/>
+    </dgm:fillClrLst>
+    <dgm:linClrLst meth="repeat">
+      <a:schemeClr val="lt1"/>
+    </dgm:linClrLst>
+    <dgm:effectClrLst/>
+    <dgm:txLinClrLst/>
+    <dgm:txFillClrLst/>
+    <dgm:txEffectClrLst/>
+  </dgm:styleLbl>
+  <dgm:styleLbl name="node3">
+    <dgm:fillClrLst meth="repeat">
+      <a:schemeClr val="accent2"/>
+    </dgm:fillClrLst>
+    <dgm:linClrLst meth="repeat">
+      <a:schemeClr val="lt1"/>
+    </dgm:linClrLst>
+    <dgm:effectClrLst/>
+    <dgm:txLinClrLst/>
+    <dgm:txFillClrLst/>
+    <dgm:txEffectClrLst/>
+  </dgm:styleLbl>
+  <dgm:styleLbl name="node4">
+    <dgm:fillClrLst meth="repeat">
+      <a:schemeClr val="accent2"/>
+    </dgm:fillClrLst>
+    <dgm:linClrLst meth="repeat">
+      <a:schemeClr val="lt1"/>
+    </dgm:linClrLst>
+    <dgm:effectClrLst/>
+    <dgm:txLinClrLst/>
+    <dgm:txFillClrLst/>
+    <dgm:txEffectClrLst/>
+  </dgm:styleLbl>
+  <dgm:styleLbl name="fgImgPlace1">
+    <dgm:fillClrLst meth="repeat">
+      <a:schemeClr val="accent2">
+        <a:tint val="50000"/>
+      </a:schemeClr>
+    </dgm:fillClrLst>
+    <dgm:linClrLst meth="repeat">
+      <a:schemeClr val="lt1"/>
+    </dgm:linClrLst>
+    <dgm:effectClrLst/>
+    <dgm:txLinClrLst/>
+    <dgm:txFillClrLst meth="repeat">
+      <a:schemeClr val="lt1"/>
+    </dgm:txFillClrLst>
+    <dgm:txEffectClrLst/>
+  </dgm:styleLbl>
+  <dgm:styleLbl name="alignImgPlace1">
+    <dgm:fillClrLst meth="repeat">
+      <a:schemeClr val="accent2">
+        <a:tint val="50000"/>
+      </a:schemeClr>
+    </dgm:fillClrLst>
+    <dgm:linClrLst meth="repeat">
+      <a:schemeClr val="lt1"/>
+    </dgm:linClrLst>
+    <dgm:effectClrLst/>
+    <dgm:txLinClrLst/>
+    <dgm:txFillClrLst meth="repeat">
+      <a:schemeClr val="lt1"/>
+    </dgm:txFillClrLst>
+    <dgm:txEffectClrLst/>
+  </dgm:styleLbl>
+  <dgm:styleLbl name="bgImgPlace1">
+    <dgm:fillClrLst meth="repeat">
+      <a:schemeClr val="accent2">
+        <a:tint val="50000"/>
+      </a:schemeClr>
+    </dgm:fillClrLst>
+    <dgm:linClrLst meth="repeat">
+      <a:schemeClr val="lt1"/>
+    </dgm:linClrLst>
+    <dgm:effectClrLst/>
+    <dgm:txLinClrLst/>
+    <dgm:txFillClrLst meth="repeat">
+      <a:schemeClr val="lt1"/>
+    </dgm:txFillClrLst>
+    <dgm:txEffectClrLst/>
+  </dgm:styleLbl>
+  <dgm:styleLbl name="sibTrans2D1">
+    <dgm:fillClrLst meth="repeat">
+      <a:schemeClr val="accent2">
+        <a:tint val="60000"/>
+      </a:schemeClr>
+    </dgm:fillClrLst>
+    <dgm:linClrLst meth="repeat">
+      <a:schemeClr val="accent2">
+        <a:tint val="60000"/>
+      </a:schemeClr>
+    </dgm:linClrLst>
+    <dgm:effectClrLst/>
+    <dgm:txLinClrLst/>
+    <dgm:txFillClrLst/>
+    <dgm:txEffectClrLst/>
+  </dgm:styleLbl>
+  <dgm:styleLbl name="fgSibTrans2D1">
+    <dgm:fillClrLst meth="repeat">
+      <a:schemeClr val="accent2">
+        <a:tint val="60000"/>
+      </a:schemeClr>
+    </dgm:fillClrLst>
+    <dgm:linClrLst meth="repeat">
+      <a:schemeClr val="accent2">
+        <a:tint val="60000"/>
+      </a:schemeClr>
+    </dgm:linClrLst>
+    <dgm:effectClrLst/>
+    <dgm:txLinClrLst/>
+    <dgm:txFillClrLst/>
+    <dgm:txEffectClrLst/>
+  </dgm:styleLbl>
+  <dgm:styleLbl name="bgSibTrans2D1">
+    <dgm:fillClrLst meth="repeat">
+      <a:schemeClr val="accent2">
+        <a:tint val="60000"/>
+      </a:schemeClr>
+    </dgm:fillClrLst>
+    <dgm:linClrLst meth="repeat">
+      <a:schemeClr val="accent2">
+        <a:tint val="60000"/>
+      </a:schemeClr>
+    </dgm:linClrLst>
+    <dgm:effectClrLst/>
+    <dgm:txLinClrLst/>
+    <dgm:txFillClrLst/>
+    <dgm:txEffectClrLst/>
+  </dgm:styleLbl>
+  <dgm:styleLbl name="sibTrans1D1">
+    <dgm:fillClrLst meth="repeat">
+      <a:schemeClr val="accent2"/>
+    </dgm:fillClrLst>
+    <dgm:linClrLst meth="repeat">
+      <a:schemeClr val="accent2"/>
+    </dgm:linClrLst>
+    <dgm:effectClrLst/>
+    <dgm:txLinClrLst/>
+    <dgm:txFillClrLst meth="repeat">
+      <a:schemeClr val="tx1"/>
+    </dgm:txFillClrLst>
+    <dgm:txEffectClrLst/>
+  </dgm:styleLbl>
+  <dgm:styleLbl name="callout">
+    <dgm:fillClrLst meth="repeat">
+      <a:schemeClr val="accent2"/>
+    </dgm:fillClrLst>
+    <dgm:linClrLst meth="repeat">
+      <a:schemeClr val="accent2">
+        <a:tint val="50000"/>
+      </a:schemeClr>
+    </dgm:linClrLst>
+    <dgm:effectClrLst/>
+    <dgm:txLinClrLst/>
+    <dgm:txFillClrLst meth="repeat">
+      <a:schemeClr val="tx1"/>
+    </dgm:txFillClrLst>
+    <dgm:txEffectClrLst/>
+  </dgm:styleLbl>
+  <dgm:styleLbl name="asst0">
+    <dgm:fillClrLst meth="repeat">
+      <a:schemeClr val="accent2"/>
+    </dgm:fillClrLst>
+    <dgm:linClrLst meth="repeat">
+      <a:schemeClr val="lt1"/>
+    </dgm:linClrLst>
+    <dgm:effectClrLst/>
+    <dgm:txLinClrLst/>
+    <dgm:txFillClrLst/>
+    <dgm:txEffectClrLst/>
+  </dgm:styleLbl>
+  <dgm:styleLbl name="asst1">
+    <dgm:fillClrLst meth="repeat">
+      <a:schemeClr val="accent2"/>
+    </dgm:fillClrLst>
+    <dgm:linClrLst meth="repeat">
+      <a:schemeClr val="lt1"/>
+    </dgm:linClrLst>
+    <dgm:effectClrLst/>
+    <dgm:txLinClrLst/>
+    <dgm:txFillClrLst/>
+    <dgm:txEffectClrLst/>
+  </dgm:styleLbl>
+  <dgm:styleLbl name="asst2">
+    <dgm:fillClrLst meth="repeat">
+      <a:schemeClr val="accent2"/>
+    </dgm:fillClrLst>
+    <dgm:linClrLst meth="repeat">
+      <a:schemeClr val="lt1"/>
+    </dgm:linClrLst>
+    <dgm:effectClrLst/>
+    <dgm:txLinClrLst/>
+    <dgm:txFillClrLst/>
+    <dgm:txEffectClrLst/>
+  </dgm:styleLbl>
+  <dgm:styleLbl name="asst3">
+    <dgm:fillClrLst meth="repeat">
+      <a:schemeClr val="accent2"/>
+    </dgm:fillClrLst>
+    <dgm:linClrLst meth="repeat">
+      <a:schemeClr val="lt1"/>
+    </dgm:linClrLst>
+    <dgm:effectClrLst/>
+    <dgm:txLinClrLst/>
+    <dgm:txFillClrLst/>
+    <dgm:txEffectClrLst/>
+  </dgm:styleLbl>
+  <dgm:styleLbl name="asst4">
+    <dgm:fillClrLst meth="repeat">
+      <a:schemeClr val="accent2"/>
+    </dgm:fillClrLst>
+    <dgm:linClrLst meth="repeat">
+      <a:schemeClr val="lt1"/>
+    </dgm:linClrLst>
+    <dgm:effectClrLst/>
+    <dgm:txLinClrLst/>
+    <dgm:txFillClrLst/>
+    <dgm:txEffectClrLst/>
+  </dgm:styleLbl>
+  <dgm:styleLbl name="parChTrans2D1">
+    <dgm:fillClrLst meth="repeat">
+      <a:schemeClr val="accent2">
+        <a:tint val="60000"/>
+      </a:schemeClr>
+    </dgm:fillClrLst>
+    <dgm:linClrLst meth="repeat">
+      <a:schemeClr val="accent2">
+        <a:tint val="60000"/>
+      </a:schemeClr>
+    </dgm:linClrLst>
+    <dgm:effectClrLst/>
+    <dgm:txLinClrLst/>
+    <dgm:txFillClrLst meth="repeat">
+      <a:schemeClr val="lt1"/>
+    </dgm:txFillClrLst>
+    <dgm:txEffectClrLst/>
+  </dgm:styleLbl>
+  <dgm:styleLbl name="parChTrans2D2">
+    <dgm:fillClrLst meth="repeat">
+      <a:schemeClr val="accent2"/>
+    </dgm:fillClrLst>
+    <dgm:linClrLst meth="repeat">
+      <a:schemeClr val="accent2"/>
+    </dgm:linClrLst>
+    <dgm:effectClrLst/>
+    <dgm:txLinClrLst/>
+    <dgm:txFillClrLst meth="repeat">
+      <a:schemeClr val="lt1"/>
+    </dgm:txFillClrLst>
+    <dgm:txEffectClrLst/>
+  </dgm:styleLbl>
+  <dgm:styleLbl name="parChTrans2D3">
+    <dgm:fillClrLst meth="repeat">
+      <a:schemeClr val="accent2"/>
+    </dgm:fillClrLst>
+    <dgm:linClrLst meth="repeat">
+      <a:schemeClr val="accent2"/>
+    </dgm:linClrLst>
+    <dgm:effectClrLst/>
+    <dgm:txLinClrLst/>
+    <dgm:txFillClrLst meth="repeat">
+      <a:schemeClr val="lt1"/>
+    </dgm:txFillClrLst>
+    <dgm:txEffectClrLst/>
+  </dgm:styleLbl>
+  <dgm:styleLbl name="parChTrans2D4">
+    <dgm:fillClrLst meth="repeat">
+      <a:schemeClr val="accent2"/>
+    </dgm:fillClrLst>
+    <dgm:linClrLst meth="repeat">
+      <a:schemeClr val="accent2"/>
+    </dgm:linClrLst>
+    <dgm:effectClrLst/>
+    <dgm:txLinClrLst/>
+    <dgm:txFillClrLst meth="repeat">
+      <a:schemeClr val="lt1"/>
+    </dgm:txFillClrLst>
+    <dgm:txEffectClrLst/>
+  </dgm:styleLbl>
+  <dgm:styleLbl name="parChTrans1D1">
+    <dgm:fillClrLst meth="repeat">
+      <a:schemeClr val="accent2"/>
+    </dgm:fillClrLst>
+    <dgm:linClrLst meth="repeat">
+      <a:schemeClr val="accent2">
+        <a:shade val="60000"/>
+      </a:schemeClr>
+    </dgm:linClrLst>
+    <dgm:effectClrLst/>
+    <dgm:txLinClrLst/>
+    <dgm:txFillClrLst meth="repeat">
+      <a:schemeClr val="tx1"/>
+    </dgm:txFillClrLst>
+    <dgm:txEffectClrLst/>
+  </dgm:styleLbl>
+  <dgm:styleLbl name="parChTrans1D2">
+    <dgm:fillClrLst meth="repeat">
+      <a:schemeClr val="accent2"/>
+    </dgm:fillClrLst>
+    <dgm:linClrLst meth="repeat">
+      <a:schemeClr val="accent2">
+        <a:shade val="60000"/>
+      </a:schemeClr>
+    </dgm:linClrLst>
+    <dgm:effectClrLst/>
+    <dgm:txLinClrLst/>
+    <dgm:txFillClrLst meth="repeat">
+      <a:schemeClr val="tx1"/>
+    </dgm:txFillClrLst>
+    <dgm:txEffectClrLst/>
+  </dgm:styleLbl>
+  <dgm:styleLbl name="parChTrans1D3">
+    <dgm:fillClrLst meth="repeat">
+      <a:schemeClr val="accent2"/>
+    </dgm:fillClrLst>
+    <dgm:linClrLst meth="repeat">
+      <a:schemeClr val="accent2">
+        <a:shade val="80000"/>
+      </a:schemeClr>
+    </dgm:linClrLst>
+    <dgm:effectClrLst/>
+    <dgm:txLinClrLst/>
+    <dgm:txFillClrLst meth="repeat">
+      <a:schemeClr val="tx1"/>
+    </dgm:txFillClrLst>
+    <dgm:txEffectClrLst/>
+  </dgm:styleLbl>
+  <dgm:styleLbl name="parChTrans1D4">
+    <dgm:fillClrLst meth="repeat">
+      <a:schemeClr val="accent2"/>
+    </dgm:fillClrLst>
+    <dgm:linClrLst meth="repeat">
+      <a:schemeClr val="accent2">
+        <a:shade val="80000"/>
+      </a:schemeClr>
+    </dgm:linClrLst>
+    <dgm:effectClrLst/>
+    <dgm:txLinClrLst/>
+    <dgm:txFillClrLst meth="repeat">
+      <a:schemeClr val="tx1"/>
+    </dgm:txFillClrLst>
+    <dgm:txEffectClrLst/>
+  </dgm:styleLbl>
+  <dgm:styleLbl name="fgAcc1">
+    <dgm:fillClrLst meth="repeat">
+      <a:schemeClr val="lt1">
+        <a:alpha val="90000"/>
+      </a:schemeClr>
+    </dgm:fillClrLst>
+    <dgm:linClrLst meth="repeat">
+      <a:schemeClr val="accent2"/>
+    </dgm:linClrLst>
+    <dgm:effectClrLst/>
+    <dgm:txLinClrLst/>
+    <dgm:txFillClrLst meth="repeat">
+      <a:schemeClr val="dk1"/>
+    </dgm:txFillClrLst>
+    <dgm:txEffectClrLst/>
+  </dgm:styleLbl>
+  <dgm:styleLbl name="conFgAcc1">
+    <dgm:fillClrLst meth="repeat">
+      <a:schemeClr val="lt1">
+        <a:alpha val="90000"/>
+      </a:schemeClr>
+    </dgm:fillClrLst>
+    <dgm:linClrLst meth="repeat">
+      <a:schemeClr val="accent2"/>
+    </dgm:linClrLst>
+    <dgm:effectClrLst/>
+    <dgm:txLinClrLst/>
+    <dgm:txFillClrLst meth="repeat">
+      <a:schemeClr val="dk1"/>
+    </dgm:txFillClrLst>
+    <dgm:txEffectClrLst/>
+  </dgm:styleLbl>
+  <dgm:styleLbl name="alignAcc1">
+    <dgm:fillClrLst meth="repeat">
+      <a:schemeClr val="lt1">
+        <a:alpha val="90000"/>
+      </a:schemeClr>
+    </dgm:fillClrLst>
+    <dgm:linClrLst meth="repeat">
+      <a:schemeClr val="accent2"/>
+    </dgm:linClrLst>
+    <dgm:effectClrLst/>
+    <dgm:txLinClrLst/>
+    <dgm:txFillClrLst meth="repeat">
+      <a:schemeClr val="dk1"/>
+    </dgm:txFillClrLst>
+    <dgm:txEffectClrLst/>
+  </dgm:styleLbl>
+  <dgm:styleLbl name="trAlignAcc1">
+    <dgm:fillClrLst meth="repeat">
+      <a:schemeClr val="lt1">
+        <a:alpha val="40000"/>
+      </a:schemeClr>
+    </dgm:fillClrLst>
+    <dgm:linClrLst meth="repeat">
+      <a:schemeClr val="accent2"/>
+    </dgm:linClrLst>
+    <dgm:effectClrLst/>
+    <dgm:txLinClrLst/>
+    <dgm:txFillClrLst meth="repeat">
+      <a:schemeClr val="dk1"/>
+    </dgm:txFillClrLst>
+    <dgm:txEffectClrLst/>
+  </dgm:styleLbl>
+  <dgm:styleLbl name="bgAcc1">
+    <dgm:fillClrLst meth="repeat">
+      <a:schemeClr val="lt1">
+        <a:alpha val="90000"/>
+      </a:schemeClr>
+    </dgm:fillClrLst>
+    <dgm:linClrLst meth="repeat">
+      <a:schemeClr val="accent2"/>
+    </dgm:linClrLst>
+    <dgm:effectClrLst/>
+    <dgm:txLinClrLst/>
+    <dgm:txFillClrLst meth="repeat">
+      <a:schemeClr val="dk1"/>
+    </dgm:txFillClrLst>
+    <dgm:txEffectClrLst/>
+  </dgm:styleLbl>
+  <dgm:styleLbl name="solidFgAcc1">
+    <dgm:fillClrLst meth="repeat">
+      <a:schemeClr val="lt1"/>
+    </dgm:fillClrLst>
+    <dgm:linClrLst meth="repeat">
+      <a:schemeClr val="accent2"/>
+    </dgm:linClrLst>
+    <dgm:effectClrLst/>
+    <dgm:txLinClrLst/>
+    <dgm:txFillClrLst meth="repeat">
+      <a:schemeClr val="dk1"/>
+    </dgm:txFillClrLst>
+    <dgm:txEffectClrLst/>
+  </dgm:styleLbl>
+  <dgm:styleLbl name="solidAlignAcc1">
+    <dgm:fillClrLst meth="repeat">
+      <a:schemeClr val="lt1"/>
+    </dgm:fillClrLst>
+    <dgm:linClrLst meth="repeat">
+      <a:schemeClr val="accent2"/>
+    </dgm:linClrLst>
+    <dgm:effectClrLst/>
+    <dgm:txLinClrLst/>
+    <dgm:txFillClrLst meth="repeat">
+      <a:schemeClr val="dk1"/>
+    </dgm:txFillClrLst>
+    <dgm:txEffectClrLst/>
+  </dgm:styleLbl>
+  <dgm:styleLbl name="solidBgAcc1">
+    <dgm:fillClrLst meth="repeat">
+      <a:schemeClr val="lt1"/>
+    </dgm:fillClrLst>
+    <dgm:linClrLst meth="repeat">
+      <a:schemeClr val="accent2"/>
+    </dgm:linClrLst>
+    <dgm:effectClrLst/>
+    <dgm:txLinClrLst/>
+    <dgm:txFillClrLst meth="repeat">
+      <a:schemeClr val="dk1"/>
+    </dgm:txFillClrLst>
+    <dgm:txEffectClrLst/>
+  </dgm:styleLbl>
+  <dgm:styleLbl name="fgAccFollowNode1">
+    <dgm:fillClrLst meth="repeat">
+      <a:schemeClr val="accent2">
+        <a:alpha val="90000"/>
+        <a:tint val="40000"/>
+      </a:schemeClr>
+    </dgm:fillClrLst>
+    <dgm:linClrLst meth="repeat">
+      <a:schemeClr val="accent2">
+        <a:alpha val="90000"/>
+        <a:tint val="40000"/>
+      </a:schemeClr>
+    </dgm:linClrLst>
+    <dgm:effectClrLst/>
+    <dgm:txLinClrLst/>
+    <dgm:txFillClrLst meth="repeat">
+      <a:schemeClr val="dk1"/>
+    </dgm:txFillClrLst>
+    <dgm:txEffectClrLst/>
+  </dgm:styleLbl>
+  <dgm:styleLbl name="alignAccFollowNode1">
+    <dgm:fillClrLst meth="repeat">
+      <a:schemeClr val="accent2">
+        <a:alpha val="90000"/>
+        <a:tint val="40000"/>
+      </a:schemeClr>
+    </dgm:fillClrLst>
+    <dgm:linClrLst meth="repeat">
+      <a:schemeClr val="accent2">
+        <a:alpha val="90000"/>
+        <a:tint val="40000"/>
+      </a:schemeClr>
+    </dgm:linClrLst>
+    <dgm:effectClrLst/>
+    <dgm:txLinClrLst/>
+    <dgm:txFillClrLst meth="repeat">
+      <a:schemeClr val="dk1"/>
+    </dgm:txFillClrLst>
+    <dgm:txEffectClrLst/>
+  </dgm:styleLbl>
+  <dgm:styleLbl name="bgAccFollowNode1">
+    <dgm:fillClrLst meth="repeat">
+      <a:schemeClr val="accent2">
+        <a:alpha val="90000"/>
+        <a:tint val="40000"/>
+      </a:schemeClr>
+    </dgm:fillClrLst>
+    <dgm:linClrLst meth="repeat">
+      <a:schemeClr val="accent2">
+        <a:alpha val="90000"/>
+        <a:tint val="40000"/>
+      </a:schemeClr>
+    </dgm:linClrLst>
+    <dgm:effectClrLst/>
+    <dgm:txLinClrLst/>
+    <dgm:txFillClrLst meth="repeat">
+      <a:schemeClr val="dk1"/>
+    </dgm:txFillClrLst>
+    <dgm:txEffectClrLst/>
+  </dgm:styleLbl>
+  <dgm:styleLbl name="fgAcc0">
+    <dgm:fillClrLst meth="repeat">
+      <a:schemeClr val="lt1">
+        <a:alpha val="90000"/>
+      </a:schemeClr>
+    </dgm:fillClrLst>
+    <dgm:linClrLst meth="repeat">
+      <a:schemeClr val="accent2"/>
+    </dgm:linClrLst>
+    <dgm:effectClrLst/>
+    <dgm:txLinClrLst/>
+    <dgm:txFillClrLst meth="repeat">
+      <a:schemeClr val="dk1"/>
+    </dgm:txFillClrLst>
+    <dgm:txEffectClrLst/>
+  </dgm:styleLbl>
+  <dgm:styleLbl name="fgAcc2">
+    <dgm:fillClrLst meth="repeat">
+      <a:schemeClr val="lt1">
+        <a:alpha val="90000"/>
+      </a:schemeClr>
+    </dgm:fillClrLst>
+    <dgm:linClrLst meth="repeat">
+      <a:schemeClr val="accent2"/>
+    </dgm:linClrLst>
+    <dgm:effectClrLst/>
+    <dgm:txLinClrLst/>
+    <dgm:txFillClrLst meth="repeat">
+      <a:schemeClr val="dk1"/>
+    </dgm:txFillClrLst>
+    <dgm:txEffectClrLst/>
+  </dgm:styleLbl>
+  <dgm:styleLbl name="fgAcc3">
+    <dgm:fillClrLst meth="repeat">
+      <a:schemeClr val="lt1">
+        <a:alpha val="90000"/>
+      </a:schemeClr>
+    </dgm:fillClrLst>
+    <dgm:linClrLst meth="repeat">
+      <a:schemeClr val="accent2"/>
+    </dgm:linClrLst>
+    <dgm:effectClrLst/>
+    <dgm:txLinClrLst/>
+    <dgm:txFillClrLst meth="repeat">
+      <a:schemeClr val="dk1"/>
+    </dgm:txFillClrLst>
+    <dgm:txEffectClrLst/>
+  </dgm:styleLbl>
+  <dgm:styleLbl name="fgAcc4">
+    <dgm:fillClrLst meth="repeat">
+      <a:schemeClr val="lt1">
+        <a:alpha val="90000"/>
+      </a:schemeClr>
+    </dgm:fillClrLst>
+    <dgm:linClrLst meth="repeat">
+      <a:schemeClr val="accent2"/>
+    </dgm:linClrLst>
+    <dgm:effectClrLst/>
+    <dgm:txLinClrLst/>
+    <dgm:txFillClrLst meth="repeat">
+      <a:schemeClr val="dk1"/>
+    </dgm:txFillClrLst>
+    <dgm:txEffectClrLst/>
+  </dgm:styleLbl>
+  <dgm:styleLbl name="bgShp">
+    <dgm:fillClrLst meth="repeat">
+      <a:schemeClr val="accent2">
+        <a:tint val="40000"/>
+      </a:schemeClr>
+    </dgm:fillClrLst>
+    <dgm:linClrLst meth="repeat">
+      <a:schemeClr val="accent2"/>
+    </dgm:linClrLst>
+    <dgm:effectClrLst/>
+    <dgm:txLinClrLst/>
+    <dgm:txFillClrLst meth="repeat">
+      <a:schemeClr val="dk1"/>
+    </dgm:txFillClrLst>
+    <dgm:txEffectClrLst/>
+  </dgm:styleLbl>
+  <dgm:styleLbl name="dkBgShp">
+    <dgm:fillClrLst meth="repeat">
+      <a:schemeClr val="accent2">
+        <a:shade val="80000"/>
+      </a:schemeClr>
+    </dgm:fillClrLst>
+    <dgm:linClrLst meth="repeat">
+      <a:schemeClr val="accent2"/>
+    </dgm:linClrLst>
+    <dgm:effectClrLst/>
+    <dgm:txLinClrLst/>
+    <dgm:txFillClrLst meth="repeat">
+      <a:schemeClr val="lt1"/>
+    </dgm:txFillClrLst>
+    <dgm:txEffectClrLst/>
+  </dgm:styleLbl>
+  <dgm:styleLbl name="trBgShp">
+    <dgm:fillClrLst meth="repeat">
+      <a:schemeClr val="accent2">
+        <a:tint val="50000"/>
+        <a:alpha val="40000"/>
+      </a:schemeClr>
+    </dgm:fillClrLst>
+    <dgm:linClrLst meth="repeat">
+      <a:schemeClr val="accent2"/>
+    </dgm:linClrLst>
+    <dgm:effectClrLst/>
+    <dgm:txLinClrLst/>
+    <dgm:txFillClrLst meth="repeat">
+      <a:schemeClr val="lt1"/>
+    </dgm:txFillClrLst>
+    <dgm:txEffectClrLst/>
+  </dgm:styleLbl>
+  <dgm:styleLbl name="fgShp">
+    <dgm:fillClrLst meth="repeat">
+      <a:schemeClr val="accent2">
+        <a:tint val="60000"/>
+      </a:schemeClr>
+    </dgm:fillClrLst>
+    <dgm:linClrLst meth="repeat">
+      <a:schemeClr val="lt1"/>
+    </dgm:linClrLst>
+    <dgm:effectClrLst/>
+    <dgm:txLinClrLst/>
+    <dgm:txFillClrLst meth="repeat">
+      <a:schemeClr val="dk1"/>
+    </dgm:txFillClrLst>
+    <dgm:txEffectClrLst/>
+  </dgm:styleLbl>
+  <dgm:styleLbl name="revTx">
+    <dgm:fillClrLst meth="repeat">
+      <a:schemeClr val="lt1">
+        <a:alpha val="0"/>
+      </a:schemeClr>
+    </dgm:fillClrLst>
+    <dgm:linClrLst meth="repeat">
+      <a:schemeClr val="dk1">
+        <a:alpha val="0"/>
+      </a:schemeClr>
+    </dgm:linClrLst>
+    <dgm:effectClrLst/>
+    <dgm:txLinClrLst/>
+    <dgm:txFillClrLst meth="repeat">
+      <a:schemeClr val="tx1"/>
+    </dgm:txFillClrLst>
+    <dgm:txEffectClrLst/>
+  </dgm:styleLbl>
+</dgm:colorsDef>
+</file>
+
+<file path=ppt/diagrams/data1.xml><?xml version="1.0" encoding="utf-8"?>
+<dgm:dataModel xmlns:dgm="http://schemas.openxmlformats.org/drawingml/2006/diagram" xmlns:a="http://schemas.openxmlformats.org/drawingml/2006/main">
+  <dgm:ptLst>
+    <dgm:pt modelId="{F541936A-4DDA-463A-8585-55F230BB15DF}" type="doc">
+      <dgm:prSet loTypeId="urn:microsoft.com/office/officeart/2005/8/layout/hierarchy1" loCatId="hierarchy" qsTypeId="urn:microsoft.com/office/officeart/2005/8/quickstyle/simple2" qsCatId="simple" csTypeId="urn:microsoft.com/office/officeart/2005/8/colors/accent2_2" csCatId="accent2"/>
+      <dgm:spPr/>
+      <dgm:t>
+        <a:bodyPr/>
+        <a:lstStyle/>
+        <a:p>
+          <a:endParaRPr lang="en-US"/>
+        </a:p>
+      </dgm:t>
+    </dgm:pt>
+    <dgm:pt modelId="{5A478C41-B35F-4E3E-A892-C9869D71AA16}">
+      <dgm:prSet/>
+      <dgm:spPr/>
+      <dgm:t>
+        <a:bodyPr/>
+        <a:lstStyle/>
+        <a:p>
+          <a:r>
+            <a:rPr lang="de-DE" dirty="0"/>
+            <a:t>Vorlesungsaal in Anlehnung an OTH Hörsaal </a:t>
+          </a:r>
+          <a:endParaRPr lang="en-US" dirty="0"/>
+        </a:p>
+      </dgm:t>
+    </dgm:pt>
+    <dgm:pt modelId="{06F8CCCB-4922-42F4-989B-A41D86F9F50B}" type="parTrans" cxnId="{8FB3ABDA-35E0-45E7-B197-E2E5FF8D8B95}">
+      <dgm:prSet/>
+      <dgm:spPr/>
+      <dgm:t>
+        <a:bodyPr/>
+        <a:lstStyle/>
+        <a:p>
+          <a:endParaRPr lang="en-US"/>
+        </a:p>
+      </dgm:t>
+    </dgm:pt>
+    <dgm:pt modelId="{1645BAA9-3CC6-4A06-A346-A82D4062AE72}" type="sibTrans" cxnId="{8FB3ABDA-35E0-45E7-B197-E2E5FF8D8B95}">
+      <dgm:prSet/>
+      <dgm:spPr/>
+      <dgm:t>
+        <a:bodyPr/>
+        <a:lstStyle/>
+        <a:p>
+          <a:endParaRPr lang="en-US"/>
+        </a:p>
+      </dgm:t>
+    </dgm:pt>
+    <dgm:pt modelId="{9E0B6733-39EE-418E-93A1-86AFC9EE847D}">
+      <dgm:prSet/>
+      <dgm:spPr/>
+      <dgm:t>
+        <a:bodyPr/>
+        <a:lstStyle/>
+        <a:p>
+          <a:r>
+            <a:rPr lang="de-DE"/>
+            <a:t>Futuristisches Design</a:t>
+          </a:r>
+          <a:endParaRPr lang="en-US"/>
+        </a:p>
+      </dgm:t>
+    </dgm:pt>
+    <dgm:pt modelId="{AE71D168-ABAE-4A8B-9F9D-2F3A60013E3D}" type="parTrans" cxnId="{0138ED62-C918-46AC-BAF2-B371DEF747F6}">
+      <dgm:prSet/>
+      <dgm:spPr/>
+      <dgm:t>
+        <a:bodyPr/>
+        <a:lstStyle/>
+        <a:p>
+          <a:endParaRPr lang="en-US"/>
+        </a:p>
+      </dgm:t>
+    </dgm:pt>
+    <dgm:pt modelId="{CF680B78-A950-46F5-A2A9-53595BC09E8B}" type="sibTrans" cxnId="{0138ED62-C918-46AC-BAF2-B371DEF747F6}">
+      <dgm:prSet/>
+      <dgm:spPr/>
+      <dgm:t>
+        <a:bodyPr/>
+        <a:lstStyle/>
+        <a:p>
+          <a:endParaRPr lang="en-US"/>
+        </a:p>
+      </dgm:t>
+    </dgm:pt>
+    <dgm:pt modelId="{9C13D835-F3A7-4F58-B787-481D42D9917C}">
+      <dgm:prSet/>
+      <dgm:spPr/>
+      <dgm:t>
+        <a:bodyPr/>
+        <a:lstStyle/>
+        <a:p>
+          <a:r>
+            <a:rPr lang="de-DE" dirty="0"/>
+            <a:t>Einfache geometrische Formen</a:t>
+          </a:r>
+          <a:endParaRPr lang="en-US" dirty="0"/>
+        </a:p>
+      </dgm:t>
+    </dgm:pt>
+    <dgm:pt modelId="{E3F2F1BE-8FC8-4625-B23A-4E7A75C9A12E}" type="parTrans" cxnId="{585D5615-82BD-4726-8243-5D548FC13C8E}">
+      <dgm:prSet/>
+      <dgm:spPr/>
+      <dgm:t>
+        <a:bodyPr/>
+        <a:lstStyle/>
+        <a:p>
+          <a:endParaRPr lang="en-US"/>
+        </a:p>
+      </dgm:t>
+    </dgm:pt>
+    <dgm:pt modelId="{051496CF-F385-4042-B431-FBB388C78966}" type="sibTrans" cxnId="{585D5615-82BD-4726-8243-5D548FC13C8E}">
+      <dgm:prSet/>
+      <dgm:spPr/>
+      <dgm:t>
+        <a:bodyPr/>
+        <a:lstStyle/>
+        <a:p>
+          <a:endParaRPr lang="en-US"/>
+        </a:p>
+      </dgm:t>
+    </dgm:pt>
+    <dgm:pt modelId="{2728E356-B678-3040-85D7-134C0087165B}" type="pres">
+      <dgm:prSet presAssocID="{F541936A-4DDA-463A-8585-55F230BB15DF}" presName="hierChild1" presStyleCnt="0">
+        <dgm:presLayoutVars>
+          <dgm:chPref val="1"/>
+          <dgm:dir/>
+          <dgm:animOne val="branch"/>
+          <dgm:animLvl val="lvl"/>
+          <dgm:resizeHandles/>
+        </dgm:presLayoutVars>
+      </dgm:prSet>
+      <dgm:spPr/>
+    </dgm:pt>
+    <dgm:pt modelId="{7960F522-CCF3-7544-8DC8-7E1AF12485EE}" type="pres">
+      <dgm:prSet presAssocID="{5A478C41-B35F-4E3E-A892-C9869D71AA16}" presName="hierRoot1" presStyleCnt="0"/>
+      <dgm:spPr/>
+    </dgm:pt>
+    <dgm:pt modelId="{E7C8C905-588C-BA49-B957-0029492CD582}" type="pres">
+      <dgm:prSet presAssocID="{5A478C41-B35F-4E3E-A892-C9869D71AA16}" presName="composite" presStyleCnt="0"/>
+      <dgm:spPr/>
+    </dgm:pt>
+    <dgm:pt modelId="{1C9D45C2-09BB-6A4B-890F-A402658E2AA9}" type="pres">
+      <dgm:prSet presAssocID="{5A478C41-B35F-4E3E-A892-C9869D71AA16}" presName="background" presStyleLbl="node0" presStyleIdx="0" presStyleCnt="3"/>
+      <dgm:spPr/>
+    </dgm:pt>
+    <dgm:pt modelId="{9939C91D-FA03-F444-8095-E0C30A884A61}" type="pres">
+      <dgm:prSet presAssocID="{5A478C41-B35F-4E3E-A892-C9869D71AA16}" presName="text" presStyleLbl="fgAcc0" presStyleIdx="0" presStyleCnt="3">
+        <dgm:presLayoutVars>
+          <dgm:chPref val="3"/>
+        </dgm:presLayoutVars>
+      </dgm:prSet>
+      <dgm:spPr/>
+    </dgm:pt>
+    <dgm:pt modelId="{8222776A-8F70-B14B-A2EC-272EC86CAC68}" type="pres">
+      <dgm:prSet presAssocID="{5A478C41-B35F-4E3E-A892-C9869D71AA16}" presName="hierChild2" presStyleCnt="0"/>
+      <dgm:spPr/>
+    </dgm:pt>
+    <dgm:pt modelId="{EEDC94EB-D58A-D84E-85F8-D103FC9EC406}" type="pres">
+      <dgm:prSet presAssocID="{9E0B6733-39EE-418E-93A1-86AFC9EE847D}" presName="hierRoot1" presStyleCnt="0"/>
+      <dgm:spPr/>
+    </dgm:pt>
+    <dgm:pt modelId="{DCE6D5CE-EDEB-4C4A-A721-5DAA5EDC4A22}" type="pres">
+      <dgm:prSet presAssocID="{9E0B6733-39EE-418E-93A1-86AFC9EE847D}" presName="composite" presStyleCnt="0"/>
+      <dgm:spPr/>
+    </dgm:pt>
+    <dgm:pt modelId="{C0D71808-AAD4-5547-90B8-BC7D0DA92D14}" type="pres">
+      <dgm:prSet presAssocID="{9E0B6733-39EE-418E-93A1-86AFC9EE847D}" presName="background" presStyleLbl="node0" presStyleIdx="1" presStyleCnt="3"/>
+      <dgm:spPr/>
+    </dgm:pt>
+    <dgm:pt modelId="{4EC5F8C0-8AD3-FF4B-BCCE-78BBAB72788E}" type="pres">
+      <dgm:prSet presAssocID="{9E0B6733-39EE-418E-93A1-86AFC9EE847D}" presName="text" presStyleLbl="fgAcc0" presStyleIdx="1" presStyleCnt="3">
+        <dgm:presLayoutVars>
+          <dgm:chPref val="3"/>
+        </dgm:presLayoutVars>
+      </dgm:prSet>
+      <dgm:spPr/>
+    </dgm:pt>
+    <dgm:pt modelId="{DD801171-FA43-494E-9561-05D3D6781C99}" type="pres">
+      <dgm:prSet presAssocID="{9E0B6733-39EE-418E-93A1-86AFC9EE847D}" presName="hierChild2" presStyleCnt="0"/>
+      <dgm:spPr/>
+    </dgm:pt>
+    <dgm:pt modelId="{07D0E6FF-363C-6E48-8723-616B648F1013}" type="pres">
+      <dgm:prSet presAssocID="{9C13D835-F3A7-4F58-B787-481D42D9917C}" presName="hierRoot1" presStyleCnt="0"/>
+      <dgm:spPr/>
+    </dgm:pt>
+    <dgm:pt modelId="{3333DC7A-1B73-FF4B-A8E8-711C82B41274}" type="pres">
+      <dgm:prSet presAssocID="{9C13D835-F3A7-4F58-B787-481D42D9917C}" presName="composite" presStyleCnt="0"/>
+      <dgm:spPr/>
+    </dgm:pt>
+    <dgm:pt modelId="{B727042B-1D33-0449-936D-D2B86DD5E0B5}" type="pres">
+      <dgm:prSet presAssocID="{9C13D835-F3A7-4F58-B787-481D42D9917C}" presName="background" presStyleLbl="node0" presStyleIdx="2" presStyleCnt="3"/>
+      <dgm:spPr/>
+    </dgm:pt>
+    <dgm:pt modelId="{E0612919-51D7-6747-8A10-43B57FA31D35}" type="pres">
+      <dgm:prSet presAssocID="{9C13D835-F3A7-4F58-B787-481D42D9917C}" presName="text" presStyleLbl="fgAcc0" presStyleIdx="2" presStyleCnt="3">
+        <dgm:presLayoutVars>
+          <dgm:chPref val="3"/>
+        </dgm:presLayoutVars>
+      </dgm:prSet>
+      <dgm:spPr/>
+    </dgm:pt>
+    <dgm:pt modelId="{C5C198C4-C6B5-0C48-899A-04DC17D15682}" type="pres">
+      <dgm:prSet presAssocID="{9C13D835-F3A7-4F58-B787-481D42D9917C}" presName="hierChild2" presStyleCnt="0"/>
+      <dgm:spPr/>
+    </dgm:pt>
+  </dgm:ptLst>
+  <dgm:cxnLst>
+    <dgm:cxn modelId="{585D5615-82BD-4726-8243-5D548FC13C8E}" srcId="{F541936A-4DDA-463A-8585-55F230BB15DF}" destId="{9C13D835-F3A7-4F58-B787-481D42D9917C}" srcOrd="2" destOrd="0" parTransId="{E3F2F1BE-8FC8-4625-B23A-4E7A75C9A12E}" sibTransId="{051496CF-F385-4042-B431-FBB388C78966}"/>
+    <dgm:cxn modelId="{D2E7A423-90A6-3B4D-985E-111D13AE5C0E}" type="presOf" srcId="{F541936A-4DDA-463A-8585-55F230BB15DF}" destId="{2728E356-B678-3040-85D7-134C0087165B}" srcOrd="0" destOrd="0" presId="urn:microsoft.com/office/officeart/2005/8/layout/hierarchy1"/>
+    <dgm:cxn modelId="{0138ED62-C918-46AC-BAF2-B371DEF747F6}" srcId="{F541936A-4DDA-463A-8585-55F230BB15DF}" destId="{9E0B6733-39EE-418E-93A1-86AFC9EE847D}" srcOrd="1" destOrd="0" parTransId="{AE71D168-ABAE-4A8B-9F9D-2F3A60013E3D}" sibTransId="{CF680B78-A950-46F5-A2A9-53595BC09E8B}"/>
+    <dgm:cxn modelId="{DCAA0B9E-9059-E641-9DBA-969C102A3986}" type="presOf" srcId="{9C13D835-F3A7-4F58-B787-481D42D9917C}" destId="{E0612919-51D7-6747-8A10-43B57FA31D35}" srcOrd="0" destOrd="0" presId="urn:microsoft.com/office/officeart/2005/8/layout/hierarchy1"/>
+    <dgm:cxn modelId="{E15BC0C0-2365-E34B-B2AC-A0105473B186}" type="presOf" srcId="{5A478C41-B35F-4E3E-A892-C9869D71AA16}" destId="{9939C91D-FA03-F444-8095-E0C30A884A61}" srcOrd="0" destOrd="0" presId="urn:microsoft.com/office/officeart/2005/8/layout/hierarchy1"/>
+    <dgm:cxn modelId="{8FB3ABDA-35E0-45E7-B197-E2E5FF8D8B95}" srcId="{F541936A-4DDA-463A-8585-55F230BB15DF}" destId="{5A478C41-B35F-4E3E-A892-C9869D71AA16}" srcOrd="0" destOrd="0" parTransId="{06F8CCCB-4922-42F4-989B-A41D86F9F50B}" sibTransId="{1645BAA9-3CC6-4A06-A346-A82D4062AE72}"/>
+    <dgm:cxn modelId="{8A7D8ADC-C843-3441-AB32-386ADF8652D3}" type="presOf" srcId="{9E0B6733-39EE-418E-93A1-86AFC9EE847D}" destId="{4EC5F8C0-8AD3-FF4B-BCCE-78BBAB72788E}" srcOrd="0" destOrd="0" presId="urn:microsoft.com/office/officeart/2005/8/layout/hierarchy1"/>
+    <dgm:cxn modelId="{1FB0E4F2-2D1C-2D41-B2F8-61AB987A651B}" type="presParOf" srcId="{2728E356-B678-3040-85D7-134C0087165B}" destId="{7960F522-CCF3-7544-8DC8-7E1AF12485EE}" srcOrd="0" destOrd="0" presId="urn:microsoft.com/office/officeart/2005/8/layout/hierarchy1"/>
+    <dgm:cxn modelId="{1D78BAE8-F21D-B149-B501-2043AF9B552E}" type="presParOf" srcId="{7960F522-CCF3-7544-8DC8-7E1AF12485EE}" destId="{E7C8C905-588C-BA49-B957-0029492CD582}" srcOrd="0" destOrd="0" presId="urn:microsoft.com/office/officeart/2005/8/layout/hierarchy1"/>
+    <dgm:cxn modelId="{47A5A3BB-BF49-B54C-94D5-4CB9A59BE461}" type="presParOf" srcId="{E7C8C905-588C-BA49-B957-0029492CD582}" destId="{1C9D45C2-09BB-6A4B-890F-A402658E2AA9}" srcOrd="0" destOrd="0" presId="urn:microsoft.com/office/officeart/2005/8/layout/hierarchy1"/>
+    <dgm:cxn modelId="{EAE9619D-7C2F-3248-A6E7-67525EACFD06}" type="presParOf" srcId="{E7C8C905-588C-BA49-B957-0029492CD582}" destId="{9939C91D-FA03-F444-8095-E0C30A884A61}" srcOrd="1" destOrd="0" presId="urn:microsoft.com/office/officeart/2005/8/layout/hierarchy1"/>
+    <dgm:cxn modelId="{CDD12800-AB25-5F45-9ED8-02B01E561B27}" type="presParOf" srcId="{7960F522-CCF3-7544-8DC8-7E1AF12485EE}" destId="{8222776A-8F70-B14B-A2EC-272EC86CAC68}" srcOrd="1" destOrd="0" presId="urn:microsoft.com/office/officeart/2005/8/layout/hierarchy1"/>
+    <dgm:cxn modelId="{3F217B79-F25D-6A49-8E3C-B3A47A8636F2}" type="presParOf" srcId="{2728E356-B678-3040-85D7-134C0087165B}" destId="{EEDC94EB-D58A-D84E-85F8-D103FC9EC406}" srcOrd="1" destOrd="0" presId="urn:microsoft.com/office/officeart/2005/8/layout/hierarchy1"/>
+    <dgm:cxn modelId="{CDE85215-5020-AA4B-AF80-68BB3E765BB4}" type="presParOf" srcId="{EEDC94EB-D58A-D84E-85F8-D103FC9EC406}" destId="{DCE6D5CE-EDEB-4C4A-A721-5DAA5EDC4A22}" srcOrd="0" destOrd="0" presId="urn:microsoft.com/office/officeart/2005/8/layout/hierarchy1"/>
+    <dgm:cxn modelId="{0C152EBB-0469-8242-93CA-95E07F694965}" type="presParOf" srcId="{DCE6D5CE-EDEB-4C4A-A721-5DAA5EDC4A22}" destId="{C0D71808-AAD4-5547-90B8-BC7D0DA92D14}" srcOrd="0" destOrd="0" presId="urn:microsoft.com/office/officeart/2005/8/layout/hierarchy1"/>
+    <dgm:cxn modelId="{3FBDA639-FAAE-8C4F-AA89-60DC57CE2545}" type="presParOf" srcId="{DCE6D5CE-EDEB-4C4A-A721-5DAA5EDC4A22}" destId="{4EC5F8C0-8AD3-FF4B-BCCE-78BBAB72788E}" srcOrd="1" destOrd="0" presId="urn:microsoft.com/office/officeart/2005/8/layout/hierarchy1"/>
+    <dgm:cxn modelId="{257BF35C-ABE8-9B47-AD6C-72E06758DD62}" type="presParOf" srcId="{EEDC94EB-D58A-D84E-85F8-D103FC9EC406}" destId="{DD801171-FA43-494E-9561-05D3D6781C99}" srcOrd="1" destOrd="0" presId="urn:microsoft.com/office/officeart/2005/8/layout/hierarchy1"/>
+    <dgm:cxn modelId="{D96D2368-BC3B-A848-894E-B5CE9A73B91F}" type="presParOf" srcId="{2728E356-B678-3040-85D7-134C0087165B}" destId="{07D0E6FF-363C-6E48-8723-616B648F1013}" srcOrd="2" destOrd="0" presId="urn:microsoft.com/office/officeart/2005/8/layout/hierarchy1"/>
+    <dgm:cxn modelId="{1ED16D01-DA50-AB46-AC48-60FF20BAE065}" type="presParOf" srcId="{07D0E6FF-363C-6E48-8723-616B648F1013}" destId="{3333DC7A-1B73-FF4B-A8E8-711C82B41274}" srcOrd="0" destOrd="0" presId="urn:microsoft.com/office/officeart/2005/8/layout/hierarchy1"/>
+    <dgm:cxn modelId="{F4954C66-5719-E249-BAA2-9EDA2C95CDEB}" type="presParOf" srcId="{3333DC7A-1B73-FF4B-A8E8-711C82B41274}" destId="{B727042B-1D33-0449-936D-D2B86DD5E0B5}" srcOrd="0" destOrd="0" presId="urn:microsoft.com/office/officeart/2005/8/layout/hierarchy1"/>
+    <dgm:cxn modelId="{0E372D22-DEE0-5246-8380-8B955CA6610B}" type="presParOf" srcId="{3333DC7A-1B73-FF4B-A8E8-711C82B41274}" destId="{E0612919-51D7-6747-8A10-43B57FA31D35}" srcOrd="1" destOrd="0" presId="urn:microsoft.com/office/officeart/2005/8/layout/hierarchy1"/>
+    <dgm:cxn modelId="{452BC396-79F0-204B-8747-A9F83BC6E76C}" type="presParOf" srcId="{07D0E6FF-363C-6E48-8723-616B648F1013}" destId="{C5C198C4-C6B5-0C48-899A-04DC17D15682}" srcOrd="1" destOrd="0" presId="urn:microsoft.com/office/officeart/2005/8/layout/hierarchy1"/>
+  </dgm:cxnLst>
+  <dgm:bg/>
+  <dgm:whole/>
+  <dgm:extLst>
+    <a:ext uri="http://schemas.microsoft.com/office/drawing/2008/diagram">
+      <dsp:dataModelExt xmlns:dsp="http://schemas.microsoft.com/office/drawing/2008/diagram" relId="rId6" minVer="http://schemas.openxmlformats.org/drawingml/2006/diagram"/>
+    </a:ext>
+  </dgm:extLst>
+</dgm:dataModel>
+</file>
+
+<file path=ppt/diagrams/drawing1.xml><?xml version="1.0" encoding="utf-8"?>
+<dsp:drawing xmlns:dgm="http://schemas.openxmlformats.org/drawingml/2006/diagram" xmlns:dsp="http://schemas.microsoft.com/office/drawing/2008/diagram" xmlns:a="http://schemas.openxmlformats.org/drawingml/2006/main">
+  <dsp:spTree>
+    <dsp:nvGrpSpPr>
+      <dsp:cNvPr id="0" name=""/>
+      <dsp:cNvGrpSpPr/>
+    </dsp:nvGrpSpPr>
+    <dsp:grpSpPr/>
+    <dsp:sp modelId="{1C9D45C2-09BB-6A4B-890F-A402658E2AA9}">
+      <dsp:nvSpPr>
+        <dsp:cNvPr id="0" name=""/>
+        <dsp:cNvSpPr/>
+      </dsp:nvSpPr>
+      <dsp:spPr>
+        <a:xfrm>
+          <a:off x="0" y="1393542"/>
+          <a:ext cx="2251038" cy="1429409"/>
+        </a:xfrm>
+        <a:prstGeom prst="roundRect">
+          <a:avLst>
+            <a:gd name="adj" fmla="val 10000"/>
+          </a:avLst>
+        </a:prstGeom>
+        <a:solidFill>
+          <a:schemeClr val="accent2">
+            <a:hueOff val="0"/>
+            <a:satOff val="0"/>
+            <a:lumOff val="0"/>
+            <a:alphaOff val="0"/>
+          </a:schemeClr>
+        </a:solidFill>
+        <a:ln w="38100" cap="flat" cmpd="sng" algn="ctr">
+          <a:solidFill>
+            <a:schemeClr val="lt1">
+              <a:hueOff val="0"/>
+              <a:satOff val="0"/>
+              <a:lumOff val="0"/>
+              <a:alphaOff val="0"/>
+            </a:schemeClr>
+          </a:solidFill>
+          <a:prstDash val="solid"/>
+        </a:ln>
+        <a:effectLst>
+          <a:outerShdw blurRad="40000" dist="20000" dir="5400000" rotWithShape="0">
+            <a:srgbClr val="000000">
+              <a:alpha val="38000"/>
+            </a:srgbClr>
+          </a:outerShdw>
+        </a:effectLst>
+      </dsp:spPr>
+      <dsp:style>
+        <a:lnRef idx="3">
+          <a:scrgbClr r="0" g="0" b="0"/>
+        </a:lnRef>
+        <a:fillRef idx="1">
+          <a:scrgbClr r="0" g="0" b="0"/>
+        </a:fillRef>
+        <a:effectRef idx="1">
+          <a:scrgbClr r="0" g="0" b="0"/>
+        </a:effectRef>
+        <a:fontRef idx="minor">
+          <a:schemeClr val="lt1"/>
+        </a:fontRef>
+      </dsp:style>
+    </dsp:sp>
+    <dsp:sp modelId="{9939C91D-FA03-F444-8095-E0C30A884A61}">
+      <dsp:nvSpPr>
+        <dsp:cNvPr id="0" name=""/>
+        <dsp:cNvSpPr/>
+      </dsp:nvSpPr>
+      <dsp:spPr>
+        <a:xfrm>
+          <a:off x="250115" y="1631151"/>
+          <a:ext cx="2251038" cy="1429409"/>
+        </a:xfrm>
+        <a:prstGeom prst="roundRect">
+          <a:avLst>
+            <a:gd name="adj" fmla="val 10000"/>
+          </a:avLst>
+        </a:prstGeom>
+        <a:solidFill>
+          <a:schemeClr val="lt1">
+            <a:alpha val="90000"/>
+            <a:hueOff val="0"/>
+            <a:satOff val="0"/>
+            <a:lumOff val="0"/>
+            <a:alphaOff val="0"/>
+          </a:schemeClr>
+        </a:solidFill>
+        <a:ln w="25400" cap="flat" cmpd="sng" algn="ctr">
+          <a:solidFill>
+            <a:schemeClr val="accent2">
+              <a:hueOff val="0"/>
+              <a:satOff val="0"/>
+              <a:lumOff val="0"/>
+              <a:alphaOff val="0"/>
+            </a:schemeClr>
+          </a:solidFill>
+          <a:prstDash val="solid"/>
+        </a:ln>
+        <a:effectLst/>
+      </dsp:spPr>
+      <dsp:style>
+        <a:lnRef idx="2">
+          <a:scrgbClr r="0" g="0" b="0"/>
+        </a:lnRef>
+        <a:fillRef idx="1">
+          <a:scrgbClr r="0" g="0" b="0"/>
+        </a:fillRef>
+        <a:effectRef idx="0">
+          <a:scrgbClr r="0" g="0" b="0"/>
+        </a:effectRef>
+        <a:fontRef idx="minor"/>
+      </dsp:style>
+      <dsp:txBody>
+        <a:bodyPr spcFirstLastPara="0" vert="horz" wrap="square" lIns="91440" tIns="91440" rIns="91440" bIns="91440" numCol="1" spcCol="1270" anchor="ctr" anchorCtr="0">
+          <a:noAutofit/>
+        </a:bodyPr>
+        <a:lstStyle/>
+        <a:p>
+          <a:pPr marL="0" lvl="0" indent="0" algn="ctr" defTabSz="1066800">
+            <a:lnSpc>
+              <a:spcPct val="90000"/>
+            </a:lnSpc>
+            <a:spcBef>
+              <a:spcPct val="0"/>
+            </a:spcBef>
+            <a:spcAft>
+              <a:spcPct val="35000"/>
+            </a:spcAft>
+            <a:buNone/>
+          </a:pPr>
+          <a:r>
+            <a:rPr lang="de-DE" sz="2400" kern="1200" dirty="0"/>
+            <a:t>Vorlesungsaal in Anlehnung an OTH Hörsaal </a:t>
+          </a:r>
+          <a:endParaRPr lang="en-US" sz="2400" kern="1200" dirty="0"/>
+        </a:p>
+      </dsp:txBody>
+      <dsp:txXfrm>
+        <a:off x="291981" y="1673017"/>
+        <a:ext cx="2167306" cy="1345677"/>
+      </dsp:txXfrm>
+    </dsp:sp>
+    <dsp:sp modelId="{C0D71808-AAD4-5547-90B8-BC7D0DA92D14}">
+      <dsp:nvSpPr>
+        <dsp:cNvPr id="0" name=""/>
+        <dsp:cNvSpPr/>
+      </dsp:nvSpPr>
+      <dsp:spPr>
+        <a:xfrm>
+          <a:off x="2751269" y="1393542"/>
+          <a:ext cx="2251038" cy="1429409"/>
+        </a:xfrm>
+        <a:prstGeom prst="roundRect">
+          <a:avLst>
+            <a:gd name="adj" fmla="val 10000"/>
+          </a:avLst>
+        </a:prstGeom>
+        <a:solidFill>
+          <a:schemeClr val="accent2">
+            <a:hueOff val="0"/>
+            <a:satOff val="0"/>
+            <a:lumOff val="0"/>
+            <a:alphaOff val="0"/>
+          </a:schemeClr>
+        </a:solidFill>
+        <a:ln w="38100" cap="flat" cmpd="sng" algn="ctr">
+          <a:solidFill>
+            <a:schemeClr val="lt1">
+              <a:hueOff val="0"/>
+              <a:satOff val="0"/>
+              <a:lumOff val="0"/>
+              <a:alphaOff val="0"/>
+            </a:schemeClr>
+          </a:solidFill>
+          <a:prstDash val="solid"/>
+        </a:ln>
+        <a:effectLst>
+          <a:outerShdw blurRad="40000" dist="20000" dir="5400000" rotWithShape="0">
+            <a:srgbClr val="000000">
+              <a:alpha val="38000"/>
+            </a:srgbClr>
+          </a:outerShdw>
+        </a:effectLst>
+      </dsp:spPr>
+      <dsp:style>
+        <a:lnRef idx="3">
+          <a:scrgbClr r="0" g="0" b="0"/>
+        </a:lnRef>
+        <a:fillRef idx="1">
+          <a:scrgbClr r="0" g="0" b="0"/>
+        </a:fillRef>
+        <a:effectRef idx="1">
+          <a:scrgbClr r="0" g="0" b="0"/>
+        </a:effectRef>
+        <a:fontRef idx="minor">
+          <a:schemeClr val="lt1"/>
+        </a:fontRef>
+      </dsp:style>
+    </dsp:sp>
+    <dsp:sp modelId="{4EC5F8C0-8AD3-FF4B-BCCE-78BBAB72788E}">
+      <dsp:nvSpPr>
+        <dsp:cNvPr id="0" name=""/>
+        <dsp:cNvSpPr/>
+      </dsp:nvSpPr>
+      <dsp:spPr>
+        <a:xfrm>
+          <a:off x="3001384" y="1631151"/>
+          <a:ext cx="2251038" cy="1429409"/>
+        </a:xfrm>
+        <a:prstGeom prst="roundRect">
+          <a:avLst>
+            <a:gd name="adj" fmla="val 10000"/>
+          </a:avLst>
+        </a:prstGeom>
+        <a:solidFill>
+          <a:schemeClr val="lt1">
+            <a:alpha val="90000"/>
+            <a:hueOff val="0"/>
+            <a:satOff val="0"/>
+            <a:lumOff val="0"/>
+            <a:alphaOff val="0"/>
+          </a:schemeClr>
+        </a:solidFill>
+        <a:ln w="25400" cap="flat" cmpd="sng" algn="ctr">
+          <a:solidFill>
+            <a:schemeClr val="accent2">
+              <a:hueOff val="0"/>
+              <a:satOff val="0"/>
+              <a:lumOff val="0"/>
+              <a:alphaOff val="0"/>
+            </a:schemeClr>
+          </a:solidFill>
+          <a:prstDash val="solid"/>
+        </a:ln>
+        <a:effectLst/>
+      </dsp:spPr>
+      <dsp:style>
+        <a:lnRef idx="2">
+          <a:scrgbClr r="0" g="0" b="0"/>
+        </a:lnRef>
+        <a:fillRef idx="1">
+          <a:scrgbClr r="0" g="0" b="0"/>
+        </a:fillRef>
+        <a:effectRef idx="0">
+          <a:scrgbClr r="0" g="0" b="0"/>
+        </a:effectRef>
+        <a:fontRef idx="minor"/>
+      </dsp:style>
+      <dsp:txBody>
+        <a:bodyPr spcFirstLastPara="0" vert="horz" wrap="square" lIns="91440" tIns="91440" rIns="91440" bIns="91440" numCol="1" spcCol="1270" anchor="ctr" anchorCtr="0">
+          <a:noAutofit/>
+        </a:bodyPr>
+        <a:lstStyle/>
+        <a:p>
+          <a:pPr marL="0" lvl="0" indent="0" algn="ctr" defTabSz="1066800">
+            <a:lnSpc>
+              <a:spcPct val="90000"/>
+            </a:lnSpc>
+            <a:spcBef>
+              <a:spcPct val="0"/>
+            </a:spcBef>
+            <a:spcAft>
+              <a:spcPct val="35000"/>
+            </a:spcAft>
+            <a:buNone/>
+          </a:pPr>
+          <a:r>
+            <a:rPr lang="de-DE" sz="2400" kern="1200"/>
+            <a:t>Futuristisches Design</a:t>
+          </a:r>
+          <a:endParaRPr lang="en-US" sz="2400" kern="1200"/>
+        </a:p>
+      </dsp:txBody>
+      <dsp:txXfrm>
+        <a:off x="3043250" y="1673017"/>
+        <a:ext cx="2167306" cy="1345677"/>
+      </dsp:txXfrm>
+    </dsp:sp>
+    <dsp:sp modelId="{B727042B-1D33-0449-936D-D2B86DD5E0B5}">
+      <dsp:nvSpPr>
+        <dsp:cNvPr id="0" name=""/>
+        <dsp:cNvSpPr/>
+      </dsp:nvSpPr>
+      <dsp:spPr>
+        <a:xfrm>
+          <a:off x="5502538" y="1393542"/>
+          <a:ext cx="2251038" cy="1429409"/>
+        </a:xfrm>
+        <a:prstGeom prst="roundRect">
+          <a:avLst>
+            <a:gd name="adj" fmla="val 10000"/>
+          </a:avLst>
+        </a:prstGeom>
+        <a:solidFill>
+          <a:schemeClr val="accent2">
+            <a:hueOff val="0"/>
+            <a:satOff val="0"/>
+            <a:lumOff val="0"/>
+            <a:alphaOff val="0"/>
+          </a:schemeClr>
+        </a:solidFill>
+        <a:ln w="38100" cap="flat" cmpd="sng" algn="ctr">
+          <a:solidFill>
+            <a:schemeClr val="lt1">
+              <a:hueOff val="0"/>
+              <a:satOff val="0"/>
+              <a:lumOff val="0"/>
+              <a:alphaOff val="0"/>
+            </a:schemeClr>
+          </a:solidFill>
+          <a:prstDash val="solid"/>
+        </a:ln>
+        <a:effectLst>
+          <a:outerShdw blurRad="40000" dist="20000" dir="5400000" rotWithShape="0">
+            <a:srgbClr val="000000">
+              <a:alpha val="38000"/>
+            </a:srgbClr>
+          </a:outerShdw>
+        </a:effectLst>
+      </dsp:spPr>
+      <dsp:style>
+        <a:lnRef idx="3">
+          <a:scrgbClr r="0" g="0" b="0"/>
+        </a:lnRef>
+        <a:fillRef idx="1">
+          <a:scrgbClr r="0" g="0" b="0"/>
+        </a:fillRef>
+        <a:effectRef idx="1">
+          <a:scrgbClr r="0" g="0" b="0"/>
+        </a:effectRef>
+        <a:fontRef idx="minor">
+          <a:schemeClr val="lt1"/>
+        </a:fontRef>
+      </dsp:style>
+    </dsp:sp>
+    <dsp:sp modelId="{E0612919-51D7-6747-8A10-43B57FA31D35}">
+      <dsp:nvSpPr>
+        <dsp:cNvPr id="0" name=""/>
+        <dsp:cNvSpPr/>
+      </dsp:nvSpPr>
+      <dsp:spPr>
+        <a:xfrm>
+          <a:off x="5752653" y="1631151"/>
+          <a:ext cx="2251038" cy="1429409"/>
+        </a:xfrm>
+        <a:prstGeom prst="roundRect">
+          <a:avLst>
+            <a:gd name="adj" fmla="val 10000"/>
+          </a:avLst>
+        </a:prstGeom>
+        <a:solidFill>
+          <a:schemeClr val="lt1">
+            <a:alpha val="90000"/>
+            <a:hueOff val="0"/>
+            <a:satOff val="0"/>
+            <a:lumOff val="0"/>
+            <a:alphaOff val="0"/>
+          </a:schemeClr>
+        </a:solidFill>
+        <a:ln w="25400" cap="flat" cmpd="sng" algn="ctr">
+          <a:solidFill>
+            <a:schemeClr val="accent2">
+              <a:hueOff val="0"/>
+              <a:satOff val="0"/>
+              <a:lumOff val="0"/>
+              <a:alphaOff val="0"/>
+            </a:schemeClr>
+          </a:solidFill>
+          <a:prstDash val="solid"/>
+        </a:ln>
+        <a:effectLst/>
+      </dsp:spPr>
+      <dsp:style>
+        <a:lnRef idx="2">
+          <a:scrgbClr r="0" g="0" b="0"/>
+        </a:lnRef>
+        <a:fillRef idx="1">
+          <a:scrgbClr r="0" g="0" b="0"/>
+        </a:fillRef>
+        <a:effectRef idx="0">
+          <a:scrgbClr r="0" g="0" b="0"/>
+        </a:effectRef>
+        <a:fontRef idx="minor"/>
+      </dsp:style>
+      <dsp:txBody>
+        <a:bodyPr spcFirstLastPara="0" vert="horz" wrap="square" lIns="91440" tIns="91440" rIns="91440" bIns="91440" numCol="1" spcCol="1270" anchor="ctr" anchorCtr="0">
+          <a:noAutofit/>
+        </a:bodyPr>
+        <a:lstStyle/>
+        <a:p>
+          <a:pPr marL="0" lvl="0" indent="0" algn="ctr" defTabSz="1066800">
+            <a:lnSpc>
+              <a:spcPct val="90000"/>
+            </a:lnSpc>
+            <a:spcBef>
+              <a:spcPct val="0"/>
+            </a:spcBef>
+            <a:spcAft>
+              <a:spcPct val="35000"/>
+            </a:spcAft>
+            <a:buNone/>
+          </a:pPr>
+          <a:r>
+            <a:rPr lang="de-DE" sz="2400" kern="1200" dirty="0"/>
+            <a:t>Einfache geometrische Formen</a:t>
+          </a:r>
+          <a:endParaRPr lang="en-US" sz="2400" kern="1200" dirty="0"/>
+        </a:p>
+      </dsp:txBody>
+      <dsp:txXfrm>
+        <a:off x="5794519" y="1673017"/>
+        <a:ext cx="2167306" cy="1345677"/>
+      </dsp:txXfrm>
+    </dsp:sp>
+  </dsp:spTree>
+</dsp:drawing>
+</file>
+
+<file path=ppt/diagrams/layout1.xml><?xml version="1.0" encoding="utf-8"?>
+<dgm:layoutDef xmlns:dgm="http://schemas.openxmlformats.org/drawingml/2006/diagram" xmlns:a="http://schemas.openxmlformats.org/drawingml/2006/main" uniqueId="urn:microsoft.com/office/officeart/2005/8/layout/hierarchy1">
+  <dgm:title val=""/>
+  <dgm:desc val=""/>
+  <dgm:catLst>
+    <dgm:cat type="hierarchy" pri="2000"/>
+  </dgm:catLst>
+  <dgm:sampData>
+    <dgm:dataModel>
+      <dgm:ptLst>
+        <dgm:pt modelId="0" type="doc"/>
+        <dgm:pt modelId="1">
+          <dgm:prSet phldr="1"/>
+        </dgm:pt>
+        <dgm:pt modelId="2">
+          <dgm:prSet phldr="1"/>
+        </dgm:pt>
+        <dgm:pt modelId="21">
+          <dgm:prSet phldr="1"/>
+        </dgm:pt>
+        <dgm:pt modelId="22">
+          <dgm:prSet phldr="1"/>
+        </dgm:pt>
+        <dgm:pt modelId="3">
+          <dgm:prSet phldr="1"/>
+        </dgm:pt>
+        <dgm:pt modelId="31">
+          <dgm:prSet phldr="1"/>
+        </dgm:pt>
+      </dgm:ptLst>
+      <dgm:cxnLst>
+        <dgm:cxn modelId="4" srcId="0" destId="1" srcOrd="0" destOrd="0"/>
+        <dgm:cxn modelId="5" srcId="1" destId="2" srcOrd="0" destOrd="0"/>
+        <dgm:cxn modelId="6" srcId="1" destId="3" srcOrd="1" destOrd="0"/>
+        <dgm:cxn modelId="23" srcId="2" destId="21" srcOrd="0" destOrd="0"/>
+        <dgm:cxn modelId="24" srcId="2" destId="22" srcOrd="1" destOrd="0"/>
+        <dgm:cxn modelId="33" srcId="3" destId="31" srcOrd="0" destOrd="0"/>
+      </dgm:cxnLst>
+      <dgm:bg/>
+      <dgm:whole/>
+    </dgm:dataModel>
+  </dgm:sampData>
+  <dgm:styleData>
+    <dgm:dataModel>
+      <dgm:ptLst>
+        <dgm:pt modelId="0" type="doc"/>
+        <dgm:pt modelId="1"/>
+        <dgm:pt modelId="11"/>
+        <dgm:pt modelId="12"/>
+      </dgm:ptLst>
+      <dgm:cxnLst>
+        <dgm:cxn modelId="2" srcId="0" destId="1" srcOrd="0" destOrd="0"/>
+        <dgm:cxn modelId="13" srcId="1" destId="11" srcOrd="0" destOrd="0"/>
+        <dgm:cxn modelId="14" srcId="1" destId="12" srcOrd="1" destOrd="0"/>
+      </dgm:cxnLst>
+      <dgm:bg/>
+      <dgm:whole/>
+    </dgm:dataModel>
+  </dgm:styleData>
+  <dgm:clrData>
+    <dgm:dataModel>
+      <dgm:ptLst>
+        <dgm:pt modelId="0" type="doc"/>
+        <dgm:pt modelId="1"/>
+        <dgm:pt modelId="2"/>
+        <dgm:pt modelId="21"/>
+        <dgm:pt modelId="211"/>
+        <dgm:pt modelId="3"/>
+        <dgm:pt modelId="31"/>
+        <dgm:pt modelId="311"/>
+      </dgm:ptLst>
+      <dgm:cxnLst>
+        <dgm:cxn modelId="4" srcId="0" destId="1" srcOrd="0" destOrd="0"/>
+        <dgm:cxn modelId="5" srcId="1" destId="2" srcOrd="0" destOrd="0"/>
+        <dgm:cxn modelId="6" srcId="1" destId="3" srcOrd="1" destOrd="0"/>
+        <dgm:cxn modelId="23" srcId="2" destId="21" srcOrd="0" destOrd="0"/>
+        <dgm:cxn modelId="24" srcId="21" destId="211" srcOrd="0" destOrd="0"/>
+        <dgm:cxn modelId="33" srcId="3" destId="31" srcOrd="0" destOrd="0"/>
+        <dgm:cxn modelId="34" srcId="31" destId="311" srcOrd="0" destOrd="0"/>
+      </dgm:cxnLst>
+      <dgm:bg/>
+      <dgm:whole/>
+    </dgm:dataModel>
+  </dgm:clrData>
+  <dgm:layoutNode name="hierChild1">
+    <dgm:varLst>
+      <dgm:chPref val="1"/>
+      <dgm:dir/>
+      <dgm:animOne val="branch"/>
+      <dgm:animLvl val="lvl"/>
+      <dgm:resizeHandles/>
+    </dgm:varLst>
+    <dgm:choose name="Name0">
+      <dgm:if name="Name1" func="var" arg="dir" op="equ" val="norm">
+        <dgm:alg type="hierChild">
+          <dgm:param type="linDir" val="fromL"/>
+        </dgm:alg>
+      </dgm:if>
+      <dgm:else name="Name2">
+        <dgm:alg type="hierChild">
+          <dgm:param type="linDir" val="fromR"/>
+        </dgm:alg>
+      </dgm:else>
+    </dgm:choose>
+    <dgm:shape xmlns:r="http://schemas.openxmlformats.org/officeDocument/2006/relationships" r:blip="">
+      <dgm:adjLst/>
+    </dgm:shape>
+    <dgm:presOf/>
+    <dgm:constrLst>
+      <dgm:constr type="primFontSz" for="des" ptType="node" op="equ" val="65"/>
+      <dgm:constr type="w" for="des" forName="composite" refType="w"/>
+      <dgm:constr type="h" for="des" forName="composite" refType="w" refFor="des" refForName="composite" fact="0.667"/>
+      <dgm:constr type="w" for="des" forName="composite2" refType="w" refFor="des" refForName="composite"/>
+      <dgm:constr type="h" for="des" forName="composite2" refType="h" refFor="des" refForName="composite"/>
+      <dgm:constr type="w" for="des" forName="composite3" refType="w" refFor="des" refForName="composite"/>
+      <dgm:constr type="h" for="des" forName="composite3" refType="h" refFor="des" refForName="composite"/>
+      <dgm:constr type="w" for="des" forName="composite4" refType="w" refFor="des" refForName="composite"/>
+      <dgm:constr type="h" for="des" forName="composite4" refType="h" refFor="des" refForName="composite"/>
+      <dgm:constr type="w" for="des" forName="composite5" refType="w" refFor="des" refForName="composite"/>
+      <dgm:constr type="h" for="des" forName="composite5" refType="h" refFor="des" refForName="composite"/>
+      <dgm:constr type="sibSp" refType="w" refFor="des" refForName="composite" fact="0.1"/>
+      <dgm:constr type="sibSp" for="des" forName="hierChild2" refType="sibSp"/>
+      <dgm:constr type="sibSp" for="des" forName="hierChild3" refType="sibSp"/>
+      <dgm:constr type="sibSp" for="des" forName="hierChild4" refType="sibSp"/>
+      <dgm:constr type="sibSp" for="des" forName="hierChild5" refType="sibSp"/>
+      <dgm:constr type="sibSp" for="des" forName="hierChild6" refType="sibSp"/>
+      <dgm:constr type="sp" for="des" forName="hierRoot1" refType="h" refFor="des" refForName="composite" fact="0.25"/>
+      <dgm:constr type="sp" for="des" forName="hierRoot2" refType="sp" refFor="des" refForName="hierRoot1"/>
+      <dgm:constr type="sp" for="des" forName="hierRoot3" refType="sp" refFor="des" refForName="hierRoot1"/>
+      <dgm:constr type="sp" for="des" forName="hierRoot4" refType="sp" refFor="des" refForName="hierRoot1"/>
+      <dgm:constr type="sp" for="des" forName="hierRoot5" refType="sp" refFor="des" refForName="hierRoot1"/>
+    </dgm:constrLst>
+    <dgm:ruleLst/>
+    <dgm:forEach name="Name3" axis="ch">
+      <dgm:forEach name="Name4" axis="self" ptType="node">
+        <dgm:layoutNode name="hierRoot1">
+          <dgm:alg type="hierRoot"/>
+          <dgm:shape xmlns:r="http://schemas.openxmlformats.org/officeDocument/2006/relationships" r:blip="">
+            <dgm:adjLst/>
+          </dgm:shape>
+          <dgm:presOf/>
+          <dgm:constrLst>
+            <dgm:constr type="bendDist" for="des" ptType="parTrans" refType="sp" fact="0.5"/>
+          </dgm:constrLst>
+          <dgm:ruleLst/>
+          <dgm:layoutNode name="composite">
+            <dgm:alg type="composite"/>
+            <dgm:shape xmlns:r="http://schemas.openxmlformats.org/officeDocument/2006/relationships" r:blip="">
+              <dgm:adjLst/>
+            </dgm:shape>
+            <dgm:presOf/>
+            <dgm:constrLst>
+              <dgm:constr type="w" for="ch" forName="background" refType="w" fact="0.9"/>
+              <dgm:constr type="h" for="ch" forName="background" refType="w" refFor="ch" refForName="background" fact="0.635"/>
+              <dgm:constr type="t" for="ch" forName="background"/>
+              <dgm:constr type="l" for="ch" forName="background"/>
+              <dgm:constr type="w" for="ch" forName="text" refType="w" fact="0.9"/>
+              <dgm:constr type="h" for="ch" forName="text" refType="w" refFor="ch" refForName="text" fact="0.635"/>
+              <dgm:constr type="t" for="ch" forName="text" refType="w" fact="0.095"/>
+              <dgm:constr type="l" for="ch" forName="text" refType="w" fact="0.1"/>
+            </dgm:constrLst>
+            <dgm:ruleLst/>
+            <dgm:layoutNode name="background" styleLbl="node0" moveWith="text">
+              <dgm:alg type="sp"/>
+              <dgm:shape xmlns:r="http://schemas.openxmlformats.org/officeDocument/2006/relationships" type="roundRect" r:blip="">
+                <dgm:adjLst>
+                  <dgm:adj idx="1" val="0.1"/>
+                </dgm:adjLst>
+              </dgm:shape>
+              <dgm:presOf/>
+              <dgm:constrLst/>
+              <dgm:ruleLst/>
+            </dgm:layoutNode>
+            <dgm:layoutNode name="text" styleLbl="fgAcc0">
+              <dgm:varLst>
+                <dgm:chPref val="3"/>
+              </dgm:varLst>
+              <dgm:alg type="tx"/>
+              <dgm:shape xmlns:r="http://schemas.openxmlformats.org/officeDocument/2006/relationships" type="roundRect" r:blip="">
+                <dgm:adjLst>
+                  <dgm:adj idx="1" val="0.1"/>
+                </dgm:adjLst>
+              </dgm:shape>
+              <dgm:presOf axis="self"/>
+              <dgm:constrLst>
+                <dgm:constr type="tMarg" refType="primFontSz" fact="0.3"/>
+                <dgm:constr type="bMarg" refType="primFontSz" fact="0.3"/>
+                <dgm:constr type="lMarg" refType="primFontSz" fact="0.3"/>
+                <dgm:constr type="rMarg" refType="primFontSz" fact="0.3"/>
+              </dgm:constrLst>
+              <dgm:ruleLst>
+                <dgm:rule type="primFontSz" val="5" fact="NaN" max="NaN"/>
+              </dgm:ruleLst>
+            </dgm:layoutNode>
+          </dgm:layoutNode>
+          <dgm:layoutNode name="hierChild2">
+            <dgm:choose name="Name5">
+              <dgm:if name="Name6" func="var" arg="dir" op="equ" val="norm">
+                <dgm:alg type="hierChild">
+                  <dgm:param type="linDir" val="fromL"/>
+                </dgm:alg>
+              </dgm:if>
+              <dgm:else name="Name7">
+                <dgm:alg type="hierChild">
+                  <dgm:param type="linDir" val="fromR"/>
+                </dgm:alg>
+              </dgm:else>
+            </dgm:choose>
+            <dgm:shape xmlns:r="http://schemas.openxmlformats.org/officeDocument/2006/relationships" r:blip="">
+              <dgm:adjLst/>
+            </dgm:shape>
+            <dgm:presOf/>
+            <dgm:constrLst/>
+            <dgm:ruleLst/>
+            <dgm:forEach name="Name8" axis="ch">
+              <dgm:forEach name="Name9" axis="self" ptType="parTrans" cnt="1">
+                <dgm:layoutNode name="Name10">
+                  <dgm:alg type="conn">
+                    <dgm:param type="dim" val="1D"/>
+                    <dgm:param type="endSty" val="noArr"/>
+                    <dgm:param type="connRout" val="bend"/>
+                    <dgm:param type="bendPt" val="end"/>
+                    <dgm:param type="begPts" val="bCtr"/>
+                    <dgm:param type="endPts" val="tCtr"/>
+                    <dgm:param type="srcNode" val="background"/>
+                    <dgm:param type="dstNode" val="background2"/>
+                  </dgm:alg>
+                  <dgm:shape xmlns:r="http://schemas.openxmlformats.org/officeDocument/2006/relationships" type="conn" r:blip="" zOrderOff="-999">
+                    <dgm:adjLst/>
+                  </dgm:shape>
+                  <dgm:presOf axis="self"/>
+                  <dgm:constrLst>
+                    <dgm:constr type="begPad"/>
+                    <dgm:constr type="endPad"/>
+                  </dgm:constrLst>
+                  <dgm:ruleLst/>
+                </dgm:layoutNode>
+              </dgm:forEach>
+              <dgm:forEach name="Name11" axis="self" ptType="node">
+                <dgm:layoutNode name="hierRoot2">
+                  <dgm:alg type="hierRoot"/>
+                  <dgm:shape xmlns:r="http://schemas.openxmlformats.org/officeDocument/2006/relationships" r:blip="">
+                    <dgm:adjLst/>
+                  </dgm:shape>
+                  <dgm:presOf/>
+                  <dgm:constrLst>
+                    <dgm:constr type="bendDist" for="des" ptType="parTrans" refType="sp" fact="0.5"/>
+                  </dgm:constrLst>
+                  <dgm:ruleLst/>
+                  <dgm:layoutNode name="composite2">
+                    <dgm:alg type="composite"/>
+                    <dgm:shape xmlns:r="http://schemas.openxmlformats.org/officeDocument/2006/relationships" r:blip="">
+                      <dgm:adjLst/>
+                    </dgm:shape>
+                    <dgm:presOf/>
+                    <dgm:constrLst>
+                      <dgm:constr type="w" for="ch" forName="background2" refType="w" fact="0.9"/>
+                      <dgm:constr type="h" for="ch" forName="background2" refType="w" refFor="ch" refForName="background2" fact="0.635"/>
+                      <dgm:constr type="t" for="ch" forName="background2"/>
+                      <dgm:constr type="l" for="ch" forName="background2"/>
+                      <dgm:constr type="w" for="ch" forName="text2" refType="w" fact="0.9"/>
+                      <dgm:constr type="h" for="ch" forName="text2" refType="w" refFor="ch" refForName="text2" fact="0.635"/>
+                      <dgm:constr type="t" for="ch" forName="text2" refType="w" fact="0.095"/>
+                      <dgm:constr type="l" for="ch" forName="text2" refType="w" fact="0.1"/>
+                    </dgm:constrLst>
+                    <dgm:ruleLst/>
+                    <dgm:layoutNode name="background2" moveWith="text2">
+                      <dgm:alg type="sp"/>
+                      <dgm:shape xmlns:r="http://schemas.openxmlformats.org/officeDocument/2006/relationships" type="roundRect" r:blip="">
+                        <dgm:adjLst>
+                          <dgm:adj idx="1" val="0.1"/>
+                        </dgm:adjLst>
+                      </dgm:shape>
+                      <dgm:presOf/>
+                      <dgm:constrLst/>
+                      <dgm:ruleLst/>
+                    </dgm:layoutNode>
+                    <dgm:layoutNode name="text2" styleLbl="fgAcc2">
+                      <dgm:varLst>
+                        <dgm:chPref val="3"/>
+                      </dgm:varLst>
+                      <dgm:alg type="tx"/>
+                      <dgm:shape xmlns:r="http://schemas.openxmlformats.org/officeDocument/2006/relationships" type="roundRect" r:blip="">
+                        <dgm:adjLst>
+                          <dgm:adj idx="1" val="0.1"/>
+                        </dgm:adjLst>
+                      </dgm:shape>
+                      <dgm:presOf axis="self"/>
+                      <dgm:constrLst>
+                        <dgm:constr type="tMarg" refType="primFontSz" fact="0.3"/>
+                        <dgm:constr type="bMarg" refType="primFontSz" fact="0.3"/>
+                        <dgm:constr type="lMarg" refType="primFontSz" fact="0.3"/>
+                        <dgm:constr type="rMarg" refType="primFontSz" fact="0.3"/>
+                      </dgm:constrLst>
+                      <dgm:ruleLst>
+                        <dgm:rule type="primFontSz" val="5" fact="NaN" max="NaN"/>
+                      </dgm:ruleLst>
+                    </dgm:layoutNode>
+                  </dgm:layoutNode>
+                  <dgm:layoutNode name="hierChild3">
+                    <dgm:choose name="Name12">
+                      <dgm:if name="Name13" func="var" arg="dir" op="equ" val="norm">
+                        <dgm:alg type="hierChild">
+                          <dgm:param type="linDir" val="fromL"/>
+                        </dgm:alg>
+                      </dgm:if>
+                      <dgm:else name="Name14">
+                        <dgm:alg type="hierChild">
+                          <dgm:param type="linDir" val="fromR"/>
+                        </dgm:alg>
+                      </dgm:else>
+                    </dgm:choose>
+                    <dgm:shape xmlns:r="http://schemas.openxmlformats.org/officeDocument/2006/relationships" r:blip="">
+                      <dgm:adjLst/>
+                    </dgm:shape>
+                    <dgm:presOf/>
+                    <dgm:constrLst/>
+                    <dgm:ruleLst/>
+                    <dgm:forEach name="Name15" axis="ch">
+                      <dgm:forEach name="Name16" axis="self" ptType="parTrans" cnt="1">
+                        <dgm:layoutNode name="Name17">
+                          <dgm:alg type="conn">
+                            <dgm:param type="dim" val="1D"/>
+                            <dgm:param type="endSty" val="noArr"/>
+                            <dgm:param type="connRout" val="bend"/>
+                            <dgm:param type="bendPt" val="end"/>
+                            <dgm:param type="begPts" val="bCtr"/>
+                            <dgm:param type="endPts" val="tCtr"/>
+                            <dgm:param type="srcNode" val="background2"/>
+                            <dgm:param type="dstNode" val="background3"/>
+                          </dgm:alg>
+                          <dgm:shape xmlns:r="http://schemas.openxmlformats.org/officeDocument/2006/relationships" type="conn" r:blip="" zOrderOff="-999">
+                            <dgm:adjLst/>
+                          </dgm:shape>
+                          <dgm:presOf axis="self"/>
+                          <dgm:constrLst>
+                            <dgm:constr type="begPad"/>
+                            <dgm:constr type="endPad"/>
+                          </dgm:constrLst>
+                          <dgm:ruleLst/>
+                        </dgm:layoutNode>
+                      </dgm:forEach>
+                      <dgm:forEach name="Name18" axis="self" ptType="node">
+                        <dgm:layoutNode name="hierRoot3">
+                          <dgm:alg type="hierRoot"/>
+                          <dgm:shape xmlns:r="http://schemas.openxmlformats.org/officeDocument/2006/relationships" r:blip="">
+                            <dgm:adjLst/>
+                          </dgm:shape>
+                          <dgm:presOf/>
+                          <dgm:constrLst>
+                            <dgm:constr type="bendDist" for="des" ptType="parTrans" refType="sp" fact="0.5"/>
+                          </dgm:constrLst>
+                          <dgm:ruleLst/>
+                          <dgm:layoutNode name="composite3">
+                            <dgm:alg type="composite"/>
+                            <dgm:shape xmlns:r="http://schemas.openxmlformats.org/officeDocument/2006/relationships" r:blip="">
+                              <dgm:adjLst/>
+                            </dgm:shape>
+                            <dgm:presOf/>
+                            <dgm:constrLst>
+                              <dgm:constr type="w" for="ch" forName="background3" refType="w" fact="0.9"/>
+                              <dgm:constr type="h" for="ch" forName="background3" refType="w" refFor="ch" refForName="background3" fact="0.635"/>
+                              <dgm:constr type="t" for="ch" forName="background3"/>
+                              <dgm:constr type="l" for="ch" forName="background3"/>
+                              <dgm:constr type="w" for="ch" forName="text3" refType="w" fact="0.9"/>
+                              <dgm:constr type="h" for="ch" forName="text3" refType="w" refFor="ch" refForName="text3" fact="0.635"/>
+                              <dgm:constr type="t" for="ch" forName="text3" refType="w" fact="0.095"/>
+                              <dgm:constr type="l" for="ch" forName="text3" refType="w" fact="0.1"/>
+                            </dgm:constrLst>
+                            <dgm:ruleLst/>
+                            <dgm:layoutNode name="background3" moveWith="text3">
+                              <dgm:alg type="sp"/>
+                              <dgm:shape xmlns:r="http://schemas.openxmlformats.org/officeDocument/2006/relationships" type="roundRect" r:blip="">
+                                <dgm:adjLst>
+                                  <dgm:adj idx="1" val="0.1"/>
+                                </dgm:adjLst>
+                              </dgm:shape>
+                              <dgm:presOf/>
+                              <dgm:constrLst/>
+                              <dgm:ruleLst/>
+                            </dgm:layoutNode>
+                            <dgm:layoutNode name="text3" styleLbl="fgAcc3">
+                              <dgm:varLst>
+                                <dgm:chPref val="3"/>
+                              </dgm:varLst>
+                              <dgm:alg type="tx"/>
+                              <dgm:shape xmlns:r="http://schemas.openxmlformats.org/officeDocument/2006/relationships" type="roundRect" r:blip="">
+                                <dgm:adjLst>
+                                  <dgm:adj idx="1" val="0.1"/>
+                                </dgm:adjLst>
+                              </dgm:shape>
+                              <dgm:presOf axis="self"/>
+                              <dgm:constrLst>
+                                <dgm:constr type="tMarg" refType="primFontSz" fact="0.3"/>
+                                <dgm:constr type="bMarg" refType="primFontSz" fact="0.3"/>
+                                <dgm:constr type="lMarg" refType="primFontSz" fact="0.3"/>
+                                <dgm:constr type="rMarg" refType="primFontSz" fact="0.3"/>
+                              </dgm:constrLst>
+                              <dgm:ruleLst>
+                                <dgm:rule type="primFontSz" val="5" fact="NaN" max="NaN"/>
+                              </dgm:ruleLst>
+                            </dgm:layoutNode>
+                          </dgm:layoutNode>
+                          <dgm:layoutNode name="hierChild4">
+                            <dgm:choose name="Name19">
+                              <dgm:if name="Name20" func="var" arg="dir" op="equ" val="norm">
+                                <dgm:alg type="hierChild">
+                                  <dgm:param type="linDir" val="fromL"/>
+                                </dgm:alg>
+                              </dgm:if>
+                              <dgm:else name="Name21">
+                                <dgm:alg type="hierChild">
+                                  <dgm:param type="linDir" val="fromR"/>
+                                </dgm:alg>
+                              </dgm:else>
+                            </dgm:choose>
+                            <dgm:shape xmlns:r="http://schemas.openxmlformats.org/officeDocument/2006/relationships" r:blip="">
+                              <dgm:adjLst/>
+                            </dgm:shape>
+                            <dgm:presOf/>
+                            <dgm:constrLst/>
+                            <dgm:ruleLst/>
+                            <dgm:forEach name="repeat" axis="ch">
+                              <dgm:forEach name="Name22" axis="self" ptType="parTrans" cnt="1">
+                                <dgm:layoutNode name="Name23">
+                                  <dgm:choose name="Name24">
+                                    <dgm:if name="Name25" axis="self" func="depth" op="lte" val="4">
+                                      <dgm:alg type="conn">
+                                        <dgm:param type="dim" val="1D"/>
+                                        <dgm:param type="endSty" val="noArr"/>
+                                        <dgm:param type="connRout" val="bend"/>
+                                        <dgm:param type="bendPt" val="end"/>
+                                        <dgm:param type="begPts" val="bCtr"/>
+                                        <dgm:param type="endPts" val="tCtr"/>
+                                        <dgm:param type="srcNode" val="background3"/>
+                                        <dgm:param type="dstNode" val="background4"/>
+                                      </dgm:alg>
+                                    </dgm:if>
+                                    <dgm:else name="Name26">
+                                      <dgm:alg type="conn">
+                                        <dgm:param type="dim" val="1D"/>
+                                        <dgm:param type="endSty" val="noArr"/>
+                                        <dgm:param type="connRout" val="bend"/>
+                                        <dgm:param type="bendPt" val="end"/>
+                                        <dgm:param type="begPts" val="bCtr"/>
+                                        <dgm:param type="endPts" val="tCtr"/>
+                                        <dgm:param type="srcNode" val="background4"/>
+                                        <dgm:param type="dstNode" val="background4"/>
+                                      </dgm:alg>
+                                    </dgm:else>
+                                  </dgm:choose>
+                                  <dgm:shape xmlns:r="http://schemas.openxmlformats.org/officeDocument/2006/relationships" type="conn" r:blip="" zOrderOff="-999">
+                                    <dgm:adjLst/>
+                                  </dgm:shape>
+                                  <dgm:presOf axis="self"/>
+                                  <dgm:constrLst>
+                                    <dgm:constr type="begPad"/>
+                                    <dgm:constr type="endPad"/>
+                                  </dgm:constrLst>
+                                  <dgm:ruleLst/>
+                                </dgm:layoutNode>
+                              </dgm:forEach>
+                              <dgm:forEach name="Name27" axis="self" ptType="node">
+                                <dgm:layoutNode name="hierRoot4">
+                                  <dgm:alg type="hierRoot"/>
+                                  <dgm:shape xmlns:r="http://schemas.openxmlformats.org/officeDocument/2006/relationships" r:blip="">
+                                    <dgm:adjLst/>
+                                  </dgm:shape>
+                                  <dgm:presOf/>
+                                  <dgm:constrLst>
+                                    <dgm:constr type="bendDist" for="des" ptType="parTrans" refType="sp" fact="0.5"/>
+                                  </dgm:constrLst>
+                                  <dgm:ruleLst/>
+                                  <dgm:layoutNode name="composite4">
+                                    <dgm:alg type="composite"/>
+                                    <dgm:shape xmlns:r="http://schemas.openxmlformats.org/officeDocument/2006/relationships" r:blip="">
+                                      <dgm:adjLst/>
+                                    </dgm:shape>
+                                    <dgm:presOf/>
+                                    <dgm:constrLst>
+                                      <dgm:constr type="w" for="ch" forName="background4" refType="w" fact="0.9"/>
+                                      <dgm:constr type="h" for="ch" forName="background4" refType="w" refFor="ch" refForName="background4" fact="0.635"/>
+                                      <dgm:constr type="t" for="ch" forName="background4"/>
+                                      <dgm:constr type="l" for="ch" forName="background4"/>
+                                      <dgm:constr type="w" for="ch" forName="text4" refType="w" fact="0.9"/>
+                                      <dgm:constr type="h" for="ch" forName="text4" refType="w" refFor="ch" refForName="text4" fact="0.635"/>
+                                      <dgm:constr type="t" for="ch" forName="text4" refType="w" fact="0.095"/>
+                                      <dgm:constr type="l" for="ch" forName="text4" refType="w" fact="0.1"/>
+                                    </dgm:constrLst>
+                                    <dgm:ruleLst/>
+                                    <dgm:layoutNode name="background4" moveWith="text4">
+                                      <dgm:alg type="sp"/>
+                                      <dgm:shape xmlns:r="http://schemas.openxmlformats.org/officeDocument/2006/relationships" type="roundRect" r:blip="">
+                                        <dgm:adjLst>
+                                          <dgm:adj idx="1" val="0.1"/>
+                                        </dgm:adjLst>
+                                      </dgm:shape>
+                                      <dgm:presOf/>
+                                      <dgm:constrLst/>
+                                      <dgm:ruleLst/>
+                                    </dgm:layoutNode>
+                                    <dgm:layoutNode name="text4" styleLbl="fgAcc4">
+                                      <dgm:varLst>
+                                        <dgm:chPref val="3"/>
+                                      </dgm:varLst>
+                                      <dgm:alg type="tx"/>
+                                      <dgm:shape xmlns:r="http://schemas.openxmlformats.org/officeDocument/2006/relationships" type="roundRect" r:blip="">
+                                        <dgm:adjLst>
+                                          <dgm:adj idx="1" val="0.1"/>
+                                        </dgm:adjLst>
+                                      </dgm:shape>
+                                      <dgm:presOf axis="self"/>
+                                      <dgm:constrLst>
+                                        <dgm:constr type="tMarg" refType="primFontSz" fact="0.3"/>
+                                        <dgm:constr type="bMarg" refType="primFontSz" fact="0.3"/>
+                                        <dgm:constr type="lMarg" refType="primFontSz" fact="0.3"/>
+                                        <dgm:constr type="rMarg" refType="primFontSz" fact="0.3"/>
+                                      </dgm:constrLst>
+                                      <dgm:ruleLst>
+                                        <dgm:rule type="primFontSz" val="5" fact="NaN" max="NaN"/>
+                                      </dgm:ruleLst>
+                                    </dgm:layoutNode>
+                                  </dgm:layoutNode>
+                                  <dgm:layoutNode name="hierChild5">
+                                    <dgm:choose name="Name28">
+                                      <dgm:if name="Name29" func="var" arg="dir" op="equ" val="norm">
+                                        <dgm:alg type="hierChild">
+                                          <dgm:param type="linDir" val="fromL"/>
+                                        </dgm:alg>
+                                      </dgm:if>
+                                      <dgm:else name="Name30">
+                                        <dgm:alg type="hierChild">
+                                          <dgm:param type="linDir" val="fromR"/>
+                                        </dgm:alg>
+                                      </dgm:else>
+                                    </dgm:choose>
+                                    <dgm:shape xmlns:r="http://schemas.openxmlformats.org/officeDocument/2006/relationships" r:blip="">
+                                      <dgm:adjLst/>
+                                    </dgm:shape>
+                                    <dgm:presOf/>
+                                    <dgm:constrLst/>
+                                    <dgm:ruleLst/>
+                                    <dgm:forEach name="Name31" ref="repeat"/>
+                                  </dgm:layoutNode>
+                                </dgm:layoutNode>
+                              </dgm:forEach>
+                            </dgm:forEach>
+                          </dgm:layoutNode>
+                        </dgm:layoutNode>
+                      </dgm:forEach>
+                    </dgm:forEach>
+                  </dgm:layoutNode>
+                </dgm:layoutNode>
+              </dgm:forEach>
+            </dgm:forEach>
+          </dgm:layoutNode>
+        </dgm:layoutNode>
+      </dgm:forEach>
+    </dgm:forEach>
+  </dgm:layoutNode>
+</dgm:layoutDef>
+</file>
+
+<file path=ppt/diagrams/quickStyle1.xml><?xml version="1.0" encoding="utf-8"?>
+<dgm:styleDef xmlns:dgm="http://schemas.openxmlformats.org/drawingml/2006/diagram" xmlns:a="http://schemas.openxmlformats.org/drawingml/2006/main" uniqueId="urn:microsoft.com/office/officeart/2005/8/quickstyle/simple2">
+  <dgm:title val=""/>
+  <dgm:desc val=""/>
+  <dgm:catLst>
+    <dgm:cat type="simple" pri="10200"/>
+  </dgm:catLst>
+  <dgm:scene3d>
+    <a:camera prst="orthographicFront"/>
+    <a:lightRig rig="threePt" dir="t"/>
+  </dgm:scene3d>
+  <dgm:styleLbl name="node0">
+    <dgm:scene3d>
+      <a:camera prst="orthographicFront"/>
+      <a:lightRig rig="threePt" dir="t"/>
+    </dgm:scene3d>
+    <dgm:sp3d/>
+    <dgm:txPr/>
+    <dgm:style>
+      <a:lnRef idx="3">
+        <a:scrgbClr r="0" g="0" b="0"/>
+      </a:lnRef>
+      <a:fillRef idx="1">
+        <a:scrgbClr r="0" g="0" b="0"/>
+      </a:fillRef>
+      <a:effectRef idx="1">
+        <a:scrgbClr r="0" g="0" b="0"/>
+      </a:effectRef>
+      <a:fontRef idx="minor">
+        <a:schemeClr val="lt1"/>
+      </a:fontRef>
+    </dgm:style>
+  </dgm:styleLbl>
+  <dgm:styleLbl name="lnNode1">
+    <dgm:scene3d>
+      <a:camera prst="orthographicFront"/>
+      <a:lightRig rig="threePt" dir="t"/>
+    </dgm:scene3d>
+    <dgm:sp3d/>
+    <dgm:txPr/>
+    <dgm:style>
+      <a:lnRef idx="3">
+        <a:scrgbClr r="0" g="0" b="0"/>
+      </a:lnRef>
+      <a:fillRef idx="1">
+        <a:scrgbClr r="0" g="0" b="0"/>
+      </a:fillRef>
+      <a:effectRef idx="1">
+        <a:scrgbClr r="0" g="0" b="0"/>
+      </a:effectRef>
+      <a:fontRef idx="minor">
+        <a:schemeClr val="lt1"/>
+      </a:fontRef>
+    </dgm:style>
+  </dgm:styleLbl>
+  <dgm:styleLbl name="vennNode1">
+    <dgm:scene3d>
+      <a:camera prst="orthographicFront"/>
+      <a:lightRig rig="threePt" dir="t"/>
+    </dgm:scene3d>
+    <dgm:sp3d/>
+    <dgm:txPr/>
+    <dgm:style>
+      <a:lnRef idx="3">
+        <a:scrgbClr r="0" g="0" b="0"/>
+      </a:lnRef>
+      <a:fillRef idx="1">
+        <a:scrgbClr r="0" g="0" b="0"/>
+      </a:fillRef>
+      <a:effectRef idx="0">
+        <a:scrgbClr r="0" g="0" b="0"/>
+      </a:effectRef>
+      <a:fontRef idx="minor">
+        <a:schemeClr val="tx1"/>
+      </a:fontRef>
+    </dgm:style>
+  </dgm:styleLbl>
+  <dgm:styleLbl name="alignNode1">
+    <dgm:scene3d>
+      <a:camera prst="orthographicFront"/>
+      <a:lightRig rig="threePt" dir="t"/>
+    </dgm:scene3d>
+    <dgm:sp3d/>
+    <dgm:txPr/>
+    <dgm:style>
+      <a:lnRef idx="2">
+        <a:scrgbClr r="0" g="0" b="0"/>
+      </a:lnRef>
+      <a:fillRef idx="1">
+        <a:scrgbClr r="0" g="0" b="0"/>
+      </a:fillRef>
+      <a:effectRef idx="1">
+        <a:scrgbClr r="0" g="0" b="0"/>
+      </a:effectRef>
+      <a:fontRef idx="minor">
+        <a:schemeClr val="lt1"/>
+      </a:fontRef>
+    </dgm:style>
+  </dgm:styleLbl>
+  <dgm:styleLbl name="node1">
+    <dgm:scene3d>
+      <a:camera prst="orthographicFront"/>
+      <a:lightRig rig="threePt" dir="t"/>
+    </dgm:scene3d>
+    <dgm:sp3d/>
+    <dgm:txPr/>
+    <dgm:style>
+      <a:lnRef idx="3">
+        <a:scrgbClr r="0" g="0" b="0"/>
+      </a:lnRef>
+      <a:fillRef idx="1">
+        <a:scrgbClr r="0" g="0" b="0"/>
+      </a:fillRef>
+      <a:effectRef idx="1">
+        <a:scrgbClr r="0" g="0" b="0"/>
+      </a:effectRef>
+      <a:fontRef idx="minor">
+        <a:schemeClr val="lt1"/>
+      </a:fontRef>
+    </dgm:style>
+  </dgm:styleLbl>
+  <dgm:styleLbl name="node2">
+    <dgm:scene3d>
+      <a:camera prst="orthographicFront"/>
+      <a:lightRig rig="threePt" dir="t"/>
+    </dgm:scene3d>
+    <dgm:sp3d/>
+    <dgm:txPr/>
+    <dgm:style>
+      <a:lnRef idx="3">
+        <a:scrgbClr r="0" g="0" b="0"/>
+      </a:lnRef>
+      <a:fillRef idx="1">
+        <a:scrgbClr r="0" g="0" b="0"/>
+      </a:fillRef>
+      <a:effectRef idx="1">
+        <a:scrgbClr r="0" g="0" b="0"/>
+      </a:effectRef>
+      <a:fontRef idx="minor">
+        <a:schemeClr val="lt1"/>
+      </a:fontRef>
+    </dgm:style>
+  </dgm:styleLbl>
+  <dgm:styleLbl name="node3">
+    <dgm:scene3d>
+      <a:camera prst="orthographicFront"/>
+      <a:lightRig rig="threePt" dir="t"/>
+    </dgm:scene3d>
+    <dgm:sp3d/>
+    <dgm:txPr/>
+    <dgm:style>
+      <a:lnRef idx="3">
+        <a:scrgbClr r="0" g="0" b="0"/>
+      </a:lnRef>
+      <a:fillRef idx="1">
+        <a:scrgbClr r="0" g="0" b="0"/>
+      </a:fillRef>
+      <a:effectRef idx="1">
+        <a:scrgbClr r="0" g="0" b="0"/>
+      </a:effectRef>
+      <a:fontRef idx="minor">
+        <a:schemeClr val="lt1"/>
+      </a:fontRef>
+    </dgm:style>
+  </dgm:styleLbl>
+  <dgm:styleLbl name="node4">
+    <dgm:scene3d>
+      <a:camera prst="orthographicFront"/>
+      <a:lightRig rig="threePt" dir="t"/>
+    </dgm:scene3d>
+    <dgm:sp3d/>
+    <dgm:txPr/>
+    <dgm:style>
+      <a:lnRef idx="3">
+        <a:scrgbClr r="0" g="0" b="0"/>
+      </a:lnRef>
+      <a:fillRef idx="1">
+        <a:scrgbClr r="0" g="0" b="0"/>
+      </a:fillRef>
+      <a:effectRef idx="1">
+        <a:scrgbClr r="0" g="0" b="0"/>
+      </a:effectRef>
+      <a:fontRef idx="minor">
+        <a:schemeClr val="lt1"/>
+      </a:fontRef>
+    </dgm:style>
+  </dgm:styleLbl>
+  <dgm:styleLbl name="fgImgPlace1">
+    <dgm:scene3d>
+      <a:camera prst="orthographicFront"/>
+      <a:lightRig rig="threePt" dir="t"/>
+    </dgm:scene3d>
+    <dgm:sp3d/>
+    <dgm:txPr/>
+    <dgm:style>
+      <a:lnRef idx="3">
+        <a:scrgbClr r="0" g="0" b="0"/>
+      </a:lnRef>
+      <a:fillRef idx="1">
+        <a:scrgbClr r="0" g="0" b="0"/>
+      </a:fillRef>
+      <a:effectRef idx="1">
+        <a:scrgbClr r="0" g="0" b="0"/>
+      </a:effectRef>
+      <a:fontRef idx="minor"/>
+    </dgm:style>
+  </dgm:styleLbl>
+  <dgm:styleLbl name="alignImgPlace1">
+    <dgm:scene3d>
+      <a:camera prst="orthographicFront"/>
+      <a:lightRig rig="threePt" dir="t"/>
+    </dgm:scene3d>
+    <dgm:sp3d/>
+    <dgm:txPr/>
+    <dgm:style>
+      <a:lnRef idx="3">
+        <a:scrgbClr r="0" g="0" b="0"/>
+      </a:lnRef>
+      <a:fillRef idx="1">
+        <a:scrgbClr r="0" g="0" b="0"/>
+      </a:fillRef>
+      <a:effectRef idx="1">
+        <a:scrgbClr r="0" g="0" b="0"/>
+      </a:effectRef>
+      <a:fontRef idx="minor"/>
+    </dgm:style>
+  </dgm:styleLbl>
+  <dgm:styleLbl name="bgImgPlace1">
+    <dgm:scene3d>
+      <a:camera prst="orthographicFront"/>
+      <a:lightRig rig="threePt" dir="t"/>
+    </dgm:scene3d>
+    <dgm:sp3d/>
+    <dgm:txPr/>
+    <dgm:style>
+      <a:lnRef idx="3">
+        <a:scrgbClr r="0" g="0" b="0"/>
+      </a:lnRef>
+      <a:fillRef idx="1">
+        <a:scrgbClr r="0" g="0" b="0"/>
+      </a:fillRef>
+      <a:effectRef idx="1">
+        <a:scrgbClr r="0" g="0" b="0"/>
+      </a:effectRef>
+      <a:fontRef idx="minor"/>
+    </dgm:style>
+  </dgm:styleLbl>
+  <dgm:styleLbl name="sibTrans2D1">
+    <dgm:scene3d>
+      <a:camera prst="orthographicFront"/>
+      <a:lightRig rig="threePt" dir="t"/>
+    </dgm:scene3d>
+    <dgm:sp3d/>
+    <dgm:txPr/>
+    <dgm:style>
+      <a:lnRef idx="0">
+        <a:scrgbClr r="0" g="0" b="0"/>
+      </a:lnRef>
+      <a:fillRef idx="1">
+        <a:scrgbClr r="0" g="0" b="0"/>
+      </a:fillRef>
+      <a:effectRef idx="1">
+        <a:scrgbClr r="0" g="0" b="0"/>
+      </a:effectRef>
+      <a:fontRef idx="minor">
+        <a:schemeClr val="lt1"/>
+      </a:fontRef>
+    </dgm:style>
+  </dgm:styleLbl>
+  <dgm:styleLbl name="fgSibTrans2D1">
+    <dgm:scene3d>
+      <a:camera prst="orthographicFront"/>
+      <a:lightRig rig="threePt" dir="t"/>
+    </dgm:scene3d>
+    <dgm:sp3d/>
+    <dgm:txPr/>
+    <dgm:style>
+      <a:lnRef idx="0">
+        <a:scrgbClr r="0" g="0" b="0"/>
+      </a:lnRef>
+      <a:fillRef idx="1">
+        <a:scrgbClr r="0" g="0" b="0"/>
+      </a:fillRef>
+      <a:effectRef idx="1">
+        <a:scrgbClr r="0" g="0" b="0"/>
+      </a:effectRef>
+      <a:fontRef idx="minor">
+        <a:schemeClr val="lt1"/>
+      </a:fontRef>
+    </dgm:style>
+  </dgm:styleLbl>
+  <dgm:styleLbl name="bgSibTrans2D1">
+    <dgm:scene3d>
+      <a:camera prst="orthographicFront"/>
+      <a:lightRig rig="threePt" dir="t"/>
+    </dgm:scene3d>
+    <dgm:sp3d/>
+    <dgm:txPr/>
+    <dgm:style>
+      <a:lnRef idx="0">
+        <a:scrgbClr r="0" g="0" b="0"/>
+      </a:lnRef>
+      <a:fillRef idx="1">
+        <a:scrgbClr r="0" g="0" b="0"/>
+      </a:fillRef>
+      <a:effectRef idx="1">
+        <a:scrgbClr r="0" g="0" b="0"/>
+      </a:effectRef>
+      <a:fontRef idx="minor">
+        <a:schemeClr val="lt1"/>
+      </a:fontRef>
+    </dgm:style>
+  </dgm:styleLbl>
+  <dgm:styleLbl name="sibTrans1D1">
+    <dgm:scene3d>
+      <a:camera prst="orthographicFront"/>
+      <a:lightRig rig="threePt" dir="t"/>
+    </dgm:scene3d>
+    <dgm:sp3d/>
+    <dgm:txPr/>
+    <dgm:style>
+      <a:lnRef idx="1">
+        <a:scrgbClr r="0" g="0" b="0"/>
+      </a:lnRef>
+      <a:fillRef idx="0">
+        <a:scrgbClr r="0" g="0" b="0"/>
+      </a:fillRef>
+      <a:effectRef idx="0">
+        <a:scrgbClr r="0" g="0" b="0"/>
+      </a:effectRef>
+      <a:fontRef idx="minor"/>
+    </dgm:style>
+  </dgm:styleLbl>
+  <dgm:styleLbl name="callout">
+    <dgm:scene3d>
+      <a:camera prst="orthographicFront"/>
+      <a:lightRig rig="threePt" dir="t"/>
+    </dgm:scene3d>
+    <dgm:sp3d/>
+    <dgm:txPr/>
+    <dgm:style>
+      <a:lnRef idx="2">
+        <a:scrgbClr r="0" g="0" b="0"/>
+      </a:lnRef>
+      <a:fillRef idx="1">
+        <a:scrgbClr r="0" g="0" b="0"/>
+      </a:fillRef>
+      <a:effectRef idx="1">
+        <a:scrgbClr r="0" g="0" b="0"/>
+      </a:effectRef>
+      <a:fontRef idx="minor"/>
+    </dgm:style>
+  </dgm:styleLbl>
+  <dgm:styleLbl name="asst0">
+    <dgm:scene3d>
+      <a:camera prst="orthographicFront"/>
+      <a:lightRig rig="threePt" dir="t"/>
+    </dgm:scene3d>
+    <dgm:sp3d/>
+    <dgm:txPr/>
+    <dgm:style>
+      <a:lnRef idx="3">
+        <a:scrgbClr r="0" g="0" b="0"/>
+      </a:lnRef>
+      <a:fillRef idx="1">
+        <a:scrgbClr r="0" g="0" b="0"/>
+      </a:fillRef>
+      <a:effectRef idx="1">
+        <a:scrgbClr r="0" g="0" b="0"/>
+      </a:effectRef>
+      <a:fontRef idx="minor">
+        <a:schemeClr val="lt1"/>
+      </a:fontRef>
+    </dgm:style>
+  </dgm:styleLbl>
+  <dgm:styleLbl name="asst1">
+    <dgm:scene3d>
+      <a:camera prst="orthographicFront"/>
+      <a:lightRig rig="threePt" dir="t"/>
+    </dgm:scene3d>
+    <dgm:sp3d/>
+    <dgm:txPr/>
+    <dgm:style>
+      <a:lnRef idx="3">
+        <a:scrgbClr r="0" g="0" b="0"/>
+      </a:lnRef>
+      <a:fillRef idx="1">
+        <a:scrgbClr r="0" g="0" b="0"/>
+      </a:fillRef>
+      <a:effectRef idx="1">
+        <a:scrgbClr r="0" g="0" b="0"/>
+      </a:effectRef>
+      <a:fontRef idx="minor">
+        <a:schemeClr val="lt1"/>
+      </a:fontRef>
+    </dgm:style>
+  </dgm:styleLbl>
+  <dgm:styleLbl name="asst2">
+    <dgm:scene3d>
+      <a:camera prst="orthographicFront"/>
+      <a:lightRig rig="threePt" dir="t"/>
+    </dgm:scene3d>
+    <dgm:sp3d/>
+    <dgm:txPr/>
+    <dgm:style>
+      <a:lnRef idx="3">
+        <a:scrgbClr r="0" g="0" b="0"/>
+      </a:lnRef>
+      <a:fillRef idx="1">
+        <a:scrgbClr r="0" g="0" b="0"/>
+      </a:fillRef>
+      <a:effectRef idx="1">
+        <a:scrgbClr r="0" g="0" b="0"/>
+      </a:effectRef>
+      <a:fontRef idx="minor">
+        <a:schemeClr val="lt1"/>
+      </a:fontRef>
+    </dgm:style>
+  </dgm:styleLbl>
+  <dgm:styleLbl name="asst3">
+    <dgm:scene3d>
+      <a:camera prst="orthographicFront"/>
+      <a:lightRig rig="threePt" dir="t"/>
+    </dgm:scene3d>
+    <dgm:sp3d/>
+    <dgm:txPr/>
+    <dgm:style>
+      <a:lnRef idx="3">
+        <a:scrgbClr r="0" g="0" b="0"/>
+      </a:lnRef>
+      <a:fillRef idx="1">
+        <a:scrgbClr r="0" g="0" b="0"/>
+      </a:fillRef>
+      <a:effectRef idx="1">
+        <a:scrgbClr r="0" g="0" b="0"/>
+      </a:effectRef>
+      <a:fontRef idx="minor">
+        <a:schemeClr val="lt1"/>
+      </a:fontRef>
+    </dgm:style>
+  </dgm:styleLbl>
+  <dgm:styleLbl name="asst4">
+    <dgm:scene3d>
+      <a:camera prst="orthographicFront"/>
+      <a:lightRig rig="threePt" dir="t"/>
+    </dgm:scene3d>
+    <dgm:sp3d/>
+    <dgm:txPr/>
+    <dgm:style>
+      <a:lnRef idx="3">
+        <a:scrgbClr r="0" g="0" b="0"/>
+      </a:lnRef>
+      <a:fillRef idx="1">
+        <a:scrgbClr r="0" g="0" b="0"/>
+      </a:fillRef>
+      <a:effectRef idx="1">
+        <a:scrgbClr r="0" g="0" b="0"/>
+      </a:effectRef>
+      <a:fontRef idx="minor">
+        <a:schemeClr val="lt1"/>
+      </a:fontRef>
+    </dgm:style>
+  </dgm:styleLbl>
+  <dgm:styleLbl name="parChTrans2D1">
+    <dgm:scene3d>
+      <a:camera prst="orthographicFront"/>
+      <a:lightRig rig="threePt" dir="t"/>
+    </dgm:scene3d>
+    <dgm:sp3d/>
+    <dgm:txPr/>
+    <dgm:style>
+      <a:lnRef idx="3">
+        <a:scrgbClr r="0" g="0" b="0"/>
+      </a:lnRef>
+      <a:fillRef idx="1">
+        <a:scrgbClr r="0" g="0" b="0"/>
+      </a:fillRef>
+      <a:effectRef idx="1">
+        <a:scrgbClr r="0" g="0" b="0"/>
+      </a:effectRef>
+      <a:fontRef idx="minor">
+        <a:schemeClr val="lt1"/>
+      </a:fontRef>
+    </dgm:style>
+  </dgm:styleLbl>
+  <dgm:styleLbl name="parChTrans2D2">
+    <dgm:scene3d>
+      <a:camera prst="orthographicFront"/>
+      <a:lightRig rig="threePt" dir="t"/>
+    </dgm:scene3d>
+    <dgm:sp3d/>
+    <dgm:txPr/>
+    <dgm:style>
+      <a:lnRef idx="3">
+        <a:scrgbClr r="0" g="0" b="0"/>
+      </a:lnRef>
+      <a:fillRef idx="1">
+        <a:scrgbClr r="0" g="0" b="0"/>
+      </a:fillRef>
+      <a:effectRef idx="1">
+        <a:scrgbClr r="0" g="0" b="0"/>
+      </a:effectRef>
+      <a:fontRef idx="minor">
+        <a:schemeClr val="lt1"/>
+      </a:fontRef>
+    </dgm:style>
+  </dgm:styleLbl>
+  <dgm:styleLbl name="parChTrans2D3">
+    <dgm:scene3d>
+      <a:camera prst="orthographicFront"/>
+      <a:lightRig rig="threePt" dir="t"/>
+    </dgm:scene3d>
+    <dgm:sp3d/>
+    <dgm:txPr/>
+    <dgm:style>
+      <a:lnRef idx="3">
+        <a:scrgbClr r="0" g="0" b="0"/>
+      </a:lnRef>
+      <a:fillRef idx="1">
+        <a:scrgbClr r="0" g="0" b="0"/>
+      </a:fillRef>
+      <a:effectRef idx="1">
+        <a:scrgbClr r="0" g="0" b="0"/>
+      </a:effectRef>
+      <a:fontRef idx="minor">
+        <a:schemeClr val="lt1"/>
+      </a:fontRef>
+    </dgm:style>
+  </dgm:styleLbl>
+  <dgm:styleLbl name="parChTrans2D4">
+    <dgm:scene3d>
+      <a:camera prst="orthographicFront"/>
+      <a:lightRig rig="threePt" dir="t"/>
+    </dgm:scene3d>
+    <dgm:sp3d/>
+    <dgm:txPr/>
+    <dgm:style>
+      <a:lnRef idx="3">
+        <a:scrgbClr r="0" g="0" b="0"/>
+      </a:lnRef>
+      <a:fillRef idx="1">
+        <a:scrgbClr r="0" g="0" b="0"/>
+      </a:fillRef>
+      <a:effectRef idx="1">
+        <a:scrgbClr r="0" g="0" b="0"/>
+      </a:effectRef>
+      <a:fontRef idx="minor">
+        <a:schemeClr val="lt1"/>
+      </a:fontRef>
+    </dgm:style>
+  </dgm:styleLbl>
+  <dgm:styleLbl name="parChTrans1D1">
+    <dgm:scene3d>
+      <a:camera prst="orthographicFront"/>
+      <a:lightRig rig="threePt" dir="t"/>
+    </dgm:scene3d>
+    <dgm:sp3d/>
+    <dgm:txPr/>
+    <dgm:style>
+      <a:lnRef idx="2">
+        <a:scrgbClr r="0" g="0" b="0"/>
+      </a:lnRef>
+      <a:fillRef idx="0">
+        <a:scrgbClr r="0" g="0" b="0"/>
+      </a:fillRef>
+      <a:effectRef idx="0">
+        <a:scrgbClr r="0" g="0" b="0"/>
+      </a:effectRef>
+      <a:fontRef idx="minor"/>
+    </dgm:style>
+  </dgm:styleLbl>
+  <dgm:styleLbl name="parChTrans1D2">
+    <dgm:scene3d>
+      <a:camera prst="orthographicFront"/>
+      <a:lightRig rig="threePt" dir="t"/>
+    </dgm:scene3d>
+    <dgm:sp3d/>
+    <dgm:txPr/>
+    <dgm:style>
+      <a:lnRef idx="2">
+        <a:scrgbClr r="0" g="0" b="0"/>
+      </a:lnRef>
+      <a:fillRef idx="0">
+        <a:scrgbClr r="0" g="0" b="0"/>
+      </a:fillRef>
+      <a:effectRef idx="0">
+        <a:scrgbClr r="0" g="0" b="0"/>
+      </a:effectRef>
+      <a:fontRef idx="minor"/>
+    </dgm:style>
+  </dgm:styleLbl>
+  <dgm:styleLbl name="parChTrans1D3">
+    <dgm:scene3d>
+      <a:camera prst="orthographicFront"/>
+      <a:lightRig rig="threePt" dir="t"/>
+    </dgm:scene3d>
+    <dgm:sp3d/>
+    <dgm:txPr/>
+    <dgm:style>
+      <a:lnRef idx="2">
+        <a:scrgbClr r="0" g="0" b="0"/>
+      </a:lnRef>
+      <a:fillRef idx="0">
+        <a:scrgbClr r="0" g="0" b="0"/>
+      </a:fillRef>
+      <a:effectRef idx="0">
+        <a:scrgbClr r="0" g="0" b="0"/>
+      </a:effectRef>
+      <a:fontRef idx="minor"/>
+    </dgm:style>
+  </dgm:styleLbl>
+  <dgm:styleLbl name="parChTrans1D4">
+    <dgm:scene3d>
+      <a:camera prst="orthographicFront"/>
+      <a:lightRig rig="threePt" dir="t"/>
+    </dgm:scene3d>
+    <dgm:sp3d/>
+    <dgm:txPr/>
+    <dgm:style>
+      <a:lnRef idx="2">
+        <a:scrgbClr r="0" g="0" b="0"/>
+      </a:lnRef>
+      <a:fillRef idx="0">
+        <a:scrgbClr r="0" g="0" b="0"/>
+      </a:fillRef>
+      <a:effectRef idx="0">
+        <a:scrgbClr r="0" g="0" b="0"/>
+      </a:effectRef>
+      <a:fontRef idx="minor"/>
+    </dgm:style>
+  </dgm:styleLbl>
+  <dgm:styleLbl name="fgAcc1">
+    <dgm:scene3d>
+      <a:camera prst="orthographicFront"/>
+      <a:lightRig rig="threePt" dir="t"/>
+    </dgm:scene3d>
+    <dgm:sp3d/>
+    <dgm:txPr/>
+    <dgm:style>
+      <a:lnRef idx="2">
+        <a:scrgbClr r="0" g="0" b="0"/>
+      </a:lnRef>
+      <a:fillRef idx="1">
+        <a:scrgbClr r="0" g="0" b="0"/>
+      </a:fillRef>
+      <a:effectRef idx="0">
+        <a:scrgbClr r="0" g="0" b="0"/>
+      </a:effectRef>
+      <a:fontRef idx="minor"/>
+    </dgm:style>
+  </dgm:styleLbl>
+  <dgm:styleLbl name="conFgAcc1">
+    <dgm:scene3d>
+      <a:camera prst="orthographicFront"/>
+      <a:lightRig rig="threePt" dir="t"/>
+    </dgm:scene3d>
+    <dgm:sp3d/>
+    <dgm:txPr/>
+    <dgm:style>
+      <a:lnRef idx="2">
+        <a:scrgbClr r="0" g="0" b="0"/>
+      </a:lnRef>
+      <a:fillRef idx="1">
+        <a:scrgbClr r="0" g="0" b="0"/>
+      </a:fillRef>
+      <a:effectRef idx="0">
+        <a:scrgbClr r="0" g="0" b="0"/>
+      </a:effectRef>
+      <a:fontRef idx="minor"/>
+    </dgm:style>
+  </dgm:styleLbl>
+  <dgm:styleLbl name="alignAcc1">
+    <dgm:scene3d>
+      <a:camera prst="orthographicFront"/>
+      <a:lightRig rig="threePt" dir="t"/>
+    </dgm:scene3d>
+    <dgm:sp3d/>
+    <dgm:txPr/>
+    <dgm:style>
+      <a:lnRef idx="2">
+        <a:scrgbClr r="0" g="0" b="0"/>
+      </a:lnRef>
+      <a:fillRef idx="1">
+        <a:scrgbClr r="0" g="0" b="0"/>
+      </a:fillRef>
+      <a:effectRef idx="0">
+        <a:scrgbClr r="0" g="0" b="0"/>
+      </a:effectRef>
+      <a:fontRef idx="minor"/>
+    </dgm:style>
+  </dgm:styleLbl>
+  <dgm:styleLbl name="trAlignAcc1">
+    <dgm:scene3d>
+      <a:camera prst="orthographicFront"/>
+      <a:lightRig rig="threePt" dir="t"/>
+    </dgm:scene3d>
+    <dgm:sp3d/>
+    <dgm:txPr/>
+    <dgm:style>
+      <a:lnRef idx="1">
+        <a:scrgbClr r="0" g="0" b="0"/>
+      </a:lnRef>
+      <a:fillRef idx="1">
+        <a:scrgbClr r="0" g="0" b="0"/>
+      </a:fillRef>
+      <a:effectRef idx="0">
+        <a:scrgbClr r="0" g="0" b="0"/>
+      </a:effectRef>
+      <a:fontRef idx="minor"/>
+    </dgm:style>
+  </dgm:styleLbl>
+  <dgm:styleLbl name="bgAcc1">
+    <dgm:scene3d>
+      <a:camera prst="orthographicFront"/>
+      <a:lightRig rig="threePt" dir="t"/>
+    </dgm:scene3d>
+    <dgm:sp3d/>
+    <dgm:txPr/>
+    <dgm:style>
+      <a:lnRef idx="2">
+        <a:scrgbClr r="0" g="0" b="0"/>
+      </a:lnRef>
+      <a:fillRef idx="1">
+        <a:scrgbClr r="0" g="0" b="0"/>
+      </a:fillRef>
+      <a:effectRef idx="0">
+        <a:scrgbClr r="0" g="0" b="0"/>
+      </a:effectRef>
+      <a:fontRef idx="minor"/>
+    </dgm:style>
+  </dgm:styleLbl>
+  <dgm:styleLbl name="solidFgAcc1">
+    <dgm:scene3d>
+      <a:camera prst="orthographicFront"/>
+      <a:lightRig rig="threePt" dir="t"/>
+    </dgm:scene3d>
+    <dgm:sp3d/>
+    <dgm:txPr/>
+    <dgm:style>
+      <a:lnRef idx="2">
+        <a:scrgbClr r="0" g="0" b="0"/>
+      </a:lnRef>
+      <a:fillRef idx="1">
+        <a:scrgbClr r="0" g="0" b="0"/>
+      </a:fillRef>
+      <a:effectRef idx="0">
+        <a:scrgbClr r="0" g="0" b="0"/>
+      </a:effectRef>
+      <a:fontRef idx="minor"/>
+    </dgm:style>
+  </dgm:styleLbl>
+  <dgm:styleLbl name="solidAlignAcc1">
+    <dgm:scene3d>
+      <a:camera prst="orthographicFront"/>
+      <a:lightRig rig="threePt" dir="t"/>
+    </dgm:scene3d>
+    <dgm:sp3d/>
+    <dgm:txPr/>
+    <dgm:style>
+      <a:lnRef idx="2">
+        <a:scrgbClr r="0" g="0" b="0"/>
+      </a:lnRef>
+      <a:fillRef idx="1">
+        <a:scrgbClr r="0" g="0" b="0"/>
+      </a:fillRef>
+      <a:effectRef idx="0">
+        <a:scrgbClr r="0" g="0" b="0"/>
+      </a:effectRef>
+      <a:fontRef idx="minor"/>
+    </dgm:style>
+  </dgm:styleLbl>
+  <dgm:styleLbl name="solidBgAcc1">
+    <dgm:scene3d>
+      <a:camera prst="orthographicFront"/>
+      <a:lightRig rig="threePt" dir="t"/>
+    </dgm:scene3d>
+    <dgm:sp3d/>
+    <dgm:txPr/>
+    <dgm:style>
+      <a:lnRef idx="2">
+        <a:scrgbClr r="0" g="0" b="0"/>
+      </a:lnRef>
+      <a:fillRef idx="1">
+        <a:scrgbClr r="0" g="0" b="0"/>
+      </a:fillRef>
+      <a:effectRef idx="0">
+        <a:scrgbClr r="0" g="0" b="0"/>
+      </a:effectRef>
+      <a:fontRef idx="minor"/>
+    </dgm:style>
+  </dgm:styleLbl>
+  <dgm:styleLbl name="fgAccFollowNode1">
+    <dgm:scene3d>
+      <a:camera prst="orthographicFront"/>
+      <a:lightRig rig="threePt" dir="t"/>
+    </dgm:scene3d>
+    <dgm:sp3d/>
+    <dgm:txPr/>
+    <dgm:style>
+      <a:lnRef idx="2">
+        <a:scrgbClr r="0" g="0" b="0"/>
+      </a:lnRef>
+      <a:fillRef idx="1">
+        <a:scrgbClr r="0" g="0" b="0"/>
+      </a:fillRef>
+      <a:effectRef idx="0">
+        <a:scrgbClr r="0" g="0" b="0"/>
+      </a:effectRef>
+      <a:fontRef idx="minor"/>
+    </dgm:style>
+  </dgm:styleLbl>
+  <dgm:styleLbl name="alignAccFollowNode1">
+    <dgm:scene3d>
+      <a:camera prst="orthographicFront"/>
+      <a:lightRig rig="threePt" dir="t"/>
+    </dgm:scene3d>
+    <dgm:sp3d/>
+    <dgm:txPr/>
+    <dgm:style>
+      <a:lnRef idx="2">
+        <a:scrgbClr r="0" g="0" b="0"/>
+      </a:lnRef>
+      <a:fillRef idx="1">
+        <a:scrgbClr r="0" g="0" b="0"/>
+      </a:fillRef>
+      <a:effectRef idx="0">
+        <a:scrgbClr r="0" g="0" b="0"/>
+      </a:effectRef>
+      <a:fontRef idx="minor"/>
+    </dgm:style>
+  </dgm:styleLbl>
+  <dgm:styleLbl name="bgAccFollowNode1">
+    <dgm:scene3d>
+      <a:camera prst="orthographicFront"/>
+      <a:lightRig rig="threePt" dir="t"/>
+    </dgm:scene3d>
+    <dgm:sp3d/>
+    <dgm:txPr/>
+    <dgm:style>
+      <a:lnRef idx="2">
+        <a:scrgbClr r="0" g="0" b="0"/>
+      </a:lnRef>
+      <a:fillRef idx="1">
+        <a:scrgbClr r="0" g="0" b="0"/>
+      </a:fillRef>
+      <a:effectRef idx="0">
+        <a:scrgbClr r="0" g="0" b="0"/>
+      </a:effectRef>
+      <a:fontRef idx="minor"/>
+    </dgm:style>
+  </dgm:styleLbl>
+  <dgm:styleLbl name="fgAcc0">
+    <dgm:scene3d>
+      <a:camera prst="orthographicFront"/>
+      <a:lightRig rig="threePt" dir="t"/>
+    </dgm:scene3d>
+    <dgm:sp3d/>
+    <dgm:txPr/>
+    <dgm:style>
+      <a:lnRef idx="2">
+        <a:scrgbClr r="0" g="0" b="0"/>
+      </a:lnRef>
+      <a:fillRef idx="1">
+        <a:scrgbClr r="0" g="0" b="0"/>
+      </a:fillRef>
+      <a:effectRef idx="0">
+        <a:scrgbClr r="0" g="0" b="0"/>
+      </a:effectRef>
+      <a:fontRef idx="minor"/>
+    </dgm:style>
+  </dgm:styleLbl>
+  <dgm:styleLbl name="fgAcc2">
+    <dgm:scene3d>
+      <a:camera prst="orthographicFront"/>
+      <a:lightRig rig="threePt" dir="t"/>
+    </dgm:scene3d>
+    <dgm:sp3d/>
+    <dgm:txPr/>
+    <dgm:style>
+      <a:lnRef idx="2">
+        <a:scrgbClr r="0" g="0" b="0"/>
+      </a:lnRef>
+      <a:fillRef idx="1">
+        <a:scrgbClr r="0" g="0" b="0"/>
+      </a:fillRef>
+      <a:effectRef idx="0">
+        <a:scrgbClr r="0" g="0" b="0"/>
+      </a:effectRef>
+      <a:fontRef idx="minor"/>
+    </dgm:style>
+  </dgm:styleLbl>
+  <dgm:styleLbl name="fgAcc3">
+    <dgm:scene3d>
+      <a:camera prst="orthographicFront"/>
+      <a:lightRig rig="threePt" dir="t"/>
+    </dgm:scene3d>
+    <dgm:sp3d/>
+    <dgm:txPr/>
+    <dgm:style>
+      <a:lnRef idx="2">
+        <a:scrgbClr r="0" g="0" b="0"/>
+      </a:lnRef>
+      <a:fillRef idx="1">
+        <a:scrgbClr r="0" g="0" b="0"/>
+      </a:fillRef>
+      <a:effectRef idx="0">
+        <a:scrgbClr r="0" g="0" b="0"/>
+      </a:effectRef>
+      <a:fontRef idx="minor"/>
+    </dgm:style>
+  </dgm:styleLbl>
+  <dgm:styleLbl name="fgAcc4">
+    <dgm:scene3d>
+      <a:camera prst="orthographicFront"/>
+      <a:lightRig rig="threePt" dir="t"/>
+    </dgm:scene3d>
+    <dgm:sp3d/>
+    <dgm:txPr/>
+    <dgm:style>
+      <a:lnRef idx="2">
+        <a:scrgbClr r="0" g="0" b="0"/>
+      </a:lnRef>
+      <a:fillRef idx="1">
+        <a:scrgbClr r="0" g="0" b="0"/>
+      </a:fillRef>
+      <a:effectRef idx="0">
+        <a:scrgbClr r="0" g="0" b="0"/>
+      </a:effectRef>
+      <a:fontRef idx="minor"/>
+    </dgm:style>
+  </dgm:styleLbl>
+  <dgm:styleLbl name="bgShp">
+    <dgm:scene3d>
+      <a:camera prst="orthographicFront"/>
+      <a:lightRig rig="threePt" dir="t"/>
+    </dgm:scene3d>
+    <dgm:sp3d/>
+    <dgm:txPr/>
+    <dgm:style>
+      <a:lnRef idx="0">
+        <a:scrgbClr r="0" g="0" b="0"/>
+      </a:lnRef>
+      <a:fillRef idx="1">
+        <a:scrgbClr r="0" g="0" b="0"/>
+      </a:fillRef>
+      <a:effectRef idx="0">
+        <a:scrgbClr r="0" g="0" b="0"/>
+      </a:effectRef>
+      <a:fontRef idx="minor"/>
+    </dgm:style>
+  </dgm:styleLbl>
+  <dgm:styleLbl name="dkBgShp">
+    <dgm:scene3d>
+      <a:camera prst="orthographicFront"/>
+      <a:lightRig rig="threePt" dir="t"/>
+    </dgm:scene3d>
+    <dgm:sp3d/>
+    <dgm:txPr/>
+    <dgm:style>
+      <a:lnRef idx="0">
+        <a:scrgbClr r="0" g="0" b="0"/>
+      </a:lnRef>
+      <a:fillRef idx="1">
+        <a:scrgbClr r="0" g="0" b="0"/>
+      </a:fillRef>
+      <a:effectRef idx="0">
+        <a:scrgbClr r="0" g="0" b="0"/>
+      </a:effectRef>
+      <a:fontRef idx="minor"/>
+    </dgm:style>
+  </dgm:styleLbl>
+  <dgm:styleLbl name="trBgShp">
+    <dgm:scene3d>
+      <a:camera prst="orthographicFront"/>
+      <a:lightRig rig="threePt" dir="t"/>
+    </dgm:scene3d>
+    <dgm:sp3d/>
+    <dgm:txPr/>
+    <dgm:style>
+      <a:lnRef idx="0">
+        <a:scrgbClr r="0" g="0" b="0"/>
+      </a:lnRef>
+      <a:fillRef idx="1">
+        <a:scrgbClr r="0" g="0" b="0"/>
+      </a:fillRef>
+      <a:effectRef idx="0">
+        <a:scrgbClr r="0" g="0" b="0"/>
+      </a:effectRef>
+      <a:fontRef idx="minor"/>
+    </dgm:style>
+  </dgm:styleLbl>
+  <dgm:styleLbl name="fgShp">
+    <dgm:scene3d>
+      <a:camera prst="orthographicFront"/>
+      <a:lightRig rig="threePt" dir="t"/>
+    </dgm:scene3d>
+    <dgm:sp3d/>
+    <dgm:txPr/>
+    <dgm:style>
+      <a:lnRef idx="3">
+        <a:scrgbClr r="0" g="0" b="0"/>
+      </a:lnRef>
+      <a:fillRef idx="1">
+        <a:scrgbClr r="0" g="0" b="0"/>
+      </a:fillRef>
+      <a:effectRef idx="1">
+        <a:scrgbClr r="0" g="0" b="0"/>
+      </a:effectRef>
+      <a:fontRef idx="minor"/>
+    </dgm:style>
+  </dgm:styleLbl>
+  <dgm:styleLbl name="revTx">
+    <dgm:scene3d>
+      <a:camera prst="orthographicFront"/>
+      <a:lightRig rig="threePt" dir="t"/>
+    </dgm:scene3d>
+    <dgm:sp3d/>
+    <dgm:txPr/>
+    <dgm:style>
+      <a:lnRef idx="0">
+        <a:scrgbClr r="0" g="0" b="0"/>
+      </a:lnRef>
+      <a:fillRef idx="0">
+        <a:scrgbClr r="0" g="0" b="0"/>
+      </a:fillRef>
+      <a:effectRef idx="0">
+        <a:scrgbClr r="0" g="0" b="0"/>
+      </a:effectRef>
+      <a:fontRef idx="minor"/>
+    </dgm:style>
+  </dgm:styleLbl>
+</dgm:styleDef>
 </file>
 
 <file path=ppt/notesMasters/notesMaster1.xml><?xml version="1.0" encoding="utf-8"?>
@@ -693,7 +3707,7 @@
               <a:pPr>
                 <a:defRPr/>
               </a:pPr>
-              <a:t>7</a:t>
+              <a:t>16</a:t>
             </a:fld>
             <a:endParaRPr lang="de-DE"/>
           </a:p>
@@ -783,7 +3797,7 @@
               <a:pPr>
                 <a:defRPr/>
               </a:pPr>
-              <a:t>8</a:t>
+              <a:t>17</a:t>
             </a:fld>
             <a:endParaRPr lang="de-DE"/>
           </a:p>
@@ -882,7 +3896,7 @@
               <a:pPr>
                 <a:defRPr/>
               </a:pPr>
-              <a:t>13</a:t>
+              <a:t>19</a:t>
             </a:fld>
             <a:endParaRPr lang="de-DE"/>
           </a:p>
@@ -3696,6 +6710,1008 @@
       </p:grpSpPr>
       <p:sp>
         <p:nvSpPr>
+          <p:cNvPr id="4" name="Titel 1">
+            <a:extLst>
+              <a:ext uri="{FF2B5EF4-FFF2-40B4-BE49-F238E27FC236}">
+                <a16:creationId xmlns:a16="http://schemas.microsoft.com/office/drawing/2014/main" id="{841C972A-FA6A-4483-A36E-E0E5C6854B00}"/>
+              </a:ext>
+            </a:extLst>
+          </p:cNvPr>
+          <p:cNvSpPr>
+            <a:spLocks noGrp="1"/>
+          </p:cNvSpPr>
+          <p:nvPr>
+            <p:ph type="title"/>
+          </p:nvPr>
+        </p:nvSpPr>
+        <p:spPr>
+          <a:xfrm>
+            <a:off x="275526" y="416664"/>
+            <a:ext cx="5934075" cy="1346200"/>
+          </a:xfrm>
+        </p:spPr>
+        <p:txBody>
+          <a:bodyPr/>
+          <a:lstStyle/>
+          <a:p>
+            <a:r>
+              <a:rPr lang="de-DE" sz="3200" cap="none" dirty="0"/>
+              <a:t>Konzeption des VR Raums </a:t>
+            </a:r>
+          </a:p>
+        </p:txBody>
+      </p:sp>
+      <p:sp>
+        <p:nvSpPr>
+          <p:cNvPr id="5" name="Inhaltsplatzhalter 2">
+            <a:extLst>
+              <a:ext uri="{FF2B5EF4-FFF2-40B4-BE49-F238E27FC236}">
+                <a16:creationId xmlns:a16="http://schemas.microsoft.com/office/drawing/2014/main" id="{4D4220DD-0924-48DC-93F7-962BB3EFF337}"/>
+              </a:ext>
+            </a:extLst>
+          </p:cNvPr>
+          <p:cNvSpPr txBox="1">
+            <a:spLocks/>
+          </p:cNvSpPr>
+          <p:nvPr/>
+        </p:nvSpPr>
+        <p:spPr bwMode="auto">
+          <a:xfrm>
+            <a:off x="256071" y="1828800"/>
+            <a:ext cx="8003692" cy="4454103"/>
+          </a:xfrm>
+          <a:prstGeom prst="rect">
+            <a:avLst/>
+          </a:prstGeom>
+          <a:noFill/>
+          <a:ln w="9525">
+            <a:noFill/>
+            <a:miter lim="800000"/>
+            <a:headEnd/>
+            <a:tailEnd/>
+          </a:ln>
+        </p:spPr>
+        <p:txBody>
+          <a:bodyPr vert="horz" wrap="square" lIns="91440" tIns="45720" rIns="91440" bIns="45720" numCol="1" anchor="t" anchorCtr="0" compatLnSpc="1">
+            <a:prstTxWarp prst="textNoShape">
+              <a:avLst/>
+            </a:prstTxWarp>
+            <a:normAutofit/>
+          </a:bodyPr>
+          <a:lstStyle>
+            <a:lvl1pPr marL="0" indent="0" algn="l" rtl="0" eaLnBrk="1" fontAlgn="base" hangingPunct="1">
+              <a:spcBef>
+                <a:spcPct val="20000"/>
+              </a:spcBef>
+              <a:spcAft>
+                <a:spcPct val="0"/>
+              </a:spcAft>
+              <a:buClr>
+                <a:schemeClr val="accent2"/>
+              </a:buClr>
+              <a:buFont typeface="Arial" charset="0"/>
+              <a:buNone/>
+              <a:defRPr lang="de-DE" sz="2000" kern="1200">
+                <a:solidFill>
+                  <a:schemeClr val="tx1">
+                    <a:tint val="75000"/>
+                  </a:schemeClr>
+                </a:solidFill>
+                <a:latin typeface="Tahoma" pitchFamily="34" charset="0"/>
+                <a:ea typeface="+mn-ea"/>
+                <a:cs typeface="Tahoma" pitchFamily="34" charset="0"/>
+              </a:defRPr>
+            </a:lvl1pPr>
+            <a:lvl2pPr marL="457200" indent="0" algn="l" rtl="0" eaLnBrk="1" fontAlgn="base" hangingPunct="1">
+              <a:spcBef>
+                <a:spcPct val="20000"/>
+              </a:spcBef>
+              <a:spcAft>
+                <a:spcPct val="0"/>
+              </a:spcAft>
+              <a:buClr>
+                <a:schemeClr val="accent2"/>
+              </a:buClr>
+              <a:buFont typeface="Arial" charset="0"/>
+              <a:buNone/>
+              <a:defRPr lang="de-DE" sz="1800" kern="1200">
+                <a:solidFill>
+                  <a:schemeClr val="tx1">
+                    <a:tint val="75000"/>
+                  </a:schemeClr>
+                </a:solidFill>
+                <a:latin typeface="Tahoma" pitchFamily="34" charset="0"/>
+                <a:ea typeface="+mn-ea"/>
+                <a:cs typeface="Tahoma" pitchFamily="34" charset="0"/>
+              </a:defRPr>
+            </a:lvl2pPr>
+            <a:lvl3pPr marL="914400" indent="0" algn="l" rtl="0" eaLnBrk="1" fontAlgn="base" hangingPunct="1">
+              <a:spcBef>
+                <a:spcPct val="20000"/>
+              </a:spcBef>
+              <a:spcAft>
+                <a:spcPct val="0"/>
+              </a:spcAft>
+              <a:buClr>
+                <a:schemeClr val="accent2"/>
+              </a:buClr>
+              <a:buFont typeface="Arial" charset="0"/>
+              <a:buNone/>
+              <a:defRPr lang="de-DE" sz="1600" kern="1200">
+                <a:solidFill>
+                  <a:schemeClr val="tx1">
+                    <a:tint val="75000"/>
+                  </a:schemeClr>
+                </a:solidFill>
+                <a:latin typeface="Tahoma" pitchFamily="34" charset="0"/>
+                <a:ea typeface="+mn-ea"/>
+                <a:cs typeface="Tahoma" pitchFamily="34" charset="0"/>
+              </a:defRPr>
+            </a:lvl3pPr>
+            <a:lvl4pPr marL="1371600" indent="0" algn="l" rtl="0" eaLnBrk="1" fontAlgn="base" hangingPunct="1">
+              <a:spcBef>
+                <a:spcPct val="20000"/>
+              </a:spcBef>
+              <a:spcAft>
+                <a:spcPct val="0"/>
+              </a:spcAft>
+              <a:buClr>
+                <a:schemeClr val="accent2"/>
+              </a:buClr>
+              <a:buFont typeface="Arial" charset="0"/>
+              <a:buNone/>
+              <a:defRPr lang="de-DE" sz="1400" kern="1200">
+                <a:solidFill>
+                  <a:schemeClr val="tx1">
+                    <a:tint val="75000"/>
+                  </a:schemeClr>
+                </a:solidFill>
+                <a:latin typeface="Tahoma" pitchFamily="34" charset="0"/>
+                <a:ea typeface="+mn-ea"/>
+                <a:cs typeface="Tahoma" pitchFamily="34" charset="0"/>
+              </a:defRPr>
+            </a:lvl4pPr>
+            <a:lvl5pPr marL="1828800" indent="0" algn="l" rtl="0" eaLnBrk="1" fontAlgn="base" hangingPunct="1">
+              <a:spcBef>
+                <a:spcPct val="20000"/>
+              </a:spcBef>
+              <a:spcAft>
+                <a:spcPct val="0"/>
+              </a:spcAft>
+              <a:buClr>
+                <a:schemeClr val="accent2"/>
+              </a:buClr>
+              <a:buFont typeface="Arial" charset="0"/>
+              <a:buNone/>
+              <a:defRPr lang="de-DE" sz="1400" kern="1200">
+                <a:solidFill>
+                  <a:schemeClr val="tx1">
+                    <a:tint val="75000"/>
+                  </a:schemeClr>
+                </a:solidFill>
+                <a:latin typeface="Tahoma" pitchFamily="34" charset="0"/>
+                <a:ea typeface="+mn-ea"/>
+                <a:cs typeface="Tahoma" pitchFamily="34" charset="0"/>
+              </a:defRPr>
+            </a:lvl5pPr>
+            <a:lvl6pPr marL="2286000" indent="0" algn="l" rtl="0" eaLnBrk="1" fontAlgn="base" hangingPunct="1">
+              <a:spcBef>
+                <a:spcPct val="20000"/>
+              </a:spcBef>
+              <a:spcAft>
+                <a:spcPct val="0"/>
+              </a:spcAft>
+              <a:buClr>
+                <a:schemeClr val="accent2"/>
+              </a:buClr>
+              <a:buFont typeface="Arial" charset="0"/>
+              <a:buNone/>
+              <a:defRPr lang="de-DE" sz="1400" kern="1200">
+                <a:solidFill>
+                  <a:schemeClr val="tx1">
+                    <a:tint val="75000"/>
+                  </a:schemeClr>
+                </a:solidFill>
+                <a:latin typeface="Tahoma" pitchFamily="34" charset="0"/>
+                <a:ea typeface="+mn-ea"/>
+                <a:cs typeface="Tahoma" pitchFamily="34" charset="0"/>
+              </a:defRPr>
+            </a:lvl6pPr>
+            <a:lvl7pPr marL="2743200" indent="0" algn="l" rtl="0" eaLnBrk="1" fontAlgn="base" hangingPunct="1">
+              <a:spcBef>
+                <a:spcPct val="20000"/>
+              </a:spcBef>
+              <a:spcAft>
+                <a:spcPct val="0"/>
+              </a:spcAft>
+              <a:buClr>
+                <a:schemeClr val="accent2"/>
+              </a:buClr>
+              <a:buFont typeface="Arial" charset="0"/>
+              <a:buNone/>
+              <a:defRPr lang="de-DE" sz="1400" kern="1200">
+                <a:solidFill>
+                  <a:schemeClr val="tx1">
+                    <a:tint val="75000"/>
+                  </a:schemeClr>
+                </a:solidFill>
+                <a:latin typeface="Tahoma" pitchFamily="34" charset="0"/>
+                <a:ea typeface="+mn-ea"/>
+                <a:cs typeface="Tahoma" pitchFamily="34" charset="0"/>
+              </a:defRPr>
+            </a:lvl7pPr>
+            <a:lvl8pPr marL="3200400" indent="0" algn="l" rtl="0" eaLnBrk="1" fontAlgn="base" hangingPunct="1">
+              <a:spcBef>
+                <a:spcPct val="20000"/>
+              </a:spcBef>
+              <a:spcAft>
+                <a:spcPct val="0"/>
+              </a:spcAft>
+              <a:buClr>
+                <a:schemeClr val="accent2"/>
+              </a:buClr>
+              <a:buFont typeface="Arial" charset="0"/>
+              <a:buNone/>
+              <a:defRPr lang="de-DE" sz="1400" kern="1200">
+                <a:solidFill>
+                  <a:schemeClr val="tx1">
+                    <a:tint val="75000"/>
+                  </a:schemeClr>
+                </a:solidFill>
+                <a:latin typeface="Tahoma" pitchFamily="34" charset="0"/>
+                <a:ea typeface="+mn-ea"/>
+                <a:cs typeface="Tahoma" pitchFamily="34" charset="0"/>
+              </a:defRPr>
+            </a:lvl8pPr>
+            <a:lvl9pPr marL="3657600" indent="0" algn="l" rtl="0" eaLnBrk="1" fontAlgn="base" hangingPunct="1">
+              <a:spcBef>
+                <a:spcPct val="20000"/>
+              </a:spcBef>
+              <a:spcAft>
+                <a:spcPct val="0"/>
+              </a:spcAft>
+              <a:buClr>
+                <a:schemeClr val="accent2"/>
+              </a:buClr>
+              <a:buFont typeface="Arial" charset="0"/>
+              <a:buNone/>
+              <a:defRPr lang="de-DE" sz="1400" kern="1200">
+                <a:solidFill>
+                  <a:schemeClr val="tx1">
+                    <a:tint val="75000"/>
+                  </a:schemeClr>
+                </a:solidFill>
+                <a:latin typeface="Tahoma" pitchFamily="34" charset="0"/>
+                <a:ea typeface="+mn-ea"/>
+                <a:cs typeface="Tahoma" pitchFamily="34" charset="0"/>
+              </a:defRPr>
+            </a:lvl9pPr>
+          </a:lstStyle>
+          <a:p>
+            <a:endParaRPr lang="de-DE"/>
+          </a:p>
+          <a:p>
+            <a:endParaRPr lang="de-DE"/>
+          </a:p>
+          <a:p>
+            <a:endParaRPr lang="de-DE"/>
+          </a:p>
+          <a:p>
+            <a:r>
+              <a:rPr lang="de-DE"/>
+              <a:t>Ansprechpartner im Spiel</a:t>
+            </a:r>
+            <a:br>
+              <a:rPr lang="de-DE"/>
+            </a:br>
+            <a:endParaRPr lang="de-DE"/>
+          </a:p>
+          <a:p>
+            <a:r>
+              <a:rPr lang="de-DE"/>
+              <a:t>Sollte ins Gesamtkonzept passen</a:t>
+            </a:r>
+          </a:p>
+          <a:p>
+            <a:r>
+              <a:rPr lang="de-DE"/>
+              <a:t> </a:t>
+            </a:r>
+          </a:p>
+          <a:p>
+            <a:r>
+              <a:rPr lang="de-DE"/>
+              <a:t>Professor P. </a:t>
+            </a:r>
+            <a:endParaRPr lang="de-DE" dirty="0"/>
+          </a:p>
+        </p:txBody>
+      </p:sp>
+      <p:pic>
+        <p:nvPicPr>
+          <p:cNvPr id="6" name="Inhaltsplatzhalter 3" descr="Ein Bild, das Spielzeug enthält.&#10;&#10;Automatisch generierte Beschreibung">
+            <a:extLst>
+              <a:ext uri="{FF2B5EF4-FFF2-40B4-BE49-F238E27FC236}">
+                <a16:creationId xmlns:a16="http://schemas.microsoft.com/office/drawing/2014/main" id="{680B9BA9-39E5-4F18-BAF4-E355AF09F2FA}"/>
+              </a:ext>
+            </a:extLst>
+          </p:cNvPr>
+          <p:cNvPicPr>
+            <a:picLocks/>
+          </p:cNvPicPr>
+          <p:nvPr/>
+        </p:nvPicPr>
+        <p:blipFill>
+          <a:blip r:embed="rId2" cstate="print">
+            <a:extLst>
+              <a:ext uri="{28A0092B-C50C-407E-A947-70E740481C1C}">
+                <a14:useLocalDpi xmlns:a14="http://schemas.microsoft.com/office/drawing/2010/main" val="0"/>
+              </a:ext>
+            </a:extLst>
+          </a:blip>
+          <a:stretch>
+            <a:fillRect/>
+          </a:stretch>
+        </p:blipFill>
+        <p:spPr bwMode="auto">
+          <a:xfrm>
+            <a:off x="5486400" y="1872342"/>
+            <a:ext cx="2773363" cy="4367017"/>
+          </a:xfrm>
+          <a:prstGeom prst="rect">
+            <a:avLst/>
+          </a:prstGeom>
+          <a:noFill/>
+          <a:ln w="9525">
+            <a:noFill/>
+            <a:miter lim="800000"/>
+            <a:headEnd/>
+            <a:tailEnd/>
+          </a:ln>
+        </p:spPr>
+      </p:pic>
+    </p:spTree>
+    <p:extLst>
+      <p:ext uri="{BB962C8B-B14F-4D97-AF65-F5344CB8AC3E}">
+        <p14:creationId xmlns:p14="http://schemas.microsoft.com/office/powerpoint/2010/main" val="3466393020"/>
+      </p:ext>
+    </p:extLst>
+  </p:cSld>
+  <p:clrMapOvr>
+    <a:masterClrMapping/>
+  </p:clrMapOvr>
+</p:sld>
+</file>
+
+<file path=ppt/slides/slide11.xml><?xml version="1.0" encoding="utf-8"?>
+<p:sld xmlns:a="http://schemas.openxmlformats.org/drawingml/2006/main" xmlns:r="http://schemas.openxmlformats.org/officeDocument/2006/relationships" xmlns:p="http://schemas.openxmlformats.org/presentationml/2006/main">
+  <p:cSld>
+    <p:spTree>
+      <p:nvGrpSpPr>
+        <p:cNvPr id="1" name=""/>
+        <p:cNvGrpSpPr/>
+        <p:nvPr/>
+      </p:nvGrpSpPr>
+      <p:grpSpPr>
+        <a:xfrm>
+          <a:off x="0" y="0"/>
+          <a:ext cx="0" cy="0"/>
+          <a:chOff x="0" y="0"/>
+          <a:chExt cx="0" cy="0"/>
+        </a:xfrm>
+      </p:grpSpPr>
+      <p:sp>
+        <p:nvSpPr>
+          <p:cNvPr id="4" name="Titel 1">
+            <a:extLst>
+              <a:ext uri="{FF2B5EF4-FFF2-40B4-BE49-F238E27FC236}">
+                <a16:creationId xmlns:a16="http://schemas.microsoft.com/office/drawing/2014/main" id="{85EB7B73-5DA0-4C78-B2F7-F66A92DD6193}"/>
+              </a:ext>
+            </a:extLst>
+          </p:cNvPr>
+          <p:cNvSpPr>
+            <a:spLocks noGrp="1"/>
+          </p:cNvSpPr>
+          <p:nvPr>
+            <p:ph type="title"/>
+          </p:nvPr>
+        </p:nvSpPr>
+        <p:spPr>
+          <a:xfrm>
+            <a:off x="266947" y="414579"/>
+            <a:ext cx="5934075" cy="1179513"/>
+          </a:xfrm>
+        </p:spPr>
+        <p:txBody>
+          <a:bodyPr wrap="square" anchor="t">
+            <a:normAutofit/>
+          </a:bodyPr>
+          <a:lstStyle/>
+          <a:p>
+            <a:r>
+              <a:rPr lang="de-DE" sz="3200" cap="none" dirty="0"/>
+              <a:t>Rigging</a:t>
+            </a:r>
+            <a:r>
+              <a:rPr lang="de-DE" sz="3200" dirty="0"/>
+              <a:t> </a:t>
+            </a:r>
+          </a:p>
+        </p:txBody>
+      </p:sp>
+      <p:sp>
+        <p:nvSpPr>
+          <p:cNvPr id="5" name="Text Placeholder 2">
+            <a:extLst>
+              <a:ext uri="{FF2B5EF4-FFF2-40B4-BE49-F238E27FC236}">
+                <a16:creationId xmlns:a16="http://schemas.microsoft.com/office/drawing/2014/main" id="{BE127A23-F3DE-4610-99DF-382A6B938E63}"/>
+              </a:ext>
+            </a:extLst>
+          </p:cNvPr>
+          <p:cNvSpPr>
+            <a:spLocks noGrp="1"/>
+          </p:cNvSpPr>
+          <p:nvPr>
+            <p:ph type="body" idx="1"/>
+          </p:nvPr>
+        </p:nvSpPr>
+        <p:spPr>
+          <a:xfrm>
+            <a:off x="274470" y="1663279"/>
+            <a:ext cx="3888000" cy="639762"/>
+          </a:xfrm>
+        </p:spPr>
+        <p:txBody>
+          <a:bodyPr/>
+          <a:lstStyle/>
+          <a:p>
+            <a:pPr algn="ctr"/>
+            <a:r>
+              <a:rPr lang="en-US" dirty="0"/>
+              <a:t>3D Modell </a:t>
+            </a:r>
+            <a:r>
+              <a:rPr lang="en-US" dirty="0" err="1"/>
+              <a:t>mit</a:t>
+            </a:r>
+            <a:r>
+              <a:rPr lang="en-US" dirty="0"/>
+              <a:t> </a:t>
+            </a:r>
+            <a:r>
+              <a:rPr lang="en-US" dirty="0" err="1"/>
+              <a:t>Knochen</a:t>
+            </a:r>
+            <a:endParaRPr lang="en-US" dirty="0"/>
+          </a:p>
+        </p:txBody>
+      </p:sp>
+      <p:pic>
+        <p:nvPicPr>
+          <p:cNvPr id="6" name="Grafik 5" descr="Ein Bild, das drinnen enthält.&#10;&#10;Automatisch generierte Beschreibung">
+            <a:extLst>
+              <a:ext uri="{FF2B5EF4-FFF2-40B4-BE49-F238E27FC236}">
+                <a16:creationId xmlns:a16="http://schemas.microsoft.com/office/drawing/2014/main" id="{E1D13B37-3221-4FB5-822F-AAD5B1844F64}"/>
+              </a:ext>
+            </a:extLst>
+          </p:cNvPr>
+          <p:cNvPicPr/>
+          <p:nvPr/>
+        </p:nvPicPr>
+        <p:blipFill>
+          <a:blip r:embed="rId2" cstate="print">
+            <a:extLst>
+              <a:ext uri="{28A0092B-C50C-407E-A947-70E740481C1C}">
+                <a14:useLocalDpi xmlns:a14="http://schemas.microsoft.com/office/drawing/2010/main" val="0"/>
+              </a:ext>
+            </a:extLst>
+          </a:blip>
+          <a:stretch>
+            <a:fillRect/>
+          </a:stretch>
+        </p:blipFill>
+        <p:spPr>
+          <a:xfrm>
+            <a:off x="858144" y="2305050"/>
+            <a:ext cx="2701195" cy="3943350"/>
+          </a:xfrm>
+          <a:prstGeom prst="rect">
+            <a:avLst/>
+          </a:prstGeom>
+          <a:noFill/>
+        </p:spPr>
+      </p:pic>
+      <p:sp>
+        <p:nvSpPr>
+          <p:cNvPr id="7" name="Inhaltsplatzhalter 4">
+            <a:extLst>
+              <a:ext uri="{FF2B5EF4-FFF2-40B4-BE49-F238E27FC236}">
+                <a16:creationId xmlns:a16="http://schemas.microsoft.com/office/drawing/2014/main" id="{04276C82-92BB-43D5-AD06-49306F4FCD98}"/>
+              </a:ext>
+            </a:extLst>
+          </p:cNvPr>
+          <p:cNvSpPr txBox="1">
+            <a:spLocks/>
+          </p:cNvSpPr>
+          <p:nvPr/>
+        </p:nvSpPr>
+        <p:spPr>
+          <a:xfrm>
+            <a:off x="4284793" y="2305050"/>
+            <a:ext cx="3994426" cy="3943349"/>
+          </a:xfrm>
+          <a:prstGeom prst="rect">
+            <a:avLst/>
+          </a:prstGeom>
+        </p:spPr>
+        <p:txBody>
+          <a:bodyPr wrap="square" anchor="t">
+            <a:normAutofit/>
+          </a:bodyPr>
+          <a:lstStyle>
+            <a:lvl1pPr marL="177800" indent="-177800" algn="l" rtl="0" eaLnBrk="1" fontAlgn="base" hangingPunct="1">
+              <a:spcBef>
+                <a:spcPct val="20000"/>
+              </a:spcBef>
+              <a:spcAft>
+                <a:spcPct val="0"/>
+              </a:spcAft>
+              <a:buClr>
+                <a:schemeClr val="accent2"/>
+              </a:buClr>
+              <a:buFont typeface="Arial" charset="0"/>
+              <a:buChar char="•"/>
+              <a:defRPr lang="de-DE" kern="1200" dirty="0">
+                <a:solidFill>
+                  <a:schemeClr val="tx1"/>
+                </a:solidFill>
+                <a:latin typeface="Tahoma" pitchFamily="34" charset="0"/>
+                <a:ea typeface="+mn-ea"/>
+                <a:cs typeface="Tahoma" pitchFamily="34" charset="0"/>
+              </a:defRPr>
+            </a:lvl1pPr>
+            <a:lvl2pPr marL="361950" indent="-184150" algn="l" rtl="0" eaLnBrk="1" fontAlgn="base" hangingPunct="1">
+              <a:spcBef>
+                <a:spcPct val="20000"/>
+              </a:spcBef>
+              <a:spcAft>
+                <a:spcPct val="0"/>
+              </a:spcAft>
+              <a:buClr>
+                <a:schemeClr val="accent2"/>
+              </a:buClr>
+              <a:buFont typeface="Arial" charset="0"/>
+              <a:buChar char="•"/>
+              <a:defRPr lang="de-DE" kern="1200" dirty="0">
+                <a:solidFill>
+                  <a:schemeClr val="tx1"/>
+                </a:solidFill>
+                <a:latin typeface="Tahoma" pitchFamily="34" charset="0"/>
+                <a:ea typeface="+mn-ea"/>
+                <a:cs typeface="Tahoma" pitchFamily="34" charset="0"/>
+              </a:defRPr>
+            </a:lvl2pPr>
+            <a:lvl3pPr marL="539750" indent="-177800" algn="l" rtl="0" eaLnBrk="1" fontAlgn="base" hangingPunct="1">
+              <a:spcBef>
+                <a:spcPct val="20000"/>
+              </a:spcBef>
+              <a:spcAft>
+                <a:spcPct val="0"/>
+              </a:spcAft>
+              <a:buClr>
+                <a:schemeClr val="accent2"/>
+              </a:buClr>
+              <a:buFont typeface="Arial" charset="0"/>
+              <a:buChar char="•"/>
+              <a:defRPr lang="de-DE" kern="1200" dirty="0">
+                <a:solidFill>
+                  <a:schemeClr val="tx1"/>
+                </a:solidFill>
+                <a:latin typeface="Tahoma" pitchFamily="34" charset="0"/>
+                <a:ea typeface="+mn-ea"/>
+                <a:cs typeface="Tahoma" pitchFamily="34" charset="0"/>
+              </a:defRPr>
+            </a:lvl3pPr>
+            <a:lvl4pPr marL="717550" indent="-177800" algn="l" rtl="0" eaLnBrk="1" fontAlgn="base" hangingPunct="1">
+              <a:spcBef>
+                <a:spcPct val="20000"/>
+              </a:spcBef>
+              <a:spcAft>
+                <a:spcPct val="0"/>
+              </a:spcAft>
+              <a:buClr>
+                <a:schemeClr val="accent2"/>
+              </a:buClr>
+              <a:buFont typeface="Arial" charset="0"/>
+              <a:buChar char="•"/>
+              <a:defRPr lang="de-DE" kern="1200" dirty="0">
+                <a:solidFill>
+                  <a:schemeClr val="tx1"/>
+                </a:solidFill>
+                <a:latin typeface="Tahoma" pitchFamily="34" charset="0"/>
+                <a:ea typeface="+mn-ea"/>
+                <a:cs typeface="Tahoma" pitchFamily="34" charset="0"/>
+              </a:defRPr>
+            </a:lvl4pPr>
+            <a:lvl5pPr marL="895350" indent="-177800" algn="l" rtl="0" eaLnBrk="1" fontAlgn="base" hangingPunct="1">
+              <a:spcBef>
+                <a:spcPct val="20000"/>
+              </a:spcBef>
+              <a:spcAft>
+                <a:spcPct val="0"/>
+              </a:spcAft>
+              <a:buClr>
+                <a:schemeClr val="accent2"/>
+              </a:buClr>
+              <a:buFont typeface="Arial" charset="0"/>
+              <a:buChar char="•"/>
+              <a:defRPr lang="de-DE" kern="1200" dirty="0">
+                <a:solidFill>
+                  <a:schemeClr val="tx1"/>
+                </a:solidFill>
+                <a:latin typeface="Tahoma" pitchFamily="34" charset="0"/>
+                <a:ea typeface="+mn-ea"/>
+                <a:cs typeface="Tahoma" pitchFamily="34" charset="0"/>
+              </a:defRPr>
+            </a:lvl5pPr>
+            <a:lvl6pPr marL="1352550" indent="-177800" algn="l" rtl="0" eaLnBrk="1" fontAlgn="base" hangingPunct="1">
+              <a:spcBef>
+                <a:spcPct val="20000"/>
+              </a:spcBef>
+              <a:spcAft>
+                <a:spcPct val="0"/>
+              </a:spcAft>
+              <a:buClr>
+                <a:schemeClr val="accent2"/>
+              </a:buClr>
+              <a:buFont typeface="Arial" charset="0"/>
+              <a:buChar char="•"/>
+              <a:defRPr lang="de-DE" kern="1200" dirty="0">
+                <a:solidFill>
+                  <a:schemeClr val="tx1"/>
+                </a:solidFill>
+                <a:latin typeface="Tahoma" pitchFamily="34" charset="0"/>
+                <a:ea typeface="+mn-ea"/>
+                <a:cs typeface="Tahoma" pitchFamily="34" charset="0"/>
+              </a:defRPr>
+            </a:lvl6pPr>
+            <a:lvl7pPr marL="1809750" indent="-177800" algn="l" rtl="0" eaLnBrk="1" fontAlgn="base" hangingPunct="1">
+              <a:spcBef>
+                <a:spcPct val="20000"/>
+              </a:spcBef>
+              <a:spcAft>
+                <a:spcPct val="0"/>
+              </a:spcAft>
+              <a:buClr>
+                <a:schemeClr val="accent2"/>
+              </a:buClr>
+              <a:buFont typeface="Arial" charset="0"/>
+              <a:buChar char="•"/>
+              <a:defRPr lang="de-DE" kern="1200" dirty="0">
+                <a:solidFill>
+                  <a:schemeClr val="tx1"/>
+                </a:solidFill>
+                <a:latin typeface="Tahoma" pitchFamily="34" charset="0"/>
+                <a:ea typeface="+mn-ea"/>
+                <a:cs typeface="Tahoma" pitchFamily="34" charset="0"/>
+              </a:defRPr>
+            </a:lvl7pPr>
+            <a:lvl8pPr marL="2266950" indent="-177800" algn="l" rtl="0" eaLnBrk="1" fontAlgn="base" hangingPunct="1">
+              <a:spcBef>
+                <a:spcPct val="20000"/>
+              </a:spcBef>
+              <a:spcAft>
+                <a:spcPct val="0"/>
+              </a:spcAft>
+              <a:buClr>
+                <a:schemeClr val="accent2"/>
+              </a:buClr>
+              <a:buFont typeface="Arial" charset="0"/>
+              <a:buChar char="•"/>
+              <a:defRPr lang="de-DE" kern="1200" dirty="0">
+                <a:solidFill>
+                  <a:schemeClr val="tx1"/>
+                </a:solidFill>
+                <a:latin typeface="Tahoma" pitchFamily="34" charset="0"/>
+                <a:ea typeface="+mn-ea"/>
+                <a:cs typeface="Tahoma" pitchFamily="34" charset="0"/>
+              </a:defRPr>
+            </a:lvl8pPr>
+            <a:lvl9pPr marL="2724150" indent="-177800" algn="l" rtl="0" eaLnBrk="1" fontAlgn="base" hangingPunct="1">
+              <a:spcBef>
+                <a:spcPct val="20000"/>
+              </a:spcBef>
+              <a:spcAft>
+                <a:spcPct val="0"/>
+              </a:spcAft>
+              <a:buClr>
+                <a:schemeClr val="accent2"/>
+              </a:buClr>
+              <a:buFont typeface="Arial" charset="0"/>
+              <a:buChar char="•"/>
+              <a:defRPr lang="de-DE" kern="1200" dirty="0">
+                <a:solidFill>
+                  <a:schemeClr val="tx1"/>
+                </a:solidFill>
+                <a:latin typeface="Tahoma" pitchFamily="34" charset="0"/>
+                <a:ea typeface="+mn-ea"/>
+                <a:cs typeface="Tahoma" pitchFamily="34" charset="0"/>
+              </a:defRPr>
+            </a:lvl9pPr>
+          </a:lstStyle>
+          <a:p>
+            <a:r>
+              <a:rPr lang="de-DE"/>
+              <a:t>Als Grundlage für die Animation notwendig</a:t>
+            </a:r>
+          </a:p>
+          <a:p>
+            <a:r>
+              <a:rPr lang="de-DE"/>
+              <a:t>15 Knochen statt der 200 eines echten Menschen </a:t>
+            </a:r>
+          </a:p>
+          <a:p>
+            <a:endParaRPr lang="de-DE"/>
+          </a:p>
+          <a:p>
+            <a:endParaRPr lang="de-DE"/>
+          </a:p>
+        </p:txBody>
+      </p:sp>
+    </p:spTree>
+    <p:extLst>
+      <p:ext uri="{BB962C8B-B14F-4D97-AF65-F5344CB8AC3E}">
+        <p14:creationId xmlns:p14="http://schemas.microsoft.com/office/powerpoint/2010/main" val="3948762120"/>
+      </p:ext>
+    </p:extLst>
+  </p:cSld>
+  <p:clrMapOvr>
+    <a:masterClrMapping/>
+  </p:clrMapOvr>
+</p:sld>
+</file>
+
+<file path=ppt/slides/slide12.xml><?xml version="1.0" encoding="utf-8"?>
+<p:sld xmlns:a="http://schemas.openxmlformats.org/drawingml/2006/main" xmlns:r="http://schemas.openxmlformats.org/officeDocument/2006/relationships" xmlns:p="http://schemas.openxmlformats.org/presentationml/2006/main">
+  <p:cSld>
+    <p:spTree>
+      <p:nvGrpSpPr>
+        <p:cNvPr id="1" name=""/>
+        <p:cNvGrpSpPr/>
+        <p:nvPr/>
+      </p:nvGrpSpPr>
+      <p:grpSpPr>
+        <a:xfrm>
+          <a:off x="0" y="0"/>
+          <a:ext cx="0" cy="0"/>
+          <a:chOff x="0" y="0"/>
+          <a:chExt cx="0" cy="0"/>
+        </a:xfrm>
+      </p:grpSpPr>
+      <p:sp>
+        <p:nvSpPr>
+          <p:cNvPr id="2" name="Titel 1">
+            <a:extLst>
+              <a:ext uri="{FF2B5EF4-FFF2-40B4-BE49-F238E27FC236}">
+                <a16:creationId xmlns:a16="http://schemas.microsoft.com/office/drawing/2014/main" id="{1F0B2DD4-3EBE-4F2F-AA5C-CA3D33F8AC9C}"/>
+              </a:ext>
+            </a:extLst>
+          </p:cNvPr>
+          <p:cNvSpPr>
+            <a:spLocks noGrp="1"/>
+          </p:cNvSpPr>
+          <p:nvPr>
+            <p:ph type="title"/>
+          </p:nvPr>
+        </p:nvSpPr>
+        <p:spPr>
+          <a:xfrm>
+            <a:off x="275526" y="416664"/>
+            <a:ext cx="5934075" cy="926481"/>
+          </a:xfrm>
+        </p:spPr>
+        <p:txBody>
+          <a:bodyPr/>
+          <a:lstStyle/>
+          <a:p>
+            <a:r>
+              <a:rPr lang="de-DE" sz="3200" dirty="0"/>
+              <a:t>Elementsteine - Design</a:t>
+            </a:r>
+          </a:p>
+        </p:txBody>
+      </p:sp>
+      <p:sp>
+        <p:nvSpPr>
+          <p:cNvPr id="3" name="Inhaltsplatzhalter 2">
+            <a:extLst>
+              <a:ext uri="{FF2B5EF4-FFF2-40B4-BE49-F238E27FC236}">
+                <a16:creationId xmlns:a16="http://schemas.microsoft.com/office/drawing/2014/main" id="{EE03C0FD-EEB0-4FC7-9103-5B1DEF20402F}"/>
+              </a:ext>
+            </a:extLst>
+          </p:cNvPr>
+          <p:cNvSpPr>
+            <a:spLocks noGrp="1"/>
+          </p:cNvSpPr>
+          <p:nvPr>
+            <p:ph idx="1"/>
+          </p:nvPr>
+        </p:nvSpPr>
+        <p:spPr>
+          <a:xfrm>
+            <a:off x="256071" y="1343146"/>
+            <a:ext cx="8003692" cy="4939758"/>
+          </a:xfrm>
+        </p:spPr>
+        <p:txBody>
+          <a:bodyPr/>
+          <a:lstStyle/>
+          <a:p>
+            <a:r>
+              <a:rPr lang="de-DE" dirty="0"/>
+              <a:t>Unterschiedliche Designs für unterschiedliche Programmierelementtypen</a:t>
+            </a:r>
+          </a:p>
+          <a:p>
+            <a:r>
+              <a:rPr lang="de-DE" dirty="0"/>
+              <a:t>Idee: Spieler soll an der Form des Steins erkennen, um welchen Typen es sich handelt (wenn möglich)</a:t>
+            </a:r>
+          </a:p>
+          <a:p>
+            <a:endParaRPr lang="de-DE" dirty="0"/>
+          </a:p>
+          <a:p>
+            <a:endParaRPr lang="de-DE" dirty="0"/>
+          </a:p>
+          <a:p>
+            <a:endParaRPr lang="de-DE" dirty="0"/>
+          </a:p>
+          <a:p>
+            <a:endParaRPr lang="de-DE" dirty="0"/>
+          </a:p>
+          <a:p>
+            <a:endParaRPr lang="de-DE" dirty="0"/>
+          </a:p>
+          <a:p>
+            <a:endParaRPr lang="de-DE" dirty="0"/>
+          </a:p>
+          <a:p>
+            <a:r>
+              <a:rPr lang="de-DE" dirty="0"/>
+              <a:t>Zudem 3D-Schrift auf den Steinen, um </a:t>
+            </a:r>
+            <a:r>
+              <a:rPr lang="de-DE" dirty="0" err="1"/>
+              <a:t>Programmierelementyp</a:t>
+            </a:r>
+            <a:r>
+              <a:rPr lang="de-DE" dirty="0"/>
+              <a:t> zu verdeutlichen</a:t>
+            </a:r>
+          </a:p>
+          <a:p>
+            <a:endParaRPr lang="de-DE" dirty="0"/>
+          </a:p>
+          <a:p>
+            <a:endParaRPr lang="de-DE" dirty="0"/>
+          </a:p>
+          <a:p>
+            <a:endParaRPr lang="de-DE" dirty="0"/>
+          </a:p>
+          <a:p>
+            <a:endParaRPr lang="de-DE" dirty="0"/>
+          </a:p>
+          <a:p>
+            <a:endParaRPr lang="de-DE" dirty="0"/>
+          </a:p>
+        </p:txBody>
+      </p:sp>
+      <p:pic>
+        <p:nvPicPr>
+          <p:cNvPr id="5" name="Grafik 4">
+            <a:extLst>
+              <a:ext uri="{FF2B5EF4-FFF2-40B4-BE49-F238E27FC236}">
+                <a16:creationId xmlns:a16="http://schemas.microsoft.com/office/drawing/2014/main" id="{BDFA8C0A-B84B-BF46-AC8B-3E84954DB652}"/>
+              </a:ext>
+            </a:extLst>
+          </p:cNvPr>
+          <p:cNvPicPr>
+            <a:picLocks noChangeAspect="1"/>
+          </p:cNvPicPr>
+          <p:nvPr/>
+        </p:nvPicPr>
+        <p:blipFill>
+          <a:blip r:embed="rId2">
+            <a:extLst>
+              <a:ext uri="{28A0092B-C50C-407E-A947-70E740481C1C}">
+                <a14:useLocalDpi xmlns:a14="http://schemas.microsoft.com/office/drawing/2010/main" val="0"/>
+              </a:ext>
+            </a:extLst>
+          </a:blip>
+          <a:stretch>
+            <a:fillRect/>
+          </a:stretch>
+        </p:blipFill>
+        <p:spPr>
+          <a:xfrm>
+            <a:off x="3572536" y="2052865"/>
+            <a:ext cx="2354036" cy="2150379"/>
+          </a:xfrm>
+          <a:prstGeom prst="rect">
+            <a:avLst/>
+          </a:prstGeom>
+        </p:spPr>
+      </p:pic>
+      <p:pic>
+        <p:nvPicPr>
+          <p:cNvPr id="7" name="Grafik 6">
+            <a:extLst>
+              <a:ext uri="{FF2B5EF4-FFF2-40B4-BE49-F238E27FC236}">
+                <a16:creationId xmlns:a16="http://schemas.microsoft.com/office/drawing/2014/main" id="{A7874900-1D54-464B-B3EF-15DB6F09519B}"/>
+              </a:ext>
+            </a:extLst>
+          </p:cNvPr>
+          <p:cNvPicPr>
+            <a:picLocks noChangeAspect="1"/>
+          </p:cNvPicPr>
+          <p:nvPr/>
+        </p:nvPicPr>
+        <p:blipFill>
+          <a:blip r:embed="rId3">
+            <a:extLst>
+              <a:ext uri="{28A0092B-C50C-407E-A947-70E740481C1C}">
+                <a14:useLocalDpi xmlns:a14="http://schemas.microsoft.com/office/drawing/2010/main" val="0"/>
+              </a:ext>
+            </a:extLst>
+          </a:blip>
+          <a:stretch>
+            <a:fillRect/>
+          </a:stretch>
+        </p:blipFill>
+        <p:spPr>
+          <a:xfrm>
+            <a:off x="3572536" y="4782335"/>
+            <a:ext cx="2354036" cy="1622625"/>
+          </a:xfrm>
+          <a:prstGeom prst="rect">
+            <a:avLst/>
+          </a:prstGeom>
+        </p:spPr>
+      </p:pic>
+    </p:spTree>
+    <p:extLst>
+      <p:ext uri="{BB962C8B-B14F-4D97-AF65-F5344CB8AC3E}">
+        <p14:creationId xmlns:p14="http://schemas.microsoft.com/office/powerpoint/2010/main" val="1322882623"/>
+      </p:ext>
+    </p:extLst>
+  </p:cSld>
+  <p:clrMapOvr>
+    <a:masterClrMapping/>
+  </p:clrMapOvr>
+</p:sld>
+</file>
+
+<file path=ppt/slides/slide13.xml><?xml version="1.0" encoding="utf-8"?>
+<p:sld xmlns:a="http://schemas.openxmlformats.org/drawingml/2006/main" xmlns:r="http://schemas.openxmlformats.org/officeDocument/2006/relationships" xmlns:p="http://schemas.openxmlformats.org/presentationml/2006/main">
+  <p:cSld>
+    <p:spTree>
+      <p:nvGrpSpPr>
+        <p:cNvPr id="1" name=""/>
+        <p:cNvGrpSpPr/>
+        <p:nvPr/>
+      </p:nvGrpSpPr>
+      <p:grpSpPr>
+        <a:xfrm>
+          <a:off x="0" y="0"/>
+          <a:ext cx="0" cy="0"/>
+          <a:chOff x="0" y="0"/>
+          <a:chExt cx="0" cy="0"/>
+        </a:xfrm>
+      </p:grpSpPr>
+      <p:sp>
+        <p:nvSpPr>
           <p:cNvPr id="2" name="Titel 1">
             <a:extLst>
               <a:ext uri="{FF2B5EF4-FFF2-40B4-BE49-F238E27FC236}">
@@ -3721,7 +7737,7 @@
           <a:lstStyle/>
           <a:p>
             <a:r>
-              <a:rPr lang="de-DE" dirty="0"/>
+              <a:rPr lang="de-DE" sz="3200" dirty="0"/>
               <a:t>Elementsteine – Design </a:t>
             </a:r>
           </a:p>
@@ -3908,7 +7924,7 @@
 </p:sld>
 </file>
 
-<file path=ppt/slides/slide11.xml><?xml version="1.0" encoding="utf-8"?>
+<file path=ppt/slides/slide14.xml><?xml version="1.0" encoding="utf-8"?>
 <p:sld xmlns:a="http://schemas.openxmlformats.org/drawingml/2006/main" xmlns:r="http://schemas.openxmlformats.org/officeDocument/2006/relationships" xmlns:p="http://schemas.openxmlformats.org/presentationml/2006/main">
   <p:cSld>
     <p:spTree>
@@ -3952,7 +7968,7 @@
           <a:lstStyle/>
           <a:p>
             <a:r>
-              <a:rPr lang="de-DE" dirty="0"/>
+              <a:rPr lang="de-DE" sz="3200" dirty="0"/>
               <a:t>Elementsteine - Design</a:t>
             </a:r>
           </a:p>
@@ -4175,7 +8191,7 @@
 </p:sld>
 </file>
 
-<file path=ppt/slides/slide12.xml><?xml version="1.0" encoding="utf-8"?>
+<file path=ppt/slides/slide15.xml><?xml version="1.0" encoding="utf-8"?>
 <p:sld xmlns:a="http://schemas.openxmlformats.org/drawingml/2006/main" xmlns:r="http://schemas.openxmlformats.org/officeDocument/2006/relationships" xmlns:p="http://schemas.openxmlformats.org/presentationml/2006/main">
   <p:cSld>
     <p:spTree>
@@ -4219,7 +8235,7 @@
           <a:lstStyle/>
           <a:p>
             <a:r>
-              <a:rPr lang="de-DE" dirty="0"/>
+              <a:rPr lang="de-DE" sz="3200" dirty="0"/>
               <a:t>Einrichtung – Design </a:t>
             </a:r>
           </a:p>
@@ -4277,7 +8293,886 @@
 </p:sld>
 </file>
 
-<file path=ppt/slides/slide13.xml><?xml version="1.0" encoding="utf-8"?>
+<file path=ppt/slides/slide16.xml><?xml version="1.0" encoding="utf-8"?>
+<p:sld xmlns:a="http://schemas.openxmlformats.org/drawingml/2006/main" xmlns:r="http://schemas.openxmlformats.org/officeDocument/2006/relationships" xmlns:p="http://schemas.openxmlformats.org/presentationml/2006/main">
+  <p:cSld>
+    <p:spTree>
+      <p:nvGrpSpPr>
+        <p:cNvPr id="1" name=""/>
+        <p:cNvGrpSpPr/>
+        <p:nvPr/>
+      </p:nvGrpSpPr>
+      <p:grpSpPr>
+        <a:xfrm>
+          <a:off x="0" y="0"/>
+          <a:ext cx="0" cy="0"/>
+          <a:chOff x="0" y="0"/>
+          <a:chExt cx="0" cy="0"/>
+        </a:xfrm>
+      </p:grpSpPr>
+      <p:sp>
+        <p:nvSpPr>
+          <p:cNvPr id="2" name="Titel 1">
+            <a:extLst>
+              <a:ext uri="{FF2B5EF4-FFF2-40B4-BE49-F238E27FC236}">
+                <a16:creationId xmlns:a16="http://schemas.microsoft.com/office/drawing/2014/main" id="{1F0B2DD4-3EBE-4F2F-AA5C-CA3D33F8AC9C}"/>
+              </a:ext>
+            </a:extLst>
+          </p:cNvPr>
+          <p:cNvSpPr>
+            <a:spLocks noGrp="1"/>
+          </p:cNvSpPr>
+          <p:nvPr>
+            <p:ph type="title"/>
+          </p:nvPr>
+        </p:nvSpPr>
+        <p:spPr>
+          <a:xfrm>
+            <a:off x="275526" y="416664"/>
+            <a:ext cx="5934075" cy="901148"/>
+          </a:xfrm>
+        </p:spPr>
+        <p:txBody>
+          <a:bodyPr/>
+          <a:lstStyle/>
+          <a:p>
+            <a:r>
+              <a:rPr lang="de-DE" sz="3200" dirty="0"/>
+              <a:t>Funktion des Dozenten</a:t>
+            </a:r>
+          </a:p>
+        </p:txBody>
+      </p:sp>
+      <p:sp>
+        <p:nvSpPr>
+          <p:cNvPr id="3" name="Inhaltsplatzhalter 2">
+            <a:extLst>
+              <a:ext uri="{FF2B5EF4-FFF2-40B4-BE49-F238E27FC236}">
+                <a16:creationId xmlns:a16="http://schemas.microsoft.com/office/drawing/2014/main" id="{EE03C0FD-EEB0-4FC7-9103-5B1DEF20402F}"/>
+              </a:ext>
+            </a:extLst>
+          </p:cNvPr>
+          <p:cNvSpPr>
+            <a:spLocks noGrp="1"/>
+          </p:cNvSpPr>
+          <p:nvPr>
+            <p:ph idx="1"/>
+          </p:nvPr>
+        </p:nvSpPr>
+        <p:spPr>
+          <a:xfrm>
+            <a:off x="256071" y="1640542"/>
+            <a:ext cx="5207620" cy="4642362"/>
+          </a:xfrm>
+        </p:spPr>
+        <p:txBody>
+          <a:bodyPr>
+            <a:normAutofit lnSpcReduction="10000"/>
+          </a:bodyPr>
+          <a:lstStyle/>
+          <a:p>
+            <a:r>
+              <a:rPr lang="de-DE" sz="2000" dirty="0">
+                <a:latin typeface="+mn-lt"/>
+              </a:rPr>
+              <a:t>Start: Erklärung des Spielprinzips</a:t>
+            </a:r>
+          </a:p>
+          <a:p>
+            <a:r>
+              <a:rPr lang="de-DE" sz="2000" dirty="0">
+                <a:latin typeface="+mn-lt"/>
+              </a:rPr>
+              <a:t>Ansprechpartner</a:t>
+            </a:r>
+          </a:p>
+          <a:p>
+            <a:pPr marL="0" indent="0">
+              <a:buNone/>
+            </a:pPr>
+            <a:r>
+              <a:rPr lang="de-DE" sz="2000" dirty="0">
+                <a:latin typeface="+mn-lt"/>
+              </a:rPr>
+              <a:t>→ Unterstützt / gibt Hilfestellung</a:t>
+            </a:r>
+          </a:p>
+          <a:p>
+            <a:pPr marL="0" indent="0">
+              <a:buNone/>
+            </a:pPr>
+            <a:endParaRPr lang="de-DE" sz="2000" dirty="0">
+              <a:latin typeface="+mn-lt"/>
+            </a:endParaRPr>
+          </a:p>
+          <a:p>
+            <a:pPr marL="0" indent="0">
+              <a:buNone/>
+            </a:pPr>
+            <a:r>
+              <a:rPr lang="de-DE" sz="2000" dirty="0">
+                <a:latin typeface="+mn-lt"/>
+              </a:rPr>
+              <a:t>Zwei Verschiedene Arten von Hinweisen:</a:t>
+            </a:r>
+          </a:p>
+          <a:p>
+            <a:r>
+              <a:rPr lang="de-DE" sz="2000" dirty="0">
+                <a:latin typeface="+mn-lt"/>
+              </a:rPr>
+              <a:t>Hinweise zum Levelablauf</a:t>
+            </a:r>
+          </a:p>
+          <a:p>
+            <a:pPr marL="0" indent="0">
+              <a:buNone/>
+            </a:pPr>
+            <a:r>
+              <a:rPr lang="de-DE" sz="2000" dirty="0">
+                <a:latin typeface="+mn-lt"/>
+              </a:rPr>
+              <a:t>→ Betätigung des Buttons am Pult</a:t>
+            </a:r>
+          </a:p>
+          <a:p>
+            <a:r>
+              <a:rPr lang="de-DE" sz="2000" dirty="0">
+                <a:latin typeface="+mn-lt"/>
+              </a:rPr>
+              <a:t>Hinweise / Erklärungen zu einzelnen Bausteinen</a:t>
+            </a:r>
+          </a:p>
+          <a:p>
+            <a:pPr marL="0" indent="0">
+              <a:buNone/>
+            </a:pPr>
+            <a:r>
+              <a:rPr lang="de-DE" sz="2000" dirty="0">
+                <a:latin typeface="+mn-lt"/>
+              </a:rPr>
+              <a:t>→ Durch „überreichen“ des Bausteins</a:t>
+            </a:r>
+          </a:p>
+          <a:p>
+            <a:pPr marL="0" indent="0">
+              <a:buNone/>
+            </a:pPr>
+            <a:endParaRPr lang="de-DE" sz="2000" dirty="0">
+              <a:latin typeface="+mn-lt"/>
+            </a:endParaRPr>
+          </a:p>
+          <a:p>
+            <a:pPr marL="0" indent="0">
+              <a:buNone/>
+            </a:pPr>
+            <a:r>
+              <a:rPr lang="de-DE" sz="2000" dirty="0">
+                <a:latin typeface="+mn-lt"/>
+              </a:rPr>
+              <a:t>→ Parallelen zum „echten“ Lehrer/Dozenten verstärken Aspekt der virtuellen Realität</a:t>
+            </a:r>
+          </a:p>
+          <a:p>
+            <a:endParaRPr lang="de-DE" dirty="0"/>
+          </a:p>
+          <a:p>
+            <a:endParaRPr lang="de-DE" dirty="0"/>
+          </a:p>
+        </p:txBody>
+      </p:sp>
+      <p:pic>
+        <p:nvPicPr>
+          <p:cNvPr id="5" name="Grafik 4">
+            <a:extLst>
+              <a:ext uri="{FF2B5EF4-FFF2-40B4-BE49-F238E27FC236}">
+                <a16:creationId xmlns:a16="http://schemas.microsoft.com/office/drawing/2014/main" id="{25927B1D-11F1-4D80-87CA-92D784D089BD}"/>
+              </a:ext>
+            </a:extLst>
+          </p:cNvPr>
+          <p:cNvPicPr>
+            <a:picLocks noChangeAspect="1"/>
+          </p:cNvPicPr>
+          <p:nvPr/>
+        </p:nvPicPr>
+        <p:blipFill>
+          <a:blip r:embed="rId3"/>
+          <a:stretch>
+            <a:fillRect/>
+          </a:stretch>
+        </p:blipFill>
+        <p:spPr>
+          <a:xfrm>
+            <a:off x="5901795" y="4301660"/>
+            <a:ext cx="2548029" cy="1519798"/>
+          </a:xfrm>
+          <a:prstGeom prst="rect">
+            <a:avLst/>
+          </a:prstGeom>
+        </p:spPr>
+      </p:pic>
+      <p:pic>
+        <p:nvPicPr>
+          <p:cNvPr id="7" name="Grafik 6">
+            <a:extLst>
+              <a:ext uri="{FF2B5EF4-FFF2-40B4-BE49-F238E27FC236}">
+                <a16:creationId xmlns:a16="http://schemas.microsoft.com/office/drawing/2014/main" id="{0F70F0A0-2476-4C56-8203-6CAD0AFF736E}"/>
+              </a:ext>
+            </a:extLst>
+          </p:cNvPr>
+          <p:cNvPicPr>
+            <a:picLocks noChangeAspect="1"/>
+          </p:cNvPicPr>
+          <p:nvPr/>
+        </p:nvPicPr>
+        <p:blipFill>
+          <a:blip r:embed="rId4"/>
+          <a:stretch>
+            <a:fillRect/>
+          </a:stretch>
+        </p:blipFill>
+        <p:spPr>
+          <a:xfrm>
+            <a:off x="5463691" y="1640542"/>
+            <a:ext cx="3424238" cy="2338388"/>
+          </a:xfrm>
+          <a:prstGeom prst="rect">
+            <a:avLst/>
+          </a:prstGeom>
+        </p:spPr>
+      </p:pic>
+    </p:spTree>
+    <p:extLst>
+      <p:ext uri="{BB962C8B-B14F-4D97-AF65-F5344CB8AC3E}">
+        <p14:creationId xmlns:p14="http://schemas.microsoft.com/office/powerpoint/2010/main" val="2747077608"/>
+      </p:ext>
+    </p:extLst>
+  </p:cSld>
+  <p:clrMapOvr>
+    <a:masterClrMapping/>
+  </p:clrMapOvr>
+</p:sld>
+</file>
+
+<file path=ppt/slides/slide17.xml><?xml version="1.0" encoding="utf-8"?>
+<p:sld xmlns:a="http://schemas.openxmlformats.org/drawingml/2006/main" xmlns:r="http://schemas.openxmlformats.org/officeDocument/2006/relationships" xmlns:p="http://schemas.openxmlformats.org/presentationml/2006/main">
+  <p:cSld>
+    <p:spTree>
+      <p:nvGrpSpPr>
+        <p:cNvPr id="1" name=""/>
+        <p:cNvGrpSpPr/>
+        <p:nvPr/>
+      </p:nvGrpSpPr>
+      <p:grpSpPr>
+        <a:xfrm>
+          <a:off x="0" y="0"/>
+          <a:ext cx="0" cy="0"/>
+          <a:chOff x="0" y="0"/>
+          <a:chExt cx="0" cy="0"/>
+        </a:xfrm>
+      </p:grpSpPr>
+      <p:sp>
+        <p:nvSpPr>
+          <p:cNvPr id="2" name="Titel 1">
+            <a:extLst>
+              <a:ext uri="{FF2B5EF4-FFF2-40B4-BE49-F238E27FC236}">
+                <a16:creationId xmlns:a16="http://schemas.microsoft.com/office/drawing/2014/main" id="{46AA3CC2-B3D5-41D3-B74E-C70194AC7E28}"/>
+              </a:ext>
+            </a:extLst>
+          </p:cNvPr>
+          <p:cNvSpPr>
+            <a:spLocks noGrp="1"/>
+          </p:cNvSpPr>
+          <p:nvPr>
+            <p:ph type="title"/>
+          </p:nvPr>
+        </p:nvSpPr>
+        <p:spPr>
+          <a:xfrm>
+            <a:off x="275526" y="416664"/>
+            <a:ext cx="5934075" cy="1004632"/>
+          </a:xfrm>
+        </p:spPr>
+        <p:txBody>
+          <a:bodyPr/>
+          <a:lstStyle/>
+          <a:p>
+            <a:r>
+              <a:rPr lang="de-DE" sz="3200" dirty="0"/>
+              <a:t>Parallelen zur realen Welt</a:t>
+            </a:r>
+          </a:p>
+        </p:txBody>
+      </p:sp>
+      <p:sp>
+        <p:nvSpPr>
+          <p:cNvPr id="3" name="Inhaltsplatzhalter 2">
+            <a:extLst>
+              <a:ext uri="{FF2B5EF4-FFF2-40B4-BE49-F238E27FC236}">
+                <a16:creationId xmlns:a16="http://schemas.microsoft.com/office/drawing/2014/main" id="{9C6DAA5A-3845-4425-AAD6-2845A38D6990}"/>
+              </a:ext>
+            </a:extLst>
+          </p:cNvPr>
+          <p:cNvSpPr>
+            <a:spLocks noGrp="1"/>
+          </p:cNvSpPr>
+          <p:nvPr>
+            <p:ph idx="1"/>
+          </p:nvPr>
+        </p:nvSpPr>
+        <p:spPr>
+          <a:xfrm>
+            <a:off x="256071" y="1311966"/>
+            <a:ext cx="4912277" cy="2133469"/>
+          </a:xfrm>
+        </p:spPr>
+        <p:txBody>
+          <a:bodyPr>
+            <a:normAutofit lnSpcReduction="10000"/>
+          </a:bodyPr>
+          <a:lstStyle/>
+          <a:p>
+            <a:r>
+              <a:rPr lang="de-DE" sz="2000" dirty="0">
+                <a:latin typeface="+mn-lt"/>
+              </a:rPr>
+              <a:t>Einbringen von spielerischen Elementen</a:t>
+            </a:r>
+          </a:p>
+          <a:p>
+            <a:r>
+              <a:rPr lang="de-DE" sz="2000" dirty="0">
+                <a:latin typeface="+mn-lt"/>
+              </a:rPr>
+              <a:t>Konfrontieren mit Problemen, die gelöst werden müssen, um weiter zu kommen</a:t>
+            </a:r>
+          </a:p>
+          <a:p>
+            <a:pPr marL="180975" lvl="1" indent="0">
+              <a:buNone/>
+            </a:pPr>
+            <a:r>
+              <a:rPr lang="de-DE" sz="2000" dirty="0">
+                <a:latin typeface="+mn-lt"/>
+              </a:rPr>
+              <a:t>→ Anlehnung an Escape Rooms</a:t>
+            </a:r>
+          </a:p>
+          <a:p>
+            <a:endParaRPr lang="de-DE" sz="2000" dirty="0">
+              <a:latin typeface="+mn-lt"/>
+            </a:endParaRPr>
+          </a:p>
+          <a:p>
+            <a:r>
+              <a:rPr lang="de-DE" sz="2000" dirty="0">
+                <a:latin typeface="+mn-lt"/>
+              </a:rPr>
+              <a:t>Bausteine müssen erst gefunden werden</a:t>
+            </a:r>
+          </a:p>
+          <a:p>
+            <a:pPr marL="0" indent="0">
+              <a:buNone/>
+            </a:pPr>
+            <a:endParaRPr lang="de-DE" dirty="0"/>
+          </a:p>
+          <a:p>
+            <a:pPr marL="0" indent="0">
+              <a:buNone/>
+            </a:pPr>
+            <a:endParaRPr lang="de-DE" dirty="0"/>
+          </a:p>
+          <a:p>
+            <a:pPr marL="0" indent="0">
+              <a:buNone/>
+            </a:pPr>
+            <a:endParaRPr lang="de-DE" dirty="0"/>
+          </a:p>
+          <a:p>
+            <a:pPr marL="0" indent="0">
+              <a:buNone/>
+            </a:pPr>
+            <a:endParaRPr lang="de-DE" dirty="0"/>
+          </a:p>
+          <a:p>
+            <a:endParaRPr lang="de-DE" dirty="0"/>
+          </a:p>
+        </p:txBody>
+      </p:sp>
+      <p:pic>
+        <p:nvPicPr>
+          <p:cNvPr id="5" name="Grafik 4">
+            <a:extLst>
+              <a:ext uri="{FF2B5EF4-FFF2-40B4-BE49-F238E27FC236}">
+                <a16:creationId xmlns:a16="http://schemas.microsoft.com/office/drawing/2014/main" id="{7BB5FCC6-AB5A-4117-BC37-0FEC63D8BFC9}"/>
+              </a:ext>
+            </a:extLst>
+          </p:cNvPr>
+          <p:cNvPicPr>
+            <a:picLocks noChangeAspect="1"/>
+          </p:cNvPicPr>
+          <p:nvPr/>
+        </p:nvPicPr>
+        <p:blipFill>
+          <a:blip r:embed="rId3"/>
+          <a:stretch>
+            <a:fillRect/>
+          </a:stretch>
+        </p:blipFill>
+        <p:spPr>
+          <a:xfrm>
+            <a:off x="5336280" y="1421296"/>
+            <a:ext cx="3551649" cy="2024139"/>
+          </a:xfrm>
+          <a:prstGeom prst="rect">
+            <a:avLst/>
+          </a:prstGeom>
+        </p:spPr>
+      </p:pic>
+      <p:sp>
+        <p:nvSpPr>
+          <p:cNvPr id="8" name="Inhaltsplatzhalter 2">
+            <a:extLst>
+              <a:ext uri="{FF2B5EF4-FFF2-40B4-BE49-F238E27FC236}">
+                <a16:creationId xmlns:a16="http://schemas.microsoft.com/office/drawing/2014/main" id="{549D69D3-E71A-4D6B-A448-D1FC2CD1A462}"/>
+              </a:ext>
+            </a:extLst>
+          </p:cNvPr>
+          <p:cNvSpPr txBox="1">
+            <a:spLocks/>
+          </p:cNvSpPr>
+          <p:nvPr/>
+        </p:nvSpPr>
+        <p:spPr bwMode="auto">
+          <a:xfrm>
+            <a:off x="275526" y="3617330"/>
+            <a:ext cx="5060754" cy="2621342"/>
+          </a:xfrm>
+          <a:prstGeom prst="rect">
+            <a:avLst/>
+          </a:prstGeom>
+          <a:noFill/>
+          <a:ln w="9525">
+            <a:noFill/>
+            <a:miter lim="800000"/>
+            <a:headEnd/>
+            <a:tailEnd/>
+          </a:ln>
+        </p:spPr>
+        <p:txBody>
+          <a:bodyPr vert="horz" wrap="square" lIns="91440" tIns="45720" rIns="91440" bIns="45720" numCol="1" rtlCol="0" anchor="t" anchorCtr="0" compatLnSpc="1">
+            <a:prstTxWarp prst="textNoShape">
+              <a:avLst/>
+            </a:prstTxWarp>
+            <a:normAutofit/>
+          </a:bodyPr>
+          <a:lstStyle>
+            <a:lvl1pPr marL="180975" indent="-180975" algn="l" defTabSz="914400" rtl="0" eaLnBrk="1" fontAlgn="base" latinLnBrk="0" hangingPunct="1">
+              <a:spcBef>
+                <a:spcPct val="20000"/>
+              </a:spcBef>
+              <a:spcAft>
+                <a:spcPct val="0"/>
+              </a:spcAft>
+              <a:buClr>
+                <a:schemeClr val="accent2"/>
+              </a:buClr>
+              <a:buFont typeface="Arial" pitchFamily="34" charset="0"/>
+              <a:buChar char="•"/>
+              <a:defRPr lang="de-DE" sz="1800" kern="1200" smtClean="0">
+                <a:solidFill>
+                  <a:schemeClr val="tx1"/>
+                </a:solidFill>
+                <a:latin typeface="Tahoma" pitchFamily="34" charset="0"/>
+                <a:ea typeface="+mn-ea"/>
+                <a:cs typeface="Tahoma" pitchFamily="34" charset="0"/>
+              </a:defRPr>
+            </a:lvl1pPr>
+            <a:lvl2pPr marL="361950" indent="-180975" algn="l" defTabSz="914400" rtl="0" eaLnBrk="1" fontAlgn="base" latinLnBrk="0" hangingPunct="1">
+              <a:spcBef>
+                <a:spcPct val="20000"/>
+              </a:spcBef>
+              <a:spcAft>
+                <a:spcPct val="0"/>
+              </a:spcAft>
+              <a:buClr>
+                <a:schemeClr val="accent2"/>
+              </a:buClr>
+              <a:buFont typeface="Arial" pitchFamily="34" charset="0"/>
+              <a:buChar char="•"/>
+              <a:defRPr lang="de-DE" sz="1800" kern="1200" smtClean="0">
+                <a:solidFill>
+                  <a:schemeClr val="tx1"/>
+                </a:solidFill>
+                <a:latin typeface="Tahoma" pitchFamily="34" charset="0"/>
+                <a:ea typeface="+mn-ea"/>
+                <a:cs typeface="Tahoma" pitchFamily="34" charset="0"/>
+              </a:defRPr>
+            </a:lvl2pPr>
+            <a:lvl3pPr marL="542925" indent="-180975" algn="l" defTabSz="914400" rtl="0" eaLnBrk="1" fontAlgn="base" latinLnBrk="0" hangingPunct="1">
+              <a:spcBef>
+                <a:spcPct val="20000"/>
+              </a:spcBef>
+              <a:spcAft>
+                <a:spcPct val="0"/>
+              </a:spcAft>
+              <a:buClr>
+                <a:schemeClr val="accent2"/>
+              </a:buClr>
+              <a:buFont typeface="Arial" pitchFamily="34" charset="0"/>
+              <a:buChar char="•"/>
+              <a:defRPr lang="de-DE" sz="1800" kern="1200" smtClean="0">
+                <a:solidFill>
+                  <a:schemeClr val="tx1"/>
+                </a:solidFill>
+                <a:latin typeface="Tahoma" pitchFamily="34" charset="0"/>
+                <a:ea typeface="+mn-ea"/>
+                <a:cs typeface="Tahoma" pitchFamily="34" charset="0"/>
+              </a:defRPr>
+            </a:lvl3pPr>
+            <a:lvl4pPr marL="719138" indent="-176213" algn="l" defTabSz="914400" rtl="0" eaLnBrk="1" fontAlgn="base" latinLnBrk="0" hangingPunct="1">
+              <a:spcBef>
+                <a:spcPct val="20000"/>
+              </a:spcBef>
+              <a:spcAft>
+                <a:spcPct val="0"/>
+              </a:spcAft>
+              <a:buClr>
+                <a:schemeClr val="accent2"/>
+              </a:buClr>
+              <a:buFont typeface="Arial" pitchFamily="34" charset="0"/>
+              <a:buChar char="•"/>
+              <a:defRPr lang="de-DE" sz="1800" kern="1200" smtClean="0">
+                <a:solidFill>
+                  <a:schemeClr val="tx1"/>
+                </a:solidFill>
+                <a:latin typeface="Tahoma" pitchFamily="34" charset="0"/>
+                <a:ea typeface="+mn-ea"/>
+                <a:cs typeface="Tahoma" pitchFamily="34" charset="0"/>
+              </a:defRPr>
+            </a:lvl4pPr>
+            <a:lvl5pPr marL="895350" indent="-180975" algn="l" defTabSz="914400" rtl="0" eaLnBrk="1" fontAlgn="base" latinLnBrk="0" hangingPunct="1">
+              <a:spcBef>
+                <a:spcPct val="20000"/>
+              </a:spcBef>
+              <a:spcAft>
+                <a:spcPct val="0"/>
+              </a:spcAft>
+              <a:buClr>
+                <a:schemeClr val="accent2"/>
+              </a:buClr>
+              <a:buFont typeface="Arial" pitchFamily="34" charset="0"/>
+              <a:buChar char="•"/>
+              <a:defRPr lang="de-DE" sz="1800" kern="1200" dirty="0">
+                <a:solidFill>
+                  <a:schemeClr val="tx1"/>
+                </a:solidFill>
+                <a:latin typeface="Tahoma" pitchFamily="34" charset="0"/>
+                <a:ea typeface="+mn-ea"/>
+                <a:cs typeface="Tahoma" pitchFamily="34" charset="0"/>
+              </a:defRPr>
+            </a:lvl5pPr>
+            <a:lvl6pPr marL="1352550" indent="-177800" algn="l" rtl="0" eaLnBrk="1" fontAlgn="base" hangingPunct="1">
+              <a:spcBef>
+                <a:spcPct val="20000"/>
+              </a:spcBef>
+              <a:spcAft>
+                <a:spcPct val="0"/>
+              </a:spcAft>
+              <a:buClr>
+                <a:schemeClr val="accent2"/>
+              </a:buClr>
+              <a:buFont typeface="Arial" charset="0"/>
+              <a:buChar char="•"/>
+              <a:defRPr lang="de-DE" kern="1200" dirty="0">
+                <a:solidFill>
+                  <a:schemeClr val="tx1"/>
+                </a:solidFill>
+                <a:latin typeface="Tahoma" pitchFamily="34" charset="0"/>
+                <a:ea typeface="+mn-ea"/>
+                <a:cs typeface="Tahoma" pitchFamily="34" charset="0"/>
+              </a:defRPr>
+            </a:lvl6pPr>
+            <a:lvl7pPr marL="1809750" indent="-177800" algn="l" rtl="0" eaLnBrk="1" fontAlgn="base" hangingPunct="1">
+              <a:spcBef>
+                <a:spcPct val="20000"/>
+              </a:spcBef>
+              <a:spcAft>
+                <a:spcPct val="0"/>
+              </a:spcAft>
+              <a:buClr>
+                <a:schemeClr val="accent2"/>
+              </a:buClr>
+              <a:buFont typeface="Arial" charset="0"/>
+              <a:buChar char="•"/>
+              <a:defRPr lang="de-DE" kern="1200" dirty="0">
+                <a:solidFill>
+                  <a:schemeClr val="tx1"/>
+                </a:solidFill>
+                <a:latin typeface="Tahoma" pitchFamily="34" charset="0"/>
+                <a:ea typeface="+mn-ea"/>
+                <a:cs typeface="Tahoma" pitchFamily="34" charset="0"/>
+              </a:defRPr>
+            </a:lvl7pPr>
+            <a:lvl8pPr marL="2266950" indent="-177800" algn="l" rtl="0" eaLnBrk="1" fontAlgn="base" hangingPunct="1">
+              <a:spcBef>
+                <a:spcPct val="20000"/>
+              </a:spcBef>
+              <a:spcAft>
+                <a:spcPct val="0"/>
+              </a:spcAft>
+              <a:buClr>
+                <a:schemeClr val="accent2"/>
+              </a:buClr>
+              <a:buFont typeface="Arial" charset="0"/>
+              <a:buChar char="•"/>
+              <a:defRPr lang="de-DE" kern="1200" dirty="0">
+                <a:solidFill>
+                  <a:schemeClr val="tx1"/>
+                </a:solidFill>
+                <a:latin typeface="Tahoma" pitchFamily="34" charset="0"/>
+                <a:ea typeface="+mn-ea"/>
+                <a:cs typeface="Tahoma" pitchFamily="34" charset="0"/>
+              </a:defRPr>
+            </a:lvl8pPr>
+            <a:lvl9pPr marL="2724150" indent="-177800" algn="l" rtl="0" eaLnBrk="1" fontAlgn="base" hangingPunct="1">
+              <a:spcBef>
+                <a:spcPct val="20000"/>
+              </a:spcBef>
+              <a:spcAft>
+                <a:spcPct val="0"/>
+              </a:spcAft>
+              <a:buClr>
+                <a:schemeClr val="accent2"/>
+              </a:buClr>
+              <a:buFont typeface="Arial" charset="0"/>
+              <a:buChar char="•"/>
+              <a:defRPr lang="de-DE" kern="1200" dirty="0">
+                <a:solidFill>
+                  <a:schemeClr val="tx1"/>
+                </a:solidFill>
+                <a:latin typeface="Tahoma" pitchFamily="34" charset="0"/>
+                <a:ea typeface="+mn-ea"/>
+                <a:cs typeface="Tahoma" pitchFamily="34" charset="0"/>
+              </a:defRPr>
+            </a:lvl9pPr>
+          </a:lstStyle>
+          <a:p>
+            <a:r>
+              <a:rPr lang="de-DE" sz="2000" dirty="0" err="1">
+                <a:latin typeface="+mn-lt"/>
+              </a:rPr>
+              <a:t>Minigames</a:t>
+            </a:r>
+            <a:endParaRPr lang="de-DE" sz="2000" dirty="0">
+              <a:latin typeface="+mn-lt"/>
+            </a:endParaRPr>
+          </a:p>
+          <a:p>
+            <a:pPr lvl="1"/>
+            <a:r>
+              <a:rPr lang="de-DE" sz="2000" dirty="0">
+                <a:latin typeface="+mn-lt"/>
+              </a:rPr>
+              <a:t>Werfen auf Zielscheibe, um neuen Baustein zu erhalten</a:t>
+            </a:r>
+          </a:p>
+          <a:p>
+            <a:pPr lvl="1"/>
+            <a:r>
+              <a:rPr lang="de-DE" sz="2000" dirty="0">
+                <a:latin typeface="+mn-lt"/>
+              </a:rPr>
+              <a:t>Hochrutschen des Spielbretts</a:t>
+            </a:r>
+          </a:p>
+          <a:p>
+            <a:pPr marL="361950" lvl="2" indent="0">
+              <a:buNone/>
+            </a:pPr>
+            <a:r>
+              <a:rPr lang="de-DE" sz="2000" dirty="0">
+                <a:latin typeface="+mn-lt"/>
+              </a:rPr>
+              <a:t>→ Möglichkeiten in der VR entdecken</a:t>
+            </a:r>
+          </a:p>
+          <a:p>
+            <a:pPr lvl="1"/>
+            <a:r>
+              <a:rPr lang="de-DE" sz="2000" dirty="0">
+                <a:latin typeface="+mn-lt"/>
+              </a:rPr>
+              <a:t>Zusammenbauen von Bausteinen, bevor sie benutzt werden können</a:t>
+            </a:r>
+          </a:p>
+          <a:p>
+            <a:pPr marL="0" indent="0">
+              <a:buFont typeface="Arial" pitchFamily="34" charset="0"/>
+              <a:buNone/>
+            </a:pPr>
+            <a:endParaRPr lang="de-DE" dirty="0"/>
+          </a:p>
+          <a:p>
+            <a:pPr marL="0" indent="0">
+              <a:buFont typeface="Arial" pitchFamily="34" charset="0"/>
+              <a:buNone/>
+            </a:pPr>
+            <a:endParaRPr lang="de-DE" dirty="0"/>
+          </a:p>
+          <a:p>
+            <a:pPr marL="0" indent="0">
+              <a:buFont typeface="Arial" pitchFamily="34" charset="0"/>
+              <a:buNone/>
+            </a:pPr>
+            <a:endParaRPr lang="de-DE" dirty="0"/>
+          </a:p>
+          <a:p>
+            <a:endParaRPr lang="de-DE" dirty="0"/>
+          </a:p>
+        </p:txBody>
+      </p:sp>
+      <p:pic>
+        <p:nvPicPr>
+          <p:cNvPr id="10" name="Grafik 9">
+            <a:extLst>
+              <a:ext uri="{FF2B5EF4-FFF2-40B4-BE49-F238E27FC236}">
+                <a16:creationId xmlns:a16="http://schemas.microsoft.com/office/drawing/2014/main" id="{D5F9C5C6-F348-4C92-B765-F61B2EAA39C6}"/>
+              </a:ext>
+            </a:extLst>
+          </p:cNvPr>
+          <p:cNvPicPr>
+            <a:picLocks noChangeAspect="1"/>
+          </p:cNvPicPr>
+          <p:nvPr/>
+        </p:nvPicPr>
+        <p:blipFill>
+          <a:blip r:embed="rId4"/>
+          <a:stretch>
+            <a:fillRect/>
+          </a:stretch>
+        </p:blipFill>
+        <p:spPr>
+          <a:xfrm>
+            <a:off x="5336280" y="3793975"/>
+            <a:ext cx="3551648" cy="2268051"/>
+          </a:xfrm>
+          <a:prstGeom prst="rect">
+            <a:avLst/>
+          </a:prstGeom>
+        </p:spPr>
+      </p:pic>
+    </p:spTree>
+    <p:extLst>
+      <p:ext uri="{BB962C8B-B14F-4D97-AF65-F5344CB8AC3E}">
+        <p14:creationId xmlns:p14="http://schemas.microsoft.com/office/powerpoint/2010/main" val="2430456683"/>
+      </p:ext>
+    </p:extLst>
+  </p:cSld>
+  <p:clrMapOvr>
+    <a:masterClrMapping/>
+  </p:clrMapOvr>
+</p:sld>
+</file>
+
+<file path=ppt/slides/slide18.xml><?xml version="1.0" encoding="utf-8"?>
+<p:sld xmlns:a="http://schemas.openxmlformats.org/drawingml/2006/main" xmlns:r="http://schemas.openxmlformats.org/officeDocument/2006/relationships" xmlns:p="http://schemas.openxmlformats.org/presentationml/2006/main">
+  <p:cSld>
+    <p:spTree>
+      <p:nvGrpSpPr>
+        <p:cNvPr id="1" name=""/>
+        <p:cNvGrpSpPr/>
+        <p:nvPr/>
+      </p:nvGrpSpPr>
+      <p:grpSpPr>
+        <a:xfrm>
+          <a:off x="0" y="0"/>
+          <a:ext cx="0" cy="0"/>
+          <a:chOff x="0" y="0"/>
+          <a:chExt cx="0" cy="0"/>
+        </a:xfrm>
+      </p:grpSpPr>
+      <p:sp>
+        <p:nvSpPr>
+          <p:cNvPr id="2" name="Titel 1">
+            <a:extLst>
+              <a:ext uri="{FF2B5EF4-FFF2-40B4-BE49-F238E27FC236}">
+                <a16:creationId xmlns:a16="http://schemas.microsoft.com/office/drawing/2014/main" id="{F9FAF177-EB7F-420F-A7AB-CE44222E70DF}"/>
+              </a:ext>
+            </a:extLst>
+          </p:cNvPr>
+          <p:cNvSpPr>
+            <a:spLocks noGrp="1"/>
+          </p:cNvSpPr>
+          <p:nvPr>
+            <p:ph type="title"/>
+          </p:nvPr>
+        </p:nvSpPr>
+        <p:spPr/>
+        <p:txBody>
+          <a:bodyPr/>
+          <a:lstStyle/>
+          <a:p>
+            <a:r>
+              <a:rPr lang="de-DE" dirty="0"/>
+              <a:t>Hier </a:t>
+            </a:r>
+            <a:r>
+              <a:rPr lang="de-DE" dirty="0" err="1"/>
+              <a:t>dennis</a:t>
+            </a:r>
+            <a:r>
+              <a:rPr lang="de-DE" dirty="0"/>
+              <a:t> und </a:t>
+            </a:r>
+            <a:r>
+              <a:rPr lang="de-DE" dirty="0" err="1"/>
+              <a:t>lukas</a:t>
+            </a:r>
+            <a:endParaRPr lang="de-DE" dirty="0"/>
+          </a:p>
+        </p:txBody>
+      </p:sp>
+      <p:sp>
+        <p:nvSpPr>
+          <p:cNvPr id="3" name="Textplatzhalter 2">
+            <a:extLst>
+              <a:ext uri="{FF2B5EF4-FFF2-40B4-BE49-F238E27FC236}">
+                <a16:creationId xmlns:a16="http://schemas.microsoft.com/office/drawing/2014/main" id="{E089A08D-6D83-47AE-9123-FB17C8599FF3}"/>
+              </a:ext>
+            </a:extLst>
+          </p:cNvPr>
+          <p:cNvSpPr>
+            <a:spLocks noGrp="1"/>
+          </p:cNvSpPr>
+          <p:nvPr>
+            <p:ph type="body" idx="1"/>
+          </p:nvPr>
+        </p:nvSpPr>
+        <p:spPr/>
+        <p:txBody>
+          <a:bodyPr/>
+          <a:lstStyle/>
+          <a:p>
+            <a:endParaRPr lang="de-DE"/>
+          </a:p>
+        </p:txBody>
+      </p:sp>
+    </p:spTree>
+    <p:extLst>
+      <p:ext uri="{BB962C8B-B14F-4D97-AF65-F5344CB8AC3E}">
+        <p14:creationId xmlns:p14="http://schemas.microsoft.com/office/powerpoint/2010/main" val="71320939"/>
+      </p:ext>
+    </p:extLst>
+  </p:cSld>
+  <p:clrMapOvr>
+    <a:masterClrMapping/>
+  </p:clrMapOvr>
+</p:sld>
+</file>
+
+<file path=ppt/slides/slide19.xml><?xml version="1.0" encoding="utf-8"?>
 <p:sld xmlns:a="http://schemas.openxmlformats.org/drawingml/2006/main" xmlns:r="http://schemas.openxmlformats.org/officeDocument/2006/relationships" xmlns:p="http://schemas.openxmlformats.org/presentationml/2006/main">
   <p:cSld>
     <p:spTree>
@@ -4981,10 +9876,10 @@
           </a:lstStyle>
           <a:p>
             <a:r>
-              <a:rPr lang="de-DE" sz="2800" kern="0" dirty="0"/>
+              <a:rPr lang="de-DE" sz="3200" kern="0" dirty="0"/>
               <a:t>Motivation</a:t>
             </a:r>
-            <a:endParaRPr lang="de-DE" kern="0" dirty="0"/>
+            <a:endParaRPr lang="de-DE" sz="2400" kern="0" dirty="0"/>
           </a:p>
         </p:txBody>
       </p:sp>
@@ -6808,7 +11703,7 @@
           </a:lstStyle>
           <a:p>
             <a:r>
-              <a:rPr lang="de-DE" sz="3600" kern="0" dirty="0"/>
+              <a:rPr lang="de-DE" sz="3200" kern="0" dirty="0"/>
               <a:t>Konzept</a:t>
             </a:r>
           </a:p>
@@ -7152,10 +12047,10 @@
       </p:grpSpPr>
       <p:sp>
         <p:nvSpPr>
-          <p:cNvPr id="2" name="Titel 1">
+          <p:cNvPr id="4" name="Titel 1">
             <a:extLst>
               <a:ext uri="{FF2B5EF4-FFF2-40B4-BE49-F238E27FC236}">
-                <a16:creationId xmlns:a16="http://schemas.microsoft.com/office/drawing/2014/main" id="{1F0B2DD4-3EBE-4F2F-AA5C-CA3D33F8AC9C}"/>
+                <a16:creationId xmlns:a16="http://schemas.microsoft.com/office/drawing/2014/main" id="{36A16400-2152-4037-9217-4DDFAB1FAD95}"/>
               </a:ext>
             </a:extLst>
           </p:cNvPr>
@@ -7169,222 +12064,56 @@
         <p:spPr>
           <a:xfrm>
             <a:off x="275526" y="416664"/>
-            <a:ext cx="5934075" cy="901148"/>
+            <a:ext cx="5934075" cy="1346200"/>
           </a:xfrm>
         </p:spPr>
         <p:txBody>
-          <a:bodyPr/>
+          <a:bodyPr wrap="square" anchor="t">
+            <a:normAutofit/>
+          </a:bodyPr>
           <a:lstStyle/>
           <a:p>
             <a:r>
-              <a:rPr lang="de-DE" dirty="0"/>
-              <a:t>Funktion des Dozenten - Hinweise</a:t>
+              <a:rPr lang="de-DE" sz="3200" cap="none" dirty="0"/>
+              <a:t>Konzeption des VR Raums </a:t>
             </a:r>
           </a:p>
         </p:txBody>
       </p:sp>
-      <p:sp>
-        <p:nvSpPr>
-          <p:cNvPr id="3" name="Inhaltsplatzhalter 2">
+      <p:graphicFrame>
+        <p:nvGraphicFramePr>
+          <p:cNvPr id="5" name="Inhaltsplatzhalter 2">
             <a:extLst>
               <a:ext uri="{FF2B5EF4-FFF2-40B4-BE49-F238E27FC236}">
-                <a16:creationId xmlns:a16="http://schemas.microsoft.com/office/drawing/2014/main" id="{EE03C0FD-EEB0-4FC7-9103-5B1DEF20402F}"/>
+                <a16:creationId xmlns:a16="http://schemas.microsoft.com/office/drawing/2014/main" id="{FD6639C0-C0E4-4D97-97DA-83C71354E183}"/>
               </a:ext>
             </a:extLst>
           </p:cNvPr>
-          <p:cNvSpPr>
-            <a:spLocks noGrp="1"/>
-          </p:cNvSpPr>
+          <p:cNvGraphicFramePr>
+            <a:graphicFrameLocks/>
+          </p:cNvGraphicFramePr>
           <p:nvPr>
-            <p:ph idx="1"/>
+            <p:extLst>
+              <p:ext uri="{D42A27DB-BD31-4B8C-83A1-F6EECF244321}">
+                <p14:modId xmlns:p14="http://schemas.microsoft.com/office/powerpoint/2010/main" val="3733762094"/>
+              </p:ext>
+            </p:extLst>
           </p:nvPr>
-        </p:nvSpPr>
-        <p:spPr>
-          <a:xfrm>
-            <a:off x="256071" y="1640542"/>
-            <a:ext cx="5207620" cy="4642362"/>
-          </a:xfrm>
-        </p:spPr>
-        <p:txBody>
-          <a:bodyPr>
-            <a:normAutofit lnSpcReduction="10000"/>
-          </a:bodyPr>
-          <a:lstStyle/>
-          <a:p>
-            <a:r>
-              <a:rPr lang="de-DE" sz="2000" dirty="0">
-                <a:latin typeface="+mn-lt"/>
-              </a:rPr>
-              <a:t>Zu Beginn Erklärung des Spielprinzips</a:t>
-            </a:r>
-          </a:p>
-          <a:p>
-            <a:r>
-              <a:rPr lang="de-DE" sz="2000" dirty="0">
-                <a:latin typeface="+mn-lt"/>
-              </a:rPr>
-              <a:t>Universeller Ansprechpartner bei Problemen</a:t>
-            </a:r>
-          </a:p>
-          <a:p>
-            <a:pPr marL="0" indent="0">
-              <a:buNone/>
-            </a:pPr>
-            <a:r>
-              <a:rPr lang="de-DE" sz="2000" dirty="0">
-                <a:latin typeface="+mn-lt"/>
-              </a:rPr>
-              <a:t>→ Unterstützt und gibt Hilfestellung</a:t>
-            </a:r>
-          </a:p>
-          <a:p>
-            <a:pPr marL="0" indent="0">
-              <a:buNone/>
-            </a:pPr>
-            <a:endParaRPr lang="de-DE" sz="2000" dirty="0">
-              <a:latin typeface="+mn-lt"/>
-            </a:endParaRPr>
-          </a:p>
-          <a:p>
-            <a:pPr marL="0" indent="0">
-              <a:buNone/>
-            </a:pPr>
-            <a:r>
-              <a:rPr lang="de-DE" sz="2000" dirty="0">
-                <a:latin typeface="+mn-lt"/>
-              </a:rPr>
-              <a:t>Zwei Verschiedene Arten von Hinweisen:</a:t>
-            </a:r>
-          </a:p>
-          <a:p>
-            <a:r>
-              <a:rPr lang="de-DE" sz="2000" dirty="0">
-                <a:latin typeface="+mn-lt"/>
-              </a:rPr>
-              <a:t>Hinweise zum Levelablauf</a:t>
-            </a:r>
-          </a:p>
-          <a:p>
-            <a:pPr marL="0" indent="0">
-              <a:buNone/>
-            </a:pPr>
-            <a:r>
-              <a:rPr lang="de-DE" sz="2000" dirty="0">
-                <a:latin typeface="+mn-lt"/>
-              </a:rPr>
-              <a:t>→ Durch Betätigung des Buttons am Pult</a:t>
-            </a:r>
-          </a:p>
-          <a:p>
-            <a:r>
-              <a:rPr lang="de-DE" sz="2000" dirty="0">
-                <a:latin typeface="+mn-lt"/>
-              </a:rPr>
-              <a:t>Hinweise / Erklärungen zu einzelnen Bausteinen</a:t>
-            </a:r>
-          </a:p>
-          <a:p>
-            <a:pPr marL="0" indent="0">
-              <a:buNone/>
-            </a:pPr>
-            <a:r>
-              <a:rPr lang="de-DE" sz="2000" dirty="0">
-                <a:latin typeface="+mn-lt"/>
-              </a:rPr>
-              <a:t>→ Durch „überreichen“ des Bausteins</a:t>
-            </a:r>
-          </a:p>
-          <a:p>
-            <a:pPr marL="0" indent="0">
-              <a:buNone/>
-            </a:pPr>
-            <a:endParaRPr lang="de-DE" sz="2000" dirty="0">
-              <a:latin typeface="+mn-lt"/>
-            </a:endParaRPr>
-          </a:p>
-          <a:p>
-            <a:pPr marL="0" indent="0">
-              <a:buNone/>
-            </a:pPr>
-            <a:r>
-              <a:rPr lang="de-DE" sz="2000" dirty="0">
-                <a:latin typeface="+mn-lt"/>
-              </a:rPr>
-              <a:t>→ Parallelen zum „echten“ Lehrer/Dozenten verstärken den Aspekt der virtuellen Realität</a:t>
-            </a:r>
-          </a:p>
-          <a:p>
-            <a:endParaRPr lang="de-DE" dirty="0"/>
-          </a:p>
-          <a:p>
-            <a:endParaRPr lang="de-DE" dirty="0"/>
-          </a:p>
-        </p:txBody>
-      </p:sp>
-      <p:pic>
-        <p:nvPicPr>
-          <p:cNvPr id="5" name="Grafik 4">
-            <a:extLst>
-              <a:ext uri="{FF2B5EF4-FFF2-40B4-BE49-F238E27FC236}">
-                <a16:creationId xmlns:a16="http://schemas.microsoft.com/office/drawing/2014/main" id="{25927B1D-11F1-4D80-87CA-92D784D089BD}"/>
-              </a:ext>
-            </a:extLst>
-          </p:cNvPr>
-          <p:cNvPicPr>
-            <a:picLocks noChangeAspect="1"/>
-          </p:cNvPicPr>
-          <p:nvPr/>
-        </p:nvPicPr>
-        <p:blipFill>
-          <a:blip r:embed="rId3"/>
-          <a:stretch>
-            <a:fillRect/>
-          </a:stretch>
-        </p:blipFill>
-        <p:spPr>
-          <a:xfrm>
-            <a:off x="5901795" y="4301660"/>
-            <a:ext cx="2548029" cy="1519798"/>
-          </a:xfrm>
-          <a:prstGeom prst="rect">
-            <a:avLst/>
-          </a:prstGeom>
-        </p:spPr>
-      </p:pic>
-      <p:pic>
-        <p:nvPicPr>
-          <p:cNvPr id="7" name="Grafik 6">
-            <a:extLst>
-              <a:ext uri="{FF2B5EF4-FFF2-40B4-BE49-F238E27FC236}">
-                <a16:creationId xmlns:a16="http://schemas.microsoft.com/office/drawing/2014/main" id="{0F70F0A0-2476-4C56-8203-6CAD0AFF736E}"/>
-              </a:ext>
-            </a:extLst>
-          </p:cNvPr>
-          <p:cNvPicPr>
-            <a:picLocks noChangeAspect="1"/>
-          </p:cNvPicPr>
-          <p:nvPr/>
-        </p:nvPicPr>
-        <p:blipFill>
-          <a:blip r:embed="rId4"/>
-          <a:stretch>
-            <a:fillRect/>
-          </a:stretch>
-        </p:blipFill>
-        <p:spPr>
-          <a:xfrm>
-            <a:off x="5463691" y="1640542"/>
-            <a:ext cx="3424238" cy="2338388"/>
-          </a:xfrm>
-          <a:prstGeom prst="rect">
-            <a:avLst/>
-          </a:prstGeom>
-        </p:spPr>
-      </p:pic>
+        </p:nvGraphicFramePr>
+        <p:xfrm>
+          <a:off x="256071" y="1828800"/>
+          <a:ext cx="8003692" cy="4454103"/>
+        </p:xfrm>
+        <a:graphic>
+          <a:graphicData uri="http://schemas.openxmlformats.org/drawingml/2006/diagram">
+            <dgm:relIds xmlns:dgm="http://schemas.openxmlformats.org/drawingml/2006/diagram" xmlns:r="http://schemas.openxmlformats.org/officeDocument/2006/relationships" r:dm="rId2" r:lo="rId3" r:qs="rId4" r:cs="rId5"/>
+          </a:graphicData>
+        </a:graphic>
+      </p:graphicFrame>
     </p:spTree>
     <p:extLst>
       <p:ext uri="{BB962C8B-B14F-4D97-AF65-F5344CB8AC3E}">
-        <p14:creationId xmlns:p14="http://schemas.microsoft.com/office/powerpoint/2010/main" val="2747077608"/>
+        <p14:creationId xmlns:p14="http://schemas.microsoft.com/office/powerpoint/2010/main" val="3981616231"/>
       </p:ext>
     </p:extLst>
   </p:cSld>
@@ -7413,10 +12142,10 @@
       </p:grpSpPr>
       <p:sp>
         <p:nvSpPr>
-          <p:cNvPr id="2" name="Titel 1">
+          <p:cNvPr id="4" name="Titel 1">
             <a:extLst>
               <a:ext uri="{FF2B5EF4-FFF2-40B4-BE49-F238E27FC236}">
-                <a16:creationId xmlns:a16="http://schemas.microsoft.com/office/drawing/2014/main" id="{46AA3CC2-B3D5-41D3-B74E-C70194AC7E28}"/>
+                <a16:creationId xmlns:a16="http://schemas.microsoft.com/office/drawing/2014/main" id="{1CADF18B-EAE1-44E5-9BB5-6D2AB1483275}"/>
               </a:ext>
             </a:extLst>
           </p:cNvPr>
@@ -7429,27 +12158,29 @@
         </p:nvSpPr>
         <p:spPr>
           <a:xfrm>
-            <a:off x="275526" y="416664"/>
-            <a:ext cx="5934075" cy="1004632"/>
+            <a:off x="275525" y="1628775"/>
+            <a:ext cx="8003694" cy="1362075"/>
           </a:xfrm>
         </p:spPr>
         <p:txBody>
-          <a:bodyPr/>
+          <a:bodyPr wrap="square" anchor="t">
+            <a:normAutofit/>
+          </a:bodyPr>
           <a:lstStyle/>
           <a:p>
             <a:r>
-              <a:rPr lang="de-DE" dirty="0"/>
-              <a:t>Parallelen zur realen Welt</a:t>
+              <a:rPr lang="de-DE" sz="3200" cap="none" dirty="0"/>
+              <a:t>Modelling des VR Raums </a:t>
             </a:r>
           </a:p>
         </p:txBody>
       </p:sp>
       <p:sp>
         <p:nvSpPr>
-          <p:cNvPr id="3" name="Inhaltsplatzhalter 2">
+          <p:cNvPr id="5" name="Inhaltsplatzhalter 2">
             <a:extLst>
               <a:ext uri="{FF2B5EF4-FFF2-40B4-BE49-F238E27FC236}">
-                <a16:creationId xmlns:a16="http://schemas.microsoft.com/office/drawing/2014/main" id="{9C6DAA5A-3845-4425-AAD6-2845A38D6990}"/>
+                <a16:creationId xmlns:a16="http://schemas.microsoft.com/office/drawing/2014/main" id="{C6E573F1-26E5-442A-8756-E52F3D8BE279}"/>
               </a:ext>
             </a:extLst>
           </p:cNvPr>
@@ -7457,82 +12188,45 @@
             <a:spLocks noGrp="1"/>
           </p:cNvSpPr>
           <p:nvPr>
-            <p:ph idx="1"/>
+            <p:ph type="body" idx="1"/>
           </p:nvPr>
         </p:nvSpPr>
         <p:spPr>
           <a:xfrm>
-            <a:off x="256071" y="1311966"/>
-            <a:ext cx="4912277" cy="2133469"/>
+            <a:off x="275526" y="3000372"/>
+            <a:ext cx="8002588" cy="2486025"/>
           </a:xfrm>
         </p:spPr>
         <p:txBody>
-          <a:bodyPr>
-            <a:normAutofit lnSpcReduction="10000"/>
+          <a:bodyPr wrap="square" anchor="t">
+            <a:normAutofit/>
           </a:bodyPr>
           <a:lstStyle/>
           <a:p>
             <a:r>
-              <a:rPr lang="de-DE" sz="2000" dirty="0">
-                <a:latin typeface="+mn-lt"/>
-              </a:rPr>
-              <a:t>Einbringen von spielerischen Elementen</a:t>
-            </a:r>
-          </a:p>
-          <a:p>
-            <a:r>
-              <a:rPr lang="de-DE" sz="2000" dirty="0">
-                <a:latin typeface="+mn-lt"/>
-              </a:rPr>
-              <a:t>Konfrontieren mit Problemen, die gelöst werden müssen, um weiter zu kommen</a:t>
-            </a:r>
-          </a:p>
-          <a:p>
-            <a:pPr marL="180975" lvl="1" indent="0">
-              <a:buNone/>
-            </a:pPr>
-            <a:r>
-              <a:rPr lang="de-DE" sz="2000" dirty="0">
-                <a:latin typeface="+mn-lt"/>
-              </a:rPr>
-              <a:t>→ Anlehnung an Escape Rooms</a:t>
-            </a:r>
-          </a:p>
-          <a:p>
-            <a:endParaRPr lang="de-DE" sz="2000" dirty="0">
-              <a:latin typeface="+mn-lt"/>
-            </a:endParaRPr>
-          </a:p>
-          <a:p>
-            <a:r>
-              <a:rPr lang="de-DE" sz="2000" dirty="0">
-                <a:latin typeface="+mn-lt"/>
-              </a:rPr>
-              <a:t>Bausteine müssen erst gefunden werden</a:t>
-            </a:r>
-          </a:p>
-          <a:p>
-            <a:pPr marL="0" indent="0">
-              <a:buNone/>
-            </a:pPr>
+              <a:rPr lang="de-DE" dirty="0"/>
+              <a:t>Saal alleine bot zu wenig Möglichkeiten</a:t>
+            </a:r>
+          </a:p>
+          <a:p>
             <a:endParaRPr lang="de-DE" dirty="0"/>
           </a:p>
           <a:p>
-            <a:pPr marL="0" indent="0">
-              <a:buNone/>
-            </a:pPr>
+            <a:r>
+              <a:rPr lang="de-DE" dirty="0"/>
+              <a:t>Erweiterung des Raums durch einen Keller </a:t>
+            </a:r>
+          </a:p>
+          <a:p>
             <a:endParaRPr lang="de-DE" dirty="0"/>
           </a:p>
           <a:p>
-            <a:pPr marL="0" indent="0">
-              <a:buNone/>
-            </a:pPr>
-            <a:endParaRPr lang="de-DE" dirty="0"/>
-          </a:p>
-          <a:p>
-            <a:pPr marL="0" indent="0">
-              <a:buNone/>
-            </a:pPr>
+            <a:r>
+              <a:rPr lang="de-DE" dirty="0"/>
+              <a:t>korrekte Skalierung war enorm wichtig</a:t>
+            </a:r>
+          </a:p>
+          <a:p>
             <a:endParaRPr lang="de-DE" dirty="0"/>
           </a:p>
           <a:p>
@@ -7540,373 +12234,10 @@
           </a:p>
         </p:txBody>
       </p:sp>
-      <p:pic>
-        <p:nvPicPr>
-          <p:cNvPr id="5" name="Grafik 4">
-            <a:extLst>
-              <a:ext uri="{FF2B5EF4-FFF2-40B4-BE49-F238E27FC236}">
-                <a16:creationId xmlns:a16="http://schemas.microsoft.com/office/drawing/2014/main" id="{7BB5FCC6-AB5A-4117-BC37-0FEC63D8BFC9}"/>
-              </a:ext>
-            </a:extLst>
-          </p:cNvPr>
-          <p:cNvPicPr>
-            <a:picLocks noChangeAspect="1"/>
-          </p:cNvPicPr>
-          <p:nvPr/>
-        </p:nvPicPr>
-        <p:blipFill>
-          <a:blip r:embed="rId3"/>
-          <a:stretch>
-            <a:fillRect/>
-          </a:stretch>
-        </p:blipFill>
-        <p:spPr>
-          <a:xfrm>
-            <a:off x="5336280" y="1421296"/>
-            <a:ext cx="3551649" cy="2024139"/>
-          </a:xfrm>
-          <a:prstGeom prst="rect">
-            <a:avLst/>
-          </a:prstGeom>
-        </p:spPr>
-      </p:pic>
-      <p:sp>
-        <p:nvSpPr>
-          <p:cNvPr id="8" name="Inhaltsplatzhalter 2">
-            <a:extLst>
-              <a:ext uri="{FF2B5EF4-FFF2-40B4-BE49-F238E27FC236}">
-                <a16:creationId xmlns:a16="http://schemas.microsoft.com/office/drawing/2014/main" id="{549D69D3-E71A-4D6B-A448-D1FC2CD1A462}"/>
-              </a:ext>
-            </a:extLst>
-          </p:cNvPr>
-          <p:cNvSpPr txBox="1">
-            <a:spLocks/>
-          </p:cNvSpPr>
-          <p:nvPr/>
-        </p:nvSpPr>
-        <p:spPr bwMode="auto">
-          <a:xfrm>
-            <a:off x="275526" y="3617330"/>
-            <a:ext cx="5060754" cy="2621342"/>
-          </a:xfrm>
-          <a:prstGeom prst="rect">
-            <a:avLst/>
-          </a:prstGeom>
-          <a:noFill/>
-          <a:ln w="9525">
-            <a:noFill/>
-            <a:miter lim="800000"/>
-            <a:headEnd/>
-            <a:tailEnd/>
-          </a:ln>
-        </p:spPr>
-        <p:txBody>
-          <a:bodyPr vert="horz" wrap="square" lIns="91440" tIns="45720" rIns="91440" bIns="45720" numCol="1" rtlCol="0" anchor="t" anchorCtr="0" compatLnSpc="1">
-            <a:prstTxWarp prst="textNoShape">
-              <a:avLst/>
-            </a:prstTxWarp>
-            <a:normAutofit/>
-          </a:bodyPr>
-          <a:lstStyle>
-            <a:lvl1pPr marL="180975" indent="-180975" algn="l" defTabSz="914400" rtl="0" eaLnBrk="1" fontAlgn="base" latinLnBrk="0" hangingPunct="1">
-              <a:spcBef>
-                <a:spcPct val="20000"/>
-              </a:spcBef>
-              <a:spcAft>
-                <a:spcPct val="0"/>
-              </a:spcAft>
-              <a:buClr>
-                <a:schemeClr val="accent2"/>
-              </a:buClr>
-              <a:buFont typeface="Arial" pitchFamily="34" charset="0"/>
-              <a:buChar char="•"/>
-              <a:defRPr lang="de-DE" sz="1800" kern="1200" smtClean="0">
-                <a:solidFill>
-                  <a:schemeClr val="tx1"/>
-                </a:solidFill>
-                <a:latin typeface="Tahoma" pitchFamily="34" charset="0"/>
-                <a:ea typeface="+mn-ea"/>
-                <a:cs typeface="Tahoma" pitchFamily="34" charset="0"/>
-              </a:defRPr>
-            </a:lvl1pPr>
-            <a:lvl2pPr marL="361950" indent="-180975" algn="l" defTabSz="914400" rtl="0" eaLnBrk="1" fontAlgn="base" latinLnBrk="0" hangingPunct="1">
-              <a:spcBef>
-                <a:spcPct val="20000"/>
-              </a:spcBef>
-              <a:spcAft>
-                <a:spcPct val="0"/>
-              </a:spcAft>
-              <a:buClr>
-                <a:schemeClr val="accent2"/>
-              </a:buClr>
-              <a:buFont typeface="Arial" pitchFamily="34" charset="0"/>
-              <a:buChar char="•"/>
-              <a:defRPr lang="de-DE" sz="1800" kern="1200" smtClean="0">
-                <a:solidFill>
-                  <a:schemeClr val="tx1"/>
-                </a:solidFill>
-                <a:latin typeface="Tahoma" pitchFamily="34" charset="0"/>
-                <a:ea typeface="+mn-ea"/>
-                <a:cs typeface="Tahoma" pitchFamily="34" charset="0"/>
-              </a:defRPr>
-            </a:lvl2pPr>
-            <a:lvl3pPr marL="542925" indent="-180975" algn="l" defTabSz="914400" rtl="0" eaLnBrk="1" fontAlgn="base" latinLnBrk="0" hangingPunct="1">
-              <a:spcBef>
-                <a:spcPct val="20000"/>
-              </a:spcBef>
-              <a:spcAft>
-                <a:spcPct val="0"/>
-              </a:spcAft>
-              <a:buClr>
-                <a:schemeClr val="accent2"/>
-              </a:buClr>
-              <a:buFont typeface="Arial" pitchFamily="34" charset="0"/>
-              <a:buChar char="•"/>
-              <a:defRPr lang="de-DE" sz="1800" kern="1200" smtClean="0">
-                <a:solidFill>
-                  <a:schemeClr val="tx1"/>
-                </a:solidFill>
-                <a:latin typeface="Tahoma" pitchFamily="34" charset="0"/>
-                <a:ea typeface="+mn-ea"/>
-                <a:cs typeface="Tahoma" pitchFamily="34" charset="0"/>
-              </a:defRPr>
-            </a:lvl3pPr>
-            <a:lvl4pPr marL="719138" indent="-176213" algn="l" defTabSz="914400" rtl="0" eaLnBrk="1" fontAlgn="base" latinLnBrk="0" hangingPunct="1">
-              <a:spcBef>
-                <a:spcPct val="20000"/>
-              </a:spcBef>
-              <a:spcAft>
-                <a:spcPct val="0"/>
-              </a:spcAft>
-              <a:buClr>
-                <a:schemeClr val="accent2"/>
-              </a:buClr>
-              <a:buFont typeface="Arial" pitchFamily="34" charset="0"/>
-              <a:buChar char="•"/>
-              <a:defRPr lang="de-DE" sz="1800" kern="1200" smtClean="0">
-                <a:solidFill>
-                  <a:schemeClr val="tx1"/>
-                </a:solidFill>
-                <a:latin typeface="Tahoma" pitchFamily="34" charset="0"/>
-                <a:ea typeface="+mn-ea"/>
-                <a:cs typeface="Tahoma" pitchFamily="34" charset="0"/>
-              </a:defRPr>
-            </a:lvl4pPr>
-            <a:lvl5pPr marL="895350" indent="-180975" algn="l" defTabSz="914400" rtl="0" eaLnBrk="1" fontAlgn="base" latinLnBrk="0" hangingPunct="1">
-              <a:spcBef>
-                <a:spcPct val="20000"/>
-              </a:spcBef>
-              <a:spcAft>
-                <a:spcPct val="0"/>
-              </a:spcAft>
-              <a:buClr>
-                <a:schemeClr val="accent2"/>
-              </a:buClr>
-              <a:buFont typeface="Arial" pitchFamily="34" charset="0"/>
-              <a:buChar char="•"/>
-              <a:defRPr lang="de-DE" sz="1800" kern="1200" dirty="0">
-                <a:solidFill>
-                  <a:schemeClr val="tx1"/>
-                </a:solidFill>
-                <a:latin typeface="Tahoma" pitchFamily="34" charset="0"/>
-                <a:ea typeface="+mn-ea"/>
-                <a:cs typeface="Tahoma" pitchFamily="34" charset="0"/>
-              </a:defRPr>
-            </a:lvl5pPr>
-            <a:lvl6pPr marL="1352550" indent="-177800" algn="l" rtl="0" eaLnBrk="1" fontAlgn="base" hangingPunct="1">
-              <a:spcBef>
-                <a:spcPct val="20000"/>
-              </a:spcBef>
-              <a:spcAft>
-                <a:spcPct val="0"/>
-              </a:spcAft>
-              <a:buClr>
-                <a:schemeClr val="accent2"/>
-              </a:buClr>
-              <a:buFont typeface="Arial" charset="0"/>
-              <a:buChar char="•"/>
-              <a:defRPr lang="de-DE" kern="1200" dirty="0">
-                <a:solidFill>
-                  <a:schemeClr val="tx1"/>
-                </a:solidFill>
-                <a:latin typeface="Tahoma" pitchFamily="34" charset="0"/>
-                <a:ea typeface="+mn-ea"/>
-                <a:cs typeface="Tahoma" pitchFamily="34" charset="0"/>
-              </a:defRPr>
-            </a:lvl6pPr>
-            <a:lvl7pPr marL="1809750" indent="-177800" algn="l" rtl="0" eaLnBrk="1" fontAlgn="base" hangingPunct="1">
-              <a:spcBef>
-                <a:spcPct val="20000"/>
-              </a:spcBef>
-              <a:spcAft>
-                <a:spcPct val="0"/>
-              </a:spcAft>
-              <a:buClr>
-                <a:schemeClr val="accent2"/>
-              </a:buClr>
-              <a:buFont typeface="Arial" charset="0"/>
-              <a:buChar char="•"/>
-              <a:defRPr lang="de-DE" kern="1200" dirty="0">
-                <a:solidFill>
-                  <a:schemeClr val="tx1"/>
-                </a:solidFill>
-                <a:latin typeface="Tahoma" pitchFamily="34" charset="0"/>
-                <a:ea typeface="+mn-ea"/>
-                <a:cs typeface="Tahoma" pitchFamily="34" charset="0"/>
-              </a:defRPr>
-            </a:lvl7pPr>
-            <a:lvl8pPr marL="2266950" indent="-177800" algn="l" rtl="0" eaLnBrk="1" fontAlgn="base" hangingPunct="1">
-              <a:spcBef>
-                <a:spcPct val="20000"/>
-              </a:spcBef>
-              <a:spcAft>
-                <a:spcPct val="0"/>
-              </a:spcAft>
-              <a:buClr>
-                <a:schemeClr val="accent2"/>
-              </a:buClr>
-              <a:buFont typeface="Arial" charset="0"/>
-              <a:buChar char="•"/>
-              <a:defRPr lang="de-DE" kern="1200" dirty="0">
-                <a:solidFill>
-                  <a:schemeClr val="tx1"/>
-                </a:solidFill>
-                <a:latin typeface="Tahoma" pitchFamily="34" charset="0"/>
-                <a:ea typeface="+mn-ea"/>
-                <a:cs typeface="Tahoma" pitchFamily="34" charset="0"/>
-              </a:defRPr>
-            </a:lvl8pPr>
-            <a:lvl9pPr marL="2724150" indent="-177800" algn="l" rtl="0" eaLnBrk="1" fontAlgn="base" hangingPunct="1">
-              <a:spcBef>
-                <a:spcPct val="20000"/>
-              </a:spcBef>
-              <a:spcAft>
-                <a:spcPct val="0"/>
-              </a:spcAft>
-              <a:buClr>
-                <a:schemeClr val="accent2"/>
-              </a:buClr>
-              <a:buFont typeface="Arial" charset="0"/>
-              <a:buChar char="•"/>
-              <a:defRPr lang="de-DE" kern="1200" dirty="0">
-                <a:solidFill>
-                  <a:schemeClr val="tx1"/>
-                </a:solidFill>
-                <a:latin typeface="Tahoma" pitchFamily="34" charset="0"/>
-                <a:ea typeface="+mn-ea"/>
-                <a:cs typeface="Tahoma" pitchFamily="34" charset="0"/>
-              </a:defRPr>
-            </a:lvl9pPr>
-          </a:lstStyle>
-          <a:p>
-            <a:r>
-              <a:rPr lang="de-DE" sz="2000" dirty="0" err="1">
-                <a:latin typeface="+mn-lt"/>
-              </a:rPr>
-              <a:t>Minigames</a:t>
-            </a:r>
-            <a:endParaRPr lang="de-DE" sz="2000" dirty="0">
-              <a:latin typeface="+mn-lt"/>
-            </a:endParaRPr>
-          </a:p>
-          <a:p>
-            <a:pPr lvl="1"/>
-            <a:r>
-              <a:rPr lang="de-DE" sz="2000" dirty="0">
-                <a:latin typeface="+mn-lt"/>
-              </a:rPr>
-              <a:t>Werfen auf Zielscheibe, um neuen Baustein zu erhalten</a:t>
-            </a:r>
-          </a:p>
-          <a:p>
-            <a:pPr lvl="1"/>
-            <a:r>
-              <a:rPr lang="de-DE" sz="2000" dirty="0">
-                <a:latin typeface="+mn-lt"/>
-              </a:rPr>
-              <a:t>Hochrutschen des Spielbretts</a:t>
-            </a:r>
-          </a:p>
-          <a:p>
-            <a:pPr marL="361950" lvl="2" indent="0">
-              <a:buNone/>
-            </a:pPr>
-            <a:r>
-              <a:rPr lang="de-DE" sz="2000" dirty="0">
-                <a:latin typeface="+mn-lt"/>
-              </a:rPr>
-              <a:t>→ Möglichkeiten in der VR entdecken</a:t>
-            </a:r>
-          </a:p>
-          <a:p>
-            <a:pPr lvl="1"/>
-            <a:r>
-              <a:rPr lang="de-DE" sz="2000" dirty="0">
-                <a:latin typeface="+mn-lt"/>
-              </a:rPr>
-              <a:t>Zusammenbauen von Bausteinen, bevor sie benutzt werden können</a:t>
-            </a:r>
-          </a:p>
-          <a:p>
-            <a:pPr marL="0" indent="0">
-              <a:buFont typeface="Arial" pitchFamily="34" charset="0"/>
-              <a:buNone/>
-            </a:pPr>
-            <a:endParaRPr lang="de-DE" dirty="0"/>
-          </a:p>
-          <a:p>
-            <a:pPr marL="0" indent="0">
-              <a:buFont typeface="Arial" pitchFamily="34" charset="0"/>
-              <a:buNone/>
-            </a:pPr>
-            <a:endParaRPr lang="de-DE" dirty="0"/>
-          </a:p>
-          <a:p>
-            <a:pPr marL="0" indent="0">
-              <a:buFont typeface="Arial" pitchFamily="34" charset="0"/>
-              <a:buNone/>
-            </a:pPr>
-            <a:endParaRPr lang="de-DE" dirty="0"/>
-          </a:p>
-          <a:p>
-            <a:endParaRPr lang="de-DE" dirty="0"/>
-          </a:p>
-        </p:txBody>
-      </p:sp>
-      <p:pic>
-        <p:nvPicPr>
-          <p:cNvPr id="10" name="Grafik 9">
-            <a:extLst>
-              <a:ext uri="{FF2B5EF4-FFF2-40B4-BE49-F238E27FC236}">
-                <a16:creationId xmlns:a16="http://schemas.microsoft.com/office/drawing/2014/main" id="{D5F9C5C6-F348-4C92-B765-F61B2EAA39C6}"/>
-              </a:ext>
-            </a:extLst>
-          </p:cNvPr>
-          <p:cNvPicPr>
-            <a:picLocks noChangeAspect="1"/>
-          </p:cNvPicPr>
-          <p:nvPr/>
-        </p:nvPicPr>
-        <p:blipFill>
-          <a:blip r:embed="rId4"/>
-          <a:stretch>
-            <a:fillRect/>
-          </a:stretch>
-        </p:blipFill>
-        <p:spPr>
-          <a:xfrm>
-            <a:off x="5336280" y="3793975"/>
-            <a:ext cx="3551648" cy="2268051"/>
-          </a:xfrm>
-          <a:prstGeom prst="rect">
-            <a:avLst/>
-          </a:prstGeom>
-        </p:spPr>
-      </p:pic>
     </p:spTree>
     <p:extLst>
       <p:ext uri="{BB962C8B-B14F-4D97-AF65-F5344CB8AC3E}">
-        <p14:creationId xmlns:p14="http://schemas.microsoft.com/office/powerpoint/2010/main" val="2430456683"/>
+        <p14:creationId xmlns:p14="http://schemas.microsoft.com/office/powerpoint/2010/main" val="1799342755"/>
       </p:ext>
     </p:extLst>
   </p:cSld>
@@ -7935,10 +12266,10 @@
       </p:grpSpPr>
       <p:sp>
         <p:nvSpPr>
-          <p:cNvPr id="2" name="Titel 1">
+          <p:cNvPr id="4" name="Titel 1">
             <a:extLst>
               <a:ext uri="{FF2B5EF4-FFF2-40B4-BE49-F238E27FC236}">
-                <a16:creationId xmlns:a16="http://schemas.microsoft.com/office/drawing/2014/main" id="{1F0B2DD4-3EBE-4F2F-AA5C-CA3D33F8AC9C}"/>
+                <a16:creationId xmlns:a16="http://schemas.microsoft.com/office/drawing/2014/main" id="{46A5CE60-5AFB-4775-A988-B64282ECF4AC}"/>
               </a:ext>
             </a:extLst>
           </p:cNvPr>
@@ -7952,7 +12283,7 @@
         <p:spPr>
           <a:xfrm>
             <a:off x="275526" y="416664"/>
-            <a:ext cx="5934075" cy="926481"/>
+            <a:ext cx="5934075" cy="1346200"/>
           </a:xfrm>
         </p:spPr>
         <p:txBody>
@@ -7960,92 +12291,262 @@
           <a:lstStyle/>
           <a:p>
             <a:r>
-              <a:rPr lang="de-DE" dirty="0"/>
-              <a:t>Elementsteine - Design</a:t>
+              <a:rPr lang="de-DE" sz="3200" cap="none" dirty="0"/>
+              <a:t>Wireframe Modell des Raums</a:t>
             </a:r>
           </a:p>
         </p:txBody>
       </p:sp>
       <p:sp>
         <p:nvSpPr>
-          <p:cNvPr id="3" name="Inhaltsplatzhalter 2">
+          <p:cNvPr id="5" name="Inhaltsplatzhalter 2">
             <a:extLst>
               <a:ext uri="{FF2B5EF4-FFF2-40B4-BE49-F238E27FC236}">
-                <a16:creationId xmlns:a16="http://schemas.microsoft.com/office/drawing/2014/main" id="{EE03C0FD-EEB0-4FC7-9103-5B1DEF20402F}"/>
+                <a16:creationId xmlns:a16="http://schemas.microsoft.com/office/drawing/2014/main" id="{4D4CFDB5-08EF-48D7-994D-68AE3CF44EC3}"/>
               </a:ext>
             </a:extLst>
           </p:cNvPr>
-          <p:cNvSpPr>
-            <a:spLocks noGrp="1"/>
+          <p:cNvSpPr txBox="1">
+            <a:spLocks/>
           </p:cNvSpPr>
-          <p:nvPr>
-            <p:ph idx="1"/>
-          </p:nvPr>
+          <p:nvPr/>
         </p:nvSpPr>
-        <p:spPr>
+        <p:spPr bwMode="auto">
           <a:xfrm>
-            <a:off x="256071" y="1343146"/>
-            <a:ext cx="8003692" cy="4939758"/>
+            <a:off x="256071" y="1828800"/>
+            <a:ext cx="8003692" cy="4454103"/>
           </a:xfrm>
+          <a:prstGeom prst="rect">
+            <a:avLst/>
+          </a:prstGeom>
+          <a:noFill/>
+          <a:ln w="9525">
+            <a:noFill/>
+            <a:miter lim="800000"/>
+            <a:headEnd/>
+            <a:tailEnd/>
+          </a:ln>
         </p:spPr>
         <p:txBody>
-          <a:bodyPr/>
-          <a:lstStyle/>
-          <a:p>
-            <a:r>
-              <a:rPr lang="de-DE" dirty="0"/>
-              <a:t>Unterschiedliche Designs für unterschiedliche Programmierelementtypen</a:t>
-            </a:r>
-          </a:p>
-          <a:p>
-            <a:r>
-              <a:rPr lang="de-DE" dirty="0"/>
-              <a:t>Idee: Spieler soll an der Form des Steins erkennen, um welchen Typen es sich handelt (wenn möglich)</a:t>
-            </a:r>
-          </a:p>
-          <a:p>
-            <a:endParaRPr lang="de-DE" dirty="0"/>
-          </a:p>
-          <a:p>
-            <a:endParaRPr lang="de-DE" dirty="0"/>
-          </a:p>
-          <a:p>
-            <a:endParaRPr lang="de-DE" dirty="0"/>
-          </a:p>
-          <a:p>
-            <a:endParaRPr lang="de-DE" dirty="0"/>
-          </a:p>
-          <a:p>
-            <a:endParaRPr lang="de-DE" dirty="0"/>
-          </a:p>
-          <a:p>
-            <a:endParaRPr lang="de-DE" dirty="0"/>
-          </a:p>
-          <a:p>
-            <a:r>
-              <a:rPr lang="de-DE" dirty="0"/>
-              <a:t>Zudem 3D-Schrift auf den Steinen, um </a:t>
-            </a:r>
-            <a:r>
-              <a:rPr lang="de-DE" dirty="0" err="1"/>
-              <a:t>Programmierelementyp</a:t>
-            </a:r>
-            <a:r>
-              <a:rPr lang="de-DE" dirty="0"/>
-              <a:t> zu verdeutlichen</a:t>
-            </a:r>
-          </a:p>
-          <a:p>
-            <a:endParaRPr lang="de-DE" dirty="0"/>
-          </a:p>
-          <a:p>
-            <a:endParaRPr lang="de-DE" dirty="0"/>
-          </a:p>
-          <a:p>
-            <a:endParaRPr lang="de-DE" dirty="0"/>
-          </a:p>
-          <a:p>
-            <a:endParaRPr lang="de-DE" dirty="0"/>
+          <a:bodyPr vert="horz" wrap="square" lIns="91440" tIns="45720" rIns="91440" bIns="45720" numCol="1" anchor="t" anchorCtr="0" compatLnSpc="1">
+            <a:prstTxWarp prst="textNoShape">
+              <a:avLst/>
+            </a:prstTxWarp>
+          </a:bodyPr>
+          <a:lstStyle>
+            <a:lvl1pPr marL="0" indent="0" algn="l" rtl="0" eaLnBrk="1" fontAlgn="base" hangingPunct="1">
+              <a:spcBef>
+                <a:spcPct val="20000"/>
+              </a:spcBef>
+              <a:spcAft>
+                <a:spcPct val="0"/>
+              </a:spcAft>
+              <a:buClr>
+                <a:schemeClr val="accent2"/>
+              </a:buClr>
+              <a:buFont typeface="Arial" charset="0"/>
+              <a:buNone/>
+              <a:defRPr lang="de-DE" sz="2000" kern="1200">
+                <a:solidFill>
+                  <a:schemeClr val="tx1">
+                    <a:tint val="75000"/>
+                  </a:schemeClr>
+                </a:solidFill>
+                <a:latin typeface="Tahoma" pitchFamily="34" charset="0"/>
+                <a:ea typeface="+mn-ea"/>
+                <a:cs typeface="Tahoma" pitchFamily="34" charset="0"/>
+              </a:defRPr>
+            </a:lvl1pPr>
+            <a:lvl2pPr marL="457200" indent="0" algn="l" rtl="0" eaLnBrk="1" fontAlgn="base" hangingPunct="1">
+              <a:spcBef>
+                <a:spcPct val="20000"/>
+              </a:spcBef>
+              <a:spcAft>
+                <a:spcPct val="0"/>
+              </a:spcAft>
+              <a:buClr>
+                <a:schemeClr val="accent2"/>
+              </a:buClr>
+              <a:buFont typeface="Arial" charset="0"/>
+              <a:buNone/>
+              <a:defRPr lang="de-DE" sz="1800" kern="1200">
+                <a:solidFill>
+                  <a:schemeClr val="tx1">
+                    <a:tint val="75000"/>
+                  </a:schemeClr>
+                </a:solidFill>
+                <a:latin typeface="Tahoma" pitchFamily="34" charset="0"/>
+                <a:ea typeface="+mn-ea"/>
+                <a:cs typeface="Tahoma" pitchFamily="34" charset="0"/>
+              </a:defRPr>
+            </a:lvl2pPr>
+            <a:lvl3pPr marL="914400" indent="0" algn="l" rtl="0" eaLnBrk="1" fontAlgn="base" hangingPunct="1">
+              <a:spcBef>
+                <a:spcPct val="20000"/>
+              </a:spcBef>
+              <a:spcAft>
+                <a:spcPct val="0"/>
+              </a:spcAft>
+              <a:buClr>
+                <a:schemeClr val="accent2"/>
+              </a:buClr>
+              <a:buFont typeface="Arial" charset="0"/>
+              <a:buNone/>
+              <a:defRPr lang="de-DE" sz="1600" kern="1200">
+                <a:solidFill>
+                  <a:schemeClr val="tx1">
+                    <a:tint val="75000"/>
+                  </a:schemeClr>
+                </a:solidFill>
+                <a:latin typeface="Tahoma" pitchFamily="34" charset="0"/>
+                <a:ea typeface="+mn-ea"/>
+                <a:cs typeface="Tahoma" pitchFamily="34" charset="0"/>
+              </a:defRPr>
+            </a:lvl3pPr>
+            <a:lvl4pPr marL="1371600" indent="0" algn="l" rtl="0" eaLnBrk="1" fontAlgn="base" hangingPunct="1">
+              <a:spcBef>
+                <a:spcPct val="20000"/>
+              </a:spcBef>
+              <a:spcAft>
+                <a:spcPct val="0"/>
+              </a:spcAft>
+              <a:buClr>
+                <a:schemeClr val="accent2"/>
+              </a:buClr>
+              <a:buFont typeface="Arial" charset="0"/>
+              <a:buNone/>
+              <a:defRPr lang="de-DE" sz="1400" kern="1200">
+                <a:solidFill>
+                  <a:schemeClr val="tx1">
+                    <a:tint val="75000"/>
+                  </a:schemeClr>
+                </a:solidFill>
+                <a:latin typeface="Tahoma" pitchFamily="34" charset="0"/>
+                <a:ea typeface="+mn-ea"/>
+                <a:cs typeface="Tahoma" pitchFamily="34" charset="0"/>
+              </a:defRPr>
+            </a:lvl4pPr>
+            <a:lvl5pPr marL="1828800" indent="0" algn="l" rtl="0" eaLnBrk="1" fontAlgn="base" hangingPunct="1">
+              <a:spcBef>
+                <a:spcPct val="20000"/>
+              </a:spcBef>
+              <a:spcAft>
+                <a:spcPct val="0"/>
+              </a:spcAft>
+              <a:buClr>
+                <a:schemeClr val="accent2"/>
+              </a:buClr>
+              <a:buFont typeface="Arial" charset="0"/>
+              <a:buNone/>
+              <a:defRPr lang="de-DE" sz="1400" kern="1200">
+                <a:solidFill>
+                  <a:schemeClr val="tx1">
+                    <a:tint val="75000"/>
+                  </a:schemeClr>
+                </a:solidFill>
+                <a:latin typeface="Tahoma" pitchFamily="34" charset="0"/>
+                <a:ea typeface="+mn-ea"/>
+                <a:cs typeface="Tahoma" pitchFamily="34" charset="0"/>
+              </a:defRPr>
+            </a:lvl5pPr>
+            <a:lvl6pPr marL="2286000" indent="0" algn="l" rtl="0" eaLnBrk="1" fontAlgn="base" hangingPunct="1">
+              <a:spcBef>
+                <a:spcPct val="20000"/>
+              </a:spcBef>
+              <a:spcAft>
+                <a:spcPct val="0"/>
+              </a:spcAft>
+              <a:buClr>
+                <a:schemeClr val="accent2"/>
+              </a:buClr>
+              <a:buFont typeface="Arial" charset="0"/>
+              <a:buNone/>
+              <a:defRPr lang="de-DE" sz="1400" kern="1200">
+                <a:solidFill>
+                  <a:schemeClr val="tx1">
+                    <a:tint val="75000"/>
+                  </a:schemeClr>
+                </a:solidFill>
+                <a:latin typeface="Tahoma" pitchFamily="34" charset="0"/>
+                <a:ea typeface="+mn-ea"/>
+                <a:cs typeface="Tahoma" pitchFamily="34" charset="0"/>
+              </a:defRPr>
+            </a:lvl6pPr>
+            <a:lvl7pPr marL="2743200" indent="0" algn="l" rtl="0" eaLnBrk="1" fontAlgn="base" hangingPunct="1">
+              <a:spcBef>
+                <a:spcPct val="20000"/>
+              </a:spcBef>
+              <a:spcAft>
+                <a:spcPct val="0"/>
+              </a:spcAft>
+              <a:buClr>
+                <a:schemeClr val="accent2"/>
+              </a:buClr>
+              <a:buFont typeface="Arial" charset="0"/>
+              <a:buNone/>
+              <a:defRPr lang="de-DE" sz="1400" kern="1200">
+                <a:solidFill>
+                  <a:schemeClr val="tx1">
+                    <a:tint val="75000"/>
+                  </a:schemeClr>
+                </a:solidFill>
+                <a:latin typeface="Tahoma" pitchFamily="34" charset="0"/>
+                <a:ea typeface="+mn-ea"/>
+                <a:cs typeface="Tahoma" pitchFamily="34" charset="0"/>
+              </a:defRPr>
+            </a:lvl7pPr>
+            <a:lvl8pPr marL="3200400" indent="0" algn="l" rtl="0" eaLnBrk="1" fontAlgn="base" hangingPunct="1">
+              <a:spcBef>
+                <a:spcPct val="20000"/>
+              </a:spcBef>
+              <a:spcAft>
+                <a:spcPct val="0"/>
+              </a:spcAft>
+              <a:buClr>
+                <a:schemeClr val="accent2"/>
+              </a:buClr>
+              <a:buFont typeface="Arial" charset="0"/>
+              <a:buNone/>
+              <a:defRPr lang="de-DE" sz="1400" kern="1200">
+                <a:solidFill>
+                  <a:schemeClr val="tx1">
+                    <a:tint val="75000"/>
+                  </a:schemeClr>
+                </a:solidFill>
+                <a:latin typeface="Tahoma" pitchFamily="34" charset="0"/>
+                <a:ea typeface="+mn-ea"/>
+                <a:cs typeface="Tahoma" pitchFamily="34" charset="0"/>
+              </a:defRPr>
+            </a:lvl8pPr>
+            <a:lvl9pPr marL="3657600" indent="0" algn="l" rtl="0" eaLnBrk="1" fontAlgn="base" hangingPunct="1">
+              <a:spcBef>
+                <a:spcPct val="20000"/>
+              </a:spcBef>
+              <a:spcAft>
+                <a:spcPct val="0"/>
+              </a:spcAft>
+              <a:buClr>
+                <a:schemeClr val="accent2"/>
+              </a:buClr>
+              <a:buFont typeface="Arial" charset="0"/>
+              <a:buNone/>
+              <a:defRPr lang="de-DE" sz="1400" kern="1200">
+                <a:solidFill>
+                  <a:schemeClr val="tx1">
+                    <a:tint val="75000"/>
+                  </a:schemeClr>
+                </a:solidFill>
+                <a:latin typeface="Tahoma" pitchFamily="34" charset="0"/>
+                <a:ea typeface="+mn-ea"/>
+                <a:cs typeface="Tahoma" pitchFamily="34" charset="0"/>
+              </a:defRPr>
+            </a:lvl9pPr>
+          </a:lstStyle>
+          <a:p>
+            <a:endParaRPr lang="de-DE"/>
+          </a:p>
+          <a:p>
+            <a:endParaRPr lang="de-DE"/>
           </a:p>
           <a:p>
             <a:endParaRPr lang="de-DE" dirty="0"/>
@@ -8054,20 +12555,18 @@
       </p:sp>
       <p:pic>
         <p:nvPicPr>
-          <p:cNvPr id="5" name="Grafik 4">
+          <p:cNvPr id="6" name="Grafik 5">
             <a:extLst>
               <a:ext uri="{FF2B5EF4-FFF2-40B4-BE49-F238E27FC236}">
-                <a16:creationId xmlns:a16="http://schemas.microsoft.com/office/drawing/2014/main" id="{BDFA8C0A-B84B-BF46-AC8B-3E84954DB652}"/>
+                <a16:creationId xmlns:a16="http://schemas.microsoft.com/office/drawing/2014/main" id="{DE2DE06E-622F-4B9D-AFED-B31AC74355FF}"/>
               </a:ext>
             </a:extLst>
           </p:cNvPr>
-          <p:cNvPicPr>
-            <a:picLocks noChangeAspect="1"/>
-          </p:cNvPicPr>
+          <p:cNvPicPr/>
           <p:nvPr/>
         </p:nvPicPr>
         <p:blipFill>
-          <a:blip r:embed="rId2">
+          <a:blip r:embed="rId2" cstate="print">
             <a:extLst>
               <a:ext uri="{28A0092B-C50C-407E-A947-70E740481C1C}">
                 <a14:useLocalDpi xmlns:a14="http://schemas.microsoft.com/office/drawing/2010/main" val="0"/>
@@ -8080,44 +12579,8 @@
         </p:blipFill>
         <p:spPr>
           <a:xfrm>
-            <a:off x="3572536" y="2052865"/>
-            <a:ext cx="2354036" cy="2150379"/>
-          </a:xfrm>
-          <a:prstGeom prst="rect">
-            <a:avLst/>
-          </a:prstGeom>
-        </p:spPr>
-      </p:pic>
-      <p:pic>
-        <p:nvPicPr>
-          <p:cNvPr id="7" name="Grafik 6">
-            <a:extLst>
-              <a:ext uri="{FF2B5EF4-FFF2-40B4-BE49-F238E27FC236}">
-                <a16:creationId xmlns:a16="http://schemas.microsoft.com/office/drawing/2014/main" id="{A7874900-1D54-464B-B3EF-15DB6F09519B}"/>
-              </a:ext>
-            </a:extLst>
-          </p:cNvPr>
-          <p:cNvPicPr>
-            <a:picLocks noChangeAspect="1"/>
-          </p:cNvPicPr>
-          <p:nvPr/>
-        </p:nvPicPr>
-        <p:blipFill>
-          <a:blip r:embed="rId3">
-            <a:extLst>
-              <a:ext uri="{28A0092B-C50C-407E-A947-70E740481C1C}">
-                <a14:useLocalDpi xmlns:a14="http://schemas.microsoft.com/office/drawing/2010/main" val="0"/>
-              </a:ext>
-            </a:extLst>
-          </a:blip>
-          <a:stretch>
-            <a:fillRect/>
-          </a:stretch>
-        </p:blipFill>
-        <p:spPr>
-          <a:xfrm>
-            <a:off x="3572536" y="4782335"/>
-            <a:ext cx="2354036" cy="1622625"/>
+            <a:off x="884237" y="1693196"/>
+            <a:ext cx="6335168" cy="4265388"/>
           </a:xfrm>
           <a:prstGeom prst="rect">
             <a:avLst/>
@@ -8127,7 +12590,7 @@
     </p:spTree>
     <p:extLst>
       <p:ext uri="{BB962C8B-B14F-4D97-AF65-F5344CB8AC3E}">
-        <p14:creationId xmlns:p14="http://schemas.microsoft.com/office/powerpoint/2010/main" val="1322882623"/>
+        <p14:creationId xmlns:p14="http://schemas.microsoft.com/office/powerpoint/2010/main" val="3461532529"/>
       </p:ext>
     </p:extLst>
   </p:cSld>
